--- a/solver/figure.pptx
+++ b/solver/figure.pptx
@@ -5,12 +5,13 @@
     <p:sldMasterId id="2147483648" r:id="rId1"/>
   </p:sldMasterIdLst>
   <p:sldIdLst>
-    <p:sldId id="256" r:id="rId3"/>
+    <p:sldId id="256" r:id="rId2"/>
+    <p:sldId id="257" r:id="rId3"/>
   </p:sldIdLst>
   <p:sldSz cx="12192000" cy="6858000"/>
   <p:notesSz cx="6858000" cy="9144000"/>
   <p:custDataLst>
-    <p:tags r:id="rId7"/>
+    <p:tags r:id="rId4"/>
   </p:custDataLst>
   <p:defaultTextStyle>
     <a:defPPr>
@@ -107,7 +108,3538 @@
       </a:defRPr>
     </a:lvl9pPr>
   </p:defaultTextStyle>
+  <p:extLst>
+    <p:ext uri="{EFAFB233-063F-42B5-8137-9DF3F51BA10A}">
+      <p15:sldGuideLst xmlns:p15="http://schemas.microsoft.com/office/powerpoint/2012/main">
+        <p15:guide id="1" orient="horz" pos="2160">
+          <p15:clr>
+            <a:srgbClr val="A4A3A4"/>
+          </p15:clr>
+        </p15:guide>
+        <p15:guide id="2" pos="3840">
+          <p15:clr>
+            <a:srgbClr val="A4A3A4"/>
+          </p15:clr>
+        </p15:guide>
+      </p15:sldGuideLst>
+    </p:ext>
+    <p:ext uri="{2D200454-40CA-4A62-9FC3-DE9A4176ACB9}">
+      <p15:notesGuideLst xmlns:p15="http://schemas.microsoft.com/office/powerpoint/2012/main"/>
+    </p:ext>
+  </p:extLst>
 </p:presentation>
+</file>
+
+<file path=ppt/diagrams/colors1.xml><?xml version="1.0" encoding="utf-8"?>
+<dgm:colorsDef xmlns:dgm="http://schemas.openxmlformats.org/drawingml/2006/diagram" xmlns:a="http://schemas.openxmlformats.org/drawingml/2006/main" uniqueId="urn:microsoft.com/office/officeart/2005/8/colors/accent6_5">
+  <dgm:title val=""/>
+  <dgm:desc val=""/>
+  <dgm:catLst>
+    <dgm:cat type="accent6" pri="11500"/>
+  </dgm:catLst>
+  <dgm:styleLbl name="node0">
+    <dgm:fillClrLst meth="cycle">
+      <a:schemeClr val="accent6">
+        <a:alpha val="80000"/>
+      </a:schemeClr>
+    </dgm:fillClrLst>
+    <dgm:linClrLst meth="repeat">
+      <a:schemeClr val="lt1"/>
+    </dgm:linClrLst>
+    <dgm:effectClrLst/>
+    <dgm:txLinClrLst/>
+    <dgm:txFillClrLst/>
+    <dgm:txEffectClrLst/>
+  </dgm:styleLbl>
+  <dgm:styleLbl name="alignNode1">
+    <dgm:fillClrLst>
+      <a:schemeClr val="accent6">
+        <a:alpha val="90000"/>
+      </a:schemeClr>
+      <a:schemeClr val="accent6">
+        <a:alpha val="50000"/>
+      </a:schemeClr>
+    </dgm:fillClrLst>
+    <dgm:linClrLst>
+      <a:schemeClr val="accent6">
+        <a:alpha val="90000"/>
+      </a:schemeClr>
+      <a:schemeClr val="accent6">
+        <a:alpha val="50000"/>
+      </a:schemeClr>
+    </dgm:linClrLst>
+    <dgm:effectClrLst/>
+    <dgm:txLinClrLst/>
+    <dgm:txFillClrLst/>
+    <dgm:txEffectClrLst/>
+  </dgm:styleLbl>
+  <dgm:styleLbl name="node1">
+    <dgm:fillClrLst>
+      <a:schemeClr val="accent6">
+        <a:alpha val="90000"/>
+      </a:schemeClr>
+      <a:schemeClr val="accent6">
+        <a:alpha val="50000"/>
+      </a:schemeClr>
+    </dgm:fillClrLst>
+    <dgm:linClrLst meth="repeat">
+      <a:schemeClr val="lt1"/>
+    </dgm:linClrLst>
+    <dgm:effectClrLst/>
+    <dgm:txLinClrLst/>
+    <dgm:txFillClrLst/>
+    <dgm:txEffectClrLst/>
+  </dgm:styleLbl>
+  <dgm:styleLbl name="lnNode1">
+    <dgm:fillClrLst>
+      <a:schemeClr val="accent6">
+        <a:shade val="90000"/>
+      </a:schemeClr>
+      <a:schemeClr val="accent6">
+        <a:tint val="50000"/>
+        <a:alpha val="50000"/>
+      </a:schemeClr>
+    </dgm:fillClrLst>
+    <dgm:linClrLst meth="repeat">
+      <a:schemeClr val="lt1"/>
+    </dgm:linClrLst>
+    <dgm:effectClrLst/>
+    <dgm:txLinClrLst/>
+    <dgm:txFillClrLst/>
+    <dgm:txEffectClrLst/>
+  </dgm:styleLbl>
+  <dgm:styleLbl name="vennNode1">
+    <dgm:fillClrLst>
+      <a:schemeClr val="accent6">
+        <a:shade val="80000"/>
+        <a:alpha val="50000"/>
+      </a:schemeClr>
+      <a:schemeClr val="accent6">
+        <a:alpha val="80000"/>
+      </a:schemeClr>
+    </dgm:fillClrLst>
+    <dgm:linClrLst meth="repeat">
+      <a:schemeClr val="lt1"/>
+    </dgm:linClrLst>
+    <dgm:effectClrLst/>
+    <dgm:txLinClrLst/>
+    <dgm:txFillClrLst/>
+    <dgm:txEffectClrLst/>
+  </dgm:styleLbl>
+  <dgm:styleLbl name="node2">
+    <dgm:fillClrLst>
+      <a:schemeClr val="accent6">
+        <a:alpha val="70000"/>
+      </a:schemeClr>
+    </dgm:fillClrLst>
+    <dgm:linClrLst meth="repeat">
+      <a:schemeClr val="lt1"/>
+    </dgm:linClrLst>
+    <dgm:effectClrLst/>
+    <dgm:txLinClrLst/>
+    <dgm:txFillClrLst/>
+    <dgm:txEffectClrLst/>
+  </dgm:styleLbl>
+  <dgm:styleLbl name="node3">
+    <dgm:fillClrLst>
+      <a:schemeClr val="accent6">
+        <a:alpha val="50000"/>
+      </a:schemeClr>
+    </dgm:fillClrLst>
+    <dgm:linClrLst meth="repeat">
+      <a:schemeClr val="lt1"/>
+    </dgm:linClrLst>
+    <dgm:effectClrLst/>
+    <dgm:txLinClrLst/>
+    <dgm:txFillClrLst/>
+    <dgm:txEffectClrLst/>
+  </dgm:styleLbl>
+  <dgm:styleLbl name="node4">
+    <dgm:fillClrLst>
+      <a:schemeClr val="accent6">
+        <a:alpha val="30000"/>
+      </a:schemeClr>
+    </dgm:fillClrLst>
+    <dgm:linClrLst meth="repeat">
+      <a:schemeClr val="lt1"/>
+    </dgm:linClrLst>
+    <dgm:effectClrLst/>
+    <dgm:txLinClrLst/>
+    <dgm:txFillClrLst/>
+    <dgm:txEffectClrLst/>
+  </dgm:styleLbl>
+  <dgm:styleLbl name="fgImgPlace1">
+    <dgm:fillClrLst>
+      <a:schemeClr val="accent6">
+        <a:tint val="50000"/>
+        <a:alpha val="90000"/>
+      </a:schemeClr>
+      <a:schemeClr val="accent6">
+        <a:tint val="20000"/>
+        <a:alpha val="50000"/>
+      </a:schemeClr>
+    </dgm:fillClrLst>
+    <dgm:linClrLst meth="repeat">
+      <a:schemeClr val="lt1"/>
+    </dgm:linClrLst>
+    <dgm:effectClrLst/>
+    <dgm:txLinClrLst/>
+    <dgm:txFillClrLst meth="repeat">
+      <a:schemeClr val="lt1"/>
+    </dgm:txFillClrLst>
+    <dgm:txEffectClrLst/>
+  </dgm:styleLbl>
+  <dgm:styleLbl name="alignImgPlace1">
+    <dgm:fillClrLst>
+      <a:schemeClr val="accent6">
+        <a:tint val="50000"/>
+      </a:schemeClr>
+      <a:schemeClr val="accent6">
+        <a:tint val="20000"/>
+      </a:schemeClr>
+    </dgm:fillClrLst>
+    <dgm:linClrLst meth="repeat">
+      <a:schemeClr val="lt1"/>
+    </dgm:linClrLst>
+    <dgm:effectClrLst/>
+    <dgm:txLinClrLst/>
+    <dgm:txFillClrLst meth="repeat">
+      <a:schemeClr val="lt1"/>
+    </dgm:txFillClrLst>
+    <dgm:txEffectClrLst/>
+  </dgm:styleLbl>
+  <dgm:styleLbl name="bgImgPlace1">
+    <dgm:fillClrLst>
+      <a:schemeClr val="accent6">
+        <a:tint val="50000"/>
+      </a:schemeClr>
+      <a:schemeClr val="accent6">
+        <a:tint val="20000"/>
+      </a:schemeClr>
+    </dgm:fillClrLst>
+    <dgm:linClrLst meth="repeat">
+      <a:schemeClr val="lt1"/>
+    </dgm:linClrLst>
+    <dgm:effectClrLst/>
+    <dgm:txLinClrLst/>
+    <dgm:txFillClrLst meth="repeat">
+      <a:schemeClr val="lt1"/>
+    </dgm:txFillClrLst>
+    <dgm:txEffectClrLst/>
+  </dgm:styleLbl>
+  <dgm:styleLbl name="sibTrans2D1">
+    <dgm:fillClrLst>
+      <a:schemeClr val="accent6">
+        <a:shade val="90000"/>
+      </a:schemeClr>
+      <a:schemeClr val="accent6">
+        <a:tint val="50000"/>
+      </a:schemeClr>
+    </dgm:fillClrLst>
+    <dgm:linClrLst>
+      <a:schemeClr val="accent6">
+        <a:shade val="90000"/>
+      </a:schemeClr>
+      <a:schemeClr val="accent6">
+        <a:tint val="50000"/>
+      </a:schemeClr>
+    </dgm:linClrLst>
+    <dgm:effectClrLst/>
+    <dgm:txLinClrLst/>
+    <dgm:txFillClrLst/>
+    <dgm:txEffectClrLst/>
+  </dgm:styleLbl>
+  <dgm:styleLbl name="fgSibTrans2D1">
+    <dgm:fillClrLst>
+      <a:schemeClr val="accent6">
+        <a:shade val="90000"/>
+      </a:schemeClr>
+      <a:schemeClr val="accent6">
+        <a:tint val="50000"/>
+      </a:schemeClr>
+    </dgm:fillClrLst>
+    <dgm:linClrLst>
+      <a:schemeClr val="accent6">
+        <a:shade val="90000"/>
+      </a:schemeClr>
+      <a:schemeClr val="accent6">
+        <a:tint val="50000"/>
+      </a:schemeClr>
+    </dgm:linClrLst>
+    <dgm:effectClrLst/>
+    <dgm:txLinClrLst/>
+    <dgm:txFillClrLst/>
+    <dgm:txEffectClrLst/>
+  </dgm:styleLbl>
+  <dgm:styleLbl name="bgSibTrans2D1">
+    <dgm:fillClrLst>
+      <a:schemeClr val="accent6">
+        <a:shade val="90000"/>
+      </a:schemeClr>
+      <a:schemeClr val="accent6">
+        <a:tint val="50000"/>
+      </a:schemeClr>
+    </dgm:fillClrLst>
+    <dgm:linClrLst>
+      <a:schemeClr val="accent6">
+        <a:shade val="90000"/>
+      </a:schemeClr>
+      <a:schemeClr val="accent6">
+        <a:tint val="50000"/>
+      </a:schemeClr>
+    </dgm:linClrLst>
+    <dgm:effectClrLst/>
+    <dgm:txLinClrLst/>
+    <dgm:txFillClrLst/>
+    <dgm:txEffectClrLst/>
+  </dgm:styleLbl>
+  <dgm:styleLbl name="sibTrans1D1">
+    <dgm:fillClrLst>
+      <a:schemeClr val="accent6">
+        <a:shade val="90000"/>
+      </a:schemeClr>
+      <a:schemeClr val="accent6">
+        <a:tint val="50000"/>
+      </a:schemeClr>
+    </dgm:fillClrLst>
+    <dgm:linClrLst>
+      <a:schemeClr val="accent6">
+        <a:shade val="90000"/>
+      </a:schemeClr>
+      <a:schemeClr val="accent6">
+        <a:tint val="50000"/>
+      </a:schemeClr>
+    </dgm:linClrLst>
+    <dgm:effectClrLst/>
+    <dgm:txLinClrLst/>
+    <dgm:txFillClrLst meth="repeat">
+      <a:schemeClr val="tx1"/>
+    </dgm:txFillClrLst>
+    <dgm:txEffectClrLst/>
+  </dgm:styleLbl>
+  <dgm:styleLbl name="callout">
+    <dgm:fillClrLst meth="repeat">
+      <a:schemeClr val="accent6"/>
+    </dgm:fillClrLst>
+    <dgm:linClrLst meth="repeat">
+      <a:schemeClr val="accent6"/>
+    </dgm:linClrLst>
+    <dgm:effectClrLst/>
+    <dgm:txLinClrLst/>
+    <dgm:txFillClrLst meth="repeat">
+      <a:schemeClr val="tx1"/>
+    </dgm:txFillClrLst>
+    <dgm:txEffectClrLst/>
+  </dgm:styleLbl>
+  <dgm:styleLbl name="asst0">
+    <dgm:fillClrLst meth="repeat">
+      <a:schemeClr val="accent6">
+        <a:alpha val="90000"/>
+      </a:schemeClr>
+    </dgm:fillClrLst>
+    <dgm:linClrLst meth="repeat">
+      <a:schemeClr val="lt1"/>
+    </dgm:linClrLst>
+    <dgm:effectClrLst/>
+    <dgm:txLinClrLst/>
+    <dgm:txFillClrLst/>
+    <dgm:txEffectClrLst/>
+  </dgm:styleLbl>
+  <dgm:styleLbl name="asst1">
+    <dgm:fillClrLst meth="repeat">
+      <a:schemeClr val="accent6">
+        <a:alpha val="90000"/>
+      </a:schemeClr>
+    </dgm:fillClrLst>
+    <dgm:linClrLst meth="repeat">
+      <a:schemeClr val="lt1"/>
+    </dgm:linClrLst>
+    <dgm:effectClrLst/>
+    <dgm:txLinClrLst/>
+    <dgm:txFillClrLst/>
+    <dgm:txEffectClrLst/>
+  </dgm:styleLbl>
+  <dgm:styleLbl name="asst2">
+    <dgm:fillClrLst>
+      <a:schemeClr val="accent6">
+        <a:alpha val="90000"/>
+      </a:schemeClr>
+    </dgm:fillClrLst>
+    <dgm:linClrLst meth="repeat">
+      <a:schemeClr val="lt1"/>
+    </dgm:linClrLst>
+    <dgm:effectClrLst/>
+    <dgm:txLinClrLst/>
+    <dgm:txFillClrLst/>
+    <dgm:txEffectClrLst/>
+  </dgm:styleLbl>
+  <dgm:styleLbl name="asst3">
+    <dgm:fillClrLst>
+      <a:schemeClr val="accent6">
+        <a:alpha val="70000"/>
+      </a:schemeClr>
+    </dgm:fillClrLst>
+    <dgm:linClrLst meth="repeat">
+      <a:schemeClr val="lt1"/>
+    </dgm:linClrLst>
+    <dgm:effectClrLst/>
+    <dgm:txLinClrLst/>
+    <dgm:txFillClrLst/>
+    <dgm:txEffectClrLst/>
+  </dgm:styleLbl>
+  <dgm:styleLbl name="asst4">
+    <dgm:fillClrLst>
+      <a:schemeClr val="accent6">
+        <a:alpha val="50000"/>
+      </a:schemeClr>
+    </dgm:fillClrLst>
+    <dgm:linClrLst meth="repeat">
+      <a:schemeClr val="lt1"/>
+    </dgm:linClrLst>
+    <dgm:effectClrLst/>
+    <dgm:txLinClrLst/>
+    <dgm:txFillClrLst/>
+    <dgm:txEffectClrLst/>
+  </dgm:styleLbl>
+  <dgm:styleLbl name="parChTrans2D1">
+    <dgm:fillClrLst meth="repeat">
+      <a:schemeClr val="accent6">
+        <a:shade val="80000"/>
+      </a:schemeClr>
+    </dgm:fillClrLst>
+    <dgm:linClrLst meth="repeat">
+      <a:schemeClr val="accent6">
+        <a:shade val="80000"/>
+      </a:schemeClr>
+    </dgm:linClrLst>
+    <dgm:effectClrLst/>
+    <dgm:txLinClrLst/>
+    <dgm:txFillClrLst/>
+    <dgm:txEffectClrLst/>
+  </dgm:styleLbl>
+  <dgm:styleLbl name="parChTrans2D2">
+    <dgm:fillClrLst meth="repeat">
+      <a:schemeClr val="accent6">
+        <a:tint val="90000"/>
+      </a:schemeClr>
+    </dgm:fillClrLst>
+    <dgm:linClrLst meth="repeat">
+      <a:schemeClr val="accent6">
+        <a:tint val="90000"/>
+      </a:schemeClr>
+    </dgm:linClrLst>
+    <dgm:effectClrLst/>
+    <dgm:txLinClrLst/>
+    <dgm:txFillClrLst/>
+    <dgm:txEffectClrLst/>
+  </dgm:styleLbl>
+  <dgm:styleLbl name="parChTrans2D3">
+    <dgm:fillClrLst meth="repeat">
+      <a:schemeClr val="accent6">
+        <a:tint val="70000"/>
+      </a:schemeClr>
+    </dgm:fillClrLst>
+    <dgm:linClrLst meth="repeat">
+      <a:schemeClr val="accent6">
+        <a:tint val="70000"/>
+      </a:schemeClr>
+    </dgm:linClrLst>
+    <dgm:effectClrLst/>
+    <dgm:txLinClrLst/>
+    <dgm:txFillClrLst/>
+    <dgm:txEffectClrLst/>
+  </dgm:styleLbl>
+  <dgm:styleLbl name="parChTrans2D4">
+    <dgm:fillClrLst meth="repeat">
+      <a:schemeClr val="accent6">
+        <a:tint val="50000"/>
+      </a:schemeClr>
+    </dgm:fillClrLst>
+    <dgm:linClrLst meth="repeat">
+      <a:schemeClr val="accent6">
+        <a:tint val="50000"/>
+      </a:schemeClr>
+    </dgm:linClrLst>
+    <dgm:effectClrLst/>
+    <dgm:txLinClrLst/>
+    <dgm:txFillClrLst meth="repeat">
+      <a:schemeClr val="dk1"/>
+    </dgm:txFillClrLst>
+    <dgm:txEffectClrLst/>
+  </dgm:styleLbl>
+  <dgm:styleLbl name="parChTrans1D1">
+    <dgm:fillClrLst meth="repeat">
+      <a:schemeClr val="accent6">
+        <a:shade val="80000"/>
+      </a:schemeClr>
+    </dgm:fillClrLst>
+    <dgm:linClrLst meth="repeat">
+      <a:schemeClr val="accent6">
+        <a:shade val="80000"/>
+      </a:schemeClr>
+    </dgm:linClrLst>
+    <dgm:effectClrLst/>
+    <dgm:txLinClrLst/>
+    <dgm:txFillClrLst meth="repeat">
+      <a:schemeClr val="tx1"/>
+    </dgm:txFillClrLst>
+    <dgm:txEffectClrLst/>
+  </dgm:styleLbl>
+  <dgm:styleLbl name="parChTrans1D2">
+    <dgm:fillClrLst meth="repeat">
+      <a:schemeClr val="accent6">
+        <a:tint val="90000"/>
+      </a:schemeClr>
+    </dgm:fillClrLst>
+    <dgm:linClrLst meth="repeat">
+      <a:schemeClr val="accent6">
+        <a:tint val="90000"/>
+      </a:schemeClr>
+    </dgm:linClrLst>
+    <dgm:effectClrLst/>
+    <dgm:txLinClrLst/>
+    <dgm:txFillClrLst meth="repeat">
+      <a:schemeClr val="tx1"/>
+    </dgm:txFillClrLst>
+    <dgm:txEffectClrLst/>
+  </dgm:styleLbl>
+  <dgm:styleLbl name="parChTrans1D3">
+    <dgm:fillClrLst meth="repeat">
+      <a:schemeClr val="accent6">
+        <a:tint val="70000"/>
+      </a:schemeClr>
+    </dgm:fillClrLst>
+    <dgm:linClrLst meth="repeat">
+      <a:schemeClr val="accent6">
+        <a:tint val="70000"/>
+      </a:schemeClr>
+    </dgm:linClrLst>
+    <dgm:effectClrLst/>
+    <dgm:txLinClrLst/>
+    <dgm:txFillClrLst meth="repeat">
+      <a:schemeClr val="tx1"/>
+    </dgm:txFillClrLst>
+    <dgm:txEffectClrLst/>
+  </dgm:styleLbl>
+  <dgm:styleLbl name="parChTrans1D4">
+    <dgm:fillClrLst meth="repeat">
+      <a:schemeClr val="accent6">
+        <a:tint val="50000"/>
+      </a:schemeClr>
+    </dgm:fillClrLst>
+    <dgm:linClrLst meth="repeat">
+      <a:schemeClr val="accent6">
+        <a:tint val="50000"/>
+      </a:schemeClr>
+    </dgm:linClrLst>
+    <dgm:effectClrLst/>
+    <dgm:txLinClrLst/>
+    <dgm:txFillClrLst meth="repeat">
+      <a:schemeClr val="tx1"/>
+    </dgm:txFillClrLst>
+    <dgm:txEffectClrLst/>
+  </dgm:styleLbl>
+  <dgm:styleLbl name="fgAcc1">
+    <dgm:fillClrLst meth="repeat">
+      <a:schemeClr val="lt1">
+        <a:alpha val="90000"/>
+      </a:schemeClr>
+    </dgm:fillClrLst>
+    <dgm:linClrLst>
+      <a:schemeClr val="accent6">
+        <a:alpha val="90000"/>
+      </a:schemeClr>
+      <a:schemeClr val="accent6">
+        <a:alpha val="50000"/>
+      </a:schemeClr>
+    </dgm:linClrLst>
+    <dgm:effectClrLst/>
+    <dgm:txLinClrLst/>
+    <dgm:txFillClrLst meth="repeat">
+      <a:schemeClr val="dk1"/>
+    </dgm:txFillClrLst>
+    <dgm:txEffectClrLst/>
+  </dgm:styleLbl>
+  <dgm:styleLbl name="conFgAcc1">
+    <dgm:fillClrLst meth="repeat">
+      <a:schemeClr val="lt1">
+        <a:alpha val="90000"/>
+      </a:schemeClr>
+    </dgm:fillClrLst>
+    <dgm:linClrLst>
+      <a:schemeClr val="accent6">
+        <a:alpha val="90000"/>
+      </a:schemeClr>
+      <a:schemeClr val="accent6">
+        <a:alpha val="50000"/>
+      </a:schemeClr>
+    </dgm:linClrLst>
+    <dgm:effectClrLst/>
+    <dgm:txLinClrLst/>
+    <dgm:txFillClrLst meth="repeat">
+      <a:schemeClr val="dk1"/>
+    </dgm:txFillClrLst>
+    <dgm:txEffectClrLst/>
+  </dgm:styleLbl>
+  <dgm:styleLbl name="alignAcc1">
+    <dgm:fillClrLst meth="repeat">
+      <a:schemeClr val="lt1">
+        <a:alpha val="90000"/>
+      </a:schemeClr>
+    </dgm:fillClrLst>
+    <dgm:linClrLst>
+      <a:schemeClr val="accent6">
+        <a:alpha val="90000"/>
+      </a:schemeClr>
+      <a:schemeClr val="accent6">
+        <a:alpha val="50000"/>
+      </a:schemeClr>
+    </dgm:linClrLst>
+    <dgm:effectClrLst/>
+    <dgm:txLinClrLst/>
+    <dgm:txFillClrLst meth="repeat">
+      <a:schemeClr val="dk1"/>
+    </dgm:txFillClrLst>
+    <dgm:txEffectClrLst/>
+  </dgm:styleLbl>
+  <dgm:styleLbl name="trAlignAcc1">
+    <dgm:fillClrLst meth="repeat">
+      <a:schemeClr val="lt1">
+        <a:alpha val="40000"/>
+      </a:schemeClr>
+    </dgm:fillClrLst>
+    <dgm:linClrLst>
+      <a:schemeClr val="accent6">
+        <a:alpha val="90000"/>
+      </a:schemeClr>
+      <a:schemeClr val="accent6">
+        <a:alpha val="50000"/>
+      </a:schemeClr>
+    </dgm:linClrLst>
+    <dgm:effectClrLst/>
+    <dgm:txLinClrLst/>
+    <dgm:txFillClrLst meth="repeat">
+      <a:schemeClr val="dk1"/>
+    </dgm:txFillClrLst>
+    <dgm:txEffectClrLst/>
+  </dgm:styleLbl>
+  <dgm:styleLbl name="bgAcc1">
+    <dgm:fillClrLst meth="repeat">
+      <a:schemeClr val="lt1">
+        <a:alpha val="90000"/>
+      </a:schemeClr>
+    </dgm:fillClrLst>
+    <dgm:linClrLst>
+      <a:schemeClr val="accent6">
+        <a:alpha val="90000"/>
+      </a:schemeClr>
+      <a:schemeClr val="accent6">
+        <a:alpha val="50000"/>
+      </a:schemeClr>
+    </dgm:linClrLst>
+    <dgm:effectClrLst/>
+    <dgm:txLinClrLst/>
+    <dgm:txFillClrLst meth="repeat">
+      <a:schemeClr val="dk1"/>
+    </dgm:txFillClrLst>
+    <dgm:txEffectClrLst/>
+  </dgm:styleLbl>
+  <dgm:styleLbl name="solidFgAcc1">
+    <dgm:fillClrLst meth="repeat">
+      <a:schemeClr val="lt1"/>
+    </dgm:fillClrLst>
+    <dgm:linClrLst>
+      <a:schemeClr val="accent6">
+        <a:alpha val="90000"/>
+      </a:schemeClr>
+      <a:schemeClr val="accent6">
+        <a:alpha val="50000"/>
+      </a:schemeClr>
+    </dgm:linClrLst>
+    <dgm:effectClrLst/>
+    <dgm:txLinClrLst/>
+    <dgm:txFillClrLst meth="repeat">
+      <a:schemeClr val="dk1"/>
+    </dgm:txFillClrLst>
+    <dgm:txEffectClrLst/>
+  </dgm:styleLbl>
+  <dgm:styleLbl name="solidAlignAcc1">
+    <dgm:fillClrLst meth="repeat">
+      <a:schemeClr val="lt1"/>
+    </dgm:fillClrLst>
+    <dgm:linClrLst meth="repeat">
+      <a:schemeClr val="accent6"/>
+    </dgm:linClrLst>
+    <dgm:effectClrLst/>
+    <dgm:txLinClrLst/>
+    <dgm:txFillClrLst meth="repeat">
+      <a:schemeClr val="dk1"/>
+    </dgm:txFillClrLst>
+    <dgm:txEffectClrLst/>
+  </dgm:styleLbl>
+  <dgm:styleLbl name="solidBgAcc1">
+    <dgm:fillClrLst meth="repeat">
+      <a:schemeClr val="lt1"/>
+    </dgm:fillClrLst>
+    <dgm:linClrLst meth="repeat">
+      <a:schemeClr val="accent6"/>
+    </dgm:linClrLst>
+    <dgm:effectClrLst/>
+    <dgm:txLinClrLst/>
+    <dgm:txFillClrLst meth="repeat">
+      <a:schemeClr val="dk1"/>
+    </dgm:txFillClrLst>
+    <dgm:txEffectClrLst/>
+  </dgm:styleLbl>
+  <dgm:styleLbl name="fgAccFollowNode1">
+    <dgm:fillClrLst>
+      <a:schemeClr val="accent6">
+        <a:alpha val="90000"/>
+        <a:tint val="40000"/>
+      </a:schemeClr>
+      <a:schemeClr val="accent6">
+        <a:alpha val="50000"/>
+        <a:tint val="40000"/>
+      </a:schemeClr>
+    </dgm:fillClrLst>
+    <dgm:linClrLst meth="repeat">
+      <a:schemeClr val="accent6">
+        <a:alpha val="90000"/>
+        <a:tint val="40000"/>
+      </a:schemeClr>
+    </dgm:linClrLst>
+    <dgm:effectClrLst/>
+    <dgm:txLinClrLst/>
+    <dgm:txFillClrLst meth="repeat">
+      <a:schemeClr val="dk1"/>
+    </dgm:txFillClrLst>
+    <dgm:txEffectClrLst/>
+  </dgm:styleLbl>
+  <dgm:styleLbl name="alignAccFollowNode1">
+    <dgm:fillClrLst meth="repeat">
+      <a:schemeClr val="accent6">
+        <a:alpha val="90000"/>
+        <a:tint val="40000"/>
+      </a:schemeClr>
+    </dgm:fillClrLst>
+    <dgm:linClrLst meth="repeat">
+      <a:schemeClr val="accent6">
+        <a:alpha val="90000"/>
+        <a:tint val="40000"/>
+      </a:schemeClr>
+    </dgm:linClrLst>
+    <dgm:effectClrLst/>
+    <dgm:txLinClrLst/>
+    <dgm:txFillClrLst meth="repeat">
+      <a:schemeClr val="dk1"/>
+    </dgm:txFillClrLst>
+    <dgm:txEffectClrLst/>
+  </dgm:styleLbl>
+  <dgm:styleLbl name="bgAccFollowNode1">
+    <dgm:fillClrLst meth="repeat">
+      <a:schemeClr val="accent6">
+        <a:alpha val="90000"/>
+        <a:tint val="40000"/>
+      </a:schemeClr>
+    </dgm:fillClrLst>
+    <dgm:linClrLst meth="repeat">
+      <a:schemeClr val="lt1"/>
+    </dgm:linClrLst>
+    <dgm:effectClrLst/>
+    <dgm:txLinClrLst/>
+    <dgm:txFillClrLst meth="repeat">
+      <a:schemeClr val="dk1"/>
+    </dgm:txFillClrLst>
+    <dgm:txEffectClrLst/>
+  </dgm:styleLbl>
+  <dgm:styleLbl name="fgAcc0">
+    <dgm:fillClrLst meth="repeat">
+      <a:schemeClr val="lt1">
+        <a:alpha val="90000"/>
+      </a:schemeClr>
+    </dgm:fillClrLst>
+    <dgm:linClrLst meth="repeat">
+      <a:schemeClr val="accent6">
+        <a:shade val="80000"/>
+      </a:schemeClr>
+    </dgm:linClrLst>
+    <dgm:effectClrLst/>
+    <dgm:txLinClrLst/>
+    <dgm:txFillClrLst meth="repeat">
+      <a:schemeClr val="dk1"/>
+    </dgm:txFillClrLst>
+    <dgm:txEffectClrLst/>
+  </dgm:styleLbl>
+  <dgm:styleLbl name="fgAcc2">
+    <dgm:fillClrLst meth="repeat">
+      <a:schemeClr val="lt1">
+        <a:alpha val="90000"/>
+      </a:schemeClr>
+    </dgm:fillClrLst>
+    <dgm:linClrLst meth="repeat">
+      <a:schemeClr val="accent6">
+        <a:tint val="90000"/>
+      </a:schemeClr>
+    </dgm:linClrLst>
+    <dgm:effectClrLst/>
+    <dgm:txLinClrLst/>
+    <dgm:txFillClrLst meth="repeat">
+      <a:schemeClr val="dk1"/>
+    </dgm:txFillClrLst>
+    <dgm:txEffectClrLst/>
+  </dgm:styleLbl>
+  <dgm:styleLbl name="fgAcc3">
+    <dgm:fillClrLst meth="repeat">
+      <a:schemeClr val="lt1">
+        <a:alpha val="90000"/>
+      </a:schemeClr>
+    </dgm:fillClrLst>
+    <dgm:linClrLst meth="repeat">
+      <a:schemeClr val="accent6">
+        <a:tint val="70000"/>
+      </a:schemeClr>
+    </dgm:linClrLst>
+    <dgm:effectClrLst/>
+    <dgm:txLinClrLst/>
+    <dgm:txFillClrLst meth="repeat">
+      <a:schemeClr val="dk1"/>
+    </dgm:txFillClrLst>
+    <dgm:txEffectClrLst/>
+  </dgm:styleLbl>
+  <dgm:styleLbl name="fgAcc4">
+    <dgm:fillClrLst meth="repeat">
+      <a:schemeClr val="lt1">
+        <a:alpha val="90000"/>
+      </a:schemeClr>
+    </dgm:fillClrLst>
+    <dgm:linClrLst meth="repeat">
+      <a:schemeClr val="accent6">
+        <a:tint val="50000"/>
+      </a:schemeClr>
+    </dgm:linClrLst>
+    <dgm:effectClrLst/>
+    <dgm:txLinClrLst/>
+    <dgm:txFillClrLst meth="repeat">
+      <a:schemeClr val="dk1"/>
+    </dgm:txFillClrLst>
+    <dgm:txEffectClrLst/>
+  </dgm:styleLbl>
+  <dgm:styleLbl name="bgShp">
+    <dgm:fillClrLst meth="repeat">
+      <a:schemeClr val="accent6">
+        <a:tint val="40000"/>
+      </a:schemeClr>
+    </dgm:fillClrLst>
+    <dgm:linClrLst meth="repeat">
+      <a:schemeClr val="dk1"/>
+    </dgm:linClrLst>
+    <dgm:effectClrLst/>
+    <dgm:txLinClrLst/>
+    <dgm:txFillClrLst meth="repeat">
+      <a:schemeClr val="dk1"/>
+    </dgm:txFillClrLst>
+    <dgm:txEffectClrLst/>
+  </dgm:styleLbl>
+  <dgm:styleLbl name="dkBgShp">
+    <dgm:fillClrLst meth="repeat">
+      <a:schemeClr val="accent6">
+        <a:shade val="90000"/>
+      </a:schemeClr>
+    </dgm:fillClrLst>
+    <dgm:linClrLst meth="repeat">
+      <a:schemeClr val="dk1"/>
+    </dgm:linClrLst>
+    <dgm:effectClrLst/>
+    <dgm:txLinClrLst/>
+    <dgm:txFillClrLst meth="repeat">
+      <a:schemeClr val="lt1"/>
+    </dgm:txFillClrLst>
+    <dgm:txEffectClrLst/>
+  </dgm:styleLbl>
+  <dgm:styleLbl name="trBgShp">
+    <dgm:fillClrLst meth="repeat">
+      <a:schemeClr val="accent6">
+        <a:tint val="50000"/>
+        <a:alpha val="40000"/>
+      </a:schemeClr>
+    </dgm:fillClrLst>
+    <dgm:linClrLst meth="repeat">
+      <a:schemeClr val="accent6"/>
+    </dgm:linClrLst>
+    <dgm:effectClrLst/>
+    <dgm:txLinClrLst/>
+    <dgm:txFillClrLst meth="repeat">
+      <a:schemeClr val="lt1"/>
+    </dgm:txFillClrLst>
+    <dgm:txEffectClrLst/>
+  </dgm:styleLbl>
+  <dgm:styleLbl name="fgShp">
+    <dgm:fillClrLst meth="repeat">
+      <a:schemeClr val="accent6">
+        <a:tint val="40000"/>
+      </a:schemeClr>
+    </dgm:fillClrLst>
+    <dgm:linClrLst meth="repeat">
+      <a:schemeClr val="lt1"/>
+    </dgm:linClrLst>
+    <dgm:effectClrLst/>
+    <dgm:txLinClrLst/>
+    <dgm:txFillClrLst meth="repeat">
+      <a:schemeClr val="dk1"/>
+    </dgm:txFillClrLst>
+    <dgm:txEffectClrLst/>
+  </dgm:styleLbl>
+  <dgm:styleLbl name="revTx">
+    <dgm:fillClrLst meth="repeat">
+      <a:schemeClr val="lt1">
+        <a:alpha val="0"/>
+      </a:schemeClr>
+    </dgm:fillClrLst>
+    <dgm:linClrLst meth="repeat">
+      <a:schemeClr val="dk1">
+        <a:alpha val="0"/>
+      </a:schemeClr>
+    </dgm:linClrLst>
+    <dgm:effectClrLst/>
+    <dgm:txLinClrLst/>
+    <dgm:txFillClrLst meth="repeat">
+      <a:schemeClr val="tx1"/>
+    </dgm:txFillClrLst>
+    <dgm:txEffectClrLst/>
+  </dgm:styleLbl>
+</dgm:colorsDef>
+</file>
+
+<file path=ppt/diagrams/data1.xml><?xml version="1.0" encoding="utf-8"?>
+<dgm:dataModel xmlns:dgm="http://schemas.openxmlformats.org/drawingml/2006/diagram" xmlns:a="http://schemas.openxmlformats.org/drawingml/2006/main">
+  <dgm:ptLst>
+    <dgm:pt modelId="{4061C470-3C45-4CD6-9CAA-E73D6C480AF0}" type="doc">
+      <dgm:prSet loTypeId="urn:microsoft.com/office/officeart/2005/8/layout/chevron1" loCatId="process" qsTypeId="urn:microsoft.com/office/officeart/2005/8/quickstyle/simple1" qsCatId="simple" csTypeId="urn:microsoft.com/office/officeart/2005/8/colors/accent6_5" csCatId="accent6" phldr="1"/>
+      <dgm:spPr/>
+    </dgm:pt>
+    <dgm:pt modelId="{0F786C4E-9C73-4E6B-A7B1-14D5EE0596E4}">
+      <dgm:prSet phldrT="[文本]"/>
+      <dgm:spPr/>
+      <dgm:t>
+        <a:bodyPr/>
+        <a:lstStyle/>
+        <a:p>
+          <a:r>
+            <a:rPr lang="zh-CN" altLang="en-US">
+              <a:latin typeface="黑体" panose="02010609060101010101" pitchFamily="49" charset="-122"/>
+              <a:ea typeface="黑体" panose="02010609060101010101" pitchFamily="49" charset="-122"/>
+            </a:rPr>
+            <a:t>原始数据</a:t>
+          </a:r>
+          <a:endParaRPr lang="zh-CN" altLang="en-US" dirty="0">
+            <a:latin typeface="黑体" panose="02010609060101010101" pitchFamily="49" charset="-122"/>
+            <a:ea typeface="黑体" panose="02010609060101010101" pitchFamily="49" charset="-122"/>
+          </a:endParaRPr>
+        </a:p>
+      </dgm:t>
+    </dgm:pt>
+    <dgm:pt modelId="{A2083E0D-69FA-4D1E-B277-99ADD496379D}" type="parTrans" cxnId="{C61FA180-19C2-4C52-9F13-F68854B911CD}">
+      <dgm:prSet/>
+      <dgm:spPr/>
+      <dgm:t>
+        <a:bodyPr/>
+        <a:lstStyle/>
+        <a:p>
+          <a:endParaRPr lang="zh-CN" altLang="en-US">
+            <a:solidFill>
+              <a:schemeClr val="bg2"/>
+            </a:solidFill>
+            <a:latin typeface="黑体" panose="02010609060101010101" pitchFamily="49" charset="-122"/>
+            <a:ea typeface="黑体" panose="02010609060101010101" pitchFamily="49" charset="-122"/>
+          </a:endParaRPr>
+        </a:p>
+      </dgm:t>
+    </dgm:pt>
+    <dgm:pt modelId="{0A0DB61A-76E9-42B6-9ED1-FCEDF0E4D054}" type="sibTrans" cxnId="{C61FA180-19C2-4C52-9F13-F68854B911CD}">
+      <dgm:prSet/>
+      <dgm:spPr/>
+      <dgm:t>
+        <a:bodyPr/>
+        <a:lstStyle/>
+        <a:p>
+          <a:endParaRPr lang="zh-CN" altLang="en-US">
+            <a:solidFill>
+              <a:schemeClr val="bg2"/>
+            </a:solidFill>
+            <a:latin typeface="黑体" panose="02010609060101010101" pitchFamily="49" charset="-122"/>
+            <a:ea typeface="黑体" panose="02010609060101010101" pitchFamily="49" charset="-122"/>
+          </a:endParaRPr>
+        </a:p>
+      </dgm:t>
+    </dgm:pt>
+    <dgm:pt modelId="{FFC842B5-A00A-4ED2-BDBD-3143B11E9661}">
+      <dgm:prSet phldrT="[文本]" custT="1"/>
+      <dgm:spPr/>
+      <dgm:t>
+        <a:bodyPr/>
+        <a:lstStyle/>
+        <a:p>
+          <a:r>
+            <a:rPr lang="zh-CN" altLang="en-US" sz="500">
+              <a:latin typeface="黑体" panose="02010609060101010101" pitchFamily="49" charset="-122"/>
+              <a:ea typeface="黑体" panose="02010609060101010101" pitchFamily="49" charset="-122"/>
+            </a:rPr>
+            <a:t>基于随机深林的数据填补</a:t>
+          </a:r>
+          <a:endParaRPr lang="zh-CN" altLang="en-US" sz="500" dirty="0">
+            <a:latin typeface="黑体" panose="02010609060101010101" pitchFamily="49" charset="-122"/>
+            <a:ea typeface="黑体" panose="02010609060101010101" pitchFamily="49" charset="-122"/>
+          </a:endParaRPr>
+        </a:p>
+      </dgm:t>
+    </dgm:pt>
+    <dgm:pt modelId="{CAC100C4-8EF6-48FC-A2D1-77C252BC8885}" type="parTrans" cxnId="{940C1000-4A34-40B3-B144-06F0C49DA0BB}">
+      <dgm:prSet/>
+      <dgm:spPr/>
+      <dgm:t>
+        <a:bodyPr/>
+        <a:lstStyle/>
+        <a:p>
+          <a:endParaRPr lang="zh-CN" altLang="en-US">
+            <a:solidFill>
+              <a:schemeClr val="bg2"/>
+            </a:solidFill>
+            <a:latin typeface="黑体" panose="02010609060101010101" pitchFamily="49" charset="-122"/>
+            <a:ea typeface="黑体" panose="02010609060101010101" pitchFamily="49" charset="-122"/>
+          </a:endParaRPr>
+        </a:p>
+      </dgm:t>
+    </dgm:pt>
+    <dgm:pt modelId="{C3DFF8A2-D09B-4594-8995-0309A22BDB2F}" type="sibTrans" cxnId="{940C1000-4A34-40B3-B144-06F0C49DA0BB}">
+      <dgm:prSet/>
+      <dgm:spPr/>
+      <dgm:t>
+        <a:bodyPr/>
+        <a:lstStyle/>
+        <a:p>
+          <a:endParaRPr lang="zh-CN" altLang="en-US">
+            <a:solidFill>
+              <a:schemeClr val="bg2"/>
+            </a:solidFill>
+            <a:latin typeface="黑体" panose="02010609060101010101" pitchFamily="49" charset="-122"/>
+            <a:ea typeface="黑体" panose="02010609060101010101" pitchFamily="49" charset="-122"/>
+          </a:endParaRPr>
+        </a:p>
+      </dgm:t>
+    </dgm:pt>
+    <dgm:pt modelId="{C4005183-F5C1-4EA9-A3DB-0A5C9B0AA212}">
+      <dgm:prSet phldrT="[文本]"/>
+      <dgm:spPr/>
+      <dgm:t>
+        <a:bodyPr/>
+        <a:lstStyle/>
+        <a:p>
+          <a:r>
+            <a:rPr lang="zh-CN" altLang="en-US">
+              <a:latin typeface="黑体" panose="02010609060101010101" pitchFamily="49" charset="-122"/>
+              <a:ea typeface="黑体" panose="02010609060101010101" pitchFamily="49" charset="-122"/>
+            </a:rPr>
+            <a:t>类型转换</a:t>
+          </a:r>
+          <a:endParaRPr lang="zh-CN" altLang="en-US" dirty="0">
+            <a:latin typeface="黑体" panose="02010609060101010101" pitchFamily="49" charset="-122"/>
+            <a:ea typeface="黑体" panose="02010609060101010101" pitchFamily="49" charset="-122"/>
+          </a:endParaRPr>
+        </a:p>
+      </dgm:t>
+    </dgm:pt>
+    <dgm:pt modelId="{4773C284-7DC4-42E5-8AE9-1513D7F26C64}" type="parTrans" cxnId="{2E169789-3E82-415A-8CA4-F9F345AABFEF}">
+      <dgm:prSet/>
+      <dgm:spPr/>
+      <dgm:t>
+        <a:bodyPr/>
+        <a:lstStyle/>
+        <a:p>
+          <a:endParaRPr lang="zh-CN" altLang="en-US">
+            <a:solidFill>
+              <a:schemeClr val="bg2"/>
+            </a:solidFill>
+            <a:latin typeface="黑体" panose="02010609060101010101" pitchFamily="49" charset="-122"/>
+            <a:ea typeface="黑体" panose="02010609060101010101" pitchFamily="49" charset="-122"/>
+          </a:endParaRPr>
+        </a:p>
+      </dgm:t>
+    </dgm:pt>
+    <dgm:pt modelId="{EC216390-59BE-4567-9F24-F1DCB655F38E}" type="sibTrans" cxnId="{2E169789-3E82-415A-8CA4-F9F345AABFEF}">
+      <dgm:prSet/>
+      <dgm:spPr/>
+      <dgm:t>
+        <a:bodyPr/>
+        <a:lstStyle/>
+        <a:p>
+          <a:endParaRPr lang="zh-CN" altLang="en-US">
+            <a:solidFill>
+              <a:schemeClr val="bg2"/>
+            </a:solidFill>
+            <a:latin typeface="黑体" panose="02010609060101010101" pitchFamily="49" charset="-122"/>
+            <a:ea typeface="黑体" panose="02010609060101010101" pitchFamily="49" charset="-122"/>
+          </a:endParaRPr>
+        </a:p>
+      </dgm:t>
+    </dgm:pt>
+    <dgm:pt modelId="{73CAD0D1-7482-4F90-9405-F65022A14F74}">
+      <dgm:prSet phldrT="[文本]"/>
+      <dgm:spPr/>
+      <dgm:t>
+        <a:bodyPr/>
+        <a:lstStyle/>
+        <a:p>
+          <a:r>
+            <a:rPr lang="zh-CN" altLang="en-US">
+              <a:latin typeface="黑体" panose="02010609060101010101" pitchFamily="49" charset="-122"/>
+              <a:ea typeface="黑体" panose="02010609060101010101" pitchFamily="49" charset="-122"/>
+            </a:rPr>
+            <a:t>数据集划分</a:t>
+          </a:r>
+          <a:endParaRPr lang="zh-CN" altLang="en-US" dirty="0">
+            <a:latin typeface="黑体" panose="02010609060101010101" pitchFamily="49" charset="-122"/>
+            <a:ea typeface="黑体" panose="02010609060101010101" pitchFamily="49" charset="-122"/>
+          </a:endParaRPr>
+        </a:p>
+      </dgm:t>
+    </dgm:pt>
+    <dgm:pt modelId="{EA3285F8-3E7D-4FD3-A4D6-74EB62341F84}" type="parTrans" cxnId="{A0528C4B-E957-4D91-9E0C-61D057C87993}">
+      <dgm:prSet/>
+      <dgm:spPr/>
+      <dgm:t>
+        <a:bodyPr/>
+        <a:lstStyle/>
+        <a:p>
+          <a:endParaRPr lang="zh-CN" altLang="en-US">
+            <a:solidFill>
+              <a:schemeClr val="bg2"/>
+            </a:solidFill>
+            <a:latin typeface="黑体" panose="02010609060101010101" pitchFamily="49" charset="-122"/>
+            <a:ea typeface="黑体" panose="02010609060101010101" pitchFamily="49" charset="-122"/>
+          </a:endParaRPr>
+        </a:p>
+      </dgm:t>
+    </dgm:pt>
+    <dgm:pt modelId="{0A9D4271-3B4C-4648-AF1A-D9A495C6939A}" type="sibTrans" cxnId="{A0528C4B-E957-4D91-9E0C-61D057C87993}">
+      <dgm:prSet/>
+      <dgm:spPr/>
+      <dgm:t>
+        <a:bodyPr/>
+        <a:lstStyle/>
+        <a:p>
+          <a:endParaRPr lang="zh-CN" altLang="en-US">
+            <a:solidFill>
+              <a:schemeClr val="bg2"/>
+            </a:solidFill>
+            <a:latin typeface="黑体" panose="02010609060101010101" pitchFamily="49" charset="-122"/>
+            <a:ea typeface="黑体" panose="02010609060101010101" pitchFamily="49" charset="-122"/>
+          </a:endParaRPr>
+        </a:p>
+      </dgm:t>
+    </dgm:pt>
+    <dgm:pt modelId="{C5C6843E-C299-4C14-B09C-F9781E5666F6}">
+      <dgm:prSet phldrT="[文本]"/>
+      <dgm:spPr/>
+      <dgm:t>
+        <a:bodyPr/>
+        <a:lstStyle/>
+        <a:p>
+          <a:r>
+            <a:rPr lang="zh-CN" altLang="en-US">
+              <a:latin typeface="黑体" panose="02010609060101010101" pitchFamily="49" charset="-122"/>
+              <a:ea typeface="黑体" panose="02010609060101010101" pitchFamily="49" charset="-122"/>
+            </a:rPr>
+            <a:t>模型训练</a:t>
+          </a:r>
+          <a:endParaRPr lang="zh-CN" altLang="en-US" dirty="0">
+            <a:latin typeface="黑体" panose="02010609060101010101" pitchFamily="49" charset="-122"/>
+            <a:ea typeface="黑体" panose="02010609060101010101" pitchFamily="49" charset="-122"/>
+          </a:endParaRPr>
+        </a:p>
+      </dgm:t>
+    </dgm:pt>
+    <dgm:pt modelId="{FC264C17-7FF0-4269-83F5-251DFBB110F2}" type="parTrans" cxnId="{26CCF5ED-DCCC-4B21-8A27-18A9D657E1D4}">
+      <dgm:prSet/>
+      <dgm:spPr/>
+      <dgm:t>
+        <a:bodyPr/>
+        <a:lstStyle/>
+        <a:p>
+          <a:endParaRPr lang="zh-CN" altLang="en-US">
+            <a:solidFill>
+              <a:schemeClr val="bg2"/>
+            </a:solidFill>
+            <a:latin typeface="黑体" panose="02010609060101010101" pitchFamily="49" charset="-122"/>
+            <a:ea typeface="黑体" panose="02010609060101010101" pitchFamily="49" charset="-122"/>
+          </a:endParaRPr>
+        </a:p>
+      </dgm:t>
+    </dgm:pt>
+    <dgm:pt modelId="{E1BDA843-5186-4BD9-AF12-110B2A4920D7}" type="sibTrans" cxnId="{26CCF5ED-DCCC-4B21-8A27-18A9D657E1D4}">
+      <dgm:prSet/>
+      <dgm:spPr/>
+      <dgm:t>
+        <a:bodyPr/>
+        <a:lstStyle/>
+        <a:p>
+          <a:endParaRPr lang="zh-CN" altLang="en-US">
+            <a:solidFill>
+              <a:schemeClr val="bg2"/>
+            </a:solidFill>
+            <a:latin typeface="黑体" panose="02010609060101010101" pitchFamily="49" charset="-122"/>
+            <a:ea typeface="黑体" panose="02010609060101010101" pitchFamily="49" charset="-122"/>
+          </a:endParaRPr>
+        </a:p>
+      </dgm:t>
+    </dgm:pt>
+    <dgm:pt modelId="{A466D8B3-F6DD-46A2-843A-F6E61350D85B}">
+      <dgm:prSet phldrT="[文本]"/>
+      <dgm:spPr/>
+      <dgm:t>
+        <a:bodyPr/>
+        <a:lstStyle/>
+        <a:p>
+          <a:r>
+            <a:rPr lang="zh-CN" altLang="en-US">
+              <a:latin typeface="黑体" panose="02010609060101010101" pitchFamily="49" charset="-122"/>
+              <a:ea typeface="黑体" panose="02010609060101010101" pitchFamily="49" charset="-122"/>
+            </a:rPr>
+            <a:t>模型验证</a:t>
+          </a:r>
+          <a:endParaRPr lang="zh-CN" altLang="en-US" dirty="0">
+            <a:latin typeface="黑体" panose="02010609060101010101" pitchFamily="49" charset="-122"/>
+            <a:ea typeface="黑体" panose="02010609060101010101" pitchFamily="49" charset="-122"/>
+          </a:endParaRPr>
+        </a:p>
+      </dgm:t>
+    </dgm:pt>
+    <dgm:pt modelId="{7FB4481B-F59D-42A8-BBF9-20A456B999A8}" type="parTrans" cxnId="{E1380A3E-E90D-482B-A15C-8F543DCC0155}">
+      <dgm:prSet/>
+      <dgm:spPr/>
+      <dgm:t>
+        <a:bodyPr/>
+        <a:lstStyle/>
+        <a:p>
+          <a:endParaRPr lang="zh-CN" altLang="en-US">
+            <a:solidFill>
+              <a:schemeClr val="bg2"/>
+            </a:solidFill>
+            <a:latin typeface="黑体" panose="02010609060101010101" pitchFamily="49" charset="-122"/>
+            <a:ea typeface="黑体" panose="02010609060101010101" pitchFamily="49" charset="-122"/>
+          </a:endParaRPr>
+        </a:p>
+      </dgm:t>
+    </dgm:pt>
+    <dgm:pt modelId="{062BE21F-B2C6-4969-BF93-C9C16732F812}" type="sibTrans" cxnId="{E1380A3E-E90D-482B-A15C-8F543DCC0155}">
+      <dgm:prSet/>
+      <dgm:spPr/>
+      <dgm:t>
+        <a:bodyPr/>
+        <a:lstStyle/>
+        <a:p>
+          <a:endParaRPr lang="zh-CN" altLang="en-US">
+            <a:solidFill>
+              <a:schemeClr val="bg2"/>
+            </a:solidFill>
+            <a:latin typeface="黑体" panose="02010609060101010101" pitchFamily="49" charset="-122"/>
+            <a:ea typeface="黑体" panose="02010609060101010101" pitchFamily="49" charset="-122"/>
+          </a:endParaRPr>
+        </a:p>
+      </dgm:t>
+    </dgm:pt>
+    <dgm:pt modelId="{A31BBE64-5070-46A3-9CC5-C00E55604EE0}">
+      <dgm:prSet phldrT="[文本]"/>
+      <dgm:spPr/>
+      <dgm:t>
+        <a:bodyPr/>
+        <a:lstStyle/>
+        <a:p>
+          <a:r>
+            <a:rPr lang="zh-CN" altLang="en-US">
+              <a:latin typeface="黑体" panose="02010609060101010101" pitchFamily="49" charset="-122"/>
+              <a:ea typeface="黑体" panose="02010609060101010101" pitchFamily="49" charset="-122"/>
+            </a:rPr>
+            <a:t>使用所有的数据集训练</a:t>
+          </a:r>
+          <a:endParaRPr lang="zh-CN" altLang="en-US" dirty="0">
+            <a:latin typeface="黑体" panose="02010609060101010101" pitchFamily="49" charset="-122"/>
+            <a:ea typeface="黑体" panose="02010609060101010101" pitchFamily="49" charset="-122"/>
+          </a:endParaRPr>
+        </a:p>
+      </dgm:t>
+    </dgm:pt>
+    <dgm:pt modelId="{E403B5D0-DD67-4ABA-A350-1EF766717F73}" type="parTrans" cxnId="{DB0DAF48-8BD6-44E0-AAD4-552C8CB4BC64}">
+      <dgm:prSet/>
+      <dgm:spPr/>
+      <dgm:t>
+        <a:bodyPr/>
+        <a:lstStyle/>
+        <a:p>
+          <a:endParaRPr lang="zh-CN" altLang="en-US">
+            <a:solidFill>
+              <a:schemeClr val="bg2"/>
+            </a:solidFill>
+            <a:latin typeface="黑体" panose="02010609060101010101" pitchFamily="49" charset="-122"/>
+            <a:ea typeface="黑体" panose="02010609060101010101" pitchFamily="49" charset="-122"/>
+          </a:endParaRPr>
+        </a:p>
+      </dgm:t>
+    </dgm:pt>
+    <dgm:pt modelId="{AE0F0BF9-CCB1-488E-B5F0-B53D4C22FC39}" type="sibTrans" cxnId="{DB0DAF48-8BD6-44E0-AAD4-552C8CB4BC64}">
+      <dgm:prSet/>
+      <dgm:spPr/>
+      <dgm:t>
+        <a:bodyPr/>
+        <a:lstStyle/>
+        <a:p>
+          <a:endParaRPr lang="zh-CN" altLang="en-US">
+            <a:solidFill>
+              <a:schemeClr val="bg2"/>
+            </a:solidFill>
+            <a:latin typeface="黑体" panose="02010609060101010101" pitchFamily="49" charset="-122"/>
+            <a:ea typeface="黑体" panose="02010609060101010101" pitchFamily="49" charset="-122"/>
+          </a:endParaRPr>
+        </a:p>
+      </dgm:t>
+    </dgm:pt>
+    <dgm:pt modelId="{6DFCB213-F22F-41C8-9A03-8DD39B66287B}">
+      <dgm:prSet phldrT="[文本]"/>
+      <dgm:spPr/>
+      <dgm:t>
+        <a:bodyPr/>
+        <a:lstStyle/>
+        <a:p>
+          <a:r>
+            <a:rPr lang="zh-CN" altLang="en-US">
+              <a:latin typeface="黑体" panose="02010609060101010101" pitchFamily="49" charset="-122"/>
+              <a:ea typeface="黑体" panose="02010609060101010101" pitchFamily="49" charset="-122"/>
+            </a:rPr>
+            <a:t>模型预测</a:t>
+          </a:r>
+          <a:endParaRPr lang="zh-CN" altLang="en-US" dirty="0">
+            <a:latin typeface="黑体" panose="02010609060101010101" pitchFamily="49" charset="-122"/>
+            <a:ea typeface="黑体" panose="02010609060101010101" pitchFamily="49" charset="-122"/>
+          </a:endParaRPr>
+        </a:p>
+      </dgm:t>
+    </dgm:pt>
+    <dgm:pt modelId="{62C361B1-DD1F-4DFA-92C6-960B6898525D}" type="parTrans" cxnId="{BD0C630B-802F-4439-869D-781D1A8BFEE7}">
+      <dgm:prSet/>
+      <dgm:spPr/>
+      <dgm:t>
+        <a:bodyPr/>
+        <a:lstStyle/>
+        <a:p>
+          <a:endParaRPr lang="zh-CN" altLang="en-US">
+            <a:solidFill>
+              <a:schemeClr val="bg2"/>
+            </a:solidFill>
+            <a:latin typeface="黑体" panose="02010609060101010101" pitchFamily="49" charset="-122"/>
+            <a:ea typeface="黑体" panose="02010609060101010101" pitchFamily="49" charset="-122"/>
+          </a:endParaRPr>
+        </a:p>
+      </dgm:t>
+    </dgm:pt>
+    <dgm:pt modelId="{E5182020-826B-4C43-9819-2F4D3A74B49D}" type="sibTrans" cxnId="{BD0C630B-802F-4439-869D-781D1A8BFEE7}">
+      <dgm:prSet/>
+      <dgm:spPr/>
+      <dgm:t>
+        <a:bodyPr/>
+        <a:lstStyle/>
+        <a:p>
+          <a:endParaRPr lang="zh-CN" altLang="en-US">
+            <a:solidFill>
+              <a:schemeClr val="bg2"/>
+            </a:solidFill>
+            <a:latin typeface="黑体" panose="02010609060101010101" pitchFamily="49" charset="-122"/>
+            <a:ea typeface="黑体" panose="02010609060101010101" pitchFamily="49" charset="-122"/>
+          </a:endParaRPr>
+        </a:p>
+      </dgm:t>
+    </dgm:pt>
+    <dgm:pt modelId="{58D7F649-D537-421F-9AC7-641F1DEDDE8E}" type="pres">
+      <dgm:prSet presAssocID="{4061C470-3C45-4CD6-9CAA-E73D6C480AF0}" presName="Name0" presStyleCnt="0">
+        <dgm:presLayoutVars>
+          <dgm:dir/>
+          <dgm:animLvl val="lvl"/>
+          <dgm:resizeHandles val="exact"/>
+        </dgm:presLayoutVars>
+      </dgm:prSet>
+      <dgm:spPr/>
+    </dgm:pt>
+    <dgm:pt modelId="{EF9049BE-6790-4745-BD90-9A1D5D081ED2}" type="pres">
+      <dgm:prSet presAssocID="{0F786C4E-9C73-4E6B-A7B1-14D5EE0596E4}" presName="parTxOnly" presStyleLbl="node1" presStyleIdx="0" presStyleCnt="8">
+        <dgm:presLayoutVars>
+          <dgm:chMax val="0"/>
+          <dgm:chPref val="0"/>
+          <dgm:bulletEnabled val="1"/>
+        </dgm:presLayoutVars>
+      </dgm:prSet>
+      <dgm:spPr/>
+    </dgm:pt>
+    <dgm:pt modelId="{0BCCAC1D-ADAA-4923-B248-0665777515A7}" type="pres">
+      <dgm:prSet presAssocID="{0A0DB61A-76E9-42B6-9ED1-FCEDF0E4D054}" presName="parTxOnlySpace" presStyleCnt="0"/>
+      <dgm:spPr/>
+    </dgm:pt>
+    <dgm:pt modelId="{84D15B4F-302D-49B2-86F7-8FB57137B361}" type="pres">
+      <dgm:prSet presAssocID="{FFC842B5-A00A-4ED2-BDBD-3143B11E9661}" presName="parTxOnly" presStyleLbl="node1" presStyleIdx="1" presStyleCnt="8">
+        <dgm:presLayoutVars>
+          <dgm:chMax val="0"/>
+          <dgm:chPref val="0"/>
+          <dgm:bulletEnabled val="1"/>
+        </dgm:presLayoutVars>
+      </dgm:prSet>
+      <dgm:spPr/>
+    </dgm:pt>
+    <dgm:pt modelId="{6033D5AB-4FD2-4617-B3A6-CD049DA0D769}" type="pres">
+      <dgm:prSet presAssocID="{C3DFF8A2-D09B-4594-8995-0309A22BDB2F}" presName="parTxOnlySpace" presStyleCnt="0"/>
+      <dgm:spPr/>
+    </dgm:pt>
+    <dgm:pt modelId="{9043A44C-08F2-40F9-8FA0-61A15E19B2C9}" type="pres">
+      <dgm:prSet presAssocID="{C4005183-F5C1-4EA9-A3DB-0A5C9B0AA212}" presName="parTxOnly" presStyleLbl="node1" presStyleIdx="2" presStyleCnt="8">
+        <dgm:presLayoutVars>
+          <dgm:chMax val="0"/>
+          <dgm:chPref val="0"/>
+          <dgm:bulletEnabled val="1"/>
+        </dgm:presLayoutVars>
+      </dgm:prSet>
+      <dgm:spPr/>
+    </dgm:pt>
+    <dgm:pt modelId="{0AD953E9-8042-4F61-A26D-27E4E07CF830}" type="pres">
+      <dgm:prSet presAssocID="{EC216390-59BE-4567-9F24-F1DCB655F38E}" presName="parTxOnlySpace" presStyleCnt="0"/>
+      <dgm:spPr/>
+    </dgm:pt>
+    <dgm:pt modelId="{E43C58C3-567A-439E-A368-B8CDA050358F}" type="pres">
+      <dgm:prSet presAssocID="{73CAD0D1-7482-4F90-9405-F65022A14F74}" presName="parTxOnly" presStyleLbl="node1" presStyleIdx="3" presStyleCnt="8">
+        <dgm:presLayoutVars>
+          <dgm:chMax val="0"/>
+          <dgm:chPref val="0"/>
+          <dgm:bulletEnabled val="1"/>
+        </dgm:presLayoutVars>
+      </dgm:prSet>
+      <dgm:spPr/>
+    </dgm:pt>
+    <dgm:pt modelId="{93978D33-1D65-4A99-B7EA-5F743D825826}" type="pres">
+      <dgm:prSet presAssocID="{0A9D4271-3B4C-4648-AF1A-D9A495C6939A}" presName="parTxOnlySpace" presStyleCnt="0"/>
+      <dgm:spPr/>
+    </dgm:pt>
+    <dgm:pt modelId="{DF0B95C0-DA27-472A-AEC6-84A60BFBD95C}" type="pres">
+      <dgm:prSet presAssocID="{C5C6843E-C299-4C14-B09C-F9781E5666F6}" presName="parTxOnly" presStyleLbl="node1" presStyleIdx="4" presStyleCnt="8">
+        <dgm:presLayoutVars>
+          <dgm:chMax val="0"/>
+          <dgm:chPref val="0"/>
+          <dgm:bulletEnabled val="1"/>
+        </dgm:presLayoutVars>
+      </dgm:prSet>
+      <dgm:spPr/>
+    </dgm:pt>
+    <dgm:pt modelId="{556DA9EC-8AE4-4CAF-868B-08271F4A94CD}" type="pres">
+      <dgm:prSet presAssocID="{E1BDA843-5186-4BD9-AF12-110B2A4920D7}" presName="parTxOnlySpace" presStyleCnt="0"/>
+      <dgm:spPr/>
+    </dgm:pt>
+    <dgm:pt modelId="{DFA7FB8E-09D0-4606-8D03-420AB3714D8B}" type="pres">
+      <dgm:prSet presAssocID="{A466D8B3-F6DD-46A2-843A-F6E61350D85B}" presName="parTxOnly" presStyleLbl="node1" presStyleIdx="5" presStyleCnt="8">
+        <dgm:presLayoutVars>
+          <dgm:chMax val="0"/>
+          <dgm:chPref val="0"/>
+          <dgm:bulletEnabled val="1"/>
+        </dgm:presLayoutVars>
+      </dgm:prSet>
+      <dgm:spPr/>
+    </dgm:pt>
+    <dgm:pt modelId="{AF95B4A6-47C5-4217-B0FD-A41C73555EAE}" type="pres">
+      <dgm:prSet presAssocID="{062BE21F-B2C6-4969-BF93-C9C16732F812}" presName="parTxOnlySpace" presStyleCnt="0"/>
+      <dgm:spPr/>
+    </dgm:pt>
+    <dgm:pt modelId="{34AED2C8-C45D-46A7-A812-EE959C5C8C29}" type="pres">
+      <dgm:prSet presAssocID="{A31BBE64-5070-46A3-9CC5-C00E55604EE0}" presName="parTxOnly" presStyleLbl="node1" presStyleIdx="6" presStyleCnt="8">
+        <dgm:presLayoutVars>
+          <dgm:chMax val="0"/>
+          <dgm:chPref val="0"/>
+          <dgm:bulletEnabled val="1"/>
+        </dgm:presLayoutVars>
+      </dgm:prSet>
+      <dgm:spPr/>
+    </dgm:pt>
+    <dgm:pt modelId="{F4F5D825-8C4A-4A12-9ABC-7AD50ED2FF71}" type="pres">
+      <dgm:prSet presAssocID="{AE0F0BF9-CCB1-488E-B5F0-B53D4C22FC39}" presName="parTxOnlySpace" presStyleCnt="0"/>
+      <dgm:spPr/>
+    </dgm:pt>
+    <dgm:pt modelId="{3E783A11-6E87-4F35-9AC6-C790363607C7}" type="pres">
+      <dgm:prSet presAssocID="{6DFCB213-F22F-41C8-9A03-8DD39B66287B}" presName="parTxOnly" presStyleLbl="node1" presStyleIdx="7" presStyleCnt="8">
+        <dgm:presLayoutVars>
+          <dgm:chMax val="0"/>
+          <dgm:chPref val="0"/>
+          <dgm:bulletEnabled val="1"/>
+        </dgm:presLayoutVars>
+      </dgm:prSet>
+      <dgm:spPr/>
+    </dgm:pt>
+  </dgm:ptLst>
+  <dgm:cxnLst>
+    <dgm:cxn modelId="{940C1000-4A34-40B3-B144-06F0C49DA0BB}" srcId="{4061C470-3C45-4CD6-9CAA-E73D6C480AF0}" destId="{FFC842B5-A00A-4ED2-BDBD-3143B11E9661}" srcOrd="1" destOrd="0" parTransId="{CAC100C4-8EF6-48FC-A2D1-77C252BC8885}" sibTransId="{C3DFF8A2-D09B-4594-8995-0309A22BDB2F}"/>
+    <dgm:cxn modelId="{0AD62E07-BEB0-4813-9BEF-D238A1D4779D}" type="presOf" srcId="{C4005183-F5C1-4EA9-A3DB-0A5C9B0AA212}" destId="{9043A44C-08F2-40F9-8FA0-61A15E19B2C9}" srcOrd="0" destOrd="0" presId="urn:microsoft.com/office/officeart/2005/8/layout/chevron1"/>
+    <dgm:cxn modelId="{DCB69309-6320-4338-9E35-749BCEF18C70}" type="presOf" srcId="{6DFCB213-F22F-41C8-9A03-8DD39B66287B}" destId="{3E783A11-6E87-4F35-9AC6-C790363607C7}" srcOrd="0" destOrd="0" presId="urn:microsoft.com/office/officeart/2005/8/layout/chevron1"/>
+    <dgm:cxn modelId="{BD0C630B-802F-4439-869D-781D1A8BFEE7}" srcId="{4061C470-3C45-4CD6-9CAA-E73D6C480AF0}" destId="{6DFCB213-F22F-41C8-9A03-8DD39B66287B}" srcOrd="7" destOrd="0" parTransId="{62C361B1-DD1F-4DFA-92C6-960B6898525D}" sibTransId="{E5182020-826B-4C43-9819-2F4D3A74B49D}"/>
+    <dgm:cxn modelId="{81B2B417-52C0-44FB-975C-CD643587E7E4}" type="presOf" srcId="{0F786C4E-9C73-4E6B-A7B1-14D5EE0596E4}" destId="{EF9049BE-6790-4745-BD90-9A1D5D081ED2}" srcOrd="0" destOrd="0" presId="urn:microsoft.com/office/officeart/2005/8/layout/chevron1"/>
+    <dgm:cxn modelId="{113A482D-20EB-4391-9DE0-DD75B5760003}" type="presOf" srcId="{A31BBE64-5070-46A3-9CC5-C00E55604EE0}" destId="{34AED2C8-C45D-46A7-A812-EE959C5C8C29}" srcOrd="0" destOrd="0" presId="urn:microsoft.com/office/officeart/2005/8/layout/chevron1"/>
+    <dgm:cxn modelId="{7D78A133-1B1E-46BD-89C4-289C81BDC0E6}" type="presOf" srcId="{4061C470-3C45-4CD6-9CAA-E73D6C480AF0}" destId="{58D7F649-D537-421F-9AC7-641F1DEDDE8E}" srcOrd="0" destOrd="0" presId="urn:microsoft.com/office/officeart/2005/8/layout/chevron1"/>
+    <dgm:cxn modelId="{E1380A3E-E90D-482B-A15C-8F543DCC0155}" srcId="{4061C470-3C45-4CD6-9CAA-E73D6C480AF0}" destId="{A466D8B3-F6DD-46A2-843A-F6E61350D85B}" srcOrd="5" destOrd="0" parTransId="{7FB4481B-F59D-42A8-BBF9-20A456B999A8}" sibTransId="{062BE21F-B2C6-4969-BF93-C9C16732F812}"/>
+    <dgm:cxn modelId="{DB0DAF48-8BD6-44E0-AAD4-552C8CB4BC64}" srcId="{4061C470-3C45-4CD6-9CAA-E73D6C480AF0}" destId="{A31BBE64-5070-46A3-9CC5-C00E55604EE0}" srcOrd="6" destOrd="0" parTransId="{E403B5D0-DD67-4ABA-A350-1EF766717F73}" sibTransId="{AE0F0BF9-CCB1-488E-B5F0-B53D4C22FC39}"/>
+    <dgm:cxn modelId="{A0528C4B-E957-4D91-9E0C-61D057C87993}" srcId="{4061C470-3C45-4CD6-9CAA-E73D6C480AF0}" destId="{73CAD0D1-7482-4F90-9405-F65022A14F74}" srcOrd="3" destOrd="0" parTransId="{EA3285F8-3E7D-4FD3-A4D6-74EB62341F84}" sibTransId="{0A9D4271-3B4C-4648-AF1A-D9A495C6939A}"/>
+    <dgm:cxn modelId="{C61FA180-19C2-4C52-9F13-F68854B911CD}" srcId="{4061C470-3C45-4CD6-9CAA-E73D6C480AF0}" destId="{0F786C4E-9C73-4E6B-A7B1-14D5EE0596E4}" srcOrd="0" destOrd="0" parTransId="{A2083E0D-69FA-4D1E-B277-99ADD496379D}" sibTransId="{0A0DB61A-76E9-42B6-9ED1-FCEDF0E4D054}"/>
+    <dgm:cxn modelId="{2E169789-3E82-415A-8CA4-F9F345AABFEF}" srcId="{4061C470-3C45-4CD6-9CAA-E73D6C480AF0}" destId="{C4005183-F5C1-4EA9-A3DB-0A5C9B0AA212}" srcOrd="2" destOrd="0" parTransId="{4773C284-7DC4-42E5-8AE9-1513D7F26C64}" sibTransId="{EC216390-59BE-4567-9F24-F1DCB655F38E}"/>
+    <dgm:cxn modelId="{8FF14A9D-21AA-450D-9645-0DFF7A12FE42}" type="presOf" srcId="{A466D8B3-F6DD-46A2-843A-F6E61350D85B}" destId="{DFA7FB8E-09D0-4606-8D03-420AB3714D8B}" srcOrd="0" destOrd="0" presId="urn:microsoft.com/office/officeart/2005/8/layout/chevron1"/>
+    <dgm:cxn modelId="{8ECFAAB0-C384-49BE-8F81-264AC6756648}" type="presOf" srcId="{73CAD0D1-7482-4F90-9405-F65022A14F74}" destId="{E43C58C3-567A-439E-A368-B8CDA050358F}" srcOrd="0" destOrd="0" presId="urn:microsoft.com/office/officeart/2005/8/layout/chevron1"/>
+    <dgm:cxn modelId="{2CC097D3-47F2-438A-9807-724F687F27FD}" type="presOf" srcId="{C5C6843E-C299-4C14-B09C-F9781E5666F6}" destId="{DF0B95C0-DA27-472A-AEC6-84A60BFBD95C}" srcOrd="0" destOrd="0" presId="urn:microsoft.com/office/officeart/2005/8/layout/chevron1"/>
+    <dgm:cxn modelId="{26CCF5ED-DCCC-4B21-8A27-18A9D657E1D4}" srcId="{4061C470-3C45-4CD6-9CAA-E73D6C480AF0}" destId="{C5C6843E-C299-4C14-B09C-F9781E5666F6}" srcOrd="4" destOrd="0" parTransId="{FC264C17-7FF0-4269-83F5-251DFBB110F2}" sibTransId="{E1BDA843-5186-4BD9-AF12-110B2A4920D7}"/>
+    <dgm:cxn modelId="{61F38DF8-8BC8-4E33-A40A-D9C5B9A5BBC3}" type="presOf" srcId="{FFC842B5-A00A-4ED2-BDBD-3143B11E9661}" destId="{84D15B4F-302D-49B2-86F7-8FB57137B361}" srcOrd="0" destOrd="0" presId="urn:microsoft.com/office/officeart/2005/8/layout/chevron1"/>
+    <dgm:cxn modelId="{50C703E8-C970-4A53-B7E6-AE61CEE6B2AA}" type="presParOf" srcId="{58D7F649-D537-421F-9AC7-641F1DEDDE8E}" destId="{EF9049BE-6790-4745-BD90-9A1D5D081ED2}" srcOrd="0" destOrd="0" presId="urn:microsoft.com/office/officeart/2005/8/layout/chevron1"/>
+    <dgm:cxn modelId="{FBFEC6C6-F477-4A41-B33B-2352DA80CC86}" type="presParOf" srcId="{58D7F649-D537-421F-9AC7-641F1DEDDE8E}" destId="{0BCCAC1D-ADAA-4923-B248-0665777515A7}" srcOrd="1" destOrd="0" presId="urn:microsoft.com/office/officeart/2005/8/layout/chevron1"/>
+    <dgm:cxn modelId="{1598E233-94CE-45BA-8E31-A321A621600F}" type="presParOf" srcId="{58D7F649-D537-421F-9AC7-641F1DEDDE8E}" destId="{84D15B4F-302D-49B2-86F7-8FB57137B361}" srcOrd="2" destOrd="0" presId="urn:microsoft.com/office/officeart/2005/8/layout/chevron1"/>
+    <dgm:cxn modelId="{4A5BACEF-5AB1-4512-A028-E0D78C02C47F}" type="presParOf" srcId="{58D7F649-D537-421F-9AC7-641F1DEDDE8E}" destId="{6033D5AB-4FD2-4617-B3A6-CD049DA0D769}" srcOrd="3" destOrd="0" presId="urn:microsoft.com/office/officeart/2005/8/layout/chevron1"/>
+    <dgm:cxn modelId="{0E6E8707-6927-4672-AF18-028A79BF31BE}" type="presParOf" srcId="{58D7F649-D537-421F-9AC7-641F1DEDDE8E}" destId="{9043A44C-08F2-40F9-8FA0-61A15E19B2C9}" srcOrd="4" destOrd="0" presId="urn:microsoft.com/office/officeart/2005/8/layout/chevron1"/>
+    <dgm:cxn modelId="{4EB66947-4DD6-4E73-A713-4305A784D5FB}" type="presParOf" srcId="{58D7F649-D537-421F-9AC7-641F1DEDDE8E}" destId="{0AD953E9-8042-4F61-A26D-27E4E07CF830}" srcOrd="5" destOrd="0" presId="urn:microsoft.com/office/officeart/2005/8/layout/chevron1"/>
+    <dgm:cxn modelId="{B3954F84-4F8F-4556-91D5-F067BF699FF9}" type="presParOf" srcId="{58D7F649-D537-421F-9AC7-641F1DEDDE8E}" destId="{E43C58C3-567A-439E-A368-B8CDA050358F}" srcOrd="6" destOrd="0" presId="urn:microsoft.com/office/officeart/2005/8/layout/chevron1"/>
+    <dgm:cxn modelId="{FA164B78-7203-4334-86DF-0857C40F6D15}" type="presParOf" srcId="{58D7F649-D537-421F-9AC7-641F1DEDDE8E}" destId="{93978D33-1D65-4A99-B7EA-5F743D825826}" srcOrd="7" destOrd="0" presId="urn:microsoft.com/office/officeart/2005/8/layout/chevron1"/>
+    <dgm:cxn modelId="{7DCE5969-9653-4B2A-B573-98D8CC0747C3}" type="presParOf" srcId="{58D7F649-D537-421F-9AC7-641F1DEDDE8E}" destId="{DF0B95C0-DA27-472A-AEC6-84A60BFBD95C}" srcOrd="8" destOrd="0" presId="urn:microsoft.com/office/officeart/2005/8/layout/chevron1"/>
+    <dgm:cxn modelId="{7707947F-88E6-44F5-AEB9-97F30BF23704}" type="presParOf" srcId="{58D7F649-D537-421F-9AC7-641F1DEDDE8E}" destId="{556DA9EC-8AE4-4CAF-868B-08271F4A94CD}" srcOrd="9" destOrd="0" presId="urn:microsoft.com/office/officeart/2005/8/layout/chevron1"/>
+    <dgm:cxn modelId="{FBBF17D4-E28C-4DF0-AC74-ACF379660A9A}" type="presParOf" srcId="{58D7F649-D537-421F-9AC7-641F1DEDDE8E}" destId="{DFA7FB8E-09D0-4606-8D03-420AB3714D8B}" srcOrd="10" destOrd="0" presId="urn:microsoft.com/office/officeart/2005/8/layout/chevron1"/>
+    <dgm:cxn modelId="{8C020095-931C-484C-A062-8EBA6D0109AC}" type="presParOf" srcId="{58D7F649-D537-421F-9AC7-641F1DEDDE8E}" destId="{AF95B4A6-47C5-4217-B0FD-A41C73555EAE}" srcOrd="11" destOrd="0" presId="urn:microsoft.com/office/officeart/2005/8/layout/chevron1"/>
+    <dgm:cxn modelId="{E6EA60DC-3628-450C-B9C0-4D90C54CF2D8}" type="presParOf" srcId="{58D7F649-D537-421F-9AC7-641F1DEDDE8E}" destId="{34AED2C8-C45D-46A7-A812-EE959C5C8C29}" srcOrd="12" destOrd="0" presId="urn:microsoft.com/office/officeart/2005/8/layout/chevron1"/>
+    <dgm:cxn modelId="{4026F94C-D604-496F-8FA3-3E9AF85107BD}" type="presParOf" srcId="{58D7F649-D537-421F-9AC7-641F1DEDDE8E}" destId="{F4F5D825-8C4A-4A12-9ABC-7AD50ED2FF71}" srcOrd="13" destOrd="0" presId="urn:microsoft.com/office/officeart/2005/8/layout/chevron1"/>
+    <dgm:cxn modelId="{5CC96496-F08C-44E6-A777-D34C8240E260}" type="presParOf" srcId="{58D7F649-D537-421F-9AC7-641F1DEDDE8E}" destId="{3E783A11-6E87-4F35-9AC6-C790363607C7}" srcOrd="14" destOrd="0" presId="urn:microsoft.com/office/officeart/2005/8/layout/chevron1"/>
+  </dgm:cxnLst>
+  <dgm:bg/>
+  <dgm:whole>
+    <a:ln w="28575"/>
+  </dgm:whole>
+  <dgm:extLst>
+    <a:ext uri="http://schemas.microsoft.com/office/drawing/2008/diagram">
+      <dsp:dataModelExt xmlns:dsp="http://schemas.microsoft.com/office/drawing/2008/diagram" relId="rId6" minVer="http://schemas.openxmlformats.org/drawingml/2006/diagram"/>
+    </a:ext>
+    <a:ext uri="{C62137D5-CB1D-491B-B009-E17868A290BF}">
+      <dgm14:recolorImg xmlns:dgm14="http://schemas.microsoft.com/office/drawing/2010/diagram" val="1"/>
+    </a:ext>
+  </dgm:extLst>
+</dgm:dataModel>
+</file>
+
+<file path=ppt/diagrams/drawing1.xml><?xml version="1.0" encoding="utf-8"?>
+<dsp:drawing xmlns:dgm="http://schemas.openxmlformats.org/drawingml/2006/diagram" xmlns:dsp="http://schemas.microsoft.com/office/drawing/2008/diagram" xmlns:a="http://schemas.openxmlformats.org/drawingml/2006/main">
+  <dsp:spTree>
+    <dsp:nvGrpSpPr>
+      <dsp:cNvPr id="0" name=""/>
+      <dsp:cNvGrpSpPr/>
+    </dsp:nvGrpSpPr>
+    <dsp:grpSpPr/>
+    <dsp:sp modelId="{EF9049BE-6790-4745-BD90-9A1D5D081ED2}">
+      <dsp:nvSpPr>
+        <dsp:cNvPr id="0" name=""/>
+        <dsp:cNvSpPr/>
+      </dsp:nvSpPr>
+      <dsp:spPr>
+        <a:xfrm>
+          <a:off x="462" y="209899"/>
+          <a:ext cx="741202" cy="296480"/>
+        </a:xfrm>
+        <a:prstGeom prst="chevron">
+          <a:avLst/>
+        </a:prstGeom>
+        <a:solidFill>
+          <a:schemeClr val="accent6">
+            <a:alpha val="90000"/>
+            <a:hueOff val="0"/>
+            <a:satOff val="0"/>
+            <a:lumOff val="0"/>
+            <a:alphaOff val="0"/>
+          </a:schemeClr>
+        </a:solidFill>
+        <a:ln w="12700" cap="flat" cmpd="sng" algn="ctr">
+          <a:solidFill>
+            <a:schemeClr val="lt1">
+              <a:hueOff val="0"/>
+              <a:satOff val="0"/>
+              <a:lumOff val="0"/>
+              <a:alphaOff val="0"/>
+            </a:schemeClr>
+          </a:solidFill>
+          <a:prstDash val="solid"/>
+          <a:miter lim="800000"/>
+        </a:ln>
+        <a:effectLst/>
+      </dsp:spPr>
+      <dsp:style>
+        <a:lnRef idx="2">
+          <a:scrgbClr r="0" g="0" b="0"/>
+        </a:lnRef>
+        <a:fillRef idx="1">
+          <a:scrgbClr r="0" g="0" b="0"/>
+        </a:fillRef>
+        <a:effectRef idx="0">
+          <a:scrgbClr r="0" g="0" b="0"/>
+        </a:effectRef>
+        <a:fontRef idx="minor">
+          <a:schemeClr val="lt1"/>
+        </a:fontRef>
+      </dsp:style>
+      <dsp:txBody>
+        <a:bodyPr spcFirstLastPara="0" vert="horz" wrap="square" lIns="24003" tIns="8001" rIns="8001" bIns="8001" numCol="1" spcCol="1270" anchor="ctr" anchorCtr="0">
+          <a:noAutofit/>
+        </a:bodyPr>
+        <a:lstStyle/>
+        <a:p>
+          <a:pPr marL="0" lvl="0" indent="0" algn="ctr" defTabSz="266700">
+            <a:lnSpc>
+              <a:spcPct val="90000"/>
+            </a:lnSpc>
+            <a:spcBef>
+              <a:spcPct val="0"/>
+            </a:spcBef>
+            <a:spcAft>
+              <a:spcPct val="35000"/>
+            </a:spcAft>
+            <a:buNone/>
+          </a:pPr>
+          <a:r>
+            <a:rPr lang="zh-CN" altLang="en-US" sz="600" kern="1200">
+              <a:latin typeface="黑体" panose="02010609060101010101" pitchFamily="49" charset="-122"/>
+              <a:ea typeface="黑体" panose="02010609060101010101" pitchFamily="49" charset="-122"/>
+            </a:rPr>
+            <a:t>原始数据</a:t>
+          </a:r>
+          <a:endParaRPr lang="zh-CN" altLang="en-US" sz="600" kern="1200" dirty="0">
+            <a:latin typeface="黑体" panose="02010609060101010101" pitchFamily="49" charset="-122"/>
+            <a:ea typeface="黑体" panose="02010609060101010101" pitchFamily="49" charset="-122"/>
+          </a:endParaRPr>
+        </a:p>
+      </dsp:txBody>
+      <dsp:txXfrm>
+        <a:off x="148702" y="209899"/>
+        <a:ext cx="444722" cy="296480"/>
+      </dsp:txXfrm>
+    </dsp:sp>
+    <dsp:sp modelId="{84D15B4F-302D-49B2-86F7-8FB57137B361}">
+      <dsp:nvSpPr>
+        <dsp:cNvPr id="0" name=""/>
+        <dsp:cNvSpPr/>
+      </dsp:nvSpPr>
+      <dsp:spPr>
+        <a:xfrm>
+          <a:off x="667544" y="209899"/>
+          <a:ext cx="741202" cy="296480"/>
+        </a:xfrm>
+        <a:prstGeom prst="chevron">
+          <a:avLst/>
+        </a:prstGeom>
+        <a:solidFill>
+          <a:schemeClr val="accent6">
+            <a:alpha val="90000"/>
+            <a:hueOff val="0"/>
+            <a:satOff val="0"/>
+            <a:lumOff val="0"/>
+            <a:alphaOff val="-5714"/>
+          </a:schemeClr>
+        </a:solidFill>
+        <a:ln w="12700" cap="flat" cmpd="sng" algn="ctr">
+          <a:solidFill>
+            <a:schemeClr val="lt1">
+              <a:hueOff val="0"/>
+              <a:satOff val="0"/>
+              <a:lumOff val="0"/>
+              <a:alphaOff val="0"/>
+            </a:schemeClr>
+          </a:solidFill>
+          <a:prstDash val="solid"/>
+          <a:miter lim="800000"/>
+        </a:ln>
+        <a:effectLst/>
+      </dsp:spPr>
+      <dsp:style>
+        <a:lnRef idx="2">
+          <a:scrgbClr r="0" g="0" b="0"/>
+        </a:lnRef>
+        <a:fillRef idx="1">
+          <a:scrgbClr r="0" g="0" b="0"/>
+        </a:fillRef>
+        <a:effectRef idx="0">
+          <a:scrgbClr r="0" g="0" b="0"/>
+        </a:effectRef>
+        <a:fontRef idx="minor">
+          <a:schemeClr val="lt1"/>
+        </a:fontRef>
+      </dsp:style>
+      <dsp:txBody>
+        <a:bodyPr spcFirstLastPara="0" vert="horz" wrap="square" lIns="20003" tIns="6668" rIns="6668" bIns="6668" numCol="1" spcCol="1270" anchor="ctr" anchorCtr="0">
+          <a:noAutofit/>
+        </a:bodyPr>
+        <a:lstStyle/>
+        <a:p>
+          <a:pPr marL="0" lvl="0" indent="0" algn="ctr" defTabSz="222250">
+            <a:lnSpc>
+              <a:spcPct val="90000"/>
+            </a:lnSpc>
+            <a:spcBef>
+              <a:spcPct val="0"/>
+            </a:spcBef>
+            <a:spcAft>
+              <a:spcPct val="35000"/>
+            </a:spcAft>
+            <a:buNone/>
+          </a:pPr>
+          <a:r>
+            <a:rPr lang="zh-CN" altLang="en-US" sz="500" kern="1200">
+              <a:latin typeface="黑体" panose="02010609060101010101" pitchFamily="49" charset="-122"/>
+              <a:ea typeface="黑体" panose="02010609060101010101" pitchFamily="49" charset="-122"/>
+            </a:rPr>
+            <a:t>基于随机深林的数据填补</a:t>
+          </a:r>
+          <a:endParaRPr lang="zh-CN" altLang="en-US" sz="500" kern="1200" dirty="0">
+            <a:latin typeface="黑体" panose="02010609060101010101" pitchFamily="49" charset="-122"/>
+            <a:ea typeface="黑体" panose="02010609060101010101" pitchFamily="49" charset="-122"/>
+          </a:endParaRPr>
+        </a:p>
+      </dsp:txBody>
+      <dsp:txXfrm>
+        <a:off x="815784" y="209899"/>
+        <a:ext cx="444722" cy="296480"/>
+      </dsp:txXfrm>
+    </dsp:sp>
+    <dsp:sp modelId="{9043A44C-08F2-40F9-8FA0-61A15E19B2C9}">
+      <dsp:nvSpPr>
+        <dsp:cNvPr id="0" name=""/>
+        <dsp:cNvSpPr/>
+      </dsp:nvSpPr>
+      <dsp:spPr>
+        <a:xfrm>
+          <a:off x="1334626" y="209899"/>
+          <a:ext cx="741202" cy="296480"/>
+        </a:xfrm>
+        <a:prstGeom prst="chevron">
+          <a:avLst/>
+        </a:prstGeom>
+        <a:solidFill>
+          <a:schemeClr val="accent6">
+            <a:alpha val="90000"/>
+            <a:hueOff val="0"/>
+            <a:satOff val="0"/>
+            <a:lumOff val="0"/>
+            <a:alphaOff val="-11429"/>
+          </a:schemeClr>
+        </a:solidFill>
+        <a:ln w="12700" cap="flat" cmpd="sng" algn="ctr">
+          <a:solidFill>
+            <a:schemeClr val="lt1">
+              <a:hueOff val="0"/>
+              <a:satOff val="0"/>
+              <a:lumOff val="0"/>
+              <a:alphaOff val="0"/>
+            </a:schemeClr>
+          </a:solidFill>
+          <a:prstDash val="solid"/>
+          <a:miter lim="800000"/>
+        </a:ln>
+        <a:effectLst/>
+      </dsp:spPr>
+      <dsp:style>
+        <a:lnRef idx="2">
+          <a:scrgbClr r="0" g="0" b="0"/>
+        </a:lnRef>
+        <a:fillRef idx="1">
+          <a:scrgbClr r="0" g="0" b="0"/>
+        </a:fillRef>
+        <a:effectRef idx="0">
+          <a:scrgbClr r="0" g="0" b="0"/>
+        </a:effectRef>
+        <a:fontRef idx="minor">
+          <a:schemeClr val="lt1"/>
+        </a:fontRef>
+      </dsp:style>
+      <dsp:txBody>
+        <a:bodyPr spcFirstLastPara="0" vert="horz" wrap="square" lIns="24003" tIns="8001" rIns="8001" bIns="8001" numCol="1" spcCol="1270" anchor="ctr" anchorCtr="0">
+          <a:noAutofit/>
+        </a:bodyPr>
+        <a:lstStyle/>
+        <a:p>
+          <a:pPr marL="0" lvl="0" indent="0" algn="ctr" defTabSz="266700">
+            <a:lnSpc>
+              <a:spcPct val="90000"/>
+            </a:lnSpc>
+            <a:spcBef>
+              <a:spcPct val="0"/>
+            </a:spcBef>
+            <a:spcAft>
+              <a:spcPct val="35000"/>
+            </a:spcAft>
+            <a:buNone/>
+          </a:pPr>
+          <a:r>
+            <a:rPr lang="zh-CN" altLang="en-US" sz="600" kern="1200">
+              <a:latin typeface="黑体" panose="02010609060101010101" pitchFamily="49" charset="-122"/>
+              <a:ea typeface="黑体" panose="02010609060101010101" pitchFamily="49" charset="-122"/>
+            </a:rPr>
+            <a:t>类型转换</a:t>
+          </a:r>
+          <a:endParaRPr lang="zh-CN" altLang="en-US" sz="600" kern="1200" dirty="0">
+            <a:latin typeface="黑体" panose="02010609060101010101" pitchFamily="49" charset="-122"/>
+            <a:ea typeface="黑体" panose="02010609060101010101" pitchFamily="49" charset="-122"/>
+          </a:endParaRPr>
+        </a:p>
+      </dsp:txBody>
+      <dsp:txXfrm>
+        <a:off x="1482866" y="209899"/>
+        <a:ext cx="444722" cy="296480"/>
+      </dsp:txXfrm>
+    </dsp:sp>
+    <dsp:sp modelId="{E43C58C3-567A-439E-A368-B8CDA050358F}">
+      <dsp:nvSpPr>
+        <dsp:cNvPr id="0" name=""/>
+        <dsp:cNvSpPr/>
+      </dsp:nvSpPr>
+      <dsp:spPr>
+        <a:xfrm>
+          <a:off x="2001709" y="209899"/>
+          <a:ext cx="741202" cy="296480"/>
+        </a:xfrm>
+        <a:prstGeom prst="chevron">
+          <a:avLst/>
+        </a:prstGeom>
+        <a:solidFill>
+          <a:schemeClr val="accent6">
+            <a:alpha val="90000"/>
+            <a:hueOff val="0"/>
+            <a:satOff val="0"/>
+            <a:lumOff val="0"/>
+            <a:alphaOff val="-17143"/>
+          </a:schemeClr>
+        </a:solidFill>
+        <a:ln w="12700" cap="flat" cmpd="sng" algn="ctr">
+          <a:solidFill>
+            <a:schemeClr val="lt1">
+              <a:hueOff val="0"/>
+              <a:satOff val="0"/>
+              <a:lumOff val="0"/>
+              <a:alphaOff val="0"/>
+            </a:schemeClr>
+          </a:solidFill>
+          <a:prstDash val="solid"/>
+          <a:miter lim="800000"/>
+        </a:ln>
+        <a:effectLst/>
+      </dsp:spPr>
+      <dsp:style>
+        <a:lnRef idx="2">
+          <a:scrgbClr r="0" g="0" b="0"/>
+        </a:lnRef>
+        <a:fillRef idx="1">
+          <a:scrgbClr r="0" g="0" b="0"/>
+        </a:fillRef>
+        <a:effectRef idx="0">
+          <a:scrgbClr r="0" g="0" b="0"/>
+        </a:effectRef>
+        <a:fontRef idx="minor">
+          <a:schemeClr val="lt1"/>
+        </a:fontRef>
+      </dsp:style>
+      <dsp:txBody>
+        <a:bodyPr spcFirstLastPara="0" vert="horz" wrap="square" lIns="24003" tIns="8001" rIns="8001" bIns="8001" numCol="1" spcCol="1270" anchor="ctr" anchorCtr="0">
+          <a:noAutofit/>
+        </a:bodyPr>
+        <a:lstStyle/>
+        <a:p>
+          <a:pPr marL="0" lvl="0" indent="0" algn="ctr" defTabSz="266700">
+            <a:lnSpc>
+              <a:spcPct val="90000"/>
+            </a:lnSpc>
+            <a:spcBef>
+              <a:spcPct val="0"/>
+            </a:spcBef>
+            <a:spcAft>
+              <a:spcPct val="35000"/>
+            </a:spcAft>
+            <a:buNone/>
+          </a:pPr>
+          <a:r>
+            <a:rPr lang="zh-CN" altLang="en-US" sz="600" kern="1200">
+              <a:latin typeface="黑体" panose="02010609060101010101" pitchFamily="49" charset="-122"/>
+              <a:ea typeface="黑体" panose="02010609060101010101" pitchFamily="49" charset="-122"/>
+            </a:rPr>
+            <a:t>数据集划分</a:t>
+          </a:r>
+          <a:endParaRPr lang="zh-CN" altLang="en-US" sz="600" kern="1200" dirty="0">
+            <a:latin typeface="黑体" panose="02010609060101010101" pitchFamily="49" charset="-122"/>
+            <a:ea typeface="黑体" panose="02010609060101010101" pitchFamily="49" charset="-122"/>
+          </a:endParaRPr>
+        </a:p>
+      </dsp:txBody>
+      <dsp:txXfrm>
+        <a:off x="2149949" y="209899"/>
+        <a:ext cx="444722" cy="296480"/>
+      </dsp:txXfrm>
+    </dsp:sp>
+    <dsp:sp modelId="{DF0B95C0-DA27-472A-AEC6-84A60BFBD95C}">
+      <dsp:nvSpPr>
+        <dsp:cNvPr id="0" name=""/>
+        <dsp:cNvSpPr/>
+      </dsp:nvSpPr>
+      <dsp:spPr>
+        <a:xfrm>
+          <a:off x="2668791" y="209899"/>
+          <a:ext cx="741202" cy="296480"/>
+        </a:xfrm>
+        <a:prstGeom prst="chevron">
+          <a:avLst/>
+        </a:prstGeom>
+        <a:solidFill>
+          <a:schemeClr val="accent6">
+            <a:alpha val="90000"/>
+            <a:hueOff val="0"/>
+            <a:satOff val="0"/>
+            <a:lumOff val="0"/>
+            <a:alphaOff val="-22857"/>
+          </a:schemeClr>
+        </a:solidFill>
+        <a:ln w="12700" cap="flat" cmpd="sng" algn="ctr">
+          <a:solidFill>
+            <a:schemeClr val="lt1">
+              <a:hueOff val="0"/>
+              <a:satOff val="0"/>
+              <a:lumOff val="0"/>
+              <a:alphaOff val="0"/>
+            </a:schemeClr>
+          </a:solidFill>
+          <a:prstDash val="solid"/>
+          <a:miter lim="800000"/>
+        </a:ln>
+        <a:effectLst/>
+      </dsp:spPr>
+      <dsp:style>
+        <a:lnRef idx="2">
+          <a:scrgbClr r="0" g="0" b="0"/>
+        </a:lnRef>
+        <a:fillRef idx="1">
+          <a:scrgbClr r="0" g="0" b="0"/>
+        </a:fillRef>
+        <a:effectRef idx="0">
+          <a:scrgbClr r="0" g="0" b="0"/>
+        </a:effectRef>
+        <a:fontRef idx="minor">
+          <a:schemeClr val="lt1"/>
+        </a:fontRef>
+      </dsp:style>
+      <dsp:txBody>
+        <a:bodyPr spcFirstLastPara="0" vert="horz" wrap="square" lIns="24003" tIns="8001" rIns="8001" bIns="8001" numCol="1" spcCol="1270" anchor="ctr" anchorCtr="0">
+          <a:noAutofit/>
+        </a:bodyPr>
+        <a:lstStyle/>
+        <a:p>
+          <a:pPr marL="0" lvl="0" indent="0" algn="ctr" defTabSz="266700">
+            <a:lnSpc>
+              <a:spcPct val="90000"/>
+            </a:lnSpc>
+            <a:spcBef>
+              <a:spcPct val="0"/>
+            </a:spcBef>
+            <a:spcAft>
+              <a:spcPct val="35000"/>
+            </a:spcAft>
+            <a:buNone/>
+          </a:pPr>
+          <a:r>
+            <a:rPr lang="zh-CN" altLang="en-US" sz="600" kern="1200">
+              <a:latin typeface="黑体" panose="02010609060101010101" pitchFamily="49" charset="-122"/>
+              <a:ea typeface="黑体" panose="02010609060101010101" pitchFamily="49" charset="-122"/>
+            </a:rPr>
+            <a:t>模型训练</a:t>
+          </a:r>
+          <a:endParaRPr lang="zh-CN" altLang="en-US" sz="600" kern="1200" dirty="0">
+            <a:latin typeface="黑体" panose="02010609060101010101" pitchFamily="49" charset="-122"/>
+            <a:ea typeface="黑体" panose="02010609060101010101" pitchFamily="49" charset="-122"/>
+          </a:endParaRPr>
+        </a:p>
+      </dsp:txBody>
+      <dsp:txXfrm>
+        <a:off x="2817031" y="209899"/>
+        <a:ext cx="444722" cy="296480"/>
+      </dsp:txXfrm>
+    </dsp:sp>
+    <dsp:sp modelId="{DFA7FB8E-09D0-4606-8D03-420AB3714D8B}">
+      <dsp:nvSpPr>
+        <dsp:cNvPr id="0" name=""/>
+        <dsp:cNvSpPr/>
+      </dsp:nvSpPr>
+      <dsp:spPr>
+        <a:xfrm>
+          <a:off x="3335873" y="209899"/>
+          <a:ext cx="741202" cy="296480"/>
+        </a:xfrm>
+        <a:prstGeom prst="chevron">
+          <a:avLst/>
+        </a:prstGeom>
+        <a:solidFill>
+          <a:schemeClr val="accent6">
+            <a:alpha val="90000"/>
+            <a:hueOff val="0"/>
+            <a:satOff val="0"/>
+            <a:lumOff val="0"/>
+            <a:alphaOff val="-28571"/>
+          </a:schemeClr>
+        </a:solidFill>
+        <a:ln w="12700" cap="flat" cmpd="sng" algn="ctr">
+          <a:solidFill>
+            <a:schemeClr val="lt1">
+              <a:hueOff val="0"/>
+              <a:satOff val="0"/>
+              <a:lumOff val="0"/>
+              <a:alphaOff val="0"/>
+            </a:schemeClr>
+          </a:solidFill>
+          <a:prstDash val="solid"/>
+          <a:miter lim="800000"/>
+        </a:ln>
+        <a:effectLst/>
+      </dsp:spPr>
+      <dsp:style>
+        <a:lnRef idx="2">
+          <a:scrgbClr r="0" g="0" b="0"/>
+        </a:lnRef>
+        <a:fillRef idx="1">
+          <a:scrgbClr r="0" g="0" b="0"/>
+        </a:fillRef>
+        <a:effectRef idx="0">
+          <a:scrgbClr r="0" g="0" b="0"/>
+        </a:effectRef>
+        <a:fontRef idx="minor">
+          <a:schemeClr val="lt1"/>
+        </a:fontRef>
+      </dsp:style>
+      <dsp:txBody>
+        <a:bodyPr spcFirstLastPara="0" vert="horz" wrap="square" lIns="24003" tIns="8001" rIns="8001" bIns="8001" numCol="1" spcCol="1270" anchor="ctr" anchorCtr="0">
+          <a:noAutofit/>
+        </a:bodyPr>
+        <a:lstStyle/>
+        <a:p>
+          <a:pPr marL="0" lvl="0" indent="0" algn="ctr" defTabSz="266700">
+            <a:lnSpc>
+              <a:spcPct val="90000"/>
+            </a:lnSpc>
+            <a:spcBef>
+              <a:spcPct val="0"/>
+            </a:spcBef>
+            <a:spcAft>
+              <a:spcPct val="35000"/>
+            </a:spcAft>
+            <a:buNone/>
+          </a:pPr>
+          <a:r>
+            <a:rPr lang="zh-CN" altLang="en-US" sz="600" kern="1200">
+              <a:latin typeface="黑体" panose="02010609060101010101" pitchFamily="49" charset="-122"/>
+              <a:ea typeface="黑体" panose="02010609060101010101" pitchFamily="49" charset="-122"/>
+            </a:rPr>
+            <a:t>模型验证</a:t>
+          </a:r>
+          <a:endParaRPr lang="zh-CN" altLang="en-US" sz="600" kern="1200" dirty="0">
+            <a:latin typeface="黑体" panose="02010609060101010101" pitchFamily="49" charset="-122"/>
+            <a:ea typeface="黑体" panose="02010609060101010101" pitchFamily="49" charset="-122"/>
+          </a:endParaRPr>
+        </a:p>
+      </dsp:txBody>
+      <dsp:txXfrm>
+        <a:off x="3484113" y="209899"/>
+        <a:ext cx="444722" cy="296480"/>
+      </dsp:txXfrm>
+    </dsp:sp>
+    <dsp:sp modelId="{34AED2C8-C45D-46A7-A812-EE959C5C8C29}">
+      <dsp:nvSpPr>
+        <dsp:cNvPr id="0" name=""/>
+        <dsp:cNvSpPr/>
+      </dsp:nvSpPr>
+      <dsp:spPr>
+        <a:xfrm>
+          <a:off x="4002955" y="209899"/>
+          <a:ext cx="741202" cy="296480"/>
+        </a:xfrm>
+        <a:prstGeom prst="chevron">
+          <a:avLst/>
+        </a:prstGeom>
+        <a:solidFill>
+          <a:schemeClr val="accent6">
+            <a:alpha val="90000"/>
+            <a:hueOff val="0"/>
+            <a:satOff val="0"/>
+            <a:lumOff val="0"/>
+            <a:alphaOff val="-34286"/>
+          </a:schemeClr>
+        </a:solidFill>
+        <a:ln w="12700" cap="flat" cmpd="sng" algn="ctr">
+          <a:solidFill>
+            <a:schemeClr val="lt1">
+              <a:hueOff val="0"/>
+              <a:satOff val="0"/>
+              <a:lumOff val="0"/>
+              <a:alphaOff val="0"/>
+            </a:schemeClr>
+          </a:solidFill>
+          <a:prstDash val="solid"/>
+          <a:miter lim="800000"/>
+        </a:ln>
+        <a:effectLst/>
+      </dsp:spPr>
+      <dsp:style>
+        <a:lnRef idx="2">
+          <a:scrgbClr r="0" g="0" b="0"/>
+        </a:lnRef>
+        <a:fillRef idx="1">
+          <a:scrgbClr r="0" g="0" b="0"/>
+        </a:fillRef>
+        <a:effectRef idx="0">
+          <a:scrgbClr r="0" g="0" b="0"/>
+        </a:effectRef>
+        <a:fontRef idx="minor">
+          <a:schemeClr val="lt1"/>
+        </a:fontRef>
+      </dsp:style>
+      <dsp:txBody>
+        <a:bodyPr spcFirstLastPara="0" vert="horz" wrap="square" lIns="24003" tIns="8001" rIns="8001" bIns="8001" numCol="1" spcCol="1270" anchor="ctr" anchorCtr="0">
+          <a:noAutofit/>
+        </a:bodyPr>
+        <a:lstStyle/>
+        <a:p>
+          <a:pPr marL="0" lvl="0" indent="0" algn="ctr" defTabSz="266700">
+            <a:lnSpc>
+              <a:spcPct val="90000"/>
+            </a:lnSpc>
+            <a:spcBef>
+              <a:spcPct val="0"/>
+            </a:spcBef>
+            <a:spcAft>
+              <a:spcPct val="35000"/>
+            </a:spcAft>
+            <a:buNone/>
+          </a:pPr>
+          <a:r>
+            <a:rPr lang="zh-CN" altLang="en-US" sz="600" kern="1200">
+              <a:latin typeface="黑体" panose="02010609060101010101" pitchFamily="49" charset="-122"/>
+              <a:ea typeface="黑体" panose="02010609060101010101" pitchFamily="49" charset="-122"/>
+            </a:rPr>
+            <a:t>使用所有的数据集训练</a:t>
+          </a:r>
+          <a:endParaRPr lang="zh-CN" altLang="en-US" sz="600" kern="1200" dirty="0">
+            <a:latin typeface="黑体" panose="02010609060101010101" pitchFamily="49" charset="-122"/>
+            <a:ea typeface="黑体" panose="02010609060101010101" pitchFamily="49" charset="-122"/>
+          </a:endParaRPr>
+        </a:p>
+      </dsp:txBody>
+      <dsp:txXfrm>
+        <a:off x="4151195" y="209899"/>
+        <a:ext cx="444722" cy="296480"/>
+      </dsp:txXfrm>
+    </dsp:sp>
+    <dsp:sp modelId="{3E783A11-6E87-4F35-9AC6-C790363607C7}">
+      <dsp:nvSpPr>
+        <dsp:cNvPr id="0" name=""/>
+        <dsp:cNvSpPr/>
+      </dsp:nvSpPr>
+      <dsp:spPr>
+        <a:xfrm>
+          <a:off x="4670038" y="209899"/>
+          <a:ext cx="741202" cy="296480"/>
+        </a:xfrm>
+        <a:prstGeom prst="chevron">
+          <a:avLst/>
+        </a:prstGeom>
+        <a:solidFill>
+          <a:schemeClr val="accent6">
+            <a:alpha val="90000"/>
+            <a:hueOff val="0"/>
+            <a:satOff val="0"/>
+            <a:lumOff val="0"/>
+            <a:alphaOff val="-40000"/>
+          </a:schemeClr>
+        </a:solidFill>
+        <a:ln w="12700" cap="flat" cmpd="sng" algn="ctr">
+          <a:solidFill>
+            <a:schemeClr val="lt1">
+              <a:hueOff val="0"/>
+              <a:satOff val="0"/>
+              <a:lumOff val="0"/>
+              <a:alphaOff val="0"/>
+            </a:schemeClr>
+          </a:solidFill>
+          <a:prstDash val="solid"/>
+          <a:miter lim="800000"/>
+        </a:ln>
+        <a:effectLst/>
+      </dsp:spPr>
+      <dsp:style>
+        <a:lnRef idx="2">
+          <a:scrgbClr r="0" g="0" b="0"/>
+        </a:lnRef>
+        <a:fillRef idx="1">
+          <a:scrgbClr r="0" g="0" b="0"/>
+        </a:fillRef>
+        <a:effectRef idx="0">
+          <a:scrgbClr r="0" g="0" b="0"/>
+        </a:effectRef>
+        <a:fontRef idx="minor">
+          <a:schemeClr val="lt1"/>
+        </a:fontRef>
+      </dsp:style>
+      <dsp:txBody>
+        <a:bodyPr spcFirstLastPara="0" vert="horz" wrap="square" lIns="24003" tIns="8001" rIns="8001" bIns="8001" numCol="1" spcCol="1270" anchor="ctr" anchorCtr="0">
+          <a:noAutofit/>
+        </a:bodyPr>
+        <a:lstStyle/>
+        <a:p>
+          <a:pPr marL="0" lvl="0" indent="0" algn="ctr" defTabSz="266700">
+            <a:lnSpc>
+              <a:spcPct val="90000"/>
+            </a:lnSpc>
+            <a:spcBef>
+              <a:spcPct val="0"/>
+            </a:spcBef>
+            <a:spcAft>
+              <a:spcPct val="35000"/>
+            </a:spcAft>
+            <a:buNone/>
+          </a:pPr>
+          <a:r>
+            <a:rPr lang="zh-CN" altLang="en-US" sz="600" kern="1200">
+              <a:latin typeface="黑体" panose="02010609060101010101" pitchFamily="49" charset="-122"/>
+              <a:ea typeface="黑体" panose="02010609060101010101" pitchFamily="49" charset="-122"/>
+            </a:rPr>
+            <a:t>模型预测</a:t>
+          </a:r>
+          <a:endParaRPr lang="zh-CN" altLang="en-US" sz="600" kern="1200" dirty="0">
+            <a:latin typeface="黑体" panose="02010609060101010101" pitchFamily="49" charset="-122"/>
+            <a:ea typeface="黑体" panose="02010609060101010101" pitchFamily="49" charset="-122"/>
+          </a:endParaRPr>
+        </a:p>
+      </dsp:txBody>
+      <dsp:txXfrm>
+        <a:off x="4818278" y="209899"/>
+        <a:ext cx="444722" cy="296480"/>
+      </dsp:txXfrm>
+    </dsp:sp>
+  </dsp:spTree>
+</dsp:drawing>
+</file>
+
+<file path=ppt/diagrams/layout1.xml><?xml version="1.0" encoding="utf-8"?>
+<dgm:layoutDef xmlns:dgm="http://schemas.openxmlformats.org/drawingml/2006/diagram" xmlns:a="http://schemas.openxmlformats.org/drawingml/2006/main" uniqueId="urn:microsoft.com/office/officeart/2005/8/layout/chevron1">
+  <dgm:title val=""/>
+  <dgm:desc val=""/>
+  <dgm:catLst>
+    <dgm:cat type="process" pri="9000"/>
+  </dgm:catLst>
+  <dgm:sampData useDef="1">
+    <dgm:dataModel>
+      <dgm:ptLst/>
+      <dgm:bg/>
+      <dgm:whole/>
+    </dgm:dataModel>
+  </dgm:sampData>
+  <dgm:styleData>
+    <dgm:dataModel>
+      <dgm:ptLst>
+        <dgm:pt modelId="0" type="doc"/>
+        <dgm:pt modelId="1"/>
+        <dgm:pt modelId="2"/>
+      </dgm:ptLst>
+      <dgm:cxnLst>
+        <dgm:cxn modelId="3" srcId="0" destId="1" srcOrd="0" destOrd="0"/>
+        <dgm:cxn modelId="4" srcId="0" destId="2" srcOrd="1" destOrd="0"/>
+      </dgm:cxnLst>
+      <dgm:bg/>
+      <dgm:whole/>
+    </dgm:dataModel>
+  </dgm:styleData>
+  <dgm:clrData>
+    <dgm:dataModel>
+      <dgm:ptLst>
+        <dgm:pt modelId="0" type="doc"/>
+        <dgm:pt modelId="1"/>
+        <dgm:pt modelId="2"/>
+        <dgm:pt modelId="3"/>
+        <dgm:pt modelId="4"/>
+      </dgm:ptLst>
+      <dgm:cxnLst>
+        <dgm:cxn modelId="5" srcId="0" destId="1" srcOrd="0" destOrd="0"/>
+        <dgm:cxn modelId="6" srcId="0" destId="2" srcOrd="1" destOrd="0"/>
+        <dgm:cxn modelId="7" srcId="0" destId="3" srcOrd="2" destOrd="0"/>
+        <dgm:cxn modelId="8" srcId="0" destId="4" srcOrd="3" destOrd="0"/>
+      </dgm:cxnLst>
+      <dgm:bg/>
+      <dgm:whole/>
+    </dgm:dataModel>
+  </dgm:clrData>
+  <dgm:layoutNode name="Name0">
+    <dgm:varLst>
+      <dgm:dir/>
+      <dgm:animLvl val="lvl"/>
+      <dgm:resizeHandles val="exact"/>
+    </dgm:varLst>
+    <dgm:choose name="Name1">
+      <dgm:if name="Name2" func="var" arg="dir" op="equ" val="norm">
+        <dgm:alg type="lin"/>
+      </dgm:if>
+      <dgm:else name="Name3">
+        <dgm:alg type="lin">
+          <dgm:param type="linDir" val="fromR"/>
+        </dgm:alg>
+      </dgm:else>
+    </dgm:choose>
+    <dgm:shape xmlns:r="http://schemas.openxmlformats.org/officeDocument/2006/relationships" r:blip="">
+      <dgm:adjLst/>
+    </dgm:shape>
+    <dgm:presOf/>
+    <dgm:choose name="Name4">
+      <dgm:if name="Name5" axis="des" func="maxDepth" op="gte" val="2">
+        <dgm:constrLst>
+          <dgm:constr type="h" for="ch" forName="composite" refType="h"/>
+          <dgm:constr type="w" for="ch" forName="composite" refType="w"/>
+          <dgm:constr type="w" for="des" forName="parTx"/>
+          <dgm:constr type="h" for="des" forName="parTx" op="equ"/>
+          <dgm:constr type="w" for="des" forName="desTx"/>
+          <dgm:constr type="h" for="des" forName="desTx" op="equ"/>
+          <dgm:constr type="primFontSz" for="des" forName="parTx" val="65"/>
+          <dgm:constr type="secFontSz" for="des" forName="desTx" refType="primFontSz" refFor="des" refForName="parTx" op="equ"/>
+          <dgm:constr type="h" for="des" forName="parTx" refType="primFontSz" refFor="des" refForName="parTx" fact="1.5"/>
+          <dgm:constr type="h" for="des" forName="desTx" refType="primFontSz" refFor="des" refForName="parTx" fact="0.5"/>
+          <dgm:constr type="w" for="ch" forName="space" op="equ" val="-6"/>
+        </dgm:constrLst>
+        <dgm:ruleLst>
+          <dgm:rule type="w" for="ch" forName="composite" val="0" fact="NaN" max="NaN"/>
+          <dgm:rule type="primFontSz" for="des" forName="parTx" val="5" fact="NaN" max="NaN"/>
+        </dgm:ruleLst>
+        <dgm:forEach name="Name6" axis="ch" ptType="node">
+          <dgm:layoutNode name="composite">
+            <dgm:alg type="composite"/>
+            <dgm:shape xmlns:r="http://schemas.openxmlformats.org/officeDocument/2006/relationships" r:blip="">
+              <dgm:adjLst/>
+            </dgm:shape>
+            <dgm:presOf/>
+            <dgm:choose name="Name7">
+              <dgm:if name="Name8" func="var" arg="dir" op="equ" val="norm">
+                <dgm:constrLst>
+                  <dgm:constr type="l" for="ch" forName="parTx"/>
+                  <dgm:constr type="w" for="ch" forName="parTx" refType="w"/>
+                  <dgm:constr type="t" for="ch" forName="parTx"/>
+                  <dgm:constr type="l" for="ch" forName="desTx"/>
+                  <dgm:constr type="w" for="ch" forName="desTx" refType="w" refFor="ch" refForName="parTx" fact="0.8"/>
+                  <dgm:constr type="t" for="ch" forName="desTx" refType="h" refFor="ch" refForName="parTx" fact="1.125"/>
+                </dgm:constrLst>
+              </dgm:if>
+              <dgm:else name="Name9">
+                <dgm:constrLst>
+                  <dgm:constr type="l" for="ch" forName="parTx"/>
+                  <dgm:constr type="w" for="ch" forName="parTx" refType="w"/>
+                  <dgm:constr type="t" for="ch" forName="parTx"/>
+                  <dgm:constr type="l" for="ch" forName="desTx" refType="w" fact="0.2"/>
+                  <dgm:constr type="w" for="ch" forName="desTx" refType="w" refFor="ch" refForName="parTx" fact="0.8"/>
+                  <dgm:constr type="t" for="ch" forName="desTx" refType="h" refFor="ch" refForName="parTx" fact="1.125"/>
+                </dgm:constrLst>
+              </dgm:else>
+            </dgm:choose>
+            <dgm:ruleLst>
+              <dgm:rule type="h" val="INF" fact="NaN" max="NaN"/>
+            </dgm:ruleLst>
+            <dgm:layoutNode name="parTx">
+              <dgm:varLst>
+                <dgm:chMax val="0"/>
+                <dgm:chPref val="0"/>
+                <dgm:bulletEnabled val="1"/>
+              </dgm:varLst>
+              <dgm:alg type="tx"/>
+              <dgm:choose name="Name10">
+                <dgm:if name="Name11" func="var" arg="dir" op="equ" val="norm">
+                  <dgm:shape xmlns:r="http://schemas.openxmlformats.org/officeDocument/2006/relationships" type="chevron" r:blip="">
+                    <dgm:adjLst/>
+                  </dgm:shape>
+                </dgm:if>
+                <dgm:else name="Name12">
+                  <dgm:shape xmlns:r="http://schemas.openxmlformats.org/officeDocument/2006/relationships" rot="180" type="chevron" r:blip="">
+                    <dgm:adjLst/>
+                  </dgm:shape>
+                </dgm:else>
+              </dgm:choose>
+              <dgm:presOf axis="self" ptType="node"/>
+              <dgm:choose name="Name13">
+                <dgm:if name="Name14" func="var" arg="dir" op="equ" val="norm">
+                  <dgm:constrLst>
+                    <dgm:constr type="h" refType="w" op="lte" fact="0.4"/>
+                    <dgm:constr type="h"/>
+                    <dgm:constr type="tMarg" refType="primFontSz" fact="0.105"/>
+                    <dgm:constr type="bMarg" refType="primFontSz" fact="0.105"/>
+                    <dgm:constr type="lMarg" refType="primFontSz" fact="0.315"/>
+                    <dgm:constr type="rMarg" refType="primFontSz" fact="0.105"/>
+                  </dgm:constrLst>
+                </dgm:if>
+                <dgm:else name="Name15">
+                  <dgm:constrLst>
+                    <dgm:constr type="h" refType="w" op="lte" fact="0.4"/>
+                    <dgm:constr type="h"/>
+                    <dgm:constr type="tMarg" refType="primFontSz" fact="0.105"/>
+                    <dgm:constr type="bMarg" refType="primFontSz" fact="0.105"/>
+                    <dgm:constr type="lMarg" refType="primFontSz" fact="0.105"/>
+                    <dgm:constr type="rMarg" refType="primFontSz" fact="0.315"/>
+                  </dgm:constrLst>
+                </dgm:else>
+              </dgm:choose>
+              <dgm:ruleLst>
+                <dgm:rule type="h" val="INF" fact="NaN" max="NaN"/>
+              </dgm:ruleLst>
+            </dgm:layoutNode>
+            <dgm:layoutNode name="desTx" styleLbl="revTx">
+              <dgm:varLst>
+                <dgm:bulletEnabled val="1"/>
+              </dgm:varLst>
+              <dgm:alg type="tx">
+                <dgm:param type="stBulletLvl" val="1"/>
+              </dgm:alg>
+              <dgm:choose name="Name16">
+                <dgm:if name="Name17" axis="ch" ptType="node" func="cnt" op="gte" val="1">
+                  <dgm:shape xmlns:r="http://schemas.openxmlformats.org/officeDocument/2006/relationships" type="rect" r:blip="">
+                    <dgm:adjLst/>
+                  </dgm:shape>
+                </dgm:if>
+                <dgm:else name="Name18">
+                  <dgm:shape xmlns:r="http://schemas.openxmlformats.org/officeDocument/2006/relationships" type="rect" r:blip="" hideGeom="1">
+                    <dgm:adjLst/>
+                  </dgm:shape>
+                </dgm:else>
+              </dgm:choose>
+              <dgm:presOf axis="des" ptType="node"/>
+              <dgm:constrLst>
+                <dgm:constr type="secFontSz" val="65"/>
+                <dgm:constr type="primFontSz" refType="secFontSz"/>
+                <dgm:constr type="h"/>
+                <dgm:constr type="tMarg"/>
+                <dgm:constr type="bMarg"/>
+                <dgm:constr type="rMarg"/>
+                <dgm:constr type="lMarg"/>
+              </dgm:constrLst>
+              <dgm:ruleLst>
+                <dgm:rule type="h" val="INF" fact="NaN" max="NaN"/>
+              </dgm:ruleLst>
+            </dgm:layoutNode>
+          </dgm:layoutNode>
+          <dgm:forEach name="Name19" axis="followSib" ptType="sibTrans" cnt="1">
+            <dgm:layoutNode name="space">
+              <dgm:alg type="sp"/>
+              <dgm:shape xmlns:r="http://schemas.openxmlformats.org/officeDocument/2006/relationships" r:blip="">
+                <dgm:adjLst/>
+              </dgm:shape>
+              <dgm:presOf/>
+              <dgm:constrLst/>
+              <dgm:ruleLst/>
+            </dgm:layoutNode>
+          </dgm:forEach>
+        </dgm:forEach>
+      </dgm:if>
+      <dgm:else name="Name20">
+        <dgm:constrLst>
+          <dgm:constr type="w" for="ch" forName="parTxOnly" refType="w"/>
+          <dgm:constr type="h" for="des" forName="parTxOnly" op="equ"/>
+          <dgm:constr type="primFontSz" for="des" forName="parTxOnly" op="equ" val="65"/>
+          <dgm:constr type="w" for="ch" forName="parTxOnlySpace" refType="w" refFor="ch" refForName="parTxOnly" fact="-0.1"/>
+        </dgm:constrLst>
+        <dgm:ruleLst/>
+        <dgm:forEach name="Name21" axis="ch" ptType="node">
+          <dgm:layoutNode name="parTxOnly">
+            <dgm:varLst>
+              <dgm:chMax val="0"/>
+              <dgm:chPref val="0"/>
+              <dgm:bulletEnabled val="1"/>
+            </dgm:varLst>
+            <dgm:alg type="tx"/>
+            <dgm:choose name="Name22">
+              <dgm:if name="Name23" func="var" arg="dir" op="equ" val="norm">
+                <dgm:shape xmlns:r="http://schemas.openxmlformats.org/officeDocument/2006/relationships" type="chevron" r:blip="">
+                  <dgm:adjLst/>
+                </dgm:shape>
+              </dgm:if>
+              <dgm:else name="Name24">
+                <dgm:shape xmlns:r="http://schemas.openxmlformats.org/officeDocument/2006/relationships" rot="180" type="chevron" r:blip="">
+                  <dgm:adjLst/>
+                </dgm:shape>
+              </dgm:else>
+            </dgm:choose>
+            <dgm:presOf axis="self" ptType="node"/>
+            <dgm:choose name="Name25">
+              <dgm:if name="Name26" func="var" arg="dir" op="equ" val="norm">
+                <dgm:constrLst>
+                  <dgm:constr type="h" refType="w" op="equ" fact="0.4"/>
+                  <dgm:constr type="tMarg" refType="primFontSz" fact="0.105"/>
+                  <dgm:constr type="bMarg" refType="primFontSz" fact="0.105"/>
+                  <dgm:constr type="lMarg" refType="primFontSz" fact="0.315"/>
+                  <dgm:constr type="rMarg" refType="primFontSz" fact="0.105"/>
+                </dgm:constrLst>
+              </dgm:if>
+              <dgm:else name="Name27">
+                <dgm:constrLst>
+                  <dgm:constr type="h" refType="w" op="equ" fact="0.4"/>
+                  <dgm:constr type="tMarg" refType="primFontSz" fact="0.105"/>
+                  <dgm:constr type="bMarg" refType="primFontSz" fact="0.105"/>
+                  <dgm:constr type="lMarg" refType="primFontSz" fact="0.105"/>
+                  <dgm:constr type="rMarg" refType="primFontSz" fact="0.315"/>
+                </dgm:constrLst>
+              </dgm:else>
+            </dgm:choose>
+            <dgm:ruleLst>
+              <dgm:rule type="primFontSz" val="5" fact="NaN" max="NaN"/>
+            </dgm:ruleLst>
+          </dgm:layoutNode>
+          <dgm:forEach name="Name28" axis="followSib" ptType="sibTrans" cnt="1">
+            <dgm:layoutNode name="parTxOnlySpace">
+              <dgm:alg type="sp"/>
+              <dgm:shape xmlns:r="http://schemas.openxmlformats.org/officeDocument/2006/relationships" r:blip="">
+                <dgm:adjLst/>
+              </dgm:shape>
+              <dgm:presOf/>
+              <dgm:constrLst/>
+              <dgm:ruleLst/>
+            </dgm:layoutNode>
+          </dgm:forEach>
+        </dgm:forEach>
+      </dgm:else>
+    </dgm:choose>
+  </dgm:layoutNode>
+</dgm:layoutDef>
+</file>
+
+<file path=ppt/diagrams/quickStyle1.xml><?xml version="1.0" encoding="utf-8"?>
+<dgm:styleDef xmlns:dgm="http://schemas.openxmlformats.org/drawingml/2006/diagram" xmlns:a="http://schemas.openxmlformats.org/drawingml/2006/main" uniqueId="urn:microsoft.com/office/officeart/2005/8/quickstyle/simple1">
+  <dgm:title val=""/>
+  <dgm:desc val=""/>
+  <dgm:catLst>
+    <dgm:cat type="simple" pri="10100"/>
+  </dgm:catLst>
+  <dgm:scene3d>
+    <a:camera prst="orthographicFront"/>
+    <a:lightRig rig="threePt" dir="t"/>
+  </dgm:scene3d>
+  <dgm:styleLbl name="node0">
+    <dgm:scene3d>
+      <a:camera prst="orthographicFront"/>
+      <a:lightRig rig="threePt" dir="t"/>
+    </dgm:scene3d>
+    <dgm:sp3d/>
+    <dgm:txPr/>
+    <dgm:style>
+      <a:lnRef idx="2">
+        <a:scrgbClr r="0" g="0" b="0"/>
+      </a:lnRef>
+      <a:fillRef idx="1">
+        <a:scrgbClr r="0" g="0" b="0"/>
+      </a:fillRef>
+      <a:effectRef idx="0">
+        <a:scrgbClr r="0" g="0" b="0"/>
+      </a:effectRef>
+      <a:fontRef idx="minor">
+        <a:schemeClr val="lt1"/>
+      </a:fontRef>
+    </dgm:style>
+  </dgm:styleLbl>
+  <dgm:styleLbl name="lnNode1">
+    <dgm:scene3d>
+      <a:camera prst="orthographicFront"/>
+      <a:lightRig rig="threePt" dir="t"/>
+    </dgm:scene3d>
+    <dgm:sp3d/>
+    <dgm:txPr/>
+    <dgm:style>
+      <a:lnRef idx="2">
+        <a:scrgbClr r="0" g="0" b="0"/>
+      </a:lnRef>
+      <a:fillRef idx="1">
+        <a:scrgbClr r="0" g="0" b="0"/>
+      </a:fillRef>
+      <a:effectRef idx="0">
+        <a:scrgbClr r="0" g="0" b="0"/>
+      </a:effectRef>
+      <a:fontRef idx="minor">
+        <a:schemeClr val="lt1"/>
+      </a:fontRef>
+    </dgm:style>
+  </dgm:styleLbl>
+  <dgm:styleLbl name="vennNode1">
+    <dgm:scene3d>
+      <a:camera prst="orthographicFront"/>
+      <a:lightRig rig="threePt" dir="t"/>
+    </dgm:scene3d>
+    <dgm:sp3d/>
+    <dgm:txPr/>
+    <dgm:style>
+      <a:lnRef idx="2">
+        <a:scrgbClr r="0" g="0" b="0"/>
+      </a:lnRef>
+      <a:fillRef idx="1">
+        <a:scrgbClr r="0" g="0" b="0"/>
+      </a:fillRef>
+      <a:effectRef idx="0">
+        <a:scrgbClr r="0" g="0" b="0"/>
+      </a:effectRef>
+      <a:fontRef idx="minor">
+        <a:schemeClr val="tx1"/>
+      </a:fontRef>
+    </dgm:style>
+  </dgm:styleLbl>
+  <dgm:styleLbl name="alignNode1">
+    <dgm:scene3d>
+      <a:camera prst="orthographicFront"/>
+      <a:lightRig rig="threePt" dir="t"/>
+    </dgm:scene3d>
+    <dgm:sp3d/>
+    <dgm:txPr/>
+    <dgm:style>
+      <a:lnRef idx="2">
+        <a:scrgbClr r="0" g="0" b="0"/>
+      </a:lnRef>
+      <a:fillRef idx="1">
+        <a:scrgbClr r="0" g="0" b="0"/>
+      </a:fillRef>
+      <a:effectRef idx="0">
+        <a:scrgbClr r="0" g="0" b="0"/>
+      </a:effectRef>
+      <a:fontRef idx="minor">
+        <a:schemeClr val="lt1"/>
+      </a:fontRef>
+    </dgm:style>
+  </dgm:styleLbl>
+  <dgm:styleLbl name="node1">
+    <dgm:scene3d>
+      <a:camera prst="orthographicFront"/>
+      <a:lightRig rig="threePt" dir="t"/>
+    </dgm:scene3d>
+    <dgm:sp3d/>
+    <dgm:txPr/>
+    <dgm:style>
+      <a:lnRef idx="2">
+        <a:scrgbClr r="0" g="0" b="0"/>
+      </a:lnRef>
+      <a:fillRef idx="1">
+        <a:scrgbClr r="0" g="0" b="0"/>
+      </a:fillRef>
+      <a:effectRef idx="0">
+        <a:scrgbClr r="0" g="0" b="0"/>
+      </a:effectRef>
+      <a:fontRef idx="minor">
+        <a:schemeClr val="lt1"/>
+      </a:fontRef>
+    </dgm:style>
+  </dgm:styleLbl>
+  <dgm:styleLbl name="node2">
+    <dgm:scene3d>
+      <a:camera prst="orthographicFront"/>
+      <a:lightRig rig="threePt" dir="t"/>
+    </dgm:scene3d>
+    <dgm:sp3d/>
+    <dgm:txPr/>
+    <dgm:style>
+      <a:lnRef idx="2">
+        <a:scrgbClr r="0" g="0" b="0"/>
+      </a:lnRef>
+      <a:fillRef idx="1">
+        <a:scrgbClr r="0" g="0" b="0"/>
+      </a:fillRef>
+      <a:effectRef idx="0">
+        <a:scrgbClr r="0" g="0" b="0"/>
+      </a:effectRef>
+      <a:fontRef idx="minor">
+        <a:schemeClr val="lt1"/>
+      </a:fontRef>
+    </dgm:style>
+  </dgm:styleLbl>
+  <dgm:styleLbl name="node3">
+    <dgm:scene3d>
+      <a:camera prst="orthographicFront"/>
+      <a:lightRig rig="threePt" dir="t"/>
+    </dgm:scene3d>
+    <dgm:sp3d/>
+    <dgm:txPr/>
+    <dgm:style>
+      <a:lnRef idx="2">
+        <a:scrgbClr r="0" g="0" b="0"/>
+      </a:lnRef>
+      <a:fillRef idx="1">
+        <a:scrgbClr r="0" g="0" b="0"/>
+      </a:fillRef>
+      <a:effectRef idx="0">
+        <a:scrgbClr r="0" g="0" b="0"/>
+      </a:effectRef>
+      <a:fontRef idx="minor">
+        <a:schemeClr val="lt1"/>
+      </a:fontRef>
+    </dgm:style>
+  </dgm:styleLbl>
+  <dgm:styleLbl name="node4">
+    <dgm:scene3d>
+      <a:camera prst="orthographicFront"/>
+      <a:lightRig rig="threePt" dir="t"/>
+    </dgm:scene3d>
+    <dgm:sp3d/>
+    <dgm:txPr/>
+    <dgm:style>
+      <a:lnRef idx="2">
+        <a:scrgbClr r="0" g="0" b="0"/>
+      </a:lnRef>
+      <a:fillRef idx="1">
+        <a:scrgbClr r="0" g="0" b="0"/>
+      </a:fillRef>
+      <a:effectRef idx="0">
+        <a:scrgbClr r="0" g="0" b="0"/>
+      </a:effectRef>
+      <a:fontRef idx="minor">
+        <a:schemeClr val="lt1"/>
+      </a:fontRef>
+    </dgm:style>
+  </dgm:styleLbl>
+  <dgm:styleLbl name="fgImgPlace1">
+    <dgm:scene3d>
+      <a:camera prst="orthographicFront"/>
+      <a:lightRig rig="threePt" dir="t"/>
+    </dgm:scene3d>
+    <dgm:sp3d/>
+    <dgm:txPr/>
+    <dgm:style>
+      <a:lnRef idx="2">
+        <a:scrgbClr r="0" g="0" b="0"/>
+      </a:lnRef>
+      <a:fillRef idx="1">
+        <a:scrgbClr r="0" g="0" b="0"/>
+      </a:fillRef>
+      <a:effectRef idx="0">
+        <a:scrgbClr r="0" g="0" b="0"/>
+      </a:effectRef>
+      <a:fontRef idx="minor"/>
+    </dgm:style>
+  </dgm:styleLbl>
+  <dgm:styleLbl name="alignImgPlace1">
+    <dgm:scene3d>
+      <a:camera prst="orthographicFront"/>
+      <a:lightRig rig="threePt" dir="t"/>
+    </dgm:scene3d>
+    <dgm:sp3d/>
+    <dgm:txPr/>
+    <dgm:style>
+      <a:lnRef idx="2">
+        <a:scrgbClr r="0" g="0" b="0"/>
+      </a:lnRef>
+      <a:fillRef idx="1">
+        <a:scrgbClr r="0" g="0" b="0"/>
+      </a:fillRef>
+      <a:effectRef idx="0">
+        <a:scrgbClr r="0" g="0" b="0"/>
+      </a:effectRef>
+      <a:fontRef idx="minor"/>
+    </dgm:style>
+  </dgm:styleLbl>
+  <dgm:styleLbl name="bgImgPlace1">
+    <dgm:scene3d>
+      <a:camera prst="orthographicFront"/>
+      <a:lightRig rig="threePt" dir="t"/>
+    </dgm:scene3d>
+    <dgm:sp3d/>
+    <dgm:txPr/>
+    <dgm:style>
+      <a:lnRef idx="2">
+        <a:scrgbClr r="0" g="0" b="0"/>
+      </a:lnRef>
+      <a:fillRef idx="1">
+        <a:scrgbClr r="0" g="0" b="0"/>
+      </a:fillRef>
+      <a:effectRef idx="0">
+        <a:scrgbClr r="0" g="0" b="0"/>
+      </a:effectRef>
+      <a:fontRef idx="minor"/>
+    </dgm:style>
+  </dgm:styleLbl>
+  <dgm:styleLbl name="sibTrans2D1">
+    <dgm:scene3d>
+      <a:camera prst="orthographicFront"/>
+      <a:lightRig rig="threePt" dir="t"/>
+    </dgm:scene3d>
+    <dgm:sp3d/>
+    <dgm:txPr/>
+    <dgm:style>
+      <a:lnRef idx="0">
+        <a:scrgbClr r="0" g="0" b="0"/>
+      </a:lnRef>
+      <a:fillRef idx="1">
+        <a:scrgbClr r="0" g="0" b="0"/>
+      </a:fillRef>
+      <a:effectRef idx="0">
+        <a:scrgbClr r="0" g="0" b="0"/>
+      </a:effectRef>
+      <a:fontRef idx="minor">
+        <a:schemeClr val="lt1"/>
+      </a:fontRef>
+    </dgm:style>
+  </dgm:styleLbl>
+  <dgm:styleLbl name="fgSibTrans2D1">
+    <dgm:scene3d>
+      <a:camera prst="orthographicFront"/>
+      <a:lightRig rig="threePt" dir="t"/>
+    </dgm:scene3d>
+    <dgm:sp3d/>
+    <dgm:txPr/>
+    <dgm:style>
+      <a:lnRef idx="0">
+        <a:scrgbClr r="0" g="0" b="0"/>
+      </a:lnRef>
+      <a:fillRef idx="1">
+        <a:scrgbClr r="0" g="0" b="0"/>
+      </a:fillRef>
+      <a:effectRef idx="0">
+        <a:scrgbClr r="0" g="0" b="0"/>
+      </a:effectRef>
+      <a:fontRef idx="minor">
+        <a:schemeClr val="lt1"/>
+      </a:fontRef>
+    </dgm:style>
+  </dgm:styleLbl>
+  <dgm:styleLbl name="bgSibTrans2D1">
+    <dgm:scene3d>
+      <a:camera prst="orthographicFront"/>
+      <a:lightRig rig="threePt" dir="t"/>
+    </dgm:scene3d>
+    <dgm:sp3d/>
+    <dgm:txPr/>
+    <dgm:style>
+      <a:lnRef idx="0">
+        <a:scrgbClr r="0" g="0" b="0"/>
+      </a:lnRef>
+      <a:fillRef idx="1">
+        <a:scrgbClr r="0" g="0" b="0"/>
+      </a:fillRef>
+      <a:effectRef idx="0">
+        <a:scrgbClr r="0" g="0" b="0"/>
+      </a:effectRef>
+      <a:fontRef idx="minor">
+        <a:schemeClr val="lt1"/>
+      </a:fontRef>
+    </dgm:style>
+  </dgm:styleLbl>
+  <dgm:styleLbl name="sibTrans1D1">
+    <dgm:scene3d>
+      <a:camera prst="orthographicFront"/>
+      <a:lightRig rig="threePt" dir="t"/>
+    </dgm:scene3d>
+    <dgm:sp3d/>
+    <dgm:txPr/>
+    <dgm:style>
+      <a:lnRef idx="1">
+        <a:scrgbClr r="0" g="0" b="0"/>
+      </a:lnRef>
+      <a:fillRef idx="0">
+        <a:scrgbClr r="0" g="0" b="0"/>
+      </a:fillRef>
+      <a:effectRef idx="0">
+        <a:scrgbClr r="0" g="0" b="0"/>
+      </a:effectRef>
+      <a:fontRef idx="minor"/>
+    </dgm:style>
+  </dgm:styleLbl>
+  <dgm:styleLbl name="callout">
+    <dgm:scene3d>
+      <a:camera prst="orthographicFront"/>
+      <a:lightRig rig="threePt" dir="t"/>
+    </dgm:scene3d>
+    <dgm:sp3d/>
+    <dgm:txPr/>
+    <dgm:style>
+      <a:lnRef idx="2">
+        <a:scrgbClr r="0" g="0" b="0"/>
+      </a:lnRef>
+      <a:fillRef idx="1">
+        <a:scrgbClr r="0" g="0" b="0"/>
+      </a:fillRef>
+      <a:effectRef idx="0">
+        <a:scrgbClr r="0" g="0" b="0"/>
+      </a:effectRef>
+      <a:fontRef idx="minor"/>
+    </dgm:style>
+  </dgm:styleLbl>
+  <dgm:styleLbl name="asst0">
+    <dgm:scene3d>
+      <a:camera prst="orthographicFront"/>
+      <a:lightRig rig="threePt" dir="t"/>
+    </dgm:scene3d>
+    <dgm:sp3d/>
+    <dgm:txPr/>
+    <dgm:style>
+      <a:lnRef idx="2">
+        <a:scrgbClr r="0" g="0" b="0"/>
+      </a:lnRef>
+      <a:fillRef idx="1">
+        <a:scrgbClr r="0" g="0" b="0"/>
+      </a:fillRef>
+      <a:effectRef idx="0">
+        <a:scrgbClr r="0" g="0" b="0"/>
+      </a:effectRef>
+      <a:fontRef idx="minor">
+        <a:schemeClr val="lt1"/>
+      </a:fontRef>
+    </dgm:style>
+  </dgm:styleLbl>
+  <dgm:styleLbl name="asst1">
+    <dgm:scene3d>
+      <a:camera prst="orthographicFront"/>
+      <a:lightRig rig="threePt" dir="t"/>
+    </dgm:scene3d>
+    <dgm:sp3d/>
+    <dgm:txPr/>
+    <dgm:style>
+      <a:lnRef idx="2">
+        <a:scrgbClr r="0" g="0" b="0"/>
+      </a:lnRef>
+      <a:fillRef idx="1">
+        <a:scrgbClr r="0" g="0" b="0"/>
+      </a:fillRef>
+      <a:effectRef idx="0">
+        <a:scrgbClr r="0" g="0" b="0"/>
+      </a:effectRef>
+      <a:fontRef idx="minor">
+        <a:schemeClr val="lt1"/>
+      </a:fontRef>
+    </dgm:style>
+  </dgm:styleLbl>
+  <dgm:styleLbl name="asst2">
+    <dgm:scene3d>
+      <a:camera prst="orthographicFront"/>
+      <a:lightRig rig="threePt" dir="t"/>
+    </dgm:scene3d>
+    <dgm:sp3d/>
+    <dgm:txPr/>
+    <dgm:style>
+      <a:lnRef idx="2">
+        <a:scrgbClr r="0" g="0" b="0"/>
+      </a:lnRef>
+      <a:fillRef idx="1">
+        <a:scrgbClr r="0" g="0" b="0"/>
+      </a:fillRef>
+      <a:effectRef idx="0">
+        <a:scrgbClr r="0" g="0" b="0"/>
+      </a:effectRef>
+      <a:fontRef idx="minor">
+        <a:schemeClr val="lt1"/>
+      </a:fontRef>
+    </dgm:style>
+  </dgm:styleLbl>
+  <dgm:styleLbl name="asst3">
+    <dgm:scene3d>
+      <a:camera prst="orthographicFront"/>
+      <a:lightRig rig="threePt" dir="t"/>
+    </dgm:scene3d>
+    <dgm:sp3d/>
+    <dgm:txPr/>
+    <dgm:style>
+      <a:lnRef idx="2">
+        <a:scrgbClr r="0" g="0" b="0"/>
+      </a:lnRef>
+      <a:fillRef idx="1">
+        <a:scrgbClr r="0" g="0" b="0"/>
+      </a:fillRef>
+      <a:effectRef idx="0">
+        <a:scrgbClr r="0" g="0" b="0"/>
+      </a:effectRef>
+      <a:fontRef idx="minor">
+        <a:schemeClr val="lt1"/>
+      </a:fontRef>
+    </dgm:style>
+  </dgm:styleLbl>
+  <dgm:styleLbl name="asst4">
+    <dgm:scene3d>
+      <a:camera prst="orthographicFront"/>
+      <a:lightRig rig="threePt" dir="t"/>
+    </dgm:scene3d>
+    <dgm:sp3d/>
+    <dgm:txPr/>
+    <dgm:style>
+      <a:lnRef idx="2">
+        <a:scrgbClr r="0" g="0" b="0"/>
+      </a:lnRef>
+      <a:fillRef idx="1">
+        <a:scrgbClr r="0" g="0" b="0"/>
+      </a:fillRef>
+      <a:effectRef idx="0">
+        <a:scrgbClr r="0" g="0" b="0"/>
+      </a:effectRef>
+      <a:fontRef idx="minor">
+        <a:schemeClr val="lt1"/>
+      </a:fontRef>
+    </dgm:style>
+  </dgm:styleLbl>
+  <dgm:styleLbl name="parChTrans2D1">
+    <dgm:scene3d>
+      <a:camera prst="orthographicFront"/>
+      <a:lightRig rig="threePt" dir="t"/>
+    </dgm:scene3d>
+    <dgm:sp3d/>
+    <dgm:txPr/>
+    <dgm:style>
+      <a:lnRef idx="2">
+        <a:scrgbClr r="0" g="0" b="0"/>
+      </a:lnRef>
+      <a:fillRef idx="1">
+        <a:scrgbClr r="0" g="0" b="0"/>
+      </a:fillRef>
+      <a:effectRef idx="0">
+        <a:scrgbClr r="0" g="0" b="0"/>
+      </a:effectRef>
+      <a:fontRef idx="minor">
+        <a:schemeClr val="lt1"/>
+      </a:fontRef>
+    </dgm:style>
+  </dgm:styleLbl>
+  <dgm:styleLbl name="parChTrans2D2">
+    <dgm:scene3d>
+      <a:camera prst="orthographicFront"/>
+      <a:lightRig rig="threePt" dir="t"/>
+    </dgm:scene3d>
+    <dgm:sp3d/>
+    <dgm:txPr/>
+    <dgm:style>
+      <a:lnRef idx="2">
+        <a:scrgbClr r="0" g="0" b="0"/>
+      </a:lnRef>
+      <a:fillRef idx="1">
+        <a:scrgbClr r="0" g="0" b="0"/>
+      </a:fillRef>
+      <a:effectRef idx="0">
+        <a:scrgbClr r="0" g="0" b="0"/>
+      </a:effectRef>
+      <a:fontRef idx="minor">
+        <a:schemeClr val="lt1"/>
+      </a:fontRef>
+    </dgm:style>
+  </dgm:styleLbl>
+  <dgm:styleLbl name="parChTrans2D3">
+    <dgm:scene3d>
+      <a:camera prst="orthographicFront"/>
+      <a:lightRig rig="threePt" dir="t"/>
+    </dgm:scene3d>
+    <dgm:sp3d/>
+    <dgm:txPr/>
+    <dgm:style>
+      <a:lnRef idx="2">
+        <a:scrgbClr r="0" g="0" b="0"/>
+      </a:lnRef>
+      <a:fillRef idx="1">
+        <a:scrgbClr r="0" g="0" b="0"/>
+      </a:fillRef>
+      <a:effectRef idx="0">
+        <a:scrgbClr r="0" g="0" b="0"/>
+      </a:effectRef>
+      <a:fontRef idx="minor">
+        <a:schemeClr val="lt1"/>
+      </a:fontRef>
+    </dgm:style>
+  </dgm:styleLbl>
+  <dgm:styleLbl name="parChTrans2D4">
+    <dgm:scene3d>
+      <a:camera prst="orthographicFront"/>
+      <a:lightRig rig="threePt" dir="t"/>
+    </dgm:scene3d>
+    <dgm:sp3d/>
+    <dgm:txPr/>
+    <dgm:style>
+      <a:lnRef idx="2">
+        <a:scrgbClr r="0" g="0" b="0"/>
+      </a:lnRef>
+      <a:fillRef idx="1">
+        <a:scrgbClr r="0" g="0" b="0"/>
+      </a:fillRef>
+      <a:effectRef idx="0">
+        <a:scrgbClr r="0" g="0" b="0"/>
+      </a:effectRef>
+      <a:fontRef idx="minor">
+        <a:schemeClr val="lt1"/>
+      </a:fontRef>
+    </dgm:style>
+  </dgm:styleLbl>
+  <dgm:styleLbl name="parChTrans1D1">
+    <dgm:scene3d>
+      <a:camera prst="orthographicFront"/>
+      <a:lightRig rig="threePt" dir="t"/>
+    </dgm:scene3d>
+    <dgm:sp3d/>
+    <dgm:txPr/>
+    <dgm:style>
+      <a:lnRef idx="2">
+        <a:scrgbClr r="0" g="0" b="0"/>
+      </a:lnRef>
+      <a:fillRef idx="0">
+        <a:scrgbClr r="0" g="0" b="0"/>
+      </a:fillRef>
+      <a:effectRef idx="0">
+        <a:scrgbClr r="0" g="0" b="0"/>
+      </a:effectRef>
+      <a:fontRef idx="minor"/>
+    </dgm:style>
+  </dgm:styleLbl>
+  <dgm:styleLbl name="parChTrans1D2">
+    <dgm:scene3d>
+      <a:camera prst="orthographicFront"/>
+      <a:lightRig rig="threePt" dir="t"/>
+    </dgm:scene3d>
+    <dgm:sp3d/>
+    <dgm:txPr/>
+    <dgm:style>
+      <a:lnRef idx="2">
+        <a:scrgbClr r="0" g="0" b="0"/>
+      </a:lnRef>
+      <a:fillRef idx="0">
+        <a:scrgbClr r="0" g="0" b="0"/>
+      </a:fillRef>
+      <a:effectRef idx="0">
+        <a:scrgbClr r="0" g="0" b="0"/>
+      </a:effectRef>
+      <a:fontRef idx="minor"/>
+    </dgm:style>
+  </dgm:styleLbl>
+  <dgm:styleLbl name="parChTrans1D3">
+    <dgm:scene3d>
+      <a:camera prst="orthographicFront"/>
+      <a:lightRig rig="threePt" dir="t"/>
+    </dgm:scene3d>
+    <dgm:sp3d/>
+    <dgm:txPr/>
+    <dgm:style>
+      <a:lnRef idx="2">
+        <a:scrgbClr r="0" g="0" b="0"/>
+      </a:lnRef>
+      <a:fillRef idx="0">
+        <a:scrgbClr r="0" g="0" b="0"/>
+      </a:fillRef>
+      <a:effectRef idx="0">
+        <a:scrgbClr r="0" g="0" b="0"/>
+      </a:effectRef>
+      <a:fontRef idx="minor"/>
+    </dgm:style>
+  </dgm:styleLbl>
+  <dgm:styleLbl name="parChTrans1D4">
+    <dgm:scene3d>
+      <a:camera prst="orthographicFront"/>
+      <a:lightRig rig="threePt" dir="t"/>
+    </dgm:scene3d>
+    <dgm:sp3d/>
+    <dgm:txPr/>
+    <dgm:style>
+      <a:lnRef idx="2">
+        <a:scrgbClr r="0" g="0" b="0"/>
+      </a:lnRef>
+      <a:fillRef idx="0">
+        <a:scrgbClr r="0" g="0" b="0"/>
+      </a:fillRef>
+      <a:effectRef idx="0">
+        <a:scrgbClr r="0" g="0" b="0"/>
+      </a:effectRef>
+      <a:fontRef idx="minor"/>
+    </dgm:style>
+  </dgm:styleLbl>
+  <dgm:styleLbl name="fgAcc1">
+    <dgm:scene3d>
+      <a:camera prst="orthographicFront"/>
+      <a:lightRig rig="threePt" dir="t"/>
+    </dgm:scene3d>
+    <dgm:sp3d/>
+    <dgm:txPr/>
+    <dgm:style>
+      <a:lnRef idx="2">
+        <a:scrgbClr r="0" g="0" b="0"/>
+      </a:lnRef>
+      <a:fillRef idx="1">
+        <a:scrgbClr r="0" g="0" b="0"/>
+      </a:fillRef>
+      <a:effectRef idx="0">
+        <a:scrgbClr r="0" g="0" b="0"/>
+      </a:effectRef>
+      <a:fontRef idx="minor"/>
+    </dgm:style>
+  </dgm:styleLbl>
+  <dgm:styleLbl name="conFgAcc1">
+    <dgm:scene3d>
+      <a:camera prst="orthographicFront"/>
+      <a:lightRig rig="threePt" dir="t"/>
+    </dgm:scene3d>
+    <dgm:sp3d/>
+    <dgm:txPr/>
+    <dgm:style>
+      <a:lnRef idx="2">
+        <a:scrgbClr r="0" g="0" b="0"/>
+      </a:lnRef>
+      <a:fillRef idx="1">
+        <a:scrgbClr r="0" g="0" b="0"/>
+      </a:fillRef>
+      <a:effectRef idx="0">
+        <a:scrgbClr r="0" g="0" b="0"/>
+      </a:effectRef>
+      <a:fontRef idx="minor"/>
+    </dgm:style>
+  </dgm:styleLbl>
+  <dgm:styleLbl name="alignAcc1">
+    <dgm:scene3d>
+      <a:camera prst="orthographicFront"/>
+      <a:lightRig rig="threePt" dir="t"/>
+    </dgm:scene3d>
+    <dgm:sp3d/>
+    <dgm:txPr/>
+    <dgm:style>
+      <a:lnRef idx="2">
+        <a:scrgbClr r="0" g="0" b="0"/>
+      </a:lnRef>
+      <a:fillRef idx="1">
+        <a:scrgbClr r="0" g="0" b="0"/>
+      </a:fillRef>
+      <a:effectRef idx="0">
+        <a:scrgbClr r="0" g="0" b="0"/>
+      </a:effectRef>
+      <a:fontRef idx="minor"/>
+    </dgm:style>
+  </dgm:styleLbl>
+  <dgm:styleLbl name="trAlignAcc1">
+    <dgm:scene3d>
+      <a:camera prst="orthographicFront"/>
+      <a:lightRig rig="threePt" dir="t"/>
+    </dgm:scene3d>
+    <dgm:sp3d/>
+    <dgm:txPr/>
+    <dgm:style>
+      <a:lnRef idx="1">
+        <a:scrgbClr r="0" g="0" b="0"/>
+      </a:lnRef>
+      <a:fillRef idx="1">
+        <a:scrgbClr r="0" g="0" b="0"/>
+      </a:fillRef>
+      <a:effectRef idx="0">
+        <a:scrgbClr r="0" g="0" b="0"/>
+      </a:effectRef>
+      <a:fontRef idx="minor"/>
+    </dgm:style>
+  </dgm:styleLbl>
+  <dgm:styleLbl name="bgAcc1">
+    <dgm:scene3d>
+      <a:camera prst="orthographicFront"/>
+      <a:lightRig rig="threePt" dir="t"/>
+    </dgm:scene3d>
+    <dgm:sp3d/>
+    <dgm:txPr/>
+    <dgm:style>
+      <a:lnRef idx="2">
+        <a:scrgbClr r="0" g="0" b="0"/>
+      </a:lnRef>
+      <a:fillRef idx="1">
+        <a:scrgbClr r="0" g="0" b="0"/>
+      </a:fillRef>
+      <a:effectRef idx="0">
+        <a:scrgbClr r="0" g="0" b="0"/>
+      </a:effectRef>
+      <a:fontRef idx="minor"/>
+    </dgm:style>
+  </dgm:styleLbl>
+  <dgm:styleLbl name="solidFgAcc1">
+    <dgm:scene3d>
+      <a:camera prst="orthographicFront"/>
+      <a:lightRig rig="threePt" dir="t"/>
+    </dgm:scene3d>
+    <dgm:sp3d/>
+    <dgm:txPr/>
+    <dgm:style>
+      <a:lnRef idx="2">
+        <a:scrgbClr r="0" g="0" b="0"/>
+      </a:lnRef>
+      <a:fillRef idx="1">
+        <a:scrgbClr r="0" g="0" b="0"/>
+      </a:fillRef>
+      <a:effectRef idx="0">
+        <a:scrgbClr r="0" g="0" b="0"/>
+      </a:effectRef>
+      <a:fontRef idx="minor"/>
+    </dgm:style>
+  </dgm:styleLbl>
+  <dgm:styleLbl name="solidAlignAcc1">
+    <dgm:scene3d>
+      <a:camera prst="orthographicFront"/>
+      <a:lightRig rig="threePt" dir="t"/>
+    </dgm:scene3d>
+    <dgm:sp3d/>
+    <dgm:txPr/>
+    <dgm:style>
+      <a:lnRef idx="2">
+        <a:scrgbClr r="0" g="0" b="0"/>
+      </a:lnRef>
+      <a:fillRef idx="1">
+        <a:scrgbClr r="0" g="0" b="0"/>
+      </a:fillRef>
+      <a:effectRef idx="0">
+        <a:scrgbClr r="0" g="0" b="0"/>
+      </a:effectRef>
+      <a:fontRef idx="minor"/>
+    </dgm:style>
+  </dgm:styleLbl>
+  <dgm:styleLbl name="solidBgAcc1">
+    <dgm:scene3d>
+      <a:camera prst="orthographicFront"/>
+      <a:lightRig rig="threePt" dir="t"/>
+    </dgm:scene3d>
+    <dgm:sp3d/>
+    <dgm:txPr/>
+    <dgm:style>
+      <a:lnRef idx="2">
+        <a:scrgbClr r="0" g="0" b="0"/>
+      </a:lnRef>
+      <a:fillRef idx="1">
+        <a:scrgbClr r="0" g="0" b="0"/>
+      </a:fillRef>
+      <a:effectRef idx="0">
+        <a:scrgbClr r="0" g="0" b="0"/>
+      </a:effectRef>
+      <a:fontRef idx="minor"/>
+    </dgm:style>
+  </dgm:styleLbl>
+  <dgm:styleLbl name="fgAccFollowNode1">
+    <dgm:scene3d>
+      <a:camera prst="orthographicFront"/>
+      <a:lightRig rig="threePt" dir="t"/>
+    </dgm:scene3d>
+    <dgm:sp3d/>
+    <dgm:txPr/>
+    <dgm:style>
+      <a:lnRef idx="2">
+        <a:scrgbClr r="0" g="0" b="0"/>
+      </a:lnRef>
+      <a:fillRef idx="1">
+        <a:scrgbClr r="0" g="0" b="0"/>
+      </a:fillRef>
+      <a:effectRef idx="0">
+        <a:scrgbClr r="0" g="0" b="0"/>
+      </a:effectRef>
+      <a:fontRef idx="minor"/>
+    </dgm:style>
+  </dgm:styleLbl>
+  <dgm:styleLbl name="alignAccFollowNode1">
+    <dgm:scene3d>
+      <a:camera prst="orthographicFront"/>
+      <a:lightRig rig="threePt" dir="t"/>
+    </dgm:scene3d>
+    <dgm:sp3d/>
+    <dgm:txPr/>
+    <dgm:style>
+      <a:lnRef idx="2">
+        <a:scrgbClr r="0" g="0" b="0"/>
+      </a:lnRef>
+      <a:fillRef idx="1">
+        <a:scrgbClr r="0" g="0" b="0"/>
+      </a:fillRef>
+      <a:effectRef idx="0">
+        <a:scrgbClr r="0" g="0" b="0"/>
+      </a:effectRef>
+      <a:fontRef idx="minor"/>
+    </dgm:style>
+  </dgm:styleLbl>
+  <dgm:styleLbl name="bgAccFollowNode1">
+    <dgm:scene3d>
+      <a:camera prst="orthographicFront"/>
+      <a:lightRig rig="threePt" dir="t"/>
+    </dgm:scene3d>
+    <dgm:sp3d/>
+    <dgm:txPr/>
+    <dgm:style>
+      <a:lnRef idx="2">
+        <a:scrgbClr r="0" g="0" b="0"/>
+      </a:lnRef>
+      <a:fillRef idx="1">
+        <a:scrgbClr r="0" g="0" b="0"/>
+      </a:fillRef>
+      <a:effectRef idx="0">
+        <a:scrgbClr r="0" g="0" b="0"/>
+      </a:effectRef>
+      <a:fontRef idx="minor"/>
+    </dgm:style>
+  </dgm:styleLbl>
+  <dgm:styleLbl name="fgAcc0">
+    <dgm:scene3d>
+      <a:camera prst="orthographicFront"/>
+      <a:lightRig rig="threePt" dir="t"/>
+    </dgm:scene3d>
+    <dgm:sp3d/>
+    <dgm:txPr/>
+    <dgm:style>
+      <a:lnRef idx="2">
+        <a:scrgbClr r="0" g="0" b="0"/>
+      </a:lnRef>
+      <a:fillRef idx="1">
+        <a:scrgbClr r="0" g="0" b="0"/>
+      </a:fillRef>
+      <a:effectRef idx="0">
+        <a:scrgbClr r="0" g="0" b="0"/>
+      </a:effectRef>
+      <a:fontRef idx="minor"/>
+    </dgm:style>
+  </dgm:styleLbl>
+  <dgm:styleLbl name="fgAcc2">
+    <dgm:scene3d>
+      <a:camera prst="orthographicFront"/>
+      <a:lightRig rig="threePt" dir="t"/>
+    </dgm:scene3d>
+    <dgm:sp3d/>
+    <dgm:txPr/>
+    <dgm:style>
+      <a:lnRef idx="2">
+        <a:scrgbClr r="0" g="0" b="0"/>
+      </a:lnRef>
+      <a:fillRef idx="1">
+        <a:scrgbClr r="0" g="0" b="0"/>
+      </a:fillRef>
+      <a:effectRef idx="0">
+        <a:scrgbClr r="0" g="0" b="0"/>
+      </a:effectRef>
+      <a:fontRef idx="minor"/>
+    </dgm:style>
+  </dgm:styleLbl>
+  <dgm:styleLbl name="fgAcc3">
+    <dgm:scene3d>
+      <a:camera prst="orthographicFront"/>
+      <a:lightRig rig="threePt" dir="t"/>
+    </dgm:scene3d>
+    <dgm:sp3d/>
+    <dgm:txPr/>
+    <dgm:style>
+      <a:lnRef idx="2">
+        <a:scrgbClr r="0" g="0" b="0"/>
+      </a:lnRef>
+      <a:fillRef idx="1">
+        <a:scrgbClr r="0" g="0" b="0"/>
+      </a:fillRef>
+      <a:effectRef idx="0">
+        <a:scrgbClr r="0" g="0" b="0"/>
+      </a:effectRef>
+      <a:fontRef idx="minor"/>
+    </dgm:style>
+  </dgm:styleLbl>
+  <dgm:styleLbl name="fgAcc4">
+    <dgm:scene3d>
+      <a:camera prst="orthographicFront"/>
+      <a:lightRig rig="threePt" dir="t"/>
+    </dgm:scene3d>
+    <dgm:sp3d/>
+    <dgm:txPr/>
+    <dgm:style>
+      <a:lnRef idx="2">
+        <a:scrgbClr r="0" g="0" b="0"/>
+      </a:lnRef>
+      <a:fillRef idx="1">
+        <a:scrgbClr r="0" g="0" b="0"/>
+      </a:fillRef>
+      <a:effectRef idx="0">
+        <a:scrgbClr r="0" g="0" b="0"/>
+      </a:effectRef>
+      <a:fontRef idx="minor"/>
+    </dgm:style>
+  </dgm:styleLbl>
+  <dgm:styleLbl name="bgShp">
+    <dgm:scene3d>
+      <a:camera prst="orthographicFront"/>
+      <a:lightRig rig="threePt" dir="t"/>
+    </dgm:scene3d>
+    <dgm:sp3d/>
+    <dgm:txPr/>
+    <dgm:style>
+      <a:lnRef idx="0">
+        <a:scrgbClr r="0" g="0" b="0"/>
+      </a:lnRef>
+      <a:fillRef idx="1">
+        <a:scrgbClr r="0" g="0" b="0"/>
+      </a:fillRef>
+      <a:effectRef idx="0">
+        <a:scrgbClr r="0" g="0" b="0"/>
+      </a:effectRef>
+      <a:fontRef idx="minor"/>
+    </dgm:style>
+  </dgm:styleLbl>
+  <dgm:styleLbl name="dkBgShp">
+    <dgm:scene3d>
+      <a:camera prst="orthographicFront"/>
+      <a:lightRig rig="threePt" dir="t"/>
+    </dgm:scene3d>
+    <dgm:sp3d/>
+    <dgm:txPr/>
+    <dgm:style>
+      <a:lnRef idx="0">
+        <a:scrgbClr r="0" g="0" b="0"/>
+      </a:lnRef>
+      <a:fillRef idx="1">
+        <a:scrgbClr r="0" g="0" b="0"/>
+      </a:fillRef>
+      <a:effectRef idx="0">
+        <a:scrgbClr r="0" g="0" b="0"/>
+      </a:effectRef>
+      <a:fontRef idx="minor"/>
+    </dgm:style>
+  </dgm:styleLbl>
+  <dgm:styleLbl name="trBgShp">
+    <dgm:scene3d>
+      <a:camera prst="orthographicFront"/>
+      <a:lightRig rig="threePt" dir="t"/>
+    </dgm:scene3d>
+    <dgm:sp3d/>
+    <dgm:txPr/>
+    <dgm:style>
+      <a:lnRef idx="0">
+        <a:scrgbClr r="0" g="0" b="0"/>
+      </a:lnRef>
+      <a:fillRef idx="1">
+        <a:scrgbClr r="0" g="0" b="0"/>
+      </a:fillRef>
+      <a:effectRef idx="0">
+        <a:scrgbClr r="0" g="0" b="0"/>
+      </a:effectRef>
+      <a:fontRef idx="minor"/>
+    </dgm:style>
+  </dgm:styleLbl>
+  <dgm:styleLbl name="fgShp">
+    <dgm:scene3d>
+      <a:camera prst="orthographicFront"/>
+      <a:lightRig rig="threePt" dir="t"/>
+    </dgm:scene3d>
+    <dgm:sp3d/>
+    <dgm:txPr/>
+    <dgm:style>
+      <a:lnRef idx="2">
+        <a:scrgbClr r="0" g="0" b="0"/>
+      </a:lnRef>
+      <a:fillRef idx="1">
+        <a:scrgbClr r="0" g="0" b="0"/>
+      </a:fillRef>
+      <a:effectRef idx="0">
+        <a:scrgbClr r="0" g="0" b="0"/>
+      </a:effectRef>
+      <a:fontRef idx="minor"/>
+    </dgm:style>
+  </dgm:styleLbl>
+  <dgm:styleLbl name="revTx">
+    <dgm:scene3d>
+      <a:camera prst="orthographicFront"/>
+      <a:lightRig rig="threePt" dir="t"/>
+    </dgm:scene3d>
+    <dgm:sp3d/>
+    <dgm:txPr/>
+    <dgm:style>
+      <a:lnRef idx="0">
+        <a:scrgbClr r="0" g="0" b="0"/>
+      </a:lnRef>
+      <a:fillRef idx="0">
+        <a:scrgbClr r="0" g="0" b="0"/>
+      </a:fillRef>
+      <a:effectRef idx="0">
+        <a:scrgbClr r="0" g="0" b="0"/>
+      </a:effectRef>
+      <a:fontRef idx="minor"/>
+    </dgm:style>
+  </dgm:styleLbl>
+</dgm:styleDef>
 </file>
 
 <file path=ppt/slideLayouts/slideLayout1.xml><?xml version="1.0" encoding="utf-8"?>
@@ -136,7 +3668,7 @@
           <p:nvPr>
             <p:ph type="ctrTitle" hasCustomPrompt="1"/>
             <p:custDataLst>
-              <p:tags r:id="rId2"/>
+              <p:tags r:id="rId1"/>
             </p:custDataLst>
           </p:nvPr>
         </p:nvSpPr>
@@ -160,7 +3692,6 @@
               <a:rPr lang="zh-CN" altLang="en-US" dirty="0"/>
               <a:t>单击此处编辑标题</a:t>
             </a:r>
-            <a:endParaRPr lang="zh-CN" altLang="en-US" dirty="0"/>
           </a:p>
         </p:txBody>
       </p:sp>
@@ -173,7 +3704,7 @@
           <p:nvPr>
             <p:ph type="subTitle" idx="1" hasCustomPrompt="1"/>
             <p:custDataLst>
-              <p:tags r:id="rId3"/>
+              <p:tags r:id="rId2"/>
             </p:custDataLst>
           </p:nvPr>
         </p:nvSpPr>
@@ -233,7 +3764,6 @@
               <a:rPr lang="zh-CN" altLang="en-US" dirty="0"/>
               <a:t>单击此处编辑副标题</a:t>
             </a:r>
-            <a:endParaRPr lang="zh-CN" altLang="en-US" dirty="0"/>
           </a:p>
         </p:txBody>
       </p:sp>
@@ -246,7 +3776,7 @@
           <p:nvPr>
             <p:ph type="dt" sz="half" idx="10"/>
             <p:custDataLst>
-              <p:tags r:id="rId4"/>
+              <p:tags r:id="rId3"/>
             </p:custDataLst>
           </p:nvPr>
         </p:nvSpPr>
@@ -257,6 +3787,7 @@
           <a:p>
             <a:fld id="{760FBDFE-C587-4B4C-A407-44438C67B59E}" type="datetimeFigureOut">
               <a:rPr lang="zh-CN" altLang="en-US" smtClean="0"/>
+              <a:t>2022/9/17</a:t>
             </a:fld>
             <a:endParaRPr lang="zh-CN" altLang="en-US"/>
           </a:p>
@@ -271,7 +3802,7 @@
           <p:nvPr>
             <p:ph type="ftr" sz="quarter" idx="11"/>
             <p:custDataLst>
-              <p:tags r:id="rId5"/>
+              <p:tags r:id="rId4"/>
             </p:custDataLst>
           </p:nvPr>
         </p:nvSpPr>
@@ -293,7 +3824,7 @@
           <p:nvPr>
             <p:ph type="sldNum" sz="quarter" idx="12"/>
             <p:custDataLst>
-              <p:tags r:id="rId6"/>
+              <p:tags r:id="rId5"/>
             </p:custDataLst>
           </p:nvPr>
         </p:nvSpPr>
@@ -304,6 +3835,7 @@
           <a:p>
             <a:fld id="{49AE70B2-8BF9-45C0-BB95-33D1B9D3A854}" type="slidenum">
               <a:rPr lang="zh-CN" altLang="en-US" smtClean="0"/>
+              <a:t>‹#›</a:t>
             </a:fld>
             <a:endParaRPr lang="zh-CN" altLang="en-US" dirty="0"/>
           </a:p>
@@ -343,7 +3875,7 @@
           <p:nvPr>
             <p:ph type="dt" sz="half" idx="10"/>
             <p:custDataLst>
-              <p:tags r:id="rId2"/>
+              <p:tags r:id="rId1"/>
             </p:custDataLst>
           </p:nvPr>
         </p:nvSpPr>
@@ -354,6 +3886,7 @@
           <a:p>
             <a:fld id="{760FBDFE-C587-4B4C-A407-44438C67B59E}" type="datetimeFigureOut">
               <a:rPr lang="zh-CN" altLang="en-US" smtClean="0"/>
+              <a:t>2022/9/17</a:t>
             </a:fld>
             <a:endParaRPr lang="zh-CN" altLang="en-US"/>
           </a:p>
@@ -368,7 +3901,7 @@
           <p:nvPr>
             <p:ph type="ftr" sz="quarter" idx="11"/>
             <p:custDataLst>
-              <p:tags r:id="rId3"/>
+              <p:tags r:id="rId2"/>
             </p:custDataLst>
           </p:nvPr>
         </p:nvSpPr>
@@ -390,7 +3923,7 @@
           <p:nvPr>
             <p:ph type="sldNum" sz="quarter" idx="12"/>
             <p:custDataLst>
-              <p:tags r:id="rId4"/>
+              <p:tags r:id="rId3"/>
             </p:custDataLst>
           </p:nvPr>
         </p:nvSpPr>
@@ -401,6 +3934,7 @@
           <a:p>
             <a:fld id="{49AE70B2-8BF9-45C0-BB95-33D1B9D3A854}" type="slidenum">
               <a:rPr lang="zh-CN" altLang="en-US" smtClean="0"/>
+              <a:t>‹#›</a:t>
             </a:fld>
             <a:endParaRPr lang="zh-CN" altLang="en-US"/>
           </a:p>
@@ -415,7 +3949,7 @@
           <p:nvPr>
             <p:ph sz="quarter" idx="13"/>
             <p:custDataLst>
-              <p:tags r:id="rId5"/>
+              <p:tags r:id="rId4"/>
             </p:custDataLst>
           </p:nvPr>
         </p:nvSpPr>
@@ -434,7 +3968,6 @@
               <a:rPr lang="zh-CN" altLang="en-US" dirty="0"/>
               <a:t>单击此处编辑母版文本样式</a:t>
             </a:r>
-            <a:endParaRPr lang="zh-CN" altLang="en-US" dirty="0"/>
           </a:p>
           <a:p>
             <a:pPr lvl="1"/>
@@ -442,7 +3975,6 @@
               <a:rPr lang="zh-CN" altLang="en-US" dirty="0"/>
               <a:t>第二级</a:t>
             </a:r>
-            <a:endParaRPr lang="zh-CN" altLang="en-US" dirty="0"/>
           </a:p>
           <a:p>
             <a:pPr lvl="2"/>
@@ -450,7 +3982,6 @@
               <a:rPr lang="zh-CN" altLang="en-US" dirty="0"/>
               <a:t>第三级</a:t>
             </a:r>
-            <a:endParaRPr lang="zh-CN" altLang="en-US" dirty="0"/>
           </a:p>
           <a:p>
             <a:pPr lvl="3"/>
@@ -458,7 +3989,6 @@
               <a:rPr lang="zh-CN" altLang="en-US" dirty="0"/>
               <a:t>第四级</a:t>
             </a:r>
-            <a:endParaRPr lang="zh-CN" altLang="en-US" dirty="0"/>
           </a:p>
           <a:p>
             <a:pPr lvl="4"/>
@@ -466,7 +3996,6 @@
               <a:rPr lang="zh-CN" altLang="en-US" dirty="0"/>
               <a:t>第五级</a:t>
             </a:r>
-            <a:endParaRPr lang="zh-CN" altLang="en-US" dirty="0"/>
           </a:p>
         </p:txBody>
       </p:sp>
@@ -504,7 +4033,7 @@
           <p:nvPr>
             <p:ph type="dt" sz="half" idx="10"/>
             <p:custDataLst>
-              <p:tags r:id="rId2"/>
+              <p:tags r:id="rId1"/>
             </p:custDataLst>
           </p:nvPr>
         </p:nvSpPr>
@@ -515,6 +4044,7 @@
           <a:p>
             <a:fld id="{760FBDFE-C587-4B4C-A407-44438C67B59E}" type="datetimeFigureOut">
               <a:rPr lang="zh-CN" altLang="en-US" smtClean="0"/>
+              <a:t>2022/9/17</a:t>
             </a:fld>
             <a:endParaRPr lang="zh-CN" altLang="en-US"/>
           </a:p>
@@ -529,7 +4059,7 @@
           <p:nvPr>
             <p:ph type="ftr" sz="quarter" idx="11"/>
             <p:custDataLst>
-              <p:tags r:id="rId3"/>
+              <p:tags r:id="rId2"/>
             </p:custDataLst>
           </p:nvPr>
         </p:nvSpPr>
@@ -551,7 +4081,7 @@
           <p:nvPr>
             <p:ph type="sldNum" sz="quarter" idx="12"/>
             <p:custDataLst>
-              <p:tags r:id="rId4"/>
+              <p:tags r:id="rId3"/>
             </p:custDataLst>
           </p:nvPr>
         </p:nvSpPr>
@@ -562,6 +4092,7 @@
           <a:p>
             <a:fld id="{49AE70B2-8BF9-45C0-BB95-33D1B9D3A854}" type="slidenum">
               <a:rPr lang="zh-CN" altLang="en-US" smtClean="0"/>
+              <a:t>‹#›</a:t>
             </a:fld>
             <a:endParaRPr lang="zh-CN" altLang="en-US"/>
           </a:p>
@@ -576,7 +4107,7 @@
           <p:nvPr>
             <p:ph type="title" hasCustomPrompt="1"/>
             <p:custDataLst>
-              <p:tags r:id="rId5"/>
+              <p:tags r:id="rId4"/>
             </p:custDataLst>
           </p:nvPr>
         </p:nvSpPr>
@@ -598,10 +4129,9 @@
           <a:p>
             <a:pPr lvl="0"/>
             <a:r>
-              <a:rPr lang="zh-CN" altLang="en-US" smtClean="0"/>
+              <a:rPr lang="zh-CN" altLang="en-US"/>
               <a:t>单击此处编辑标题</a:t>
             </a:r>
-            <a:endParaRPr lang="zh-CN" altLang="en-US"/>
           </a:p>
         </p:txBody>
       </p:sp>
@@ -614,7 +4144,7 @@
           <p:nvPr>
             <p:ph type="body" sz="quarter" idx="13"/>
             <p:custDataLst>
-              <p:tags r:id="rId6"/>
+              <p:tags r:id="rId5"/>
             </p:custDataLst>
           </p:nvPr>
         </p:nvSpPr>
@@ -643,7 +4173,6 @@
               <a:rPr lang="zh-CN" altLang="en-US" dirty="0"/>
               <a:t>单击此处编辑母版文本样式</a:t>
             </a:r>
-            <a:endParaRPr lang="zh-CN" altLang="en-US" dirty="0"/>
           </a:p>
         </p:txBody>
       </p:sp>
@@ -681,7 +4210,7 @@
           <p:nvPr>
             <p:ph type="title"/>
             <p:custDataLst>
-              <p:tags r:id="rId2"/>
+              <p:tags r:id="rId1"/>
             </p:custDataLst>
           </p:nvPr>
         </p:nvSpPr>
@@ -699,10 +4228,9 @@
           <a:p>
             <a:pPr lvl="0"/>
             <a:r>
-              <a:rPr lang="zh-CN" altLang="en-US" smtClean="0"/>
+              <a:rPr lang="zh-CN" altLang="en-US"/>
               <a:t>单击此处编辑母版标题样式</a:t>
             </a:r>
-            <a:endParaRPr lang="zh-CN" altLang="en-US"/>
           </a:p>
         </p:txBody>
       </p:sp>
@@ -715,7 +4243,7 @@
           <p:nvPr>
             <p:ph idx="1"/>
             <p:custDataLst>
-              <p:tags r:id="rId3"/>
+              <p:tags r:id="rId2"/>
             </p:custDataLst>
           </p:nvPr>
         </p:nvSpPr>
@@ -733,42 +4261,37 @@
           <a:p>
             <a:pPr lvl="0"/>
             <a:r>
-              <a:rPr lang="zh-CN" altLang="en-US" smtClean="0"/>
+              <a:rPr lang="zh-CN" altLang="en-US"/>
               <a:t>单击此处编辑母版文本样式</a:t>
             </a:r>
-            <a:endParaRPr lang="zh-CN" altLang="en-US" smtClean="0"/>
           </a:p>
           <a:p>
             <a:pPr lvl="1"/>
             <a:r>
-              <a:rPr lang="zh-CN" altLang="en-US" smtClean="0"/>
+              <a:rPr lang="zh-CN" altLang="en-US"/>
               <a:t>第二级</a:t>
             </a:r>
-            <a:endParaRPr lang="zh-CN" altLang="en-US" smtClean="0"/>
           </a:p>
           <a:p>
             <a:pPr lvl="2"/>
             <a:r>
-              <a:rPr lang="zh-CN" altLang="en-US" smtClean="0"/>
+              <a:rPr lang="zh-CN" altLang="en-US"/>
               <a:t>第三级</a:t>
             </a:r>
-            <a:endParaRPr lang="zh-CN" altLang="en-US" smtClean="0"/>
           </a:p>
           <a:p>
             <a:pPr lvl="3"/>
             <a:r>
-              <a:rPr lang="zh-CN" altLang="en-US" smtClean="0"/>
+              <a:rPr lang="zh-CN" altLang="en-US"/>
               <a:t>第四级</a:t>
             </a:r>
-            <a:endParaRPr lang="zh-CN" altLang="en-US" smtClean="0"/>
           </a:p>
           <a:p>
             <a:pPr lvl="4"/>
             <a:r>
-              <a:rPr lang="zh-CN" altLang="en-US" smtClean="0"/>
+              <a:rPr lang="zh-CN" altLang="en-US"/>
               <a:t>第五级</a:t>
             </a:r>
-            <a:endParaRPr lang="zh-CN" altLang="en-US"/>
           </a:p>
         </p:txBody>
       </p:sp>
@@ -781,7 +4304,7 @@
           <p:nvPr>
             <p:ph type="dt" sz="half" idx="10"/>
             <p:custDataLst>
-              <p:tags r:id="rId4"/>
+              <p:tags r:id="rId3"/>
             </p:custDataLst>
           </p:nvPr>
         </p:nvSpPr>
@@ -792,6 +4315,7 @@
           <a:p>
             <a:fld id="{760FBDFE-C587-4B4C-A407-44438C67B59E}" type="datetimeFigureOut">
               <a:rPr lang="zh-CN" altLang="en-US" smtClean="0"/>
+              <a:t>2022/9/17</a:t>
             </a:fld>
             <a:endParaRPr lang="zh-CN" altLang="en-US"/>
           </a:p>
@@ -806,7 +4330,7 @@
           <p:nvPr>
             <p:ph type="ftr" sz="quarter" idx="11"/>
             <p:custDataLst>
-              <p:tags r:id="rId5"/>
+              <p:tags r:id="rId4"/>
             </p:custDataLst>
           </p:nvPr>
         </p:nvSpPr>
@@ -828,7 +4352,7 @@
           <p:nvPr>
             <p:ph type="sldNum" sz="quarter" idx="12"/>
             <p:custDataLst>
-              <p:tags r:id="rId6"/>
+              <p:tags r:id="rId5"/>
             </p:custDataLst>
           </p:nvPr>
         </p:nvSpPr>
@@ -839,6 +4363,7 @@
           <a:p>
             <a:fld id="{49AE70B2-8BF9-45C0-BB95-33D1B9D3A854}" type="slidenum">
               <a:rPr lang="zh-CN" altLang="en-US" smtClean="0"/>
+              <a:t>‹#›</a:t>
             </a:fld>
             <a:endParaRPr lang="zh-CN" altLang="en-US"/>
           </a:p>
@@ -878,7 +4403,7 @@
           <p:nvPr>
             <p:ph type="title" hasCustomPrompt="1"/>
             <p:custDataLst>
-              <p:tags r:id="rId2"/>
+              <p:tags r:id="rId1"/>
             </p:custDataLst>
           </p:nvPr>
         </p:nvSpPr>
@@ -902,7 +4427,6 @@
               <a:rPr lang="zh-CN" altLang="en-US" dirty="0"/>
               <a:t>单击此处编辑标题</a:t>
             </a:r>
-            <a:endParaRPr lang="zh-CN" altLang="en-US" dirty="0"/>
           </a:p>
         </p:txBody>
       </p:sp>
@@ -915,7 +4439,7 @@
           <p:nvPr>
             <p:ph type="body" idx="1" hasCustomPrompt="1"/>
             <p:custDataLst>
-              <p:tags r:id="rId3"/>
+              <p:tags r:id="rId2"/>
             </p:custDataLst>
           </p:nvPr>
         </p:nvSpPr>
@@ -1028,7 +4552,6 @@
               <a:rPr lang="zh-CN" altLang="en-US" dirty="0"/>
               <a:t>单击此处编辑文本</a:t>
             </a:r>
-            <a:endParaRPr lang="zh-CN" altLang="en-US" dirty="0"/>
           </a:p>
         </p:txBody>
       </p:sp>
@@ -1041,7 +4564,7 @@
           <p:nvPr>
             <p:ph type="dt" sz="half" idx="10"/>
             <p:custDataLst>
-              <p:tags r:id="rId4"/>
+              <p:tags r:id="rId3"/>
             </p:custDataLst>
           </p:nvPr>
         </p:nvSpPr>
@@ -1052,6 +4575,7 @@
           <a:p>
             <a:fld id="{760FBDFE-C587-4B4C-A407-44438C67B59E}" type="datetimeFigureOut">
               <a:rPr lang="zh-CN" altLang="en-US" smtClean="0"/>
+              <a:t>2022/9/17</a:t>
             </a:fld>
             <a:endParaRPr lang="zh-CN" altLang="en-US"/>
           </a:p>
@@ -1066,7 +4590,7 @@
           <p:nvPr>
             <p:ph type="ftr" sz="quarter" idx="11"/>
             <p:custDataLst>
-              <p:tags r:id="rId5"/>
+              <p:tags r:id="rId4"/>
             </p:custDataLst>
           </p:nvPr>
         </p:nvSpPr>
@@ -1088,7 +4612,7 @@
           <p:nvPr>
             <p:ph type="sldNum" sz="quarter" idx="12"/>
             <p:custDataLst>
-              <p:tags r:id="rId6"/>
+              <p:tags r:id="rId5"/>
             </p:custDataLst>
           </p:nvPr>
         </p:nvSpPr>
@@ -1099,6 +4623,7 @@
           <a:p>
             <a:fld id="{49AE70B2-8BF9-45C0-BB95-33D1B9D3A854}" type="slidenum">
               <a:rPr lang="zh-CN" altLang="en-US" smtClean="0"/>
+              <a:t>‹#›</a:t>
             </a:fld>
             <a:endParaRPr lang="zh-CN" altLang="en-US"/>
           </a:p>
@@ -1138,7 +4663,7 @@
           <p:nvPr>
             <p:ph type="title"/>
             <p:custDataLst>
-              <p:tags r:id="rId2"/>
+              <p:tags r:id="rId1"/>
             </p:custDataLst>
           </p:nvPr>
         </p:nvSpPr>
@@ -1156,10 +4681,9 @@
           <a:p>
             <a:pPr lvl="0"/>
             <a:r>
-              <a:rPr lang="zh-CN" altLang="en-US" smtClean="0"/>
+              <a:rPr lang="zh-CN" altLang="en-US"/>
               <a:t>单击此处编辑母版标题样式</a:t>
             </a:r>
-            <a:endParaRPr lang="zh-CN" altLang="en-US"/>
           </a:p>
         </p:txBody>
       </p:sp>
@@ -1172,7 +4696,7 @@
           <p:nvPr>
             <p:ph sz="half" idx="1"/>
             <p:custDataLst>
-              <p:tags r:id="rId3"/>
+              <p:tags r:id="rId2"/>
             </p:custDataLst>
           </p:nvPr>
         </p:nvSpPr>
@@ -1190,42 +4714,37 @@
           <a:p>
             <a:pPr lvl="0"/>
             <a:r>
-              <a:rPr lang="zh-CN" altLang="en-US" smtClean="0"/>
+              <a:rPr lang="zh-CN" altLang="en-US"/>
               <a:t>单击此处编辑母版文本样式</a:t>
             </a:r>
-            <a:endParaRPr lang="zh-CN" altLang="en-US" smtClean="0"/>
           </a:p>
           <a:p>
             <a:pPr lvl="1"/>
             <a:r>
-              <a:rPr lang="zh-CN" altLang="en-US" smtClean="0"/>
+              <a:rPr lang="zh-CN" altLang="en-US"/>
               <a:t>第二级</a:t>
             </a:r>
-            <a:endParaRPr lang="zh-CN" altLang="en-US" smtClean="0"/>
           </a:p>
           <a:p>
             <a:pPr lvl="2"/>
             <a:r>
-              <a:rPr lang="zh-CN" altLang="en-US" smtClean="0"/>
+              <a:rPr lang="zh-CN" altLang="en-US"/>
               <a:t>第三级</a:t>
             </a:r>
-            <a:endParaRPr lang="zh-CN" altLang="en-US" smtClean="0"/>
           </a:p>
           <a:p>
             <a:pPr lvl="3"/>
             <a:r>
-              <a:rPr lang="zh-CN" altLang="en-US" smtClean="0"/>
+              <a:rPr lang="zh-CN" altLang="en-US"/>
               <a:t>第四级</a:t>
             </a:r>
-            <a:endParaRPr lang="zh-CN" altLang="en-US" smtClean="0"/>
           </a:p>
           <a:p>
             <a:pPr lvl="4"/>
             <a:r>
-              <a:rPr lang="zh-CN" altLang="en-US" smtClean="0"/>
+              <a:rPr lang="zh-CN" altLang="en-US"/>
               <a:t>第五级</a:t>
             </a:r>
-            <a:endParaRPr lang="zh-CN" altLang="en-US"/>
           </a:p>
         </p:txBody>
       </p:sp>
@@ -1238,7 +4757,7 @@
           <p:nvPr>
             <p:ph sz="half" idx="2"/>
             <p:custDataLst>
-              <p:tags r:id="rId4"/>
+              <p:tags r:id="rId3"/>
             </p:custDataLst>
           </p:nvPr>
         </p:nvSpPr>
@@ -1259,7 +4778,6 @@
               <a:rPr lang="zh-CN" altLang="en-US" dirty="0"/>
               <a:t>单击此处编辑母版文本样式</a:t>
             </a:r>
-            <a:endParaRPr lang="zh-CN" altLang="en-US" dirty="0"/>
           </a:p>
           <a:p>
             <a:pPr lvl="1"/>
@@ -1267,7 +4785,6 @@
               <a:rPr lang="zh-CN" altLang="en-US" dirty="0"/>
               <a:t>第二级</a:t>
             </a:r>
-            <a:endParaRPr lang="zh-CN" altLang="en-US" dirty="0"/>
           </a:p>
           <a:p>
             <a:pPr lvl="2"/>
@@ -1275,7 +4792,6 @@
               <a:rPr lang="zh-CN" altLang="en-US" dirty="0"/>
               <a:t>第三级</a:t>
             </a:r>
-            <a:endParaRPr lang="zh-CN" altLang="en-US" dirty="0"/>
           </a:p>
           <a:p>
             <a:pPr lvl="3"/>
@@ -1283,7 +4799,6 @@
               <a:rPr lang="zh-CN" altLang="en-US" dirty="0"/>
               <a:t>第四级</a:t>
             </a:r>
-            <a:endParaRPr lang="zh-CN" altLang="en-US" dirty="0"/>
           </a:p>
           <a:p>
             <a:pPr lvl="4"/>
@@ -1291,7 +4806,6 @@
               <a:rPr lang="zh-CN" altLang="en-US" dirty="0"/>
               <a:t>第五级</a:t>
             </a:r>
-            <a:endParaRPr lang="zh-CN" altLang="en-US" dirty="0"/>
           </a:p>
         </p:txBody>
       </p:sp>
@@ -1304,7 +4818,7 @@
           <p:nvPr>
             <p:ph type="dt" sz="half" idx="10"/>
             <p:custDataLst>
-              <p:tags r:id="rId5"/>
+              <p:tags r:id="rId4"/>
             </p:custDataLst>
           </p:nvPr>
         </p:nvSpPr>
@@ -1315,6 +4829,7 @@
           <a:p>
             <a:fld id="{760FBDFE-C587-4B4C-A407-44438C67B59E}" type="datetimeFigureOut">
               <a:rPr lang="zh-CN" altLang="en-US" smtClean="0"/>
+              <a:t>2022/9/17</a:t>
             </a:fld>
             <a:endParaRPr lang="zh-CN" altLang="en-US"/>
           </a:p>
@@ -1329,7 +4844,7 @@
           <p:nvPr>
             <p:ph type="ftr" sz="quarter" idx="11"/>
             <p:custDataLst>
-              <p:tags r:id="rId6"/>
+              <p:tags r:id="rId5"/>
             </p:custDataLst>
           </p:nvPr>
         </p:nvSpPr>
@@ -1351,7 +4866,7 @@
           <p:nvPr>
             <p:ph type="sldNum" sz="quarter" idx="12"/>
             <p:custDataLst>
-              <p:tags r:id="rId7"/>
+              <p:tags r:id="rId6"/>
             </p:custDataLst>
           </p:nvPr>
         </p:nvSpPr>
@@ -1362,6 +4877,7 @@
           <a:p>
             <a:fld id="{49AE70B2-8BF9-45C0-BB95-33D1B9D3A854}" type="slidenum">
               <a:rPr lang="zh-CN" altLang="en-US" smtClean="0"/>
+              <a:t>‹#›</a:t>
             </a:fld>
             <a:endParaRPr lang="zh-CN" altLang="en-US"/>
           </a:p>
@@ -1401,7 +4917,7 @@
           <p:nvPr>
             <p:ph type="title"/>
             <p:custDataLst>
-              <p:tags r:id="rId2"/>
+              <p:tags r:id="rId1"/>
             </p:custDataLst>
           </p:nvPr>
         </p:nvSpPr>
@@ -1419,10 +4935,9 @@
           <a:p>
             <a:pPr lvl="0"/>
             <a:r>
-              <a:rPr lang="zh-CN" altLang="en-US" smtClean="0"/>
+              <a:rPr lang="zh-CN" altLang="en-US"/>
               <a:t>单击此处编辑母版标题样式</a:t>
             </a:r>
-            <a:endParaRPr lang="zh-CN" altLang="en-US"/>
           </a:p>
         </p:txBody>
       </p:sp>
@@ -1435,7 +4950,7 @@
           <p:nvPr>
             <p:ph type="body" idx="1" hasCustomPrompt="1"/>
             <p:custDataLst>
-              <p:tags r:id="rId3"/>
+              <p:tags r:id="rId2"/>
             </p:custDataLst>
           </p:nvPr>
         </p:nvSpPr>
@@ -1503,7 +5018,6 @@
               <a:rPr lang="zh-CN" altLang="en-US" dirty="0"/>
               <a:t>单击此处编辑文本</a:t>
             </a:r>
-            <a:endParaRPr lang="zh-CN" altLang="en-US" dirty="0"/>
           </a:p>
         </p:txBody>
       </p:sp>
@@ -1516,7 +5030,7 @@
           <p:nvPr>
             <p:ph sz="half" idx="2"/>
             <p:custDataLst>
-              <p:tags r:id="rId4"/>
+              <p:tags r:id="rId3"/>
             </p:custDataLst>
           </p:nvPr>
         </p:nvSpPr>
@@ -1534,42 +5048,37 @@
           <a:p>
             <a:pPr lvl="0"/>
             <a:r>
-              <a:rPr lang="zh-CN" altLang="en-US" smtClean="0"/>
+              <a:rPr lang="zh-CN" altLang="en-US"/>
               <a:t>单击此处编辑母版文本样式</a:t>
             </a:r>
-            <a:endParaRPr lang="zh-CN" altLang="en-US" smtClean="0"/>
           </a:p>
           <a:p>
             <a:pPr lvl="1"/>
             <a:r>
-              <a:rPr lang="zh-CN" altLang="en-US" smtClean="0"/>
+              <a:rPr lang="zh-CN" altLang="en-US"/>
               <a:t>第二级</a:t>
             </a:r>
-            <a:endParaRPr lang="zh-CN" altLang="en-US" smtClean="0"/>
           </a:p>
           <a:p>
             <a:pPr lvl="2"/>
             <a:r>
-              <a:rPr lang="zh-CN" altLang="en-US" smtClean="0"/>
+              <a:rPr lang="zh-CN" altLang="en-US"/>
               <a:t>第三级</a:t>
             </a:r>
-            <a:endParaRPr lang="zh-CN" altLang="en-US" smtClean="0"/>
           </a:p>
           <a:p>
             <a:pPr lvl="3"/>
             <a:r>
-              <a:rPr lang="zh-CN" altLang="en-US" smtClean="0"/>
+              <a:rPr lang="zh-CN" altLang="en-US"/>
               <a:t>第四级</a:t>
             </a:r>
-            <a:endParaRPr lang="zh-CN" altLang="en-US" smtClean="0"/>
           </a:p>
           <a:p>
             <a:pPr lvl="4"/>
             <a:r>
-              <a:rPr lang="zh-CN" altLang="en-US" smtClean="0"/>
+              <a:rPr lang="zh-CN" altLang="en-US"/>
               <a:t>第五级</a:t>
             </a:r>
-            <a:endParaRPr lang="zh-CN" altLang="en-US"/>
           </a:p>
         </p:txBody>
       </p:sp>
@@ -1582,7 +5091,7 @@
           <p:nvPr>
             <p:ph type="body" sz="quarter" idx="3" hasCustomPrompt="1"/>
             <p:custDataLst>
-              <p:tags r:id="rId5"/>
+              <p:tags r:id="rId4"/>
             </p:custDataLst>
           </p:nvPr>
         </p:nvSpPr>
@@ -1647,10 +5156,9 @@
           <a:p>
             <a:pPr lvl="0"/>
             <a:r>
-              <a:rPr lang="zh-CN" altLang="en-US" smtClean="0"/>
+              <a:rPr lang="zh-CN" altLang="en-US"/>
               <a:t>单击此处编辑文本</a:t>
             </a:r>
-            <a:endParaRPr lang="zh-CN" altLang="en-US"/>
           </a:p>
         </p:txBody>
       </p:sp>
@@ -1663,7 +5171,7 @@
           <p:nvPr>
             <p:ph sz="quarter" idx="4"/>
             <p:custDataLst>
-              <p:tags r:id="rId6"/>
+              <p:tags r:id="rId5"/>
             </p:custDataLst>
           </p:nvPr>
         </p:nvSpPr>
@@ -1681,42 +5189,37 @@
           <a:p>
             <a:pPr lvl="0"/>
             <a:r>
-              <a:rPr lang="zh-CN" altLang="en-US" smtClean="0"/>
+              <a:rPr lang="zh-CN" altLang="en-US"/>
               <a:t>单击此处编辑母版文本样式</a:t>
             </a:r>
-            <a:endParaRPr lang="zh-CN" altLang="en-US" smtClean="0"/>
           </a:p>
           <a:p>
             <a:pPr lvl="1"/>
             <a:r>
-              <a:rPr lang="zh-CN" altLang="en-US" smtClean="0"/>
+              <a:rPr lang="zh-CN" altLang="en-US"/>
               <a:t>第二级</a:t>
             </a:r>
-            <a:endParaRPr lang="zh-CN" altLang="en-US" smtClean="0"/>
           </a:p>
           <a:p>
             <a:pPr lvl="2"/>
             <a:r>
-              <a:rPr lang="zh-CN" altLang="en-US" smtClean="0"/>
+              <a:rPr lang="zh-CN" altLang="en-US"/>
               <a:t>第三级</a:t>
             </a:r>
-            <a:endParaRPr lang="zh-CN" altLang="en-US" smtClean="0"/>
           </a:p>
           <a:p>
             <a:pPr lvl="3"/>
             <a:r>
-              <a:rPr lang="zh-CN" altLang="en-US" smtClean="0"/>
+              <a:rPr lang="zh-CN" altLang="en-US"/>
               <a:t>第四级</a:t>
             </a:r>
-            <a:endParaRPr lang="zh-CN" altLang="en-US" smtClean="0"/>
           </a:p>
           <a:p>
             <a:pPr lvl="4"/>
             <a:r>
-              <a:rPr lang="zh-CN" altLang="en-US" smtClean="0"/>
+              <a:rPr lang="zh-CN" altLang="en-US"/>
               <a:t>第五级</a:t>
             </a:r>
-            <a:endParaRPr lang="zh-CN" altLang="en-US"/>
           </a:p>
         </p:txBody>
       </p:sp>
@@ -1729,7 +5232,7 @@
           <p:nvPr>
             <p:ph type="dt" sz="half" idx="10"/>
             <p:custDataLst>
-              <p:tags r:id="rId7"/>
+              <p:tags r:id="rId6"/>
             </p:custDataLst>
           </p:nvPr>
         </p:nvSpPr>
@@ -1740,6 +5243,7 @@
           <a:p>
             <a:fld id="{760FBDFE-C587-4B4C-A407-44438C67B59E}" type="datetimeFigureOut">
               <a:rPr lang="zh-CN" altLang="en-US" smtClean="0"/>
+              <a:t>2022/9/17</a:t>
             </a:fld>
             <a:endParaRPr lang="zh-CN" altLang="en-US"/>
           </a:p>
@@ -1754,7 +5258,7 @@
           <p:nvPr>
             <p:ph type="ftr" sz="quarter" idx="11"/>
             <p:custDataLst>
-              <p:tags r:id="rId8"/>
+              <p:tags r:id="rId7"/>
             </p:custDataLst>
           </p:nvPr>
         </p:nvSpPr>
@@ -1776,7 +5280,7 @@
           <p:nvPr>
             <p:ph type="sldNum" sz="quarter" idx="12"/>
             <p:custDataLst>
-              <p:tags r:id="rId9"/>
+              <p:tags r:id="rId8"/>
             </p:custDataLst>
           </p:nvPr>
         </p:nvSpPr>
@@ -1787,6 +5291,7 @@
           <a:p>
             <a:fld id="{49AE70B2-8BF9-45C0-BB95-33D1B9D3A854}" type="slidenum">
               <a:rPr lang="zh-CN" altLang="en-US" smtClean="0"/>
+              <a:t>‹#›</a:t>
             </a:fld>
             <a:endParaRPr lang="zh-CN" altLang="en-US"/>
           </a:p>
@@ -1826,7 +5331,7 @@
           <p:nvPr>
             <p:ph type="title"/>
             <p:custDataLst>
-              <p:tags r:id="rId2"/>
+              <p:tags r:id="rId1"/>
             </p:custDataLst>
           </p:nvPr>
         </p:nvSpPr>
@@ -1844,10 +5349,9 @@
           <a:p>
             <a:pPr lvl="0"/>
             <a:r>
-              <a:rPr lang="zh-CN" altLang="en-US" smtClean="0"/>
+              <a:rPr lang="zh-CN" altLang="en-US"/>
               <a:t>单击此处编辑母版标题样式</a:t>
             </a:r>
-            <a:endParaRPr lang="zh-CN" altLang="en-US"/>
           </a:p>
         </p:txBody>
       </p:sp>
@@ -1860,7 +5364,7 @@
           <p:nvPr>
             <p:ph type="dt" sz="half" idx="10"/>
             <p:custDataLst>
-              <p:tags r:id="rId3"/>
+              <p:tags r:id="rId2"/>
             </p:custDataLst>
           </p:nvPr>
         </p:nvSpPr>
@@ -1871,6 +5375,7 @@
           <a:p>
             <a:fld id="{760FBDFE-C587-4B4C-A407-44438C67B59E}" type="datetimeFigureOut">
               <a:rPr lang="zh-CN" altLang="en-US" smtClean="0"/>
+              <a:t>2022/9/17</a:t>
             </a:fld>
             <a:endParaRPr lang="zh-CN" altLang="en-US"/>
           </a:p>
@@ -1885,7 +5390,7 @@
           <p:nvPr>
             <p:ph type="ftr" sz="quarter" idx="11"/>
             <p:custDataLst>
-              <p:tags r:id="rId4"/>
+              <p:tags r:id="rId3"/>
             </p:custDataLst>
           </p:nvPr>
         </p:nvSpPr>
@@ -1907,7 +5412,7 @@
           <p:nvPr>
             <p:ph type="sldNum" sz="quarter" idx="12"/>
             <p:custDataLst>
-              <p:tags r:id="rId5"/>
+              <p:tags r:id="rId4"/>
             </p:custDataLst>
           </p:nvPr>
         </p:nvSpPr>
@@ -1918,6 +5423,7 @@
           <a:p>
             <a:fld id="{49AE70B2-8BF9-45C0-BB95-33D1B9D3A854}" type="slidenum">
               <a:rPr lang="zh-CN" altLang="en-US" smtClean="0"/>
+              <a:t>‹#›</a:t>
             </a:fld>
             <a:endParaRPr lang="zh-CN" altLang="en-US"/>
           </a:p>
@@ -1957,7 +5463,7 @@
           <p:nvPr>
             <p:ph type="dt" sz="half" idx="10"/>
             <p:custDataLst>
-              <p:tags r:id="rId2"/>
+              <p:tags r:id="rId1"/>
             </p:custDataLst>
           </p:nvPr>
         </p:nvSpPr>
@@ -1968,6 +5474,7 @@
           <a:p>
             <a:fld id="{760FBDFE-C587-4B4C-A407-44438C67B59E}" type="datetimeFigureOut">
               <a:rPr lang="zh-CN" altLang="en-US" smtClean="0"/>
+              <a:t>2022/9/17</a:t>
             </a:fld>
             <a:endParaRPr lang="zh-CN" altLang="en-US"/>
           </a:p>
@@ -1982,7 +5489,7 @@
           <p:nvPr>
             <p:ph type="ftr" sz="quarter" idx="11"/>
             <p:custDataLst>
-              <p:tags r:id="rId3"/>
+              <p:tags r:id="rId2"/>
             </p:custDataLst>
           </p:nvPr>
         </p:nvSpPr>
@@ -2004,7 +5511,7 @@
           <p:nvPr>
             <p:ph type="sldNum" sz="quarter" idx="12"/>
             <p:custDataLst>
-              <p:tags r:id="rId4"/>
+              <p:tags r:id="rId3"/>
             </p:custDataLst>
           </p:nvPr>
         </p:nvSpPr>
@@ -2015,6 +5522,7 @@
           <a:p>
             <a:fld id="{49AE70B2-8BF9-45C0-BB95-33D1B9D3A854}" type="slidenum">
               <a:rPr lang="zh-CN" altLang="en-US" smtClean="0"/>
+              <a:t>‹#›</a:t>
             </a:fld>
             <a:endParaRPr lang="zh-CN" altLang="en-US"/>
           </a:p>
@@ -2054,7 +5562,7 @@
           <p:nvPr>
             <p:ph type="pic" idx="1"/>
             <p:custDataLst>
-              <p:tags r:id="rId2"/>
+              <p:tags r:id="rId1"/>
             </p:custDataLst>
           </p:nvPr>
         </p:nvSpPr>
@@ -2089,7 +5597,7 @@
           <p:nvPr>
             <p:ph type="body" sz="half" idx="2"/>
             <p:custDataLst>
-              <p:tags r:id="rId3"/>
+              <p:tags r:id="rId2"/>
             </p:custDataLst>
           </p:nvPr>
         </p:nvSpPr>
@@ -2112,10 +5620,9 @@
           <a:p>
             <a:pPr lvl="0"/>
             <a:r>
-              <a:rPr lang="zh-CN" altLang="en-US" smtClean="0"/>
+              <a:rPr lang="zh-CN" altLang="en-US"/>
               <a:t>单击此处编辑母版文本样式</a:t>
             </a:r>
-            <a:endParaRPr lang="zh-CN" altLang="en-US"/>
           </a:p>
         </p:txBody>
       </p:sp>
@@ -2128,7 +5635,7 @@
           <p:nvPr>
             <p:ph type="dt" sz="half" idx="10"/>
             <p:custDataLst>
-              <p:tags r:id="rId4"/>
+              <p:tags r:id="rId3"/>
             </p:custDataLst>
           </p:nvPr>
         </p:nvSpPr>
@@ -2139,6 +5646,7 @@
           <a:p>
             <a:fld id="{9EFD9D74-47D9-4702-A33C-335B63B48DBF}" type="datetimeFigureOut">
               <a:rPr lang="zh-CN" altLang="en-US" smtClean="0"/>
+              <a:t>2022/9/17</a:t>
             </a:fld>
             <a:endParaRPr lang="zh-CN" altLang="en-US" dirty="0"/>
           </a:p>
@@ -2153,7 +5661,7 @@
           <p:nvPr>
             <p:ph type="ftr" sz="quarter" idx="11"/>
             <p:custDataLst>
-              <p:tags r:id="rId5"/>
+              <p:tags r:id="rId4"/>
             </p:custDataLst>
           </p:nvPr>
         </p:nvSpPr>
@@ -2175,7 +5683,7 @@
           <p:nvPr>
             <p:ph type="sldNum" sz="quarter" idx="12"/>
             <p:custDataLst>
-              <p:tags r:id="rId6"/>
+              <p:tags r:id="rId5"/>
             </p:custDataLst>
           </p:nvPr>
         </p:nvSpPr>
@@ -2186,6 +5694,7 @@
           <a:p>
             <a:fld id="{FABC47A4-756D-490B-A52F-7D9E2C9FC05F}" type="slidenum">
               <a:rPr lang="zh-CN" altLang="en-US" smtClean="0"/>
+              <a:t>‹#›</a:t>
             </a:fld>
             <a:endParaRPr lang="zh-CN" altLang="en-US"/>
           </a:p>
@@ -2200,19 +5709,19 @@
           <p:nvPr>
             <p:ph type="title"/>
             <p:custDataLst>
-              <p:tags r:id="rId7"/>
+              <p:tags r:id="rId6"/>
             </p:custDataLst>
           </p:nvPr>
         </p:nvSpPr>
         <p:spPr/>
         <p:txBody>
           <a:bodyPr/>
+          <a:lstStyle/>
           <a:p>
             <a:r>
               <a:rPr lang="zh-CN" altLang="en-US"/>
               <a:t>单击此处编辑母版标题样式</a:t>
             </a:r>
-            <a:endParaRPr lang="zh-CN" altLang="en-US"/>
           </a:p>
         </p:txBody>
       </p:sp>
@@ -2250,7 +5759,7 @@
           <p:nvPr>
             <p:ph type="title" orient="vert" hasCustomPrompt="1"/>
             <p:custDataLst>
-              <p:tags r:id="rId2"/>
+              <p:tags r:id="rId1"/>
             </p:custDataLst>
           </p:nvPr>
         </p:nvSpPr>
@@ -2273,10 +5782,9 @@
           <a:p>
             <a:pPr lvl="0"/>
             <a:r>
-              <a:rPr lang="zh-CN" altLang="en-US" smtClean="0"/>
+              <a:rPr lang="zh-CN" altLang="en-US"/>
               <a:t>单击此处编辑标题</a:t>
             </a:r>
-            <a:endParaRPr lang="zh-CN" altLang="en-US"/>
           </a:p>
         </p:txBody>
       </p:sp>
@@ -2289,7 +5797,7 @@
           <p:nvPr>
             <p:ph type="body" orient="vert" idx="1"/>
             <p:custDataLst>
-              <p:tags r:id="rId3"/>
+              <p:tags r:id="rId2"/>
             </p:custDataLst>
           </p:nvPr>
         </p:nvSpPr>
@@ -2327,7 +5835,6 @@
               <a:rPr lang="zh-CN" altLang="en-US" dirty="0"/>
               <a:t>单击此处编辑母版文本样式</a:t>
             </a:r>
-            <a:endParaRPr lang="zh-CN" altLang="en-US" dirty="0"/>
           </a:p>
           <a:p>
             <a:pPr lvl="1"/>
@@ -2335,7 +5842,6 @@
               <a:rPr lang="zh-CN" altLang="en-US" dirty="0"/>
               <a:t>第二级</a:t>
             </a:r>
-            <a:endParaRPr lang="zh-CN" altLang="en-US" dirty="0"/>
           </a:p>
           <a:p>
             <a:pPr lvl="2"/>
@@ -2343,7 +5849,6 @@
               <a:rPr lang="zh-CN" altLang="en-US" dirty="0"/>
               <a:t>第三级</a:t>
             </a:r>
-            <a:endParaRPr lang="zh-CN" altLang="en-US" dirty="0"/>
           </a:p>
           <a:p>
             <a:pPr lvl="3"/>
@@ -2351,7 +5856,6 @@
               <a:rPr lang="zh-CN" altLang="en-US" dirty="0"/>
               <a:t>第四级</a:t>
             </a:r>
-            <a:endParaRPr lang="zh-CN" altLang="en-US" dirty="0"/>
           </a:p>
           <a:p>
             <a:pPr lvl="4"/>
@@ -2359,7 +5863,6 @@
               <a:rPr lang="zh-CN" altLang="en-US" dirty="0"/>
               <a:t>第五级</a:t>
             </a:r>
-            <a:endParaRPr lang="zh-CN" altLang="en-US" dirty="0"/>
           </a:p>
         </p:txBody>
       </p:sp>
@@ -2372,7 +5875,7 @@
           <p:nvPr>
             <p:ph type="dt" sz="half" idx="10"/>
             <p:custDataLst>
-              <p:tags r:id="rId4"/>
+              <p:tags r:id="rId3"/>
             </p:custDataLst>
           </p:nvPr>
         </p:nvSpPr>
@@ -2383,6 +5886,7 @@
           <a:p>
             <a:fld id="{760FBDFE-C587-4B4C-A407-44438C67B59E}" type="datetimeFigureOut">
               <a:rPr lang="zh-CN" altLang="en-US" smtClean="0"/>
+              <a:t>2022/9/17</a:t>
             </a:fld>
             <a:endParaRPr lang="zh-CN" altLang="en-US"/>
           </a:p>
@@ -2397,7 +5901,7 @@
           <p:nvPr>
             <p:ph type="ftr" sz="quarter" idx="11"/>
             <p:custDataLst>
-              <p:tags r:id="rId5"/>
+              <p:tags r:id="rId4"/>
             </p:custDataLst>
           </p:nvPr>
         </p:nvSpPr>
@@ -2419,7 +5923,7 @@
           <p:nvPr>
             <p:ph type="sldNum" sz="quarter" idx="12"/>
             <p:custDataLst>
-              <p:tags r:id="rId6"/>
+              <p:tags r:id="rId5"/>
             </p:custDataLst>
           </p:nvPr>
         </p:nvSpPr>
@@ -2430,6 +5934,7 @@
           <a:p>
             <a:fld id="{49AE70B2-8BF9-45C0-BB95-33D1B9D3A854}" type="slidenum">
               <a:rPr lang="zh-CN" altLang="en-US" smtClean="0"/>
+              <a:t>‹#›</a:t>
             </a:fld>
             <a:endParaRPr lang="zh-CN" altLang="en-US"/>
           </a:p>
@@ -2474,7 +5979,7 @@
           <p:nvPr>
             <p:ph type="title"/>
             <p:custDataLst>
-              <p:tags r:id="rId12"/>
+              <p:tags r:id="rId14"/>
             </p:custDataLst>
           </p:nvPr>
         </p:nvSpPr>
@@ -2497,7 +6002,6 @@
               <a:rPr lang="zh-CN" altLang="en-US" dirty="0"/>
               <a:t>单击此处编辑母版标题样式</a:t>
             </a:r>
-            <a:endParaRPr lang="zh-CN" altLang="en-US" dirty="0"/>
           </a:p>
         </p:txBody>
       </p:sp>
@@ -2510,7 +6014,7 @@
           <p:nvPr>
             <p:ph type="body" idx="1"/>
             <p:custDataLst>
-              <p:tags r:id="rId13"/>
+              <p:tags r:id="rId15"/>
             </p:custDataLst>
           </p:nvPr>
         </p:nvSpPr>
@@ -2534,7 +6038,6 @@
               <a:rPr lang="zh-CN" altLang="en-US" dirty="0"/>
               <a:t>单击此处编辑母版文本样式</a:t>
             </a:r>
-            <a:endParaRPr lang="zh-CN" altLang="en-US" dirty="0"/>
           </a:p>
           <a:p>
             <a:pPr lvl="1"/>
@@ -2542,7 +6045,6 @@
               <a:rPr lang="zh-CN" altLang="en-US" dirty="0"/>
               <a:t>第二级</a:t>
             </a:r>
-            <a:endParaRPr lang="zh-CN" altLang="en-US" dirty="0"/>
           </a:p>
           <a:p>
             <a:pPr lvl="2"/>
@@ -2550,7 +6052,6 @@
               <a:rPr lang="zh-CN" altLang="en-US" dirty="0"/>
               <a:t>第三级</a:t>
             </a:r>
-            <a:endParaRPr lang="zh-CN" altLang="en-US" dirty="0"/>
           </a:p>
           <a:p>
             <a:pPr lvl="3"/>
@@ -2558,7 +6059,6 @@
               <a:rPr lang="zh-CN" altLang="en-US" dirty="0"/>
               <a:t>第四级</a:t>
             </a:r>
-            <a:endParaRPr lang="zh-CN" altLang="en-US" dirty="0"/>
           </a:p>
           <a:p>
             <a:pPr lvl="4"/>
@@ -2566,7 +6066,6 @@
               <a:rPr lang="zh-CN" altLang="en-US" dirty="0"/>
               <a:t>第五级</a:t>
             </a:r>
-            <a:endParaRPr lang="zh-CN" altLang="en-US" dirty="0"/>
           </a:p>
         </p:txBody>
       </p:sp>
@@ -2579,7 +6078,7 @@
           <p:nvPr>
             <p:ph type="dt" sz="half" idx="2"/>
             <p:custDataLst>
-              <p:tags r:id="rId14"/>
+              <p:tags r:id="rId16"/>
             </p:custDataLst>
           </p:nvPr>
         </p:nvSpPr>
@@ -2610,6 +6109,7 @@
           <a:p>
             <a:fld id="{760FBDFE-C587-4B4C-A407-44438C67B59E}" type="datetimeFigureOut">
               <a:rPr lang="zh-CN" altLang="en-US" smtClean="0"/>
+              <a:t>2022/9/17</a:t>
             </a:fld>
             <a:endParaRPr lang="zh-CN" altLang="en-US"/>
           </a:p>
@@ -2624,7 +6124,7 @@
           <p:nvPr>
             <p:ph type="ftr" sz="quarter" idx="3"/>
             <p:custDataLst>
-              <p:tags r:id="rId15"/>
+              <p:tags r:id="rId17"/>
             </p:custDataLst>
           </p:nvPr>
         </p:nvSpPr>
@@ -2666,7 +6166,7 @@
           <p:nvPr>
             <p:ph type="sldNum" sz="quarter" idx="4"/>
             <p:custDataLst>
-              <p:tags r:id="rId16"/>
+              <p:tags r:id="rId18"/>
             </p:custDataLst>
           </p:nvPr>
         </p:nvSpPr>
@@ -2697,6 +6197,7 @@
           <a:p>
             <a:fld id="{49AE70B2-8BF9-45C0-BB95-33D1B9D3A854}" type="slidenum">
               <a:rPr lang="zh-CN" altLang="en-US" smtClean="0"/>
+              <a:t>‹#›</a:t>
             </a:fld>
             <a:endParaRPr lang="zh-CN" altLang="en-US" dirty="0"/>
           </a:p>
@@ -2704,7 +6205,7 @@
       </p:sp>
     </p:spTree>
     <p:custDataLst>
-      <p:tags r:id="rId17"/>
+      <p:tags r:id="rId13"/>
     </p:custDataLst>
   </p:cSld>
   <p:clrMap bg1="lt1" tx1="dk1" bg2="lt2" tx2="dk2" accent1="accent1" accent2="accent2" accent3="accent3" accent4="accent4" accent5="accent5" accent6="accent6" hlink="hlink" folHlink="folHlink"/>
@@ -3066,6 +6567,1506 @@
           <a:chExt cx="0" cy="0"/>
         </a:xfrm>
       </p:grpSpPr>
+      <p:sp>
+        <p:nvSpPr>
+          <p:cNvPr id="2" name="矩形 1">
+            <a:extLst>
+              <a:ext uri="{FF2B5EF4-FFF2-40B4-BE49-F238E27FC236}">
+                <a16:creationId xmlns:a16="http://schemas.microsoft.com/office/drawing/2014/main" id="{509F274F-E451-C9B8-CDD0-E23D8F5BEFC2}"/>
+              </a:ext>
+            </a:extLst>
+          </p:cNvPr>
+          <p:cNvSpPr/>
+          <p:nvPr/>
+        </p:nvSpPr>
+        <p:spPr>
+          <a:xfrm>
+            <a:off x="3483428" y="827315"/>
+            <a:ext cx="4447592" cy="342122"/>
+          </a:xfrm>
+          <a:prstGeom prst="rect">
+            <a:avLst/>
+          </a:prstGeom>
+          <a:solidFill>
+            <a:schemeClr val="accent1">
+              <a:lumMod val="20000"/>
+              <a:lumOff val="80000"/>
+            </a:schemeClr>
+          </a:solidFill>
+          <a:ln w="22225"/>
+        </p:spPr>
+        <p:style>
+          <a:lnRef idx="2">
+            <a:schemeClr val="accent1">
+              <a:shade val="50000"/>
+            </a:schemeClr>
+          </a:lnRef>
+          <a:fillRef idx="1">
+            <a:schemeClr val="accent1"/>
+          </a:fillRef>
+          <a:effectRef idx="0">
+            <a:schemeClr val="accent1"/>
+          </a:effectRef>
+          <a:fontRef idx="minor">
+            <a:schemeClr val="lt1"/>
+          </a:fontRef>
+        </p:style>
+        <p:txBody>
+          <a:bodyPr rtlCol="0" anchor="ctr"/>
+          <a:lstStyle/>
+          <a:p>
+            <a:pPr algn="ctr"/>
+            <a:r>
+              <a:rPr lang="zh-CN" altLang="en-US" sz="1600" dirty="0">
+                <a:solidFill>
+                  <a:schemeClr val="tx1">
+                    <a:lumMod val="65000"/>
+                    <a:lumOff val="35000"/>
+                  </a:schemeClr>
+                </a:solidFill>
+              </a:rPr>
+              <a:t>原数据集</a:t>
+            </a:r>
+          </a:p>
+        </p:txBody>
+      </p:sp>
+      <p:sp>
+        <p:nvSpPr>
+          <p:cNvPr id="3" name="箭头: 下 2">
+            <a:extLst>
+              <a:ext uri="{FF2B5EF4-FFF2-40B4-BE49-F238E27FC236}">
+                <a16:creationId xmlns:a16="http://schemas.microsoft.com/office/drawing/2014/main" id="{82AA417C-60FF-0EC9-2C50-6190E81ED72D}"/>
+              </a:ext>
+            </a:extLst>
+          </p:cNvPr>
+          <p:cNvSpPr/>
+          <p:nvPr/>
+        </p:nvSpPr>
+        <p:spPr>
+          <a:xfrm>
+            <a:off x="5504856" y="1311638"/>
+            <a:ext cx="404735" cy="502171"/>
+          </a:xfrm>
+          <a:prstGeom prst="downArrow">
+            <a:avLst/>
+          </a:prstGeom>
+          <a:solidFill>
+            <a:schemeClr val="accent1">
+              <a:alpha val="61000"/>
+            </a:schemeClr>
+          </a:solidFill>
+        </p:spPr>
+        <p:style>
+          <a:lnRef idx="2">
+            <a:schemeClr val="accent1">
+              <a:shade val="50000"/>
+            </a:schemeClr>
+          </a:lnRef>
+          <a:fillRef idx="1">
+            <a:schemeClr val="accent1"/>
+          </a:fillRef>
+          <a:effectRef idx="0">
+            <a:schemeClr val="accent1"/>
+          </a:effectRef>
+          <a:fontRef idx="minor">
+            <a:schemeClr val="lt1"/>
+          </a:fontRef>
+        </p:style>
+        <p:txBody>
+          <a:bodyPr rtlCol="0" anchor="ctr"/>
+          <a:lstStyle/>
+          <a:p>
+            <a:pPr algn="ctr"/>
+            <a:endParaRPr lang="zh-CN" altLang="en-US"/>
+          </a:p>
+        </p:txBody>
+      </p:sp>
+      <p:sp>
+        <p:nvSpPr>
+          <p:cNvPr id="4" name="矩形 3">
+            <a:extLst>
+              <a:ext uri="{FF2B5EF4-FFF2-40B4-BE49-F238E27FC236}">
+                <a16:creationId xmlns:a16="http://schemas.microsoft.com/office/drawing/2014/main" id="{35C3B794-1774-67FB-4C6D-787F478E505D}"/>
+              </a:ext>
+            </a:extLst>
+          </p:cNvPr>
+          <p:cNvSpPr/>
+          <p:nvPr/>
+        </p:nvSpPr>
+        <p:spPr>
+          <a:xfrm>
+            <a:off x="3483427" y="1869132"/>
+            <a:ext cx="4447592" cy="342122"/>
+          </a:xfrm>
+          <a:prstGeom prst="rect">
+            <a:avLst/>
+          </a:prstGeom>
+          <a:solidFill>
+            <a:schemeClr val="accent1">
+              <a:lumMod val="20000"/>
+              <a:lumOff val="80000"/>
+            </a:schemeClr>
+          </a:solidFill>
+          <a:ln w="22225"/>
+        </p:spPr>
+        <p:style>
+          <a:lnRef idx="2">
+            <a:schemeClr val="accent1">
+              <a:shade val="50000"/>
+            </a:schemeClr>
+          </a:lnRef>
+          <a:fillRef idx="1">
+            <a:schemeClr val="accent1"/>
+          </a:fillRef>
+          <a:effectRef idx="0">
+            <a:schemeClr val="accent1"/>
+          </a:effectRef>
+          <a:fontRef idx="minor">
+            <a:schemeClr val="lt1"/>
+          </a:fontRef>
+        </p:style>
+        <p:txBody>
+          <a:bodyPr rtlCol="0" anchor="ctr"/>
+          <a:lstStyle/>
+          <a:p>
+            <a:pPr algn="ctr"/>
+            <a:endParaRPr lang="zh-CN" altLang="en-US" dirty="0">
+              <a:solidFill>
+                <a:schemeClr val="tx1">
+                  <a:lumMod val="65000"/>
+                  <a:lumOff val="35000"/>
+                </a:schemeClr>
+              </a:solidFill>
+            </a:endParaRPr>
+          </a:p>
+        </p:txBody>
+      </p:sp>
+      <p:sp>
+        <p:nvSpPr>
+          <p:cNvPr id="10" name="文本框 9">
+            <a:extLst>
+              <a:ext uri="{FF2B5EF4-FFF2-40B4-BE49-F238E27FC236}">
+                <a16:creationId xmlns:a16="http://schemas.microsoft.com/office/drawing/2014/main" id="{3AD7B889-2CF9-7A2E-580C-186C03956A93}"/>
+              </a:ext>
+            </a:extLst>
+          </p:cNvPr>
+          <p:cNvSpPr txBox="1"/>
+          <p:nvPr/>
+        </p:nvSpPr>
+        <p:spPr>
+          <a:xfrm>
+            <a:off x="5373080" y="3434827"/>
+            <a:ext cx="710451" cy="369332"/>
+          </a:xfrm>
+          <a:prstGeom prst="rect">
+            <a:avLst/>
+          </a:prstGeom>
+          <a:noFill/>
+        </p:spPr>
+        <p:txBody>
+          <a:bodyPr wrap="none" rtlCol="0">
+            <a:spAutoFit/>
+          </a:bodyPr>
+          <a:lstStyle/>
+          <a:p>
+            <a:r>
+              <a:rPr lang="en-US" altLang="zh-CN" dirty="0"/>
+              <a:t>…….</a:t>
+            </a:r>
+            <a:endParaRPr lang="zh-CN" altLang="en-US" dirty="0"/>
+          </a:p>
+        </p:txBody>
+      </p:sp>
+      <p:sp>
+        <p:nvSpPr>
+          <p:cNvPr id="11" name="矩形 10">
+            <a:extLst>
+              <a:ext uri="{FF2B5EF4-FFF2-40B4-BE49-F238E27FC236}">
+                <a16:creationId xmlns:a16="http://schemas.microsoft.com/office/drawing/2014/main" id="{C2AE8B03-E2DC-2EAC-FCEA-2818B17A89DD}"/>
+              </a:ext>
+            </a:extLst>
+          </p:cNvPr>
+          <p:cNvSpPr/>
+          <p:nvPr/>
+        </p:nvSpPr>
+        <p:spPr>
+          <a:xfrm>
+            <a:off x="7262733" y="1864347"/>
+            <a:ext cx="668285" cy="342122"/>
+          </a:xfrm>
+          <a:prstGeom prst="rect">
+            <a:avLst/>
+          </a:prstGeom>
+          <a:solidFill>
+            <a:schemeClr val="accent1">
+              <a:lumMod val="60000"/>
+              <a:lumOff val="40000"/>
+            </a:schemeClr>
+          </a:solidFill>
+          <a:ln w="22225"/>
+        </p:spPr>
+        <p:style>
+          <a:lnRef idx="2">
+            <a:schemeClr val="accent1">
+              <a:shade val="50000"/>
+            </a:schemeClr>
+          </a:lnRef>
+          <a:fillRef idx="1">
+            <a:schemeClr val="accent1"/>
+          </a:fillRef>
+          <a:effectRef idx="0">
+            <a:schemeClr val="accent1"/>
+          </a:effectRef>
+          <a:fontRef idx="minor">
+            <a:schemeClr val="lt1"/>
+          </a:fontRef>
+        </p:style>
+        <p:txBody>
+          <a:bodyPr rtlCol="0" anchor="ctr"/>
+          <a:lstStyle/>
+          <a:p>
+            <a:pPr algn="ctr"/>
+            <a:r>
+              <a:rPr lang="zh-CN" altLang="en-US" sz="1200" dirty="0">
+                <a:solidFill>
+                  <a:schemeClr val="bg2"/>
+                </a:solidFill>
+              </a:rPr>
+              <a:t>测试集</a:t>
+            </a:r>
+          </a:p>
+        </p:txBody>
+      </p:sp>
+      <p:sp>
+        <p:nvSpPr>
+          <p:cNvPr id="13" name="文本框 12">
+            <a:extLst>
+              <a:ext uri="{FF2B5EF4-FFF2-40B4-BE49-F238E27FC236}">
+                <a16:creationId xmlns:a16="http://schemas.microsoft.com/office/drawing/2014/main" id="{5AFD95CD-572D-5232-119E-72E89AD78FA1}"/>
+              </a:ext>
+            </a:extLst>
+          </p:cNvPr>
+          <p:cNvSpPr txBox="1"/>
+          <p:nvPr/>
+        </p:nvSpPr>
+        <p:spPr>
+          <a:xfrm>
+            <a:off x="4888711" y="1864347"/>
+            <a:ext cx="968739" cy="307777"/>
+          </a:xfrm>
+          <a:prstGeom prst="rect">
+            <a:avLst/>
+          </a:prstGeom>
+          <a:noFill/>
+        </p:spPr>
+        <p:txBody>
+          <a:bodyPr wrap="square">
+            <a:spAutoFit/>
+          </a:bodyPr>
+          <a:lstStyle/>
+          <a:p>
+            <a:pPr algn="ctr"/>
+            <a:r>
+              <a:rPr lang="zh-CN" altLang="en-US" sz="1400" dirty="0">
+                <a:solidFill>
+                  <a:schemeClr val="tx1">
+                    <a:lumMod val="65000"/>
+                    <a:lumOff val="35000"/>
+                  </a:schemeClr>
+                </a:solidFill>
+              </a:rPr>
+              <a:t>训练集</a:t>
+            </a:r>
+          </a:p>
+        </p:txBody>
+      </p:sp>
+      <p:sp>
+        <p:nvSpPr>
+          <p:cNvPr id="14" name="矩形 13">
+            <a:extLst>
+              <a:ext uri="{FF2B5EF4-FFF2-40B4-BE49-F238E27FC236}">
+                <a16:creationId xmlns:a16="http://schemas.microsoft.com/office/drawing/2014/main" id="{377A1386-2414-CF9A-1A43-A94490F88DE2}"/>
+              </a:ext>
+            </a:extLst>
+          </p:cNvPr>
+          <p:cNvSpPr/>
+          <p:nvPr/>
+        </p:nvSpPr>
+        <p:spPr>
+          <a:xfrm>
+            <a:off x="3483427" y="2500597"/>
+            <a:ext cx="4447592" cy="342122"/>
+          </a:xfrm>
+          <a:prstGeom prst="rect">
+            <a:avLst/>
+          </a:prstGeom>
+          <a:solidFill>
+            <a:schemeClr val="accent1">
+              <a:lumMod val="20000"/>
+              <a:lumOff val="80000"/>
+            </a:schemeClr>
+          </a:solidFill>
+          <a:ln w="22225"/>
+        </p:spPr>
+        <p:style>
+          <a:lnRef idx="2">
+            <a:schemeClr val="accent1">
+              <a:shade val="50000"/>
+            </a:schemeClr>
+          </a:lnRef>
+          <a:fillRef idx="1">
+            <a:schemeClr val="accent1"/>
+          </a:fillRef>
+          <a:effectRef idx="0">
+            <a:schemeClr val="accent1"/>
+          </a:effectRef>
+          <a:fontRef idx="minor">
+            <a:schemeClr val="lt1"/>
+          </a:fontRef>
+        </p:style>
+        <p:txBody>
+          <a:bodyPr rtlCol="0" anchor="ctr"/>
+          <a:lstStyle/>
+          <a:p>
+            <a:pPr algn="ctr"/>
+            <a:endParaRPr lang="zh-CN" altLang="en-US" dirty="0">
+              <a:solidFill>
+                <a:schemeClr val="tx1">
+                  <a:lumMod val="65000"/>
+                  <a:lumOff val="35000"/>
+                </a:schemeClr>
+              </a:solidFill>
+            </a:endParaRPr>
+          </a:p>
+        </p:txBody>
+      </p:sp>
+      <p:sp>
+        <p:nvSpPr>
+          <p:cNvPr id="19" name="矩形 18">
+            <a:extLst>
+              <a:ext uri="{FF2B5EF4-FFF2-40B4-BE49-F238E27FC236}">
+                <a16:creationId xmlns:a16="http://schemas.microsoft.com/office/drawing/2014/main" id="{2E473DA0-B9C5-68DE-BA31-BACFC8C09F2B}"/>
+              </a:ext>
+            </a:extLst>
+          </p:cNvPr>
+          <p:cNvSpPr/>
+          <p:nvPr/>
+        </p:nvSpPr>
+        <p:spPr>
+          <a:xfrm>
+            <a:off x="6594448" y="2500597"/>
+            <a:ext cx="668285" cy="342122"/>
+          </a:xfrm>
+          <a:prstGeom prst="rect">
+            <a:avLst/>
+          </a:prstGeom>
+          <a:solidFill>
+            <a:schemeClr val="accent1">
+              <a:lumMod val="60000"/>
+              <a:lumOff val="40000"/>
+            </a:schemeClr>
+          </a:solidFill>
+          <a:ln w="22225"/>
+        </p:spPr>
+        <p:style>
+          <a:lnRef idx="2">
+            <a:schemeClr val="accent1">
+              <a:shade val="50000"/>
+            </a:schemeClr>
+          </a:lnRef>
+          <a:fillRef idx="1">
+            <a:schemeClr val="accent1"/>
+          </a:fillRef>
+          <a:effectRef idx="0">
+            <a:schemeClr val="accent1"/>
+          </a:effectRef>
+          <a:fontRef idx="minor">
+            <a:schemeClr val="lt1"/>
+          </a:fontRef>
+        </p:style>
+        <p:txBody>
+          <a:bodyPr rtlCol="0" anchor="ctr"/>
+          <a:lstStyle/>
+          <a:p>
+            <a:pPr algn="ctr"/>
+            <a:r>
+              <a:rPr lang="zh-CN" altLang="en-US" sz="1200" dirty="0">
+                <a:solidFill>
+                  <a:schemeClr val="bg2"/>
+                </a:solidFill>
+              </a:rPr>
+              <a:t>测试集</a:t>
+            </a:r>
+          </a:p>
+        </p:txBody>
+      </p:sp>
+      <p:grpSp>
+        <p:nvGrpSpPr>
+          <p:cNvPr id="38" name="组合 37">
+            <a:extLst>
+              <a:ext uri="{FF2B5EF4-FFF2-40B4-BE49-F238E27FC236}">
+                <a16:creationId xmlns:a16="http://schemas.microsoft.com/office/drawing/2014/main" id="{D0A5356E-43B4-F53C-C0B4-F9CD87E95BFF}"/>
+              </a:ext>
+            </a:extLst>
+          </p:cNvPr>
+          <p:cNvGrpSpPr/>
+          <p:nvPr/>
+        </p:nvGrpSpPr>
+        <p:grpSpPr>
+          <a:xfrm>
+            <a:off x="3483427" y="3135233"/>
+            <a:ext cx="4447592" cy="342122"/>
+            <a:chOff x="3483427" y="3207803"/>
+            <a:chExt cx="4447592" cy="342122"/>
+          </a:xfrm>
+        </p:grpSpPr>
+        <p:sp>
+          <p:nvSpPr>
+            <p:cNvPr id="17" name="矩形 16">
+              <a:extLst>
+                <a:ext uri="{FF2B5EF4-FFF2-40B4-BE49-F238E27FC236}">
+                  <a16:creationId xmlns:a16="http://schemas.microsoft.com/office/drawing/2014/main" id="{9A810B55-D952-C443-6633-7F3F9F8449C3}"/>
+                </a:ext>
+              </a:extLst>
+            </p:cNvPr>
+            <p:cNvSpPr/>
+            <p:nvPr/>
+          </p:nvSpPr>
+          <p:spPr>
+            <a:xfrm>
+              <a:off x="3483427" y="3207803"/>
+              <a:ext cx="4447592" cy="342122"/>
+            </a:xfrm>
+            <a:prstGeom prst="rect">
+              <a:avLst/>
+            </a:prstGeom>
+            <a:solidFill>
+              <a:schemeClr val="accent1">
+                <a:lumMod val="20000"/>
+                <a:lumOff val="80000"/>
+              </a:schemeClr>
+            </a:solidFill>
+            <a:ln w="22225"/>
+          </p:spPr>
+          <p:style>
+            <a:lnRef idx="2">
+              <a:schemeClr val="accent1">
+                <a:shade val="50000"/>
+              </a:schemeClr>
+            </a:lnRef>
+            <a:fillRef idx="1">
+              <a:schemeClr val="accent1"/>
+            </a:fillRef>
+            <a:effectRef idx="0">
+              <a:schemeClr val="accent1"/>
+            </a:effectRef>
+            <a:fontRef idx="minor">
+              <a:schemeClr val="lt1"/>
+            </a:fontRef>
+          </p:style>
+          <p:txBody>
+            <a:bodyPr rtlCol="0" anchor="ctr"/>
+            <a:lstStyle/>
+            <a:p>
+              <a:pPr algn="ctr"/>
+              <a:endParaRPr lang="zh-CN" altLang="en-US" dirty="0">
+                <a:solidFill>
+                  <a:schemeClr val="tx1">
+                    <a:lumMod val="65000"/>
+                    <a:lumOff val="35000"/>
+                  </a:schemeClr>
+                </a:solidFill>
+              </a:endParaRPr>
+            </a:p>
+          </p:txBody>
+        </p:sp>
+        <p:sp>
+          <p:nvSpPr>
+            <p:cNvPr id="20" name="矩形 19">
+              <a:extLst>
+                <a:ext uri="{FF2B5EF4-FFF2-40B4-BE49-F238E27FC236}">
+                  <a16:creationId xmlns:a16="http://schemas.microsoft.com/office/drawing/2014/main" id="{59D9EE5A-D444-F75D-61DD-D283E78E27CE}"/>
+                </a:ext>
+              </a:extLst>
+            </p:cNvPr>
+            <p:cNvSpPr/>
+            <p:nvPr/>
+          </p:nvSpPr>
+          <p:spPr>
+            <a:xfrm>
+              <a:off x="5926163" y="3207803"/>
+              <a:ext cx="668285" cy="342122"/>
+            </a:xfrm>
+            <a:prstGeom prst="rect">
+              <a:avLst/>
+            </a:prstGeom>
+            <a:solidFill>
+              <a:schemeClr val="accent1">
+                <a:lumMod val="60000"/>
+                <a:lumOff val="40000"/>
+              </a:schemeClr>
+            </a:solidFill>
+            <a:ln w="22225"/>
+          </p:spPr>
+          <p:style>
+            <a:lnRef idx="2">
+              <a:schemeClr val="accent1">
+                <a:shade val="50000"/>
+              </a:schemeClr>
+            </a:lnRef>
+            <a:fillRef idx="1">
+              <a:schemeClr val="accent1"/>
+            </a:fillRef>
+            <a:effectRef idx="0">
+              <a:schemeClr val="accent1"/>
+            </a:effectRef>
+            <a:fontRef idx="minor">
+              <a:schemeClr val="lt1"/>
+            </a:fontRef>
+          </p:style>
+          <p:txBody>
+            <a:bodyPr rtlCol="0" anchor="ctr"/>
+            <a:lstStyle/>
+            <a:p>
+              <a:pPr algn="ctr"/>
+              <a:r>
+                <a:rPr lang="zh-CN" altLang="en-US" sz="1200" dirty="0">
+                  <a:solidFill>
+                    <a:schemeClr val="bg2"/>
+                  </a:solidFill>
+                </a:rPr>
+                <a:t>测试集</a:t>
+              </a:r>
+            </a:p>
+          </p:txBody>
+        </p:sp>
+      </p:grpSp>
+      <p:grpSp>
+        <p:nvGrpSpPr>
+          <p:cNvPr id="22" name="组合 21">
+            <a:extLst>
+              <a:ext uri="{FF2B5EF4-FFF2-40B4-BE49-F238E27FC236}">
+                <a16:creationId xmlns:a16="http://schemas.microsoft.com/office/drawing/2014/main" id="{90ECCFEA-0882-A50E-6CD8-EC22AC558CEE}"/>
+              </a:ext>
+            </a:extLst>
+          </p:cNvPr>
+          <p:cNvGrpSpPr/>
+          <p:nvPr/>
+        </p:nvGrpSpPr>
+        <p:grpSpPr>
+          <a:xfrm>
+            <a:off x="3505693" y="3941463"/>
+            <a:ext cx="4447592" cy="342122"/>
+            <a:chOff x="3483427" y="4304625"/>
+            <a:chExt cx="4447592" cy="342122"/>
+          </a:xfrm>
+        </p:grpSpPr>
+        <p:sp>
+          <p:nvSpPr>
+            <p:cNvPr id="9" name="矩形 8">
+              <a:extLst>
+                <a:ext uri="{FF2B5EF4-FFF2-40B4-BE49-F238E27FC236}">
+                  <a16:creationId xmlns:a16="http://schemas.microsoft.com/office/drawing/2014/main" id="{87FFA795-7A03-FC55-9722-852052397399}"/>
+                </a:ext>
+              </a:extLst>
+            </p:cNvPr>
+            <p:cNvSpPr/>
+            <p:nvPr/>
+          </p:nvSpPr>
+          <p:spPr>
+            <a:xfrm>
+              <a:off x="3483427" y="4304625"/>
+              <a:ext cx="4447592" cy="342122"/>
+            </a:xfrm>
+            <a:prstGeom prst="rect">
+              <a:avLst/>
+            </a:prstGeom>
+            <a:solidFill>
+              <a:schemeClr val="accent1">
+                <a:lumMod val="20000"/>
+                <a:lumOff val="80000"/>
+              </a:schemeClr>
+            </a:solidFill>
+            <a:ln w="22225"/>
+          </p:spPr>
+          <p:style>
+            <a:lnRef idx="2">
+              <a:schemeClr val="accent1">
+                <a:shade val="50000"/>
+              </a:schemeClr>
+            </a:lnRef>
+            <a:fillRef idx="1">
+              <a:schemeClr val="accent1"/>
+            </a:fillRef>
+            <a:effectRef idx="0">
+              <a:schemeClr val="accent1"/>
+            </a:effectRef>
+            <a:fontRef idx="minor">
+              <a:schemeClr val="lt1"/>
+            </a:fontRef>
+          </p:style>
+          <p:txBody>
+            <a:bodyPr rtlCol="0" anchor="ctr"/>
+            <a:lstStyle/>
+            <a:p>
+              <a:pPr algn="ctr"/>
+              <a:endParaRPr lang="zh-CN" altLang="en-US" dirty="0">
+                <a:solidFill>
+                  <a:schemeClr val="tx1">
+                    <a:lumMod val="65000"/>
+                    <a:lumOff val="35000"/>
+                  </a:schemeClr>
+                </a:solidFill>
+              </a:endParaRPr>
+            </a:p>
+          </p:txBody>
+        </p:sp>
+        <p:sp>
+          <p:nvSpPr>
+            <p:cNvPr id="21" name="矩形 20">
+              <a:extLst>
+                <a:ext uri="{FF2B5EF4-FFF2-40B4-BE49-F238E27FC236}">
+                  <a16:creationId xmlns:a16="http://schemas.microsoft.com/office/drawing/2014/main" id="{E4B3A494-77CD-C2EF-6A6B-E0D66D947DAE}"/>
+                </a:ext>
+              </a:extLst>
+            </p:cNvPr>
+            <p:cNvSpPr/>
+            <p:nvPr/>
+          </p:nvSpPr>
+          <p:spPr>
+            <a:xfrm>
+              <a:off x="3483427" y="4304625"/>
+              <a:ext cx="668285" cy="342122"/>
+            </a:xfrm>
+            <a:prstGeom prst="rect">
+              <a:avLst/>
+            </a:prstGeom>
+            <a:solidFill>
+              <a:schemeClr val="accent1">
+                <a:lumMod val="60000"/>
+                <a:lumOff val="40000"/>
+              </a:schemeClr>
+            </a:solidFill>
+            <a:ln w="22225"/>
+          </p:spPr>
+          <p:style>
+            <a:lnRef idx="2">
+              <a:schemeClr val="accent1">
+                <a:shade val="50000"/>
+              </a:schemeClr>
+            </a:lnRef>
+            <a:fillRef idx="1">
+              <a:schemeClr val="accent1"/>
+            </a:fillRef>
+            <a:effectRef idx="0">
+              <a:schemeClr val="accent1"/>
+            </a:effectRef>
+            <a:fontRef idx="minor">
+              <a:schemeClr val="lt1"/>
+            </a:fontRef>
+          </p:style>
+          <p:txBody>
+            <a:bodyPr rtlCol="0" anchor="ctr"/>
+            <a:lstStyle/>
+            <a:p>
+              <a:pPr algn="ctr"/>
+              <a:r>
+                <a:rPr lang="zh-CN" altLang="en-US" sz="1200" dirty="0">
+                  <a:solidFill>
+                    <a:schemeClr val="bg2"/>
+                  </a:solidFill>
+                </a:rPr>
+                <a:t>测试集</a:t>
+              </a:r>
+            </a:p>
+          </p:txBody>
+        </p:sp>
+      </p:grpSp>
+      <p:grpSp>
+        <p:nvGrpSpPr>
+          <p:cNvPr id="28" name="组合 27">
+            <a:extLst>
+              <a:ext uri="{FF2B5EF4-FFF2-40B4-BE49-F238E27FC236}">
+                <a16:creationId xmlns:a16="http://schemas.microsoft.com/office/drawing/2014/main" id="{568615C0-68AD-8DE2-D987-FB409C7A5886}"/>
+              </a:ext>
+            </a:extLst>
+          </p:cNvPr>
+          <p:cNvGrpSpPr/>
+          <p:nvPr/>
+        </p:nvGrpSpPr>
+        <p:grpSpPr>
+          <a:xfrm>
+            <a:off x="7345789" y="1553152"/>
+            <a:ext cx="715910" cy="281190"/>
+            <a:chOff x="7345789" y="1445902"/>
+            <a:chExt cx="715910" cy="369387"/>
+          </a:xfrm>
+        </p:grpSpPr>
+        <p:sp>
+          <p:nvSpPr>
+            <p:cNvPr id="23" name="右大括号 22">
+              <a:extLst>
+                <a:ext uri="{FF2B5EF4-FFF2-40B4-BE49-F238E27FC236}">
+                  <a16:creationId xmlns:a16="http://schemas.microsoft.com/office/drawing/2014/main" id="{A0C59AFC-9EFE-D1EE-75C5-BEA9EDE96D70}"/>
+                </a:ext>
+              </a:extLst>
+            </p:cNvPr>
+            <p:cNvSpPr/>
+            <p:nvPr/>
+          </p:nvSpPr>
+          <p:spPr>
+            <a:xfrm rot="16200000">
+              <a:off x="7539336" y="1506665"/>
+              <a:ext cx="115077" cy="502171"/>
+            </a:xfrm>
+            <a:prstGeom prst="rightBrace">
+              <a:avLst>
+                <a:gd name="adj1" fmla="val 8333"/>
+                <a:gd name="adj2" fmla="val 48483"/>
+              </a:avLst>
+            </a:prstGeom>
+          </p:spPr>
+          <p:style>
+            <a:lnRef idx="1">
+              <a:schemeClr val="accent1"/>
+            </a:lnRef>
+            <a:fillRef idx="0">
+              <a:schemeClr val="accent1"/>
+            </a:fillRef>
+            <a:effectRef idx="0">
+              <a:schemeClr val="accent1"/>
+            </a:effectRef>
+            <a:fontRef idx="minor">
+              <a:schemeClr val="tx1"/>
+            </a:fontRef>
+          </p:style>
+          <p:txBody>
+            <a:bodyPr rtlCol="0" anchor="ctr"/>
+            <a:lstStyle/>
+            <a:p>
+              <a:pPr algn="ctr"/>
+              <a:endParaRPr lang="zh-CN" altLang="en-US" sz="1100" dirty="0">
+                <a:solidFill>
+                  <a:schemeClr val="bg2"/>
+                </a:solidFill>
+                <a:latin typeface="Times New Roman" panose="02020603050405020304" pitchFamily="18" charset="0"/>
+                <a:cs typeface="Times New Roman" panose="02020603050405020304" pitchFamily="18" charset="0"/>
+              </a:endParaRPr>
+            </a:p>
+          </p:txBody>
+        </p:sp>
+        <p:sp>
+          <p:nvSpPr>
+            <p:cNvPr id="24" name="文本框 23">
+              <a:extLst>
+                <a:ext uri="{FF2B5EF4-FFF2-40B4-BE49-F238E27FC236}">
+                  <a16:creationId xmlns:a16="http://schemas.microsoft.com/office/drawing/2014/main" id="{80D12B8E-1C47-A8FC-0723-30C357247DFE}"/>
+                </a:ext>
+              </a:extLst>
+            </p:cNvPr>
+            <p:cNvSpPr txBox="1"/>
+            <p:nvPr/>
+          </p:nvSpPr>
+          <p:spPr>
+            <a:xfrm>
+              <a:off x="7393414" y="1445902"/>
+              <a:ext cx="668285" cy="303234"/>
+            </a:xfrm>
+            <a:prstGeom prst="rect">
+              <a:avLst/>
+            </a:prstGeom>
+            <a:noFill/>
+          </p:spPr>
+          <p:txBody>
+            <a:bodyPr wrap="square" rtlCol="0">
+              <a:spAutoFit/>
+            </a:bodyPr>
+            <a:lstStyle/>
+            <a:p>
+              <a:r>
+                <a:rPr lang="en-US" altLang="zh-CN" sz="900" dirty="0">
+                  <a:solidFill>
+                    <a:schemeClr val="bg2">
+                      <a:lumMod val="50000"/>
+                    </a:schemeClr>
+                  </a:solidFill>
+                  <a:latin typeface="Times New Roman" panose="02020603050405020304" pitchFamily="18" charset="0"/>
+                  <a:cs typeface="Times New Roman" panose="02020603050405020304" pitchFamily="18" charset="0"/>
+                </a:rPr>
+                <a:t>Fold  1</a:t>
+              </a:r>
+              <a:endParaRPr lang="zh-CN" altLang="en-US" sz="900" dirty="0">
+                <a:solidFill>
+                  <a:schemeClr val="bg2">
+                    <a:lumMod val="50000"/>
+                  </a:schemeClr>
+                </a:solidFill>
+                <a:latin typeface="Times New Roman" panose="02020603050405020304" pitchFamily="18" charset="0"/>
+                <a:cs typeface="Times New Roman" panose="02020603050405020304" pitchFamily="18" charset="0"/>
+              </a:endParaRPr>
+            </a:p>
+          </p:txBody>
+        </p:sp>
+      </p:grpSp>
+      <p:grpSp>
+        <p:nvGrpSpPr>
+          <p:cNvPr id="32" name="组合 31">
+            <a:extLst>
+              <a:ext uri="{FF2B5EF4-FFF2-40B4-BE49-F238E27FC236}">
+                <a16:creationId xmlns:a16="http://schemas.microsoft.com/office/drawing/2014/main" id="{E1D0D330-A694-D9D0-AED1-558853F30D24}"/>
+              </a:ext>
+            </a:extLst>
+          </p:cNvPr>
+          <p:cNvGrpSpPr/>
+          <p:nvPr/>
+        </p:nvGrpSpPr>
+        <p:grpSpPr>
+          <a:xfrm>
+            <a:off x="6677504" y="2177460"/>
+            <a:ext cx="715910" cy="281190"/>
+            <a:chOff x="7345789" y="1445902"/>
+            <a:chExt cx="715910" cy="369387"/>
+          </a:xfrm>
+        </p:grpSpPr>
+        <p:sp>
+          <p:nvSpPr>
+            <p:cNvPr id="33" name="右大括号 32">
+              <a:extLst>
+                <a:ext uri="{FF2B5EF4-FFF2-40B4-BE49-F238E27FC236}">
+                  <a16:creationId xmlns:a16="http://schemas.microsoft.com/office/drawing/2014/main" id="{AE09DE82-BF48-FD8A-1AB1-E13CE659E802}"/>
+                </a:ext>
+              </a:extLst>
+            </p:cNvPr>
+            <p:cNvSpPr/>
+            <p:nvPr/>
+          </p:nvSpPr>
+          <p:spPr>
+            <a:xfrm rot="16200000">
+              <a:off x="7539336" y="1506665"/>
+              <a:ext cx="115077" cy="502171"/>
+            </a:xfrm>
+            <a:prstGeom prst="rightBrace">
+              <a:avLst>
+                <a:gd name="adj1" fmla="val 8333"/>
+                <a:gd name="adj2" fmla="val 48483"/>
+              </a:avLst>
+            </a:prstGeom>
+          </p:spPr>
+          <p:style>
+            <a:lnRef idx="1">
+              <a:schemeClr val="accent1"/>
+            </a:lnRef>
+            <a:fillRef idx="0">
+              <a:schemeClr val="accent1"/>
+            </a:fillRef>
+            <a:effectRef idx="0">
+              <a:schemeClr val="accent1"/>
+            </a:effectRef>
+            <a:fontRef idx="minor">
+              <a:schemeClr val="tx1"/>
+            </a:fontRef>
+          </p:style>
+          <p:txBody>
+            <a:bodyPr rtlCol="0" anchor="ctr"/>
+            <a:lstStyle/>
+            <a:p>
+              <a:pPr algn="ctr"/>
+              <a:endParaRPr lang="zh-CN" altLang="en-US" sz="1100" dirty="0">
+                <a:solidFill>
+                  <a:schemeClr val="bg2"/>
+                </a:solidFill>
+                <a:latin typeface="Times New Roman" panose="02020603050405020304" pitchFamily="18" charset="0"/>
+                <a:cs typeface="Times New Roman" panose="02020603050405020304" pitchFamily="18" charset="0"/>
+              </a:endParaRPr>
+            </a:p>
+          </p:txBody>
+        </p:sp>
+        <p:sp>
+          <p:nvSpPr>
+            <p:cNvPr id="34" name="文本框 33">
+              <a:extLst>
+                <a:ext uri="{FF2B5EF4-FFF2-40B4-BE49-F238E27FC236}">
+                  <a16:creationId xmlns:a16="http://schemas.microsoft.com/office/drawing/2014/main" id="{840603C8-6E92-5F0C-E7B6-EAE35F606A61}"/>
+                </a:ext>
+              </a:extLst>
+            </p:cNvPr>
+            <p:cNvSpPr txBox="1"/>
+            <p:nvPr/>
+          </p:nvSpPr>
+          <p:spPr>
+            <a:xfrm>
+              <a:off x="7393414" y="1445902"/>
+              <a:ext cx="668285" cy="303234"/>
+            </a:xfrm>
+            <a:prstGeom prst="rect">
+              <a:avLst/>
+            </a:prstGeom>
+            <a:noFill/>
+          </p:spPr>
+          <p:txBody>
+            <a:bodyPr wrap="square" rtlCol="0">
+              <a:spAutoFit/>
+            </a:bodyPr>
+            <a:lstStyle/>
+            <a:p>
+              <a:r>
+                <a:rPr lang="en-US" altLang="zh-CN" sz="900" dirty="0">
+                  <a:solidFill>
+                    <a:schemeClr val="bg2">
+                      <a:lumMod val="50000"/>
+                    </a:schemeClr>
+                  </a:solidFill>
+                  <a:latin typeface="Times New Roman" panose="02020603050405020304" pitchFamily="18" charset="0"/>
+                  <a:cs typeface="Times New Roman" panose="02020603050405020304" pitchFamily="18" charset="0"/>
+                </a:rPr>
+                <a:t>Fold 2</a:t>
+              </a:r>
+              <a:endParaRPr lang="zh-CN" altLang="en-US" sz="900" dirty="0">
+                <a:solidFill>
+                  <a:schemeClr val="bg2">
+                    <a:lumMod val="50000"/>
+                  </a:schemeClr>
+                </a:solidFill>
+                <a:latin typeface="Times New Roman" panose="02020603050405020304" pitchFamily="18" charset="0"/>
+                <a:cs typeface="Times New Roman" panose="02020603050405020304" pitchFamily="18" charset="0"/>
+              </a:endParaRPr>
+            </a:p>
+          </p:txBody>
+        </p:sp>
+      </p:grpSp>
+      <p:grpSp>
+        <p:nvGrpSpPr>
+          <p:cNvPr id="35" name="组合 34">
+            <a:extLst>
+              <a:ext uri="{FF2B5EF4-FFF2-40B4-BE49-F238E27FC236}">
+                <a16:creationId xmlns:a16="http://schemas.microsoft.com/office/drawing/2014/main" id="{26BF7FD6-E965-4F9F-488A-191D53BCD05C}"/>
+              </a:ext>
+            </a:extLst>
+          </p:cNvPr>
+          <p:cNvGrpSpPr/>
+          <p:nvPr/>
+        </p:nvGrpSpPr>
+        <p:grpSpPr>
+          <a:xfrm>
+            <a:off x="6003522" y="2814021"/>
+            <a:ext cx="715910" cy="281190"/>
+            <a:chOff x="7345789" y="1445902"/>
+            <a:chExt cx="715910" cy="369387"/>
+          </a:xfrm>
+        </p:grpSpPr>
+        <p:sp>
+          <p:nvSpPr>
+            <p:cNvPr id="36" name="右大括号 35">
+              <a:extLst>
+                <a:ext uri="{FF2B5EF4-FFF2-40B4-BE49-F238E27FC236}">
+                  <a16:creationId xmlns:a16="http://schemas.microsoft.com/office/drawing/2014/main" id="{7E49A5A5-0852-7354-922E-A39B5183F79F}"/>
+                </a:ext>
+              </a:extLst>
+            </p:cNvPr>
+            <p:cNvSpPr/>
+            <p:nvPr/>
+          </p:nvSpPr>
+          <p:spPr>
+            <a:xfrm rot="16200000">
+              <a:off x="7539336" y="1506665"/>
+              <a:ext cx="115077" cy="502171"/>
+            </a:xfrm>
+            <a:prstGeom prst="rightBrace">
+              <a:avLst>
+                <a:gd name="adj1" fmla="val 8333"/>
+                <a:gd name="adj2" fmla="val 48483"/>
+              </a:avLst>
+            </a:prstGeom>
+          </p:spPr>
+          <p:style>
+            <a:lnRef idx="1">
+              <a:schemeClr val="accent1"/>
+            </a:lnRef>
+            <a:fillRef idx="0">
+              <a:schemeClr val="accent1"/>
+            </a:fillRef>
+            <a:effectRef idx="0">
+              <a:schemeClr val="accent1"/>
+            </a:effectRef>
+            <a:fontRef idx="minor">
+              <a:schemeClr val="tx1"/>
+            </a:fontRef>
+          </p:style>
+          <p:txBody>
+            <a:bodyPr rtlCol="0" anchor="ctr"/>
+            <a:lstStyle/>
+            <a:p>
+              <a:pPr algn="ctr"/>
+              <a:endParaRPr lang="zh-CN" altLang="en-US" sz="1100" dirty="0">
+                <a:solidFill>
+                  <a:schemeClr val="bg2"/>
+                </a:solidFill>
+                <a:latin typeface="Times New Roman" panose="02020603050405020304" pitchFamily="18" charset="0"/>
+                <a:cs typeface="Times New Roman" panose="02020603050405020304" pitchFamily="18" charset="0"/>
+              </a:endParaRPr>
+            </a:p>
+          </p:txBody>
+        </p:sp>
+        <p:sp>
+          <p:nvSpPr>
+            <p:cNvPr id="37" name="文本框 36">
+              <a:extLst>
+                <a:ext uri="{FF2B5EF4-FFF2-40B4-BE49-F238E27FC236}">
+                  <a16:creationId xmlns:a16="http://schemas.microsoft.com/office/drawing/2014/main" id="{BB2DF0A1-C335-D18E-D39E-F5E473B4D9E7}"/>
+                </a:ext>
+              </a:extLst>
+            </p:cNvPr>
+            <p:cNvSpPr txBox="1"/>
+            <p:nvPr/>
+          </p:nvSpPr>
+          <p:spPr>
+            <a:xfrm>
+              <a:off x="7393414" y="1445902"/>
+              <a:ext cx="668285" cy="303234"/>
+            </a:xfrm>
+            <a:prstGeom prst="rect">
+              <a:avLst/>
+            </a:prstGeom>
+            <a:noFill/>
+          </p:spPr>
+          <p:txBody>
+            <a:bodyPr wrap="square" rtlCol="0">
+              <a:spAutoFit/>
+            </a:bodyPr>
+            <a:lstStyle/>
+            <a:p>
+              <a:r>
+                <a:rPr lang="en-US" altLang="zh-CN" sz="900" dirty="0">
+                  <a:solidFill>
+                    <a:schemeClr val="bg2">
+                      <a:lumMod val="50000"/>
+                    </a:schemeClr>
+                  </a:solidFill>
+                  <a:latin typeface="Times New Roman" panose="02020603050405020304" pitchFamily="18" charset="0"/>
+                  <a:cs typeface="Times New Roman" panose="02020603050405020304" pitchFamily="18" charset="0"/>
+                </a:rPr>
+                <a:t>Fold 3</a:t>
+              </a:r>
+              <a:endParaRPr lang="zh-CN" altLang="en-US" sz="900" dirty="0">
+                <a:solidFill>
+                  <a:schemeClr val="bg2">
+                    <a:lumMod val="50000"/>
+                  </a:schemeClr>
+                </a:solidFill>
+                <a:latin typeface="Times New Roman" panose="02020603050405020304" pitchFamily="18" charset="0"/>
+                <a:cs typeface="Times New Roman" panose="02020603050405020304" pitchFamily="18" charset="0"/>
+              </a:endParaRPr>
+            </a:p>
+          </p:txBody>
+        </p:sp>
+      </p:grpSp>
+      <p:grpSp>
+        <p:nvGrpSpPr>
+          <p:cNvPr id="40" name="组合 39">
+            <a:extLst>
+              <a:ext uri="{FF2B5EF4-FFF2-40B4-BE49-F238E27FC236}">
+                <a16:creationId xmlns:a16="http://schemas.microsoft.com/office/drawing/2014/main" id="{078A21A2-A43F-9D09-B693-DAEAC14310DF}"/>
+              </a:ext>
+            </a:extLst>
+          </p:cNvPr>
+          <p:cNvGrpSpPr/>
+          <p:nvPr/>
+        </p:nvGrpSpPr>
+        <p:grpSpPr>
+          <a:xfrm>
+            <a:off x="3572742" y="3601951"/>
+            <a:ext cx="715910" cy="281190"/>
+            <a:chOff x="7345789" y="1445902"/>
+            <a:chExt cx="715910" cy="369387"/>
+          </a:xfrm>
+        </p:grpSpPr>
+        <p:sp>
+          <p:nvSpPr>
+            <p:cNvPr id="41" name="右大括号 40">
+              <a:extLst>
+                <a:ext uri="{FF2B5EF4-FFF2-40B4-BE49-F238E27FC236}">
+                  <a16:creationId xmlns:a16="http://schemas.microsoft.com/office/drawing/2014/main" id="{C51EDDE2-E264-09D1-C0FF-894828B6AC94}"/>
+                </a:ext>
+              </a:extLst>
+            </p:cNvPr>
+            <p:cNvSpPr/>
+            <p:nvPr/>
+          </p:nvSpPr>
+          <p:spPr>
+            <a:xfrm rot="16200000">
+              <a:off x="7539336" y="1506665"/>
+              <a:ext cx="115077" cy="502171"/>
+            </a:xfrm>
+            <a:prstGeom prst="rightBrace">
+              <a:avLst>
+                <a:gd name="adj1" fmla="val 8333"/>
+                <a:gd name="adj2" fmla="val 48483"/>
+              </a:avLst>
+            </a:prstGeom>
+          </p:spPr>
+          <p:style>
+            <a:lnRef idx="1">
+              <a:schemeClr val="accent1"/>
+            </a:lnRef>
+            <a:fillRef idx="0">
+              <a:schemeClr val="accent1"/>
+            </a:fillRef>
+            <a:effectRef idx="0">
+              <a:schemeClr val="accent1"/>
+            </a:effectRef>
+            <a:fontRef idx="minor">
+              <a:schemeClr val="tx1"/>
+            </a:fontRef>
+          </p:style>
+          <p:txBody>
+            <a:bodyPr rtlCol="0" anchor="ctr"/>
+            <a:lstStyle/>
+            <a:p>
+              <a:pPr algn="ctr"/>
+              <a:endParaRPr lang="zh-CN" altLang="en-US" sz="1100" dirty="0">
+                <a:solidFill>
+                  <a:schemeClr val="bg2"/>
+                </a:solidFill>
+                <a:latin typeface="Times New Roman" panose="02020603050405020304" pitchFamily="18" charset="0"/>
+                <a:cs typeface="Times New Roman" panose="02020603050405020304" pitchFamily="18" charset="0"/>
+              </a:endParaRPr>
+            </a:p>
+          </p:txBody>
+        </p:sp>
+        <p:sp>
+          <p:nvSpPr>
+            <p:cNvPr id="42" name="文本框 41">
+              <a:extLst>
+                <a:ext uri="{FF2B5EF4-FFF2-40B4-BE49-F238E27FC236}">
+                  <a16:creationId xmlns:a16="http://schemas.microsoft.com/office/drawing/2014/main" id="{C69C5F38-30C6-89F7-3D05-8E74C3BBD0C5}"/>
+                </a:ext>
+              </a:extLst>
+            </p:cNvPr>
+            <p:cNvSpPr txBox="1"/>
+            <p:nvPr/>
+          </p:nvSpPr>
+          <p:spPr>
+            <a:xfrm>
+              <a:off x="7393414" y="1445902"/>
+              <a:ext cx="668285" cy="303234"/>
+            </a:xfrm>
+            <a:prstGeom prst="rect">
+              <a:avLst/>
+            </a:prstGeom>
+            <a:noFill/>
+          </p:spPr>
+          <p:txBody>
+            <a:bodyPr wrap="square" rtlCol="0">
+              <a:spAutoFit/>
+            </a:bodyPr>
+            <a:lstStyle/>
+            <a:p>
+              <a:r>
+                <a:rPr lang="en-US" altLang="zh-CN" sz="900" dirty="0">
+                  <a:solidFill>
+                    <a:schemeClr val="bg2">
+                      <a:lumMod val="50000"/>
+                    </a:schemeClr>
+                  </a:solidFill>
+                  <a:latin typeface="Times New Roman" panose="02020603050405020304" pitchFamily="18" charset="0"/>
+                  <a:cs typeface="Times New Roman" panose="02020603050405020304" pitchFamily="18" charset="0"/>
+                </a:rPr>
+                <a:t>Fold N</a:t>
+              </a:r>
+              <a:endParaRPr lang="zh-CN" altLang="en-US" sz="900" dirty="0">
+                <a:solidFill>
+                  <a:schemeClr val="bg2">
+                    <a:lumMod val="50000"/>
+                  </a:schemeClr>
+                </a:solidFill>
+                <a:latin typeface="Times New Roman" panose="02020603050405020304" pitchFamily="18" charset="0"/>
+                <a:cs typeface="Times New Roman" panose="02020603050405020304" pitchFamily="18" charset="0"/>
+              </a:endParaRPr>
+            </a:p>
+          </p:txBody>
+        </p:sp>
+      </p:grpSp>
+      <p:sp>
+        <p:nvSpPr>
+          <p:cNvPr id="43" name="矩形: 圆角 42">
+            <a:extLst>
+              <a:ext uri="{FF2B5EF4-FFF2-40B4-BE49-F238E27FC236}">
+                <a16:creationId xmlns:a16="http://schemas.microsoft.com/office/drawing/2014/main" id="{A50A75AD-3273-0E42-262B-DD464B428C0E}"/>
+              </a:ext>
+            </a:extLst>
+          </p:cNvPr>
+          <p:cNvSpPr/>
+          <p:nvPr/>
+        </p:nvSpPr>
+        <p:spPr>
+          <a:xfrm>
+            <a:off x="4173978" y="3795540"/>
+            <a:ext cx="3844046" cy="744710"/>
+          </a:xfrm>
+          <a:prstGeom prst="roundRect">
+            <a:avLst/>
+          </a:prstGeom>
+          <a:noFill/>
+          <a:ln>
+            <a:prstDash val="dash"/>
+          </a:ln>
+        </p:spPr>
+        <p:style>
+          <a:lnRef idx="2">
+            <a:schemeClr val="accent1">
+              <a:shade val="50000"/>
+            </a:schemeClr>
+          </a:lnRef>
+          <a:fillRef idx="1">
+            <a:schemeClr val="accent1"/>
+          </a:fillRef>
+          <a:effectRef idx="0">
+            <a:schemeClr val="accent1"/>
+          </a:effectRef>
+          <a:fontRef idx="minor">
+            <a:schemeClr val="lt1"/>
+          </a:fontRef>
+        </p:style>
+        <p:txBody>
+          <a:bodyPr rtlCol="0" anchor="ctr"/>
+          <a:lstStyle/>
+          <a:p>
+            <a:pPr algn="ctr"/>
+            <a:endParaRPr lang="zh-CN" altLang="en-US"/>
+          </a:p>
+        </p:txBody>
+      </p:sp>
+      <p:sp>
+        <p:nvSpPr>
+          <p:cNvPr id="44" name="右大括号 43">
+            <a:extLst>
+              <a:ext uri="{FF2B5EF4-FFF2-40B4-BE49-F238E27FC236}">
+                <a16:creationId xmlns:a16="http://schemas.microsoft.com/office/drawing/2014/main" id="{434CEDC6-E5FF-327A-AEB6-2B852BA35173}"/>
+              </a:ext>
+            </a:extLst>
+          </p:cNvPr>
+          <p:cNvSpPr/>
+          <p:nvPr/>
+        </p:nvSpPr>
+        <p:spPr>
+          <a:xfrm>
+            <a:off x="8061699" y="1936750"/>
+            <a:ext cx="238487" cy="2203450"/>
+          </a:xfrm>
+          <a:prstGeom prst="rightBrace">
+            <a:avLst>
+              <a:gd name="adj1" fmla="val 8333"/>
+              <a:gd name="adj2" fmla="val 51441"/>
+            </a:avLst>
+          </a:prstGeom>
+        </p:spPr>
+        <p:style>
+          <a:lnRef idx="1">
+            <a:schemeClr val="accent1"/>
+          </a:lnRef>
+          <a:fillRef idx="0">
+            <a:schemeClr val="accent1"/>
+          </a:fillRef>
+          <a:effectRef idx="0">
+            <a:schemeClr val="accent1"/>
+          </a:effectRef>
+          <a:fontRef idx="minor">
+            <a:schemeClr val="tx1"/>
+          </a:fontRef>
+        </p:style>
+        <p:txBody>
+          <a:bodyPr rtlCol="0" anchor="ctr"/>
+          <a:lstStyle/>
+          <a:p>
+            <a:pPr algn="ctr"/>
+            <a:endParaRPr lang="zh-CN" altLang="en-US"/>
+          </a:p>
+        </p:txBody>
+      </p:sp>
+      <p:sp>
+        <p:nvSpPr>
+          <p:cNvPr id="48" name="文本框 47">
+            <a:extLst>
+              <a:ext uri="{FF2B5EF4-FFF2-40B4-BE49-F238E27FC236}">
+                <a16:creationId xmlns:a16="http://schemas.microsoft.com/office/drawing/2014/main" id="{B0E83AD4-5FFC-37C2-6930-B22D8AB42927}"/>
+              </a:ext>
+            </a:extLst>
+          </p:cNvPr>
+          <p:cNvSpPr txBox="1"/>
+          <p:nvPr/>
+        </p:nvSpPr>
+        <p:spPr>
+          <a:xfrm>
+            <a:off x="5863970" y="4299994"/>
+            <a:ext cx="936880" cy="276999"/>
+          </a:xfrm>
+          <a:prstGeom prst="rect">
+            <a:avLst/>
+          </a:prstGeom>
+          <a:noFill/>
+        </p:spPr>
+        <p:txBody>
+          <a:bodyPr wrap="square" rtlCol="0">
+            <a:spAutoFit/>
+          </a:bodyPr>
+          <a:lstStyle/>
+          <a:p>
+            <a:r>
+              <a:rPr lang="en-US" altLang="zh-CN" sz="1200" dirty="0">
+                <a:solidFill>
+                  <a:schemeClr val="tx1">
+                    <a:lumMod val="65000"/>
+                    <a:lumOff val="35000"/>
+                  </a:schemeClr>
+                </a:solidFill>
+              </a:rPr>
+              <a:t>N-1</a:t>
+            </a:r>
+            <a:r>
+              <a:rPr lang="zh-CN" altLang="en-US" sz="1200" dirty="0">
+                <a:solidFill>
+                  <a:schemeClr val="tx1">
+                    <a:lumMod val="65000"/>
+                    <a:lumOff val="35000"/>
+                  </a:schemeClr>
+                </a:solidFill>
+              </a:rPr>
+              <a:t>个</a:t>
+            </a:r>
+            <a:r>
+              <a:rPr lang="en-US" altLang="zh-CN" sz="1200" dirty="0">
+                <a:solidFill>
+                  <a:schemeClr val="tx1">
+                    <a:lumMod val="65000"/>
+                    <a:lumOff val="35000"/>
+                  </a:schemeClr>
+                </a:solidFill>
+              </a:rPr>
+              <a:t>Fold </a:t>
+            </a:r>
+            <a:endParaRPr lang="zh-CN" altLang="en-US" sz="1200" dirty="0">
+              <a:solidFill>
+                <a:schemeClr val="tx1">
+                  <a:lumMod val="65000"/>
+                  <a:lumOff val="35000"/>
+                </a:schemeClr>
+              </a:solidFill>
+            </a:endParaRPr>
+          </a:p>
+        </p:txBody>
+      </p:sp>
+      <p:sp>
+        <p:nvSpPr>
+          <p:cNvPr id="47" name="文本框 46">
+            <a:extLst>
+              <a:ext uri="{FF2B5EF4-FFF2-40B4-BE49-F238E27FC236}">
+                <a16:creationId xmlns:a16="http://schemas.microsoft.com/office/drawing/2014/main" id="{95F2FAEF-AA33-3DB8-1E62-98A6E7B9ADE2}"/>
+              </a:ext>
+            </a:extLst>
+          </p:cNvPr>
+          <p:cNvSpPr txBox="1"/>
+          <p:nvPr/>
+        </p:nvSpPr>
+        <p:spPr>
+          <a:xfrm>
+            <a:off x="5926163" y="1322283"/>
+            <a:ext cx="2209800" cy="307777"/>
+          </a:xfrm>
+          <a:prstGeom prst="rect">
+            <a:avLst/>
+          </a:prstGeom>
+          <a:noFill/>
+        </p:spPr>
+        <p:txBody>
+          <a:bodyPr wrap="square" rtlCol="0">
+            <a:spAutoFit/>
+          </a:bodyPr>
+          <a:lstStyle/>
+          <a:p>
+            <a:r>
+              <a:rPr lang="zh-CN" altLang="en-US" sz="1400" dirty="0"/>
+              <a:t>数据划分为</a:t>
+            </a:r>
+            <a:r>
+              <a:rPr lang="en-US" altLang="zh-CN" sz="1400" dirty="0"/>
+              <a:t>N</a:t>
+            </a:r>
+            <a:r>
+              <a:rPr lang="zh-CN" altLang="en-US" sz="1400" dirty="0"/>
+              <a:t>个</a:t>
+            </a:r>
+            <a:r>
+              <a:rPr lang="en-US" altLang="zh-CN" sz="1400" dirty="0"/>
+              <a:t>Fold </a:t>
+            </a:r>
+            <a:endParaRPr lang="zh-CN" altLang="en-US" sz="1400" dirty="0"/>
+          </a:p>
+        </p:txBody>
+      </p:sp>
+      <p:sp>
+        <p:nvSpPr>
+          <p:cNvPr id="49" name="文本框 48">
+            <a:extLst>
+              <a:ext uri="{FF2B5EF4-FFF2-40B4-BE49-F238E27FC236}">
+                <a16:creationId xmlns:a16="http://schemas.microsoft.com/office/drawing/2014/main" id="{9479848F-09D6-20A1-642C-55D5F0582988}"/>
+              </a:ext>
+            </a:extLst>
+          </p:cNvPr>
+          <p:cNvSpPr txBox="1"/>
+          <p:nvPr/>
+        </p:nvSpPr>
+        <p:spPr>
+          <a:xfrm>
+            <a:off x="8300186" y="2458650"/>
+            <a:ext cx="461665" cy="1681108"/>
+          </a:xfrm>
+          <a:prstGeom prst="rect">
+            <a:avLst/>
+          </a:prstGeom>
+          <a:noFill/>
+        </p:spPr>
+        <p:txBody>
+          <a:bodyPr vert="eaVert" wrap="square" rtlCol="0">
+            <a:spAutoFit/>
+          </a:bodyPr>
+          <a:lstStyle/>
+          <a:p>
+            <a:r>
+              <a:rPr lang="zh-CN" altLang="en-US" sz="1800" dirty="0">
+                <a:solidFill>
+                  <a:schemeClr val="tx1">
+                    <a:lumMod val="75000"/>
+                    <a:lumOff val="25000"/>
+                  </a:schemeClr>
+                </a:solidFill>
+              </a:rPr>
+              <a:t>进行</a:t>
+            </a:r>
+            <a:r>
+              <a:rPr lang="en-US" altLang="zh-CN" sz="1800" dirty="0">
+                <a:solidFill>
+                  <a:schemeClr val="tx1">
+                    <a:lumMod val="75000"/>
+                    <a:lumOff val="25000"/>
+                  </a:schemeClr>
+                </a:solidFill>
+              </a:rPr>
+              <a:t>K</a:t>
+            </a:r>
+            <a:r>
+              <a:rPr lang="zh-CN" altLang="en-US" sz="1800" dirty="0">
+                <a:solidFill>
+                  <a:schemeClr val="tx1">
+                    <a:lumMod val="75000"/>
+                    <a:lumOff val="25000"/>
+                  </a:schemeClr>
+                </a:solidFill>
+              </a:rPr>
+              <a:t>次训练</a:t>
+            </a:r>
+          </a:p>
+        </p:txBody>
+      </p:sp>
     </p:spTree>
     <p:custDataLst>
       <p:tags r:id="rId1"/>
@@ -3077,8 +8078,72 @@
 </p:sld>
 </file>
 
+<file path=ppt/slides/slide2.xml><?xml version="1.0" encoding="utf-8"?>
+<p:sld xmlns:a="http://schemas.openxmlformats.org/drawingml/2006/main" xmlns:r="http://schemas.openxmlformats.org/officeDocument/2006/relationships" xmlns:p="http://schemas.openxmlformats.org/presentationml/2006/main">
+  <p:cSld>
+    <p:spTree>
+      <p:nvGrpSpPr>
+        <p:cNvPr id="1" name=""/>
+        <p:cNvGrpSpPr/>
+        <p:nvPr/>
+      </p:nvGrpSpPr>
+      <p:grpSpPr>
+        <a:xfrm>
+          <a:off x="0" y="0"/>
+          <a:ext cx="0" cy="0"/>
+          <a:chOff x="0" y="0"/>
+          <a:chExt cx="0" cy="0"/>
+        </a:xfrm>
+      </p:grpSpPr>
+      <p:graphicFrame>
+        <p:nvGraphicFramePr>
+          <p:cNvPr id="8" name="图示 7">
+            <a:extLst>
+              <a:ext uri="{FF2B5EF4-FFF2-40B4-BE49-F238E27FC236}">
+                <a16:creationId xmlns:a16="http://schemas.microsoft.com/office/drawing/2014/main" id="{ED8EF88E-2CC9-E261-B5A4-A300855EF084}"/>
+              </a:ext>
+            </a:extLst>
+          </p:cNvPr>
+          <p:cNvGraphicFramePr/>
+          <p:nvPr>
+            <p:extLst>
+              <p:ext uri="{D42A27DB-BD31-4B8C-83A1-F6EECF244321}">
+                <p14:modId xmlns:p14="http://schemas.microsoft.com/office/powerpoint/2010/main" val="1271224256"/>
+              </p:ext>
+            </p:extLst>
+          </p:nvPr>
+        </p:nvGraphicFramePr>
+        <p:xfrm>
+          <a:off x="950997" y="838200"/>
+          <a:ext cx="5411703" cy="716280"/>
+        </p:xfrm>
+        <a:graphic>
+          <a:graphicData uri="http://schemas.openxmlformats.org/drawingml/2006/diagram">
+            <dgm:relIds xmlns:dgm="http://schemas.openxmlformats.org/drawingml/2006/diagram" xmlns:r="http://schemas.openxmlformats.org/officeDocument/2006/relationships" r:dm="rId2" r:lo="rId3" r:qs="rId4" r:cs="rId5"/>
+          </a:graphicData>
+        </a:graphic>
+      </p:graphicFrame>
+    </p:spTree>
+    <p:extLst>
+      <p:ext uri="{BB962C8B-B14F-4D97-AF65-F5344CB8AC3E}">
+        <p14:creationId xmlns:p14="http://schemas.microsoft.com/office/powerpoint/2010/main" val="1229702957"/>
+      </p:ext>
+    </p:extLst>
+  </p:cSld>
+  <p:clrMapOvr>
+    <a:masterClrMapping/>
+  </p:clrMapOvr>
+</p:sld>
+</file>
+
 <file path=ppt/tags/tag1.xml><?xml version="1.0" encoding="utf-8"?>
-<p:tagLst xmlns:p="http://schemas.openxmlformats.org/presentationml/2006/main">
+<p:tagLst xmlns:a="http://schemas.openxmlformats.org/drawingml/2006/main" xmlns:r="http://schemas.openxmlformats.org/officeDocument/2006/relationships" xmlns:p="http://schemas.openxmlformats.org/presentationml/2006/main">
+  <p:tag name="COMMONDATA" val="eyJoZGlkIjoiMWUwM2M0YTEyMWNkODhlODVmNGRhNDg3YjM2NWI0MjIifQ=="/>
+</p:tagLst>
+</file>
+
+<file path=ppt/tags/tag10.xml><?xml version="1.0" encoding="utf-8"?>
+<p:tagLst xmlns:a="http://schemas.openxmlformats.org/drawingml/2006/main" xmlns:r="http://schemas.openxmlformats.org/officeDocument/2006/relationships" xmlns:p="http://schemas.openxmlformats.org/presentationml/2006/main">
   <p:tag name="KSO_WM_UNIT_HIGHLIGHT" val="0"/>
   <p:tag name="KSO_WM_UNIT_COMPATIBLE" val="0"/>
   <p:tag name="KSO_WM_UNIT_DIAGRAM_ISNUMVISUAL" val="0"/>
@@ -3090,8 +8155,34 @@
 </p:tagLst>
 </file>
 
-<file path=ppt/tags/tag10.xml><?xml version="1.0" encoding="utf-8"?>
-<p:tagLst xmlns:p="http://schemas.openxmlformats.org/presentationml/2006/main">
+<file path=ppt/tags/tag11.xml><?xml version="1.0" encoding="utf-8"?>
+<p:tagLst xmlns:a="http://schemas.openxmlformats.org/drawingml/2006/main" xmlns:r="http://schemas.openxmlformats.org/officeDocument/2006/relationships" xmlns:p="http://schemas.openxmlformats.org/presentationml/2006/main">
+  <p:tag name="KSO_WM_UNIT_HIGHLIGHT" val="0"/>
+  <p:tag name="KSO_WM_UNIT_COMPATIBLE" val="0"/>
+  <p:tag name="KSO_WM_UNIT_DIAGRAM_ISNUMVISUAL" val="0"/>
+  <p:tag name="KSO_WM_UNIT_DIAGRAM_ISREFERUNIT" val="0"/>
+  <p:tag name="KSO_WM_UNIT_ID" val="_1**"/>
+  <p:tag name="KSO_WM_UNIT_LAYERLEVEL" val="1"/>
+  <p:tag name="KSO_WM_TAG_VERSION" val="1.0"/>
+  <p:tag name="KSO_WM_BEAUTIFY_FLAG" val="#wm#"/>
+</p:tagLst>
+</file>
+
+<file path=ppt/tags/tag12.xml><?xml version="1.0" encoding="utf-8"?>
+<p:tagLst xmlns:a="http://schemas.openxmlformats.org/drawingml/2006/main" xmlns:r="http://schemas.openxmlformats.org/officeDocument/2006/relationships" xmlns:p="http://schemas.openxmlformats.org/presentationml/2006/main">
+  <p:tag name="KSO_WM_UNIT_HIGHLIGHT" val="0"/>
+  <p:tag name="KSO_WM_UNIT_COMPATIBLE" val="0"/>
+  <p:tag name="KSO_WM_UNIT_DIAGRAM_ISNUMVISUAL" val="0"/>
+  <p:tag name="KSO_WM_UNIT_DIAGRAM_ISREFERUNIT" val="0"/>
+  <p:tag name="KSO_WM_UNIT_ID" val="_1**"/>
+  <p:tag name="KSO_WM_UNIT_LAYERLEVEL" val="1"/>
+  <p:tag name="KSO_WM_TAG_VERSION" val="1.0"/>
+  <p:tag name="KSO_WM_BEAUTIFY_FLAG" val="#wm#"/>
+</p:tagLst>
+</file>
+
+<file path=ppt/tags/tag13.xml><?xml version="1.0" encoding="utf-8"?>
+<p:tagLst xmlns:a="http://schemas.openxmlformats.org/drawingml/2006/main" xmlns:r="http://schemas.openxmlformats.org/officeDocument/2006/relationships" xmlns:p="http://schemas.openxmlformats.org/presentationml/2006/main">
   <p:tag name="KSO_WM_UNIT_HIGHLIGHT" val="0"/>
   <p:tag name="KSO_WM_UNIT_COMPATIBLE" val="0"/>
   <p:tag name="KSO_WM_UNIT_DIAGRAM_ISNUMVISUAL" val="0"/>
@@ -3103,8 +8194,60 @@
 </p:tagLst>
 </file>
 
-<file path=ppt/tags/tag11.xml><?xml version="1.0" encoding="utf-8"?>
-<p:tagLst xmlns:p="http://schemas.openxmlformats.org/presentationml/2006/main">
+<file path=ppt/tags/tag14.xml><?xml version="1.0" encoding="utf-8"?>
+<p:tagLst xmlns:a="http://schemas.openxmlformats.org/drawingml/2006/main" xmlns:r="http://schemas.openxmlformats.org/officeDocument/2006/relationships" xmlns:p="http://schemas.openxmlformats.org/presentationml/2006/main">
+  <p:tag name="KSO_WM_UNIT_HIGHLIGHT" val="0"/>
+  <p:tag name="KSO_WM_UNIT_COMPATIBLE" val="0"/>
+  <p:tag name="KSO_WM_UNIT_DIAGRAM_ISNUMVISUAL" val="0"/>
+  <p:tag name="KSO_WM_UNIT_DIAGRAM_ISREFERUNIT" val="0"/>
+  <p:tag name="KSO_WM_UNIT_ID" val="_2**"/>
+  <p:tag name="KSO_WM_UNIT_LAYERLEVEL" val="1"/>
+  <p:tag name="KSO_WM_TAG_VERSION" val="1.0"/>
+  <p:tag name="KSO_WM_BEAUTIFY_FLAG" val="#wm#"/>
+</p:tagLst>
+</file>
+
+<file path=ppt/tags/tag15.xml><?xml version="1.0" encoding="utf-8"?>
+<p:tagLst xmlns:a="http://schemas.openxmlformats.org/drawingml/2006/main" xmlns:r="http://schemas.openxmlformats.org/officeDocument/2006/relationships" xmlns:p="http://schemas.openxmlformats.org/presentationml/2006/main">
+  <p:tag name="KSO_WM_UNIT_HIGHLIGHT" val="0"/>
+  <p:tag name="KSO_WM_UNIT_COMPATIBLE" val="0"/>
+  <p:tag name="KSO_WM_UNIT_DIAGRAM_ISNUMVISUAL" val="0"/>
+  <p:tag name="KSO_WM_UNIT_DIAGRAM_ISREFERUNIT" val="0"/>
+  <p:tag name="KSO_WM_UNIT_ID" val="_2**"/>
+  <p:tag name="KSO_WM_UNIT_LAYERLEVEL" val="1"/>
+  <p:tag name="KSO_WM_TAG_VERSION" val="1.0"/>
+  <p:tag name="KSO_WM_BEAUTIFY_FLAG" val="#wm#"/>
+</p:tagLst>
+</file>
+
+<file path=ppt/tags/tag16.xml><?xml version="1.0" encoding="utf-8"?>
+<p:tagLst xmlns:a="http://schemas.openxmlformats.org/drawingml/2006/main" xmlns:r="http://schemas.openxmlformats.org/officeDocument/2006/relationships" xmlns:p="http://schemas.openxmlformats.org/presentationml/2006/main">
+  <p:tag name="KSO_WM_UNIT_HIGHLIGHT" val="0"/>
+  <p:tag name="KSO_WM_UNIT_COMPATIBLE" val="0"/>
+  <p:tag name="KSO_WM_UNIT_DIAGRAM_ISNUMVISUAL" val="0"/>
+  <p:tag name="KSO_WM_UNIT_DIAGRAM_ISREFERUNIT" val="0"/>
+  <p:tag name="KSO_WM_UNIT_ID" val="_2**"/>
+  <p:tag name="KSO_WM_UNIT_LAYERLEVEL" val="1"/>
+  <p:tag name="KSO_WM_TAG_VERSION" val="1.0"/>
+  <p:tag name="KSO_WM_BEAUTIFY_FLAG" val="#wm#"/>
+</p:tagLst>
+</file>
+
+<file path=ppt/tags/tag17.xml><?xml version="1.0" encoding="utf-8"?>
+<p:tagLst xmlns:a="http://schemas.openxmlformats.org/drawingml/2006/main" xmlns:r="http://schemas.openxmlformats.org/officeDocument/2006/relationships" xmlns:p="http://schemas.openxmlformats.org/presentationml/2006/main">
+  <p:tag name="KSO_WM_UNIT_HIGHLIGHT" val="0"/>
+  <p:tag name="KSO_WM_UNIT_COMPATIBLE" val="0"/>
+  <p:tag name="KSO_WM_UNIT_DIAGRAM_ISNUMVISUAL" val="0"/>
+  <p:tag name="KSO_WM_UNIT_DIAGRAM_ISREFERUNIT" val="0"/>
+  <p:tag name="KSO_WM_UNIT_ID" val="_2**"/>
+  <p:tag name="KSO_WM_UNIT_LAYERLEVEL" val="1"/>
+  <p:tag name="KSO_WM_TAG_VERSION" val="1.0"/>
+  <p:tag name="KSO_WM_BEAUTIFY_FLAG" val="#wm#"/>
+</p:tagLst>
+</file>
+
+<file path=ppt/tags/tag18.xml><?xml version="1.0" encoding="utf-8"?>
+<p:tagLst xmlns:a="http://schemas.openxmlformats.org/drawingml/2006/main" xmlns:r="http://schemas.openxmlformats.org/officeDocument/2006/relationships" xmlns:p="http://schemas.openxmlformats.org/presentationml/2006/main">
   <p:tag name="KSO_WM_UNIT_HIGHLIGHT" val="0"/>
   <p:tag name="KSO_WM_UNIT_COMPATIBLE" val="0"/>
   <p:tag name="KSO_WM_UNIT_DIAGRAM_ISNUMVISUAL" val="0"/>
@@ -3116,8 +8259,8 @@
 </p:tagLst>
 </file>
 
-<file path=ppt/tags/tag12.xml><?xml version="1.0" encoding="utf-8"?>
-<p:tagLst xmlns:p="http://schemas.openxmlformats.org/presentationml/2006/main">
+<file path=ppt/tags/tag19.xml><?xml version="1.0" encoding="utf-8"?>
+<p:tagLst xmlns:a="http://schemas.openxmlformats.org/drawingml/2006/main" xmlns:r="http://schemas.openxmlformats.org/officeDocument/2006/relationships" xmlns:p="http://schemas.openxmlformats.org/presentationml/2006/main">
   <p:tag name="KSO_WM_UNIT_HIGHLIGHT" val="0"/>
   <p:tag name="KSO_WM_UNIT_COMPATIBLE" val="0"/>
   <p:tag name="KSO_WM_UNIT_DIAGRAM_ISNUMVISUAL" val="0"/>
@@ -3129,8 +8272,22 @@
 </p:tagLst>
 </file>
 
-<file path=ppt/tags/tag13.xml><?xml version="1.0" encoding="utf-8"?>
-<p:tagLst xmlns:p="http://schemas.openxmlformats.org/presentationml/2006/main">
+<file path=ppt/tags/tag2.xml><?xml version="1.0" encoding="utf-8"?>
+<p:tagLst xmlns:a="http://schemas.openxmlformats.org/drawingml/2006/main" xmlns:r="http://schemas.openxmlformats.org/officeDocument/2006/relationships" xmlns:p="http://schemas.openxmlformats.org/presentationml/2006/main">
+  <p:tag name="KSO_WM_TEMPLATE_THUMBS_INDEX" val="1、4、7、12、13、14、15、16、17、18、20、24、25、28、33、36、40、43、44"/>
+  <p:tag name="KSO_WM_TEMPLATE_SUBCATEGORY" val="19"/>
+  <p:tag name="KSO_WM_TAG_VERSION" val="1.0"/>
+  <p:tag name="KSO_WM_BEAUTIFY_FLAG" val="#wm#"/>
+  <p:tag name="KSO_WM_TEMPLATE_CATEGORY" val="custom"/>
+  <p:tag name="KSO_WM_TEMPLATE_INDEX" val="20205081"/>
+  <p:tag name="KSO_WM_TEMPLATE_MASTER_TYPE" val="0"/>
+  <p:tag name="KSO_WM_TEMPLATE_COLOR_TYPE" val="1"/>
+  <p:tag name="KSO_WM_UNIT_SHOW_EDIT_AREA_INDICATION" val="1"/>
+</p:tagLst>
+</file>
+
+<file path=ppt/tags/tag20.xml><?xml version="1.0" encoding="utf-8"?>
+<p:tagLst xmlns:a="http://schemas.openxmlformats.org/drawingml/2006/main" xmlns:r="http://schemas.openxmlformats.org/officeDocument/2006/relationships" xmlns:p="http://schemas.openxmlformats.org/presentationml/2006/main">
   <p:tag name="KSO_WM_UNIT_HIGHLIGHT" val="0"/>
   <p:tag name="KSO_WM_UNIT_COMPATIBLE" val="0"/>
   <p:tag name="KSO_WM_UNIT_DIAGRAM_ISNUMVISUAL" val="0"/>
@@ -3142,8 +8299,8 @@
 </p:tagLst>
 </file>
 
-<file path=ppt/tags/tag14.xml><?xml version="1.0" encoding="utf-8"?>
-<p:tagLst xmlns:p="http://schemas.openxmlformats.org/presentationml/2006/main">
+<file path=ppt/tags/tag21.xml><?xml version="1.0" encoding="utf-8"?>
+<p:tagLst xmlns:a="http://schemas.openxmlformats.org/drawingml/2006/main" xmlns:r="http://schemas.openxmlformats.org/officeDocument/2006/relationships" xmlns:p="http://schemas.openxmlformats.org/presentationml/2006/main">
   <p:tag name="KSO_WM_UNIT_HIGHLIGHT" val="0"/>
   <p:tag name="KSO_WM_UNIT_COMPATIBLE" val="0"/>
   <p:tag name="KSO_WM_UNIT_DIAGRAM_ISNUMVISUAL" val="0"/>
@@ -3155,8 +8312,8 @@
 </p:tagLst>
 </file>
 
-<file path=ppt/tags/tag15.xml><?xml version="1.0" encoding="utf-8"?>
-<p:tagLst xmlns:p="http://schemas.openxmlformats.org/presentationml/2006/main">
+<file path=ppt/tags/tag22.xml><?xml version="1.0" encoding="utf-8"?>
+<p:tagLst xmlns:a="http://schemas.openxmlformats.org/drawingml/2006/main" xmlns:r="http://schemas.openxmlformats.org/officeDocument/2006/relationships" xmlns:p="http://schemas.openxmlformats.org/presentationml/2006/main">
   <p:tag name="KSO_WM_UNIT_HIGHLIGHT" val="0"/>
   <p:tag name="KSO_WM_UNIT_COMPATIBLE" val="0"/>
   <p:tag name="KSO_WM_UNIT_DIAGRAM_ISNUMVISUAL" val="0"/>
@@ -3168,8 +8325,8 @@
 </p:tagLst>
 </file>
 
-<file path=ppt/tags/tag16.xml><?xml version="1.0" encoding="utf-8"?>
-<p:tagLst xmlns:p="http://schemas.openxmlformats.org/presentationml/2006/main">
+<file path=ppt/tags/tag23.xml><?xml version="1.0" encoding="utf-8"?>
+<p:tagLst xmlns:a="http://schemas.openxmlformats.org/drawingml/2006/main" xmlns:r="http://schemas.openxmlformats.org/officeDocument/2006/relationships" xmlns:p="http://schemas.openxmlformats.org/presentationml/2006/main">
   <p:tag name="KSO_WM_UNIT_HIGHLIGHT" val="0"/>
   <p:tag name="KSO_WM_UNIT_COMPATIBLE" val="0"/>
   <p:tag name="KSO_WM_UNIT_DIAGRAM_ISNUMVISUAL" val="0"/>
@@ -3181,8 +8338,8 @@
 </p:tagLst>
 </file>
 
-<file path=ppt/tags/tag17.xml><?xml version="1.0" encoding="utf-8"?>
-<p:tagLst xmlns:p="http://schemas.openxmlformats.org/presentationml/2006/main">
+<file path=ppt/tags/tag24.xml><?xml version="1.0" encoding="utf-8"?>
+<p:tagLst xmlns:a="http://schemas.openxmlformats.org/drawingml/2006/main" xmlns:r="http://schemas.openxmlformats.org/officeDocument/2006/relationships" xmlns:p="http://schemas.openxmlformats.org/presentationml/2006/main">
   <p:tag name="KSO_WM_UNIT_HIGHLIGHT" val="0"/>
   <p:tag name="KSO_WM_UNIT_COMPATIBLE" val="0"/>
   <p:tag name="KSO_WM_UNIT_DIAGRAM_ISNUMVISUAL" val="0"/>
@@ -3194,8 +8351,8 @@
 </p:tagLst>
 </file>
 
-<file path=ppt/tags/tag18.xml><?xml version="1.0" encoding="utf-8"?>
-<p:tagLst xmlns:p="http://schemas.openxmlformats.org/presentationml/2006/main">
+<file path=ppt/tags/tag25.xml><?xml version="1.0" encoding="utf-8"?>
+<p:tagLst xmlns:a="http://schemas.openxmlformats.org/drawingml/2006/main" xmlns:r="http://schemas.openxmlformats.org/officeDocument/2006/relationships" xmlns:p="http://schemas.openxmlformats.org/presentationml/2006/main">
   <p:tag name="KSO_WM_UNIT_HIGHLIGHT" val="0"/>
   <p:tag name="KSO_WM_UNIT_COMPATIBLE" val="0"/>
   <p:tag name="KSO_WM_UNIT_DIAGRAM_ISNUMVISUAL" val="0"/>
@@ -3207,8 +8364,8 @@
 </p:tagLst>
 </file>
 
-<file path=ppt/tags/tag19.xml><?xml version="1.0" encoding="utf-8"?>
-<p:tagLst xmlns:p="http://schemas.openxmlformats.org/presentationml/2006/main">
+<file path=ppt/tags/tag26.xml><?xml version="1.0" encoding="utf-8"?>
+<p:tagLst xmlns:a="http://schemas.openxmlformats.org/drawingml/2006/main" xmlns:r="http://schemas.openxmlformats.org/officeDocument/2006/relationships" xmlns:p="http://schemas.openxmlformats.org/presentationml/2006/main">
   <p:tag name="KSO_WM_UNIT_HIGHLIGHT" val="0"/>
   <p:tag name="KSO_WM_UNIT_COMPATIBLE" val="0"/>
   <p:tag name="KSO_WM_UNIT_DIAGRAM_ISNUMVISUAL" val="0"/>
@@ -3220,21 +8377,8 @@
 </p:tagLst>
 </file>
 
-<file path=ppt/tags/tag2.xml><?xml version="1.0" encoding="utf-8"?>
-<p:tagLst xmlns:p="http://schemas.openxmlformats.org/presentationml/2006/main">
-  <p:tag name="KSO_WM_UNIT_HIGHLIGHT" val="0"/>
-  <p:tag name="KSO_WM_UNIT_COMPATIBLE" val="0"/>
-  <p:tag name="KSO_WM_UNIT_DIAGRAM_ISNUMVISUAL" val="0"/>
-  <p:tag name="KSO_WM_UNIT_DIAGRAM_ISREFERUNIT" val="0"/>
-  <p:tag name="KSO_WM_UNIT_ID" val="_1**"/>
-  <p:tag name="KSO_WM_UNIT_LAYERLEVEL" val="1"/>
-  <p:tag name="KSO_WM_TAG_VERSION" val="1.0"/>
-  <p:tag name="KSO_WM_BEAUTIFY_FLAG" val="#wm#"/>
-</p:tagLst>
-</file>
-
-<file path=ppt/tags/tag20.xml><?xml version="1.0" encoding="utf-8"?>
-<p:tagLst xmlns:p="http://schemas.openxmlformats.org/presentationml/2006/main">
+<file path=ppt/tags/tag27.xml><?xml version="1.0" encoding="utf-8"?>
+<p:tagLst xmlns:a="http://schemas.openxmlformats.org/drawingml/2006/main" xmlns:r="http://schemas.openxmlformats.org/officeDocument/2006/relationships" xmlns:p="http://schemas.openxmlformats.org/presentationml/2006/main">
   <p:tag name="KSO_WM_UNIT_HIGHLIGHT" val="0"/>
   <p:tag name="KSO_WM_UNIT_COMPATIBLE" val="0"/>
   <p:tag name="KSO_WM_UNIT_DIAGRAM_ISNUMVISUAL" val="0"/>
@@ -3246,8 +8390,8 @@
 </p:tagLst>
 </file>
 
-<file path=ppt/tags/tag21.xml><?xml version="1.0" encoding="utf-8"?>
-<p:tagLst xmlns:p="http://schemas.openxmlformats.org/presentationml/2006/main">
+<file path=ppt/tags/tag28.xml><?xml version="1.0" encoding="utf-8"?>
+<p:tagLst xmlns:a="http://schemas.openxmlformats.org/drawingml/2006/main" xmlns:r="http://schemas.openxmlformats.org/officeDocument/2006/relationships" xmlns:p="http://schemas.openxmlformats.org/presentationml/2006/main">
   <p:tag name="KSO_WM_UNIT_HIGHLIGHT" val="0"/>
   <p:tag name="KSO_WM_UNIT_COMPATIBLE" val="0"/>
   <p:tag name="KSO_WM_UNIT_DIAGRAM_ISNUMVISUAL" val="0"/>
@@ -3259,99 +8403,8 @@
 </p:tagLst>
 </file>
 
-<file path=ppt/tags/tag22.xml><?xml version="1.0" encoding="utf-8"?>
-<p:tagLst xmlns:p="http://schemas.openxmlformats.org/presentationml/2006/main">
-  <p:tag name="KSO_WM_UNIT_HIGHLIGHT" val="0"/>
-  <p:tag name="KSO_WM_UNIT_COMPATIBLE" val="0"/>
-  <p:tag name="KSO_WM_UNIT_DIAGRAM_ISNUMVISUAL" val="0"/>
-  <p:tag name="KSO_WM_UNIT_DIAGRAM_ISREFERUNIT" val="0"/>
-  <p:tag name="KSO_WM_UNIT_ID" val="_5**"/>
-  <p:tag name="KSO_WM_UNIT_LAYERLEVEL" val="1"/>
-  <p:tag name="KSO_WM_TAG_VERSION" val="1.0"/>
-  <p:tag name="KSO_WM_BEAUTIFY_FLAG" val="#wm#"/>
-</p:tagLst>
-</file>
-
-<file path=ppt/tags/tag23.xml><?xml version="1.0" encoding="utf-8"?>
-<p:tagLst xmlns:p="http://schemas.openxmlformats.org/presentationml/2006/main">
-  <p:tag name="KSO_WM_UNIT_HIGHLIGHT" val="0"/>
-  <p:tag name="KSO_WM_UNIT_COMPATIBLE" val="0"/>
-  <p:tag name="KSO_WM_UNIT_DIAGRAM_ISNUMVISUAL" val="0"/>
-  <p:tag name="KSO_WM_UNIT_DIAGRAM_ISREFERUNIT" val="0"/>
-  <p:tag name="KSO_WM_UNIT_ID" val="_5**"/>
-  <p:tag name="KSO_WM_UNIT_LAYERLEVEL" val="1"/>
-  <p:tag name="KSO_WM_TAG_VERSION" val="1.0"/>
-  <p:tag name="KSO_WM_BEAUTIFY_FLAG" val="#wm#"/>
-</p:tagLst>
-</file>
-
-<file path=ppt/tags/tag24.xml><?xml version="1.0" encoding="utf-8"?>
-<p:tagLst xmlns:p="http://schemas.openxmlformats.org/presentationml/2006/main">
-  <p:tag name="KSO_WM_UNIT_HIGHLIGHT" val="0"/>
-  <p:tag name="KSO_WM_UNIT_COMPATIBLE" val="0"/>
-  <p:tag name="KSO_WM_UNIT_DIAGRAM_ISNUMVISUAL" val="0"/>
-  <p:tag name="KSO_WM_UNIT_DIAGRAM_ISREFERUNIT" val="0"/>
-  <p:tag name="KSO_WM_UNIT_ID" val="_5**"/>
-  <p:tag name="KSO_WM_UNIT_LAYERLEVEL" val="1"/>
-  <p:tag name="KSO_WM_TAG_VERSION" val="1.0"/>
-  <p:tag name="KSO_WM_BEAUTIFY_FLAG" val="#wm#"/>
-</p:tagLst>
-</file>
-
-<file path=ppt/tags/tag25.xml><?xml version="1.0" encoding="utf-8"?>
-<p:tagLst xmlns:p="http://schemas.openxmlformats.org/presentationml/2006/main">
-  <p:tag name="KSO_WM_UNIT_HIGHLIGHT" val="0"/>
-  <p:tag name="KSO_WM_UNIT_COMPATIBLE" val="0"/>
-  <p:tag name="KSO_WM_UNIT_DIAGRAM_ISNUMVISUAL" val="0"/>
-  <p:tag name="KSO_WM_UNIT_DIAGRAM_ISREFERUNIT" val="0"/>
-  <p:tag name="KSO_WM_UNIT_ID" val="_5**"/>
-  <p:tag name="KSO_WM_UNIT_LAYERLEVEL" val="1"/>
-  <p:tag name="KSO_WM_TAG_VERSION" val="1.0"/>
-  <p:tag name="KSO_WM_BEAUTIFY_FLAG" val="#wm#"/>
-</p:tagLst>
-</file>
-
-<file path=ppt/tags/tag26.xml><?xml version="1.0" encoding="utf-8"?>
-<p:tagLst xmlns:p="http://schemas.openxmlformats.org/presentationml/2006/main">
-  <p:tag name="KSO_WM_UNIT_HIGHLIGHT" val="0"/>
-  <p:tag name="KSO_WM_UNIT_COMPATIBLE" val="0"/>
-  <p:tag name="KSO_WM_UNIT_DIAGRAM_ISNUMVISUAL" val="0"/>
-  <p:tag name="KSO_WM_UNIT_DIAGRAM_ISREFERUNIT" val="0"/>
-  <p:tag name="KSO_WM_UNIT_ID" val="_5**"/>
-  <p:tag name="KSO_WM_UNIT_LAYERLEVEL" val="1"/>
-  <p:tag name="KSO_WM_TAG_VERSION" val="1.0"/>
-  <p:tag name="KSO_WM_BEAUTIFY_FLAG" val="#wm#"/>
-</p:tagLst>
-</file>
-
-<file path=ppt/tags/tag27.xml><?xml version="1.0" encoding="utf-8"?>
-<p:tagLst xmlns:p="http://schemas.openxmlformats.org/presentationml/2006/main">
-  <p:tag name="KSO_WM_UNIT_HIGHLIGHT" val="0"/>
-  <p:tag name="KSO_WM_UNIT_COMPATIBLE" val="0"/>
-  <p:tag name="KSO_WM_UNIT_DIAGRAM_ISNUMVISUAL" val="0"/>
-  <p:tag name="KSO_WM_UNIT_DIAGRAM_ISREFERUNIT" val="0"/>
-  <p:tag name="KSO_WM_UNIT_ID" val="_5**"/>
-  <p:tag name="KSO_WM_UNIT_LAYERLEVEL" val="1"/>
-  <p:tag name="KSO_WM_TAG_VERSION" val="1.0"/>
-  <p:tag name="KSO_WM_BEAUTIFY_FLAG" val="#wm#"/>
-</p:tagLst>
-</file>
-
-<file path=ppt/tags/tag28.xml><?xml version="1.0" encoding="utf-8"?>
-<p:tagLst xmlns:p="http://schemas.openxmlformats.org/presentationml/2006/main">
-  <p:tag name="KSO_WM_UNIT_HIGHLIGHT" val="0"/>
-  <p:tag name="KSO_WM_UNIT_COMPATIBLE" val="0"/>
-  <p:tag name="KSO_WM_UNIT_DIAGRAM_ISNUMVISUAL" val="0"/>
-  <p:tag name="KSO_WM_UNIT_DIAGRAM_ISREFERUNIT" val="0"/>
-  <p:tag name="KSO_WM_UNIT_ID" val="_5**"/>
-  <p:tag name="KSO_WM_UNIT_LAYERLEVEL" val="1"/>
-  <p:tag name="KSO_WM_TAG_VERSION" val="1.0"/>
-  <p:tag name="KSO_WM_BEAUTIFY_FLAG" val="#wm#"/>
-</p:tagLst>
-</file>
-
 <file path=ppt/tags/tag29.xml><?xml version="1.0" encoding="utf-8"?>
-<p:tagLst xmlns:p="http://schemas.openxmlformats.org/presentationml/2006/main">
+<p:tagLst xmlns:a="http://schemas.openxmlformats.org/drawingml/2006/main" xmlns:r="http://schemas.openxmlformats.org/officeDocument/2006/relationships" xmlns:p="http://schemas.openxmlformats.org/presentationml/2006/main">
   <p:tag name="KSO_WM_UNIT_HIGHLIGHT" val="0"/>
   <p:tag name="KSO_WM_UNIT_COMPATIBLE" val="0"/>
   <p:tag name="KSO_WM_UNIT_DIAGRAM_ISNUMVISUAL" val="0"/>
@@ -3364,397 +8417,7 @@
 </file>
 
 <file path=ppt/tags/tag3.xml><?xml version="1.0" encoding="utf-8"?>
-<p:tagLst xmlns:p="http://schemas.openxmlformats.org/presentationml/2006/main">
-  <p:tag name="KSO_WM_UNIT_HIGHLIGHT" val="0"/>
-  <p:tag name="KSO_WM_UNIT_COMPATIBLE" val="0"/>
-  <p:tag name="KSO_WM_UNIT_DIAGRAM_ISNUMVISUAL" val="0"/>
-  <p:tag name="KSO_WM_UNIT_DIAGRAM_ISREFERUNIT" val="0"/>
-  <p:tag name="KSO_WM_UNIT_ID" val="_1**"/>
-  <p:tag name="KSO_WM_UNIT_LAYERLEVEL" val="1"/>
-  <p:tag name="KSO_WM_TAG_VERSION" val="1.0"/>
-  <p:tag name="KSO_WM_BEAUTIFY_FLAG" val="#wm#"/>
-</p:tagLst>
-</file>
-
-<file path=ppt/tags/tag30.xml><?xml version="1.0" encoding="utf-8"?>
-<p:tagLst xmlns:p="http://schemas.openxmlformats.org/presentationml/2006/main">
-  <p:tag name="KSO_WM_UNIT_HIGHLIGHT" val="0"/>
-  <p:tag name="KSO_WM_UNIT_COMPATIBLE" val="0"/>
-  <p:tag name="KSO_WM_UNIT_DIAGRAM_ISNUMVISUAL" val="0"/>
-  <p:tag name="KSO_WM_UNIT_DIAGRAM_ISREFERUNIT" val="0"/>
-  <p:tag name="KSO_WM_UNIT_ID" val="_6**"/>
-  <p:tag name="KSO_WM_UNIT_LAYERLEVEL" val="1"/>
-  <p:tag name="KSO_WM_TAG_VERSION" val="1.0"/>
-  <p:tag name="KSO_WM_BEAUTIFY_FLAG" val="#wm#"/>
-</p:tagLst>
-</file>
-
-<file path=ppt/tags/tag31.xml><?xml version="1.0" encoding="utf-8"?>
-<p:tagLst xmlns:p="http://schemas.openxmlformats.org/presentationml/2006/main">
-  <p:tag name="KSO_WM_UNIT_HIGHLIGHT" val="0"/>
-  <p:tag name="KSO_WM_UNIT_COMPATIBLE" val="0"/>
-  <p:tag name="KSO_WM_UNIT_DIAGRAM_ISNUMVISUAL" val="0"/>
-  <p:tag name="KSO_WM_UNIT_DIAGRAM_ISREFERUNIT" val="0"/>
-  <p:tag name="KSO_WM_UNIT_ID" val="_6**"/>
-  <p:tag name="KSO_WM_UNIT_LAYERLEVEL" val="1"/>
-  <p:tag name="KSO_WM_TAG_VERSION" val="1.0"/>
-  <p:tag name="KSO_WM_BEAUTIFY_FLAG" val="#wm#"/>
-</p:tagLst>
-</file>
-
-<file path=ppt/tags/tag32.xml><?xml version="1.0" encoding="utf-8"?>
-<p:tagLst xmlns:p="http://schemas.openxmlformats.org/presentationml/2006/main">
-  <p:tag name="KSO_WM_UNIT_HIGHLIGHT" val="0"/>
-  <p:tag name="KSO_WM_UNIT_COMPATIBLE" val="0"/>
-  <p:tag name="KSO_WM_UNIT_DIAGRAM_ISNUMVISUAL" val="0"/>
-  <p:tag name="KSO_WM_UNIT_DIAGRAM_ISREFERUNIT" val="0"/>
-  <p:tag name="KSO_WM_UNIT_ID" val="_6**"/>
-  <p:tag name="KSO_WM_UNIT_LAYERLEVEL" val="1"/>
-  <p:tag name="KSO_WM_TAG_VERSION" val="1.0"/>
-  <p:tag name="KSO_WM_BEAUTIFY_FLAG" val="#wm#"/>
-</p:tagLst>
-</file>
-
-<file path=ppt/tags/tag33.xml><?xml version="1.0" encoding="utf-8"?>
-<p:tagLst xmlns:p="http://schemas.openxmlformats.org/presentationml/2006/main">
-  <p:tag name="KSO_WM_UNIT_HIGHLIGHT" val="0"/>
-  <p:tag name="KSO_WM_UNIT_COMPATIBLE" val="0"/>
-  <p:tag name="KSO_WM_UNIT_DIAGRAM_ISNUMVISUAL" val="0"/>
-  <p:tag name="KSO_WM_UNIT_DIAGRAM_ISREFERUNIT" val="0"/>
-  <p:tag name="KSO_WM_UNIT_ID" val="_6**"/>
-  <p:tag name="KSO_WM_UNIT_LAYERLEVEL" val="1"/>
-  <p:tag name="KSO_WM_TAG_VERSION" val="1.0"/>
-  <p:tag name="KSO_WM_BEAUTIFY_FLAG" val="#wm#"/>
-</p:tagLst>
-</file>
-
-<file path=ppt/tags/tag34.xml><?xml version="1.0" encoding="utf-8"?>
-<p:tagLst xmlns:p="http://schemas.openxmlformats.org/presentationml/2006/main">
-  <p:tag name="KSO_WM_UNIT_HIGHLIGHT" val="0"/>
-  <p:tag name="KSO_WM_UNIT_COMPATIBLE" val="0"/>
-  <p:tag name="KSO_WM_UNIT_DIAGRAM_ISNUMVISUAL" val="0"/>
-  <p:tag name="KSO_WM_UNIT_DIAGRAM_ISREFERUNIT" val="0"/>
-  <p:tag name="KSO_WM_UNIT_ID" val="_7**"/>
-  <p:tag name="KSO_WM_UNIT_LAYERLEVEL" val="1"/>
-  <p:tag name="KSO_WM_TAG_VERSION" val="1.0"/>
-  <p:tag name="KSO_WM_BEAUTIFY_FLAG" val="#wm#"/>
-</p:tagLst>
-</file>
-
-<file path=ppt/tags/tag35.xml><?xml version="1.0" encoding="utf-8"?>
-<p:tagLst xmlns:p="http://schemas.openxmlformats.org/presentationml/2006/main">
-  <p:tag name="KSO_WM_UNIT_HIGHLIGHT" val="0"/>
-  <p:tag name="KSO_WM_UNIT_COMPATIBLE" val="0"/>
-  <p:tag name="KSO_WM_UNIT_DIAGRAM_ISNUMVISUAL" val="0"/>
-  <p:tag name="KSO_WM_UNIT_DIAGRAM_ISREFERUNIT" val="0"/>
-  <p:tag name="KSO_WM_UNIT_ID" val="_7**"/>
-  <p:tag name="KSO_WM_UNIT_LAYERLEVEL" val="1"/>
-  <p:tag name="KSO_WM_TAG_VERSION" val="1.0"/>
-  <p:tag name="KSO_WM_BEAUTIFY_FLAG" val="#wm#"/>
-</p:tagLst>
-</file>
-
-<file path=ppt/tags/tag36.xml><?xml version="1.0" encoding="utf-8"?>
-<p:tagLst xmlns:p="http://schemas.openxmlformats.org/presentationml/2006/main">
-  <p:tag name="KSO_WM_UNIT_HIGHLIGHT" val="0"/>
-  <p:tag name="KSO_WM_UNIT_COMPATIBLE" val="0"/>
-  <p:tag name="KSO_WM_UNIT_DIAGRAM_ISNUMVISUAL" val="0"/>
-  <p:tag name="KSO_WM_UNIT_DIAGRAM_ISREFERUNIT" val="0"/>
-  <p:tag name="KSO_WM_UNIT_ID" val="_7**"/>
-  <p:tag name="KSO_WM_UNIT_LAYERLEVEL" val="1"/>
-  <p:tag name="KSO_WM_TAG_VERSION" val="1.0"/>
-  <p:tag name="KSO_WM_BEAUTIFY_FLAG" val="#wm#"/>
-</p:tagLst>
-</file>
-
-<file path=ppt/tags/tag37.xml><?xml version="1.0" encoding="utf-8"?>
-<p:tagLst xmlns:p="http://schemas.openxmlformats.org/presentationml/2006/main">
-  <p:tag name="KSO_WM_UNIT_HIGHLIGHT" val="0"/>
-  <p:tag name="KSO_WM_UNIT_COMPATIBLE" val="0"/>
-  <p:tag name="KSO_WM_UNIT_DIAGRAM_ISNUMVISUAL" val="0"/>
-  <p:tag name="KSO_WM_UNIT_DIAGRAM_ISREFERUNIT" val="0"/>
-  <p:tag name="KSO_WM_UNIT_ID" val="_8**"/>
-  <p:tag name="KSO_WM_UNIT_LAYERLEVEL" val="1"/>
-  <p:tag name="KSO_WM_TAG_VERSION" val="1.0"/>
-  <p:tag name="KSO_WM_BEAUTIFY_FLAG" val="#wm#"/>
-</p:tagLst>
-</file>
-
-<file path=ppt/tags/tag38.xml><?xml version="1.0" encoding="utf-8"?>
-<p:tagLst xmlns:p="http://schemas.openxmlformats.org/presentationml/2006/main">
-  <p:tag name="KSO_WM_UNIT_HIGHLIGHT" val="0"/>
-  <p:tag name="KSO_WM_UNIT_COMPATIBLE" val="0"/>
-  <p:tag name="KSO_WM_UNIT_DIAGRAM_ISNUMVISUAL" val="0"/>
-  <p:tag name="KSO_WM_UNIT_DIAGRAM_ISREFERUNIT" val="0"/>
-  <p:tag name="KSO_WM_UNIT_ID" val="_8**"/>
-  <p:tag name="KSO_WM_UNIT_LAYERLEVEL" val="1"/>
-  <p:tag name="KSO_WM_TAG_VERSION" val="1.0"/>
-  <p:tag name="KSO_WM_BEAUTIFY_FLAG" val="#wm#"/>
-</p:tagLst>
-</file>
-
-<file path=ppt/tags/tag39.xml><?xml version="1.0" encoding="utf-8"?>
-<p:tagLst xmlns:p="http://schemas.openxmlformats.org/presentationml/2006/main">
-  <p:tag name="KSO_WM_UNIT_HIGHLIGHT" val="0"/>
-  <p:tag name="KSO_WM_UNIT_COMPATIBLE" val="0"/>
-  <p:tag name="KSO_WM_UNIT_DIAGRAM_ISNUMVISUAL" val="0"/>
-  <p:tag name="KSO_WM_UNIT_DIAGRAM_ISREFERUNIT" val="0"/>
-  <p:tag name="KSO_WM_UNIT_ID" val="_8**"/>
-  <p:tag name="KSO_WM_UNIT_LAYERLEVEL" val="1"/>
-  <p:tag name="KSO_WM_TAG_VERSION" val="1.0"/>
-  <p:tag name="KSO_WM_BEAUTIFY_FLAG" val="#wm#"/>
-</p:tagLst>
-</file>
-
-<file path=ppt/tags/tag4.xml><?xml version="1.0" encoding="utf-8"?>
-<p:tagLst xmlns:p="http://schemas.openxmlformats.org/presentationml/2006/main">
-  <p:tag name="KSO_WM_UNIT_HIGHLIGHT" val="0"/>
-  <p:tag name="KSO_WM_UNIT_COMPATIBLE" val="0"/>
-  <p:tag name="KSO_WM_UNIT_DIAGRAM_ISNUMVISUAL" val="0"/>
-  <p:tag name="KSO_WM_UNIT_DIAGRAM_ISREFERUNIT" val="0"/>
-  <p:tag name="KSO_WM_UNIT_ID" val="_1**"/>
-  <p:tag name="KSO_WM_UNIT_LAYERLEVEL" val="1"/>
-  <p:tag name="KSO_WM_TAG_VERSION" val="1.0"/>
-  <p:tag name="KSO_WM_BEAUTIFY_FLAG" val="#wm#"/>
-</p:tagLst>
-</file>
-
-<file path=ppt/tags/tag40.xml><?xml version="1.0" encoding="utf-8"?>
-<p:tagLst xmlns:p="http://schemas.openxmlformats.org/presentationml/2006/main">
-  <p:tag name="KSO_WM_UNIT_HIGHLIGHT" val="0"/>
-  <p:tag name="KSO_WM_UNIT_COMPATIBLE" val="0"/>
-  <p:tag name="KSO_WM_UNIT_DIAGRAM_ISNUMVISUAL" val="0"/>
-  <p:tag name="KSO_WM_UNIT_DIAGRAM_ISREFERUNIT" val="0"/>
-  <p:tag name="KSO_WM_UNIT_ID" val="_8**"/>
-  <p:tag name="KSO_WM_UNIT_LAYERLEVEL" val="1"/>
-  <p:tag name="KSO_WM_TAG_VERSION" val="1.0"/>
-  <p:tag name="KSO_WM_BEAUTIFY_FLAG" val="#wm#"/>
-</p:tagLst>
-</file>
-
-<file path=ppt/tags/tag41.xml><?xml version="1.0" encoding="utf-8"?>
-<p:tagLst xmlns:p="http://schemas.openxmlformats.org/presentationml/2006/main">
-  <p:tag name="KSO_WM_UNIT_HIGHLIGHT" val="0"/>
-  <p:tag name="KSO_WM_UNIT_COMPATIBLE" val="0"/>
-  <p:tag name="KSO_WM_UNIT_DIAGRAM_ISNUMVISUAL" val="0"/>
-  <p:tag name="KSO_WM_UNIT_DIAGRAM_ISREFERUNIT" val="0"/>
-  <p:tag name="KSO_WM_UNIT_ID" val="_8**"/>
-  <p:tag name="KSO_WM_UNIT_LAYERLEVEL" val="1"/>
-  <p:tag name="KSO_WM_TAG_VERSION" val="1.0"/>
-  <p:tag name="KSO_WM_BEAUTIFY_FLAG" val="#wm#"/>
-</p:tagLst>
-</file>
-
-<file path=ppt/tags/tag42.xml><?xml version="1.0" encoding="utf-8"?>
-<p:tagLst xmlns:p="http://schemas.openxmlformats.org/presentationml/2006/main">
-  <p:tag name="KSO_WM_UNIT_HIGHLIGHT" val="0"/>
-  <p:tag name="KSO_WM_UNIT_COMPATIBLE" val="0"/>
-  <p:tag name="KSO_WM_UNIT_DIAGRAM_ISNUMVISUAL" val="0"/>
-  <p:tag name="KSO_WM_UNIT_DIAGRAM_ISREFERUNIT" val="0"/>
-  <p:tag name="KSO_WM_UNIT_ID" val="_8**"/>
-  <p:tag name="KSO_WM_UNIT_LAYERLEVEL" val="1"/>
-  <p:tag name="KSO_WM_TAG_VERSION" val="1.0"/>
-  <p:tag name="KSO_WM_BEAUTIFY_FLAG" val="#wm#"/>
-</p:tagLst>
-</file>
-
-<file path=ppt/tags/tag43.xml><?xml version="1.0" encoding="utf-8"?>
-<p:tagLst xmlns:p="http://schemas.openxmlformats.org/presentationml/2006/main">
-  <p:tag name="KSO_WM_UNIT_HIGHLIGHT" val="0"/>
-  <p:tag name="KSO_WM_UNIT_COMPATIBLE" val="0"/>
-  <p:tag name="KSO_WM_UNIT_DIAGRAM_ISNUMVISUAL" val="0"/>
-  <p:tag name="KSO_WM_UNIT_DIAGRAM_ISREFERUNIT" val="0"/>
-  <p:tag name="KSO_WM_UNIT_ID" val="_9**"/>
-  <p:tag name="KSO_WM_UNIT_LAYERLEVEL" val="1"/>
-  <p:tag name="KSO_WM_TAG_VERSION" val="1.0"/>
-  <p:tag name="KSO_WM_BEAUTIFY_FLAG" val="#wm#"/>
-</p:tagLst>
-</file>
-
-<file path=ppt/tags/tag44.xml><?xml version="1.0" encoding="utf-8"?>
-<p:tagLst xmlns:p="http://schemas.openxmlformats.org/presentationml/2006/main">
-  <p:tag name="KSO_WM_UNIT_HIGHLIGHT" val="0"/>
-  <p:tag name="KSO_WM_UNIT_COMPATIBLE" val="0"/>
-  <p:tag name="KSO_WM_UNIT_DIAGRAM_ISNUMVISUAL" val="0"/>
-  <p:tag name="KSO_WM_UNIT_DIAGRAM_ISREFERUNIT" val="0"/>
-  <p:tag name="KSO_WM_UNIT_ID" val="_9**"/>
-  <p:tag name="KSO_WM_UNIT_LAYERLEVEL" val="1"/>
-  <p:tag name="KSO_WM_TAG_VERSION" val="1.0"/>
-  <p:tag name="KSO_WM_BEAUTIFY_FLAG" val="#wm#"/>
-</p:tagLst>
-</file>
-
-<file path=ppt/tags/tag45.xml><?xml version="1.0" encoding="utf-8"?>
-<p:tagLst xmlns:p="http://schemas.openxmlformats.org/presentationml/2006/main">
-  <p:tag name="KSO_WM_UNIT_HIGHLIGHT" val="0"/>
-  <p:tag name="KSO_WM_UNIT_COMPATIBLE" val="0"/>
-  <p:tag name="KSO_WM_UNIT_DIAGRAM_ISNUMVISUAL" val="0"/>
-  <p:tag name="KSO_WM_UNIT_DIAGRAM_ISREFERUNIT" val="0"/>
-  <p:tag name="KSO_WM_UNIT_ID" val="_9**"/>
-  <p:tag name="KSO_WM_UNIT_LAYERLEVEL" val="1"/>
-  <p:tag name="KSO_WM_TAG_VERSION" val="1.0"/>
-  <p:tag name="KSO_WM_BEAUTIFY_FLAG" val="#wm#"/>
-</p:tagLst>
-</file>
-
-<file path=ppt/tags/tag46.xml><?xml version="1.0" encoding="utf-8"?>
-<p:tagLst xmlns:p="http://schemas.openxmlformats.org/presentationml/2006/main">
-  <p:tag name="KSO_WM_UNIT_HIGHLIGHT" val="0"/>
-  <p:tag name="KSO_WM_UNIT_COMPATIBLE" val="0"/>
-  <p:tag name="KSO_WM_UNIT_DIAGRAM_ISNUMVISUAL" val="0"/>
-  <p:tag name="KSO_WM_UNIT_DIAGRAM_ISREFERUNIT" val="0"/>
-  <p:tag name="KSO_WM_UNIT_ID" val="_9**"/>
-  <p:tag name="KSO_WM_UNIT_LAYERLEVEL" val="1"/>
-  <p:tag name="KSO_WM_TAG_VERSION" val="1.0"/>
-  <p:tag name="KSO_WM_BEAUTIFY_FLAG" val="#wm#"/>
-</p:tagLst>
-</file>
-
-<file path=ppt/tags/tag47.xml><?xml version="1.0" encoding="utf-8"?>
-<p:tagLst xmlns:p="http://schemas.openxmlformats.org/presentationml/2006/main">
-  <p:tag name="KSO_WM_UNIT_HIGHLIGHT" val="0"/>
-  <p:tag name="KSO_WM_UNIT_COMPATIBLE" val="0"/>
-  <p:tag name="KSO_WM_UNIT_DIAGRAM_ISNUMVISUAL" val="0"/>
-  <p:tag name="KSO_WM_UNIT_DIAGRAM_ISREFERUNIT" val="0"/>
-  <p:tag name="KSO_WM_UNIT_ID" val="_9**"/>
-  <p:tag name="KSO_WM_UNIT_LAYERLEVEL" val="1"/>
-  <p:tag name="KSO_WM_TAG_VERSION" val="1.0"/>
-  <p:tag name="KSO_WM_BEAUTIFY_FLAG" val="#wm#"/>
-</p:tagLst>
-</file>
-
-<file path=ppt/tags/tag48.xml><?xml version="1.0" encoding="utf-8"?>
-<p:tagLst xmlns:p="http://schemas.openxmlformats.org/presentationml/2006/main">
-  <p:tag name="KSO_WM_UNIT_HIGHLIGHT" val="0"/>
-  <p:tag name="KSO_WM_UNIT_COMPATIBLE" val="0"/>
-  <p:tag name="KSO_WM_UNIT_DIAGRAM_ISNUMVISUAL" val="0"/>
-  <p:tag name="KSO_WM_UNIT_DIAGRAM_ISREFERUNIT" val="0"/>
-  <p:tag name="KSO_WM_UNIT_ID" val="_10**"/>
-  <p:tag name="KSO_WM_UNIT_LAYERLEVEL" val="1"/>
-  <p:tag name="KSO_WM_TAG_VERSION" val="1.0"/>
-  <p:tag name="KSO_WM_BEAUTIFY_FLAG" val="#wm#"/>
-</p:tagLst>
-</file>
-
-<file path=ppt/tags/tag49.xml><?xml version="1.0" encoding="utf-8"?>
-<p:tagLst xmlns:p="http://schemas.openxmlformats.org/presentationml/2006/main">
-  <p:tag name="KSO_WM_UNIT_HIGHLIGHT" val="0"/>
-  <p:tag name="KSO_WM_UNIT_COMPATIBLE" val="0"/>
-  <p:tag name="KSO_WM_UNIT_DIAGRAM_ISNUMVISUAL" val="0"/>
-  <p:tag name="KSO_WM_UNIT_DIAGRAM_ISREFERUNIT" val="0"/>
-  <p:tag name="KSO_WM_UNIT_ID" val="_10**"/>
-  <p:tag name="KSO_WM_UNIT_LAYERLEVEL" val="1"/>
-  <p:tag name="KSO_WM_TAG_VERSION" val="1.0"/>
-  <p:tag name="KSO_WM_BEAUTIFY_FLAG" val="#wm#"/>
-</p:tagLst>
-</file>
-
-<file path=ppt/tags/tag5.xml><?xml version="1.0" encoding="utf-8"?>
-<p:tagLst xmlns:p="http://schemas.openxmlformats.org/presentationml/2006/main">
-  <p:tag name="KSO_WM_UNIT_HIGHLIGHT" val="0"/>
-  <p:tag name="KSO_WM_UNIT_COMPATIBLE" val="0"/>
-  <p:tag name="KSO_WM_UNIT_DIAGRAM_ISNUMVISUAL" val="0"/>
-  <p:tag name="KSO_WM_UNIT_DIAGRAM_ISREFERUNIT" val="0"/>
-  <p:tag name="KSO_WM_UNIT_ID" val="_1**"/>
-  <p:tag name="KSO_WM_UNIT_LAYERLEVEL" val="1"/>
-  <p:tag name="KSO_WM_TAG_VERSION" val="1.0"/>
-  <p:tag name="KSO_WM_BEAUTIFY_FLAG" val="#wm#"/>
-</p:tagLst>
-</file>
-
-<file path=ppt/tags/tag50.xml><?xml version="1.0" encoding="utf-8"?>
-<p:tagLst xmlns:p="http://schemas.openxmlformats.org/presentationml/2006/main">
-  <p:tag name="KSO_WM_UNIT_HIGHLIGHT" val="0"/>
-  <p:tag name="KSO_WM_UNIT_COMPATIBLE" val="0"/>
-  <p:tag name="KSO_WM_UNIT_DIAGRAM_ISNUMVISUAL" val="0"/>
-  <p:tag name="KSO_WM_UNIT_DIAGRAM_ISREFERUNIT" val="0"/>
-  <p:tag name="KSO_WM_UNIT_ID" val="_10**"/>
-  <p:tag name="KSO_WM_UNIT_LAYERLEVEL" val="1"/>
-  <p:tag name="KSO_WM_TAG_VERSION" val="1.0"/>
-  <p:tag name="KSO_WM_BEAUTIFY_FLAG" val="#wm#"/>
-</p:tagLst>
-</file>
-
-<file path=ppt/tags/tag51.xml><?xml version="1.0" encoding="utf-8"?>
-<p:tagLst xmlns:p="http://schemas.openxmlformats.org/presentationml/2006/main">
-  <p:tag name="KSO_WM_UNIT_HIGHLIGHT" val="0"/>
-  <p:tag name="KSO_WM_UNIT_COMPATIBLE" val="0"/>
-  <p:tag name="KSO_WM_UNIT_DIAGRAM_ISNUMVISUAL" val="0"/>
-  <p:tag name="KSO_WM_UNIT_DIAGRAM_ISREFERUNIT" val="0"/>
-  <p:tag name="KSO_WM_UNIT_ID" val="_10**"/>
-  <p:tag name="KSO_WM_UNIT_LAYERLEVEL" val="1"/>
-  <p:tag name="KSO_WM_TAG_VERSION" val="1.0"/>
-  <p:tag name="KSO_WM_BEAUTIFY_FLAG" val="#wm#"/>
-</p:tagLst>
-</file>
-
-<file path=ppt/tags/tag52.xml><?xml version="1.0" encoding="utf-8"?>
-<p:tagLst xmlns:p="http://schemas.openxmlformats.org/presentationml/2006/main">
-  <p:tag name="KSO_WM_UNIT_HIGHLIGHT" val="0"/>
-  <p:tag name="KSO_WM_UNIT_COMPATIBLE" val="0"/>
-  <p:tag name="KSO_WM_UNIT_DIAGRAM_ISNUMVISUAL" val="0"/>
-  <p:tag name="KSO_WM_UNIT_DIAGRAM_ISREFERUNIT" val="0"/>
-  <p:tag name="KSO_WM_UNIT_ID" val="_11**"/>
-  <p:tag name="KSO_WM_UNIT_LAYERLEVEL" val="1"/>
-  <p:tag name="KSO_WM_TAG_VERSION" val="1.0"/>
-  <p:tag name="KSO_WM_BEAUTIFY_FLAG" val="#wm#"/>
-</p:tagLst>
-</file>
-
-<file path=ppt/tags/tag53.xml><?xml version="1.0" encoding="utf-8"?>
-<p:tagLst xmlns:p="http://schemas.openxmlformats.org/presentationml/2006/main">
-  <p:tag name="KSO_WM_UNIT_HIGHLIGHT" val="0"/>
-  <p:tag name="KSO_WM_UNIT_COMPATIBLE" val="0"/>
-  <p:tag name="KSO_WM_UNIT_DIAGRAM_ISNUMVISUAL" val="0"/>
-  <p:tag name="KSO_WM_UNIT_DIAGRAM_ISREFERUNIT" val="0"/>
-  <p:tag name="KSO_WM_UNIT_ID" val="_11**"/>
-  <p:tag name="KSO_WM_UNIT_LAYERLEVEL" val="1"/>
-  <p:tag name="KSO_WM_TAG_VERSION" val="1.0"/>
-  <p:tag name="KSO_WM_BEAUTIFY_FLAG" val="#wm#"/>
-</p:tagLst>
-</file>
-
-<file path=ppt/tags/tag54.xml><?xml version="1.0" encoding="utf-8"?>
-<p:tagLst xmlns:p="http://schemas.openxmlformats.org/presentationml/2006/main">
-  <p:tag name="KSO_WM_UNIT_HIGHLIGHT" val="0"/>
-  <p:tag name="KSO_WM_UNIT_COMPATIBLE" val="0"/>
-  <p:tag name="KSO_WM_UNIT_DIAGRAM_ISNUMVISUAL" val="0"/>
-  <p:tag name="KSO_WM_UNIT_DIAGRAM_ISREFERUNIT" val="0"/>
-  <p:tag name="KSO_WM_UNIT_ID" val="_11**"/>
-  <p:tag name="KSO_WM_UNIT_LAYERLEVEL" val="1"/>
-  <p:tag name="KSO_WM_TAG_VERSION" val="1.0"/>
-  <p:tag name="KSO_WM_BEAUTIFY_FLAG" val="#wm#"/>
-</p:tagLst>
-</file>
-
-<file path=ppt/tags/tag55.xml><?xml version="1.0" encoding="utf-8"?>
-<p:tagLst xmlns:p="http://schemas.openxmlformats.org/presentationml/2006/main">
-  <p:tag name="KSO_WM_UNIT_HIGHLIGHT" val="0"/>
-  <p:tag name="KSO_WM_UNIT_COMPATIBLE" val="0"/>
-  <p:tag name="KSO_WM_UNIT_DIAGRAM_ISNUMVISUAL" val="0"/>
-  <p:tag name="KSO_WM_UNIT_DIAGRAM_ISREFERUNIT" val="0"/>
-  <p:tag name="KSO_WM_UNIT_ID" val="_11**"/>
-  <p:tag name="KSO_WM_UNIT_LAYERLEVEL" val="1"/>
-  <p:tag name="KSO_WM_TAG_VERSION" val="1.0"/>
-  <p:tag name="KSO_WM_BEAUTIFY_FLAG" val="#wm#"/>
-</p:tagLst>
-</file>
-
-<file path=ppt/tags/tag56.xml><?xml version="1.0" encoding="utf-8"?>
-<p:tagLst xmlns:p="http://schemas.openxmlformats.org/presentationml/2006/main">
-  <p:tag name="KSO_WM_UNIT_HIGHLIGHT" val="0"/>
-  <p:tag name="KSO_WM_UNIT_COMPATIBLE" val="0"/>
-  <p:tag name="KSO_WM_UNIT_DIAGRAM_ISNUMVISUAL" val="0"/>
-  <p:tag name="KSO_WM_UNIT_DIAGRAM_ISREFERUNIT" val="0"/>
-  <p:tag name="KSO_WM_UNIT_ID" val="_11**"/>
-  <p:tag name="KSO_WM_UNIT_LAYERLEVEL" val="1"/>
-  <p:tag name="KSO_WM_TAG_VERSION" val="1.0"/>
-  <p:tag name="KSO_WM_BEAUTIFY_FLAG" val="#wm#"/>
-</p:tagLst>
-</file>
-
-<file path=ppt/tags/tag57.xml><?xml version="1.0" encoding="utf-8"?>
-<p:tagLst xmlns:p="http://schemas.openxmlformats.org/presentationml/2006/main">
+<p:tagLst xmlns:a="http://schemas.openxmlformats.org/drawingml/2006/main" xmlns:r="http://schemas.openxmlformats.org/officeDocument/2006/relationships" xmlns:p="http://schemas.openxmlformats.org/presentationml/2006/main">
   <p:tag name="KSO_WM_UNIT_HIGHLIGHT" val="0"/>
   <p:tag name="KSO_WM_UNIT_COMPATIBLE" val="0"/>
   <p:tag name="KSO_WM_UNIT_DIAGRAM_ISNUMVISUAL" val="0"/>
@@ -3768,8 +8431,138 @@
 </p:tagLst>
 </file>
 
-<file path=ppt/tags/tag58.xml><?xml version="1.0" encoding="utf-8"?>
-<p:tagLst xmlns:p="http://schemas.openxmlformats.org/presentationml/2006/main">
+<file path=ppt/tags/tag30.xml><?xml version="1.0" encoding="utf-8"?>
+<p:tagLst xmlns:a="http://schemas.openxmlformats.org/drawingml/2006/main" xmlns:r="http://schemas.openxmlformats.org/officeDocument/2006/relationships" xmlns:p="http://schemas.openxmlformats.org/presentationml/2006/main">
+  <p:tag name="KSO_WM_UNIT_HIGHLIGHT" val="0"/>
+  <p:tag name="KSO_WM_UNIT_COMPATIBLE" val="0"/>
+  <p:tag name="KSO_WM_UNIT_DIAGRAM_ISNUMVISUAL" val="0"/>
+  <p:tag name="KSO_WM_UNIT_DIAGRAM_ISREFERUNIT" val="0"/>
+  <p:tag name="KSO_WM_UNIT_ID" val="_5**"/>
+  <p:tag name="KSO_WM_UNIT_LAYERLEVEL" val="1"/>
+  <p:tag name="KSO_WM_TAG_VERSION" val="1.0"/>
+  <p:tag name="KSO_WM_BEAUTIFY_FLAG" val="#wm#"/>
+</p:tagLst>
+</file>
+
+<file path=ppt/tags/tag31.xml><?xml version="1.0" encoding="utf-8"?>
+<p:tagLst xmlns:a="http://schemas.openxmlformats.org/drawingml/2006/main" xmlns:r="http://schemas.openxmlformats.org/officeDocument/2006/relationships" xmlns:p="http://schemas.openxmlformats.org/presentationml/2006/main">
+  <p:tag name="KSO_WM_UNIT_HIGHLIGHT" val="0"/>
+  <p:tag name="KSO_WM_UNIT_COMPATIBLE" val="0"/>
+  <p:tag name="KSO_WM_UNIT_DIAGRAM_ISNUMVISUAL" val="0"/>
+  <p:tag name="KSO_WM_UNIT_DIAGRAM_ISREFERUNIT" val="0"/>
+  <p:tag name="KSO_WM_UNIT_ID" val="_5**"/>
+  <p:tag name="KSO_WM_UNIT_LAYERLEVEL" val="1"/>
+  <p:tag name="KSO_WM_TAG_VERSION" val="1.0"/>
+  <p:tag name="KSO_WM_BEAUTIFY_FLAG" val="#wm#"/>
+</p:tagLst>
+</file>
+
+<file path=ppt/tags/tag32.xml><?xml version="1.0" encoding="utf-8"?>
+<p:tagLst xmlns:a="http://schemas.openxmlformats.org/drawingml/2006/main" xmlns:r="http://schemas.openxmlformats.org/officeDocument/2006/relationships" xmlns:p="http://schemas.openxmlformats.org/presentationml/2006/main">
+  <p:tag name="KSO_WM_UNIT_HIGHLIGHT" val="0"/>
+  <p:tag name="KSO_WM_UNIT_COMPATIBLE" val="0"/>
+  <p:tag name="KSO_WM_UNIT_DIAGRAM_ISNUMVISUAL" val="0"/>
+  <p:tag name="KSO_WM_UNIT_DIAGRAM_ISREFERUNIT" val="0"/>
+  <p:tag name="KSO_WM_UNIT_ID" val="_5**"/>
+  <p:tag name="KSO_WM_UNIT_LAYERLEVEL" val="1"/>
+  <p:tag name="KSO_WM_TAG_VERSION" val="1.0"/>
+  <p:tag name="KSO_WM_BEAUTIFY_FLAG" val="#wm#"/>
+</p:tagLst>
+</file>
+
+<file path=ppt/tags/tag33.xml><?xml version="1.0" encoding="utf-8"?>
+<p:tagLst xmlns:a="http://schemas.openxmlformats.org/drawingml/2006/main" xmlns:r="http://schemas.openxmlformats.org/officeDocument/2006/relationships" xmlns:p="http://schemas.openxmlformats.org/presentationml/2006/main">
+  <p:tag name="KSO_WM_UNIT_HIGHLIGHT" val="0"/>
+  <p:tag name="KSO_WM_UNIT_COMPATIBLE" val="0"/>
+  <p:tag name="KSO_WM_UNIT_DIAGRAM_ISNUMVISUAL" val="0"/>
+  <p:tag name="KSO_WM_UNIT_DIAGRAM_ISREFERUNIT" val="0"/>
+  <p:tag name="KSO_WM_UNIT_ID" val="_5**"/>
+  <p:tag name="KSO_WM_UNIT_LAYERLEVEL" val="1"/>
+  <p:tag name="KSO_WM_TAG_VERSION" val="1.0"/>
+  <p:tag name="KSO_WM_BEAUTIFY_FLAG" val="#wm#"/>
+</p:tagLst>
+</file>
+
+<file path=ppt/tags/tag34.xml><?xml version="1.0" encoding="utf-8"?>
+<p:tagLst xmlns:a="http://schemas.openxmlformats.org/drawingml/2006/main" xmlns:r="http://schemas.openxmlformats.org/officeDocument/2006/relationships" xmlns:p="http://schemas.openxmlformats.org/presentationml/2006/main">
+  <p:tag name="KSO_WM_UNIT_HIGHLIGHT" val="0"/>
+  <p:tag name="KSO_WM_UNIT_COMPATIBLE" val="0"/>
+  <p:tag name="KSO_WM_UNIT_DIAGRAM_ISNUMVISUAL" val="0"/>
+  <p:tag name="KSO_WM_UNIT_DIAGRAM_ISREFERUNIT" val="0"/>
+  <p:tag name="KSO_WM_UNIT_ID" val="_5**"/>
+  <p:tag name="KSO_WM_UNIT_LAYERLEVEL" val="1"/>
+  <p:tag name="KSO_WM_TAG_VERSION" val="1.0"/>
+  <p:tag name="KSO_WM_BEAUTIFY_FLAG" val="#wm#"/>
+</p:tagLst>
+</file>
+
+<file path=ppt/tags/tag35.xml><?xml version="1.0" encoding="utf-8"?>
+<p:tagLst xmlns:a="http://schemas.openxmlformats.org/drawingml/2006/main" xmlns:r="http://schemas.openxmlformats.org/officeDocument/2006/relationships" xmlns:p="http://schemas.openxmlformats.org/presentationml/2006/main">
+  <p:tag name="KSO_WM_UNIT_HIGHLIGHT" val="0"/>
+  <p:tag name="KSO_WM_UNIT_COMPATIBLE" val="0"/>
+  <p:tag name="KSO_WM_UNIT_DIAGRAM_ISNUMVISUAL" val="0"/>
+  <p:tag name="KSO_WM_UNIT_DIAGRAM_ISREFERUNIT" val="0"/>
+  <p:tag name="KSO_WM_UNIT_ID" val="_5**"/>
+  <p:tag name="KSO_WM_UNIT_LAYERLEVEL" val="1"/>
+  <p:tag name="KSO_WM_TAG_VERSION" val="1.0"/>
+  <p:tag name="KSO_WM_BEAUTIFY_FLAG" val="#wm#"/>
+</p:tagLst>
+</file>
+
+<file path=ppt/tags/tag36.xml><?xml version="1.0" encoding="utf-8"?>
+<p:tagLst xmlns:a="http://schemas.openxmlformats.org/drawingml/2006/main" xmlns:r="http://schemas.openxmlformats.org/officeDocument/2006/relationships" xmlns:p="http://schemas.openxmlformats.org/presentationml/2006/main">
+  <p:tag name="KSO_WM_UNIT_HIGHLIGHT" val="0"/>
+  <p:tag name="KSO_WM_UNIT_COMPATIBLE" val="0"/>
+  <p:tag name="KSO_WM_UNIT_DIAGRAM_ISNUMVISUAL" val="0"/>
+  <p:tag name="KSO_WM_UNIT_DIAGRAM_ISREFERUNIT" val="0"/>
+  <p:tag name="KSO_WM_UNIT_ID" val="_5**"/>
+  <p:tag name="KSO_WM_UNIT_LAYERLEVEL" val="1"/>
+  <p:tag name="KSO_WM_TAG_VERSION" val="1.0"/>
+  <p:tag name="KSO_WM_BEAUTIFY_FLAG" val="#wm#"/>
+</p:tagLst>
+</file>
+
+<file path=ppt/tags/tag37.xml><?xml version="1.0" encoding="utf-8"?>
+<p:tagLst xmlns:a="http://schemas.openxmlformats.org/drawingml/2006/main" xmlns:r="http://schemas.openxmlformats.org/officeDocument/2006/relationships" xmlns:p="http://schemas.openxmlformats.org/presentationml/2006/main">
+  <p:tag name="KSO_WM_UNIT_HIGHLIGHT" val="0"/>
+  <p:tag name="KSO_WM_UNIT_COMPATIBLE" val="0"/>
+  <p:tag name="KSO_WM_UNIT_DIAGRAM_ISNUMVISUAL" val="0"/>
+  <p:tag name="KSO_WM_UNIT_DIAGRAM_ISREFERUNIT" val="0"/>
+  <p:tag name="KSO_WM_UNIT_ID" val="_6**"/>
+  <p:tag name="KSO_WM_UNIT_LAYERLEVEL" val="1"/>
+  <p:tag name="KSO_WM_TAG_VERSION" val="1.0"/>
+  <p:tag name="KSO_WM_BEAUTIFY_FLAG" val="#wm#"/>
+</p:tagLst>
+</file>
+
+<file path=ppt/tags/tag38.xml><?xml version="1.0" encoding="utf-8"?>
+<p:tagLst xmlns:a="http://schemas.openxmlformats.org/drawingml/2006/main" xmlns:r="http://schemas.openxmlformats.org/officeDocument/2006/relationships" xmlns:p="http://schemas.openxmlformats.org/presentationml/2006/main">
+  <p:tag name="KSO_WM_UNIT_HIGHLIGHT" val="0"/>
+  <p:tag name="KSO_WM_UNIT_COMPATIBLE" val="0"/>
+  <p:tag name="KSO_WM_UNIT_DIAGRAM_ISNUMVISUAL" val="0"/>
+  <p:tag name="KSO_WM_UNIT_DIAGRAM_ISREFERUNIT" val="0"/>
+  <p:tag name="KSO_WM_UNIT_ID" val="_6**"/>
+  <p:tag name="KSO_WM_UNIT_LAYERLEVEL" val="1"/>
+  <p:tag name="KSO_WM_TAG_VERSION" val="1.0"/>
+  <p:tag name="KSO_WM_BEAUTIFY_FLAG" val="#wm#"/>
+</p:tagLst>
+</file>
+
+<file path=ppt/tags/tag39.xml><?xml version="1.0" encoding="utf-8"?>
+<p:tagLst xmlns:a="http://schemas.openxmlformats.org/drawingml/2006/main" xmlns:r="http://schemas.openxmlformats.org/officeDocument/2006/relationships" xmlns:p="http://schemas.openxmlformats.org/presentationml/2006/main">
+  <p:tag name="KSO_WM_UNIT_HIGHLIGHT" val="0"/>
+  <p:tag name="KSO_WM_UNIT_COMPATIBLE" val="0"/>
+  <p:tag name="KSO_WM_UNIT_DIAGRAM_ISNUMVISUAL" val="0"/>
+  <p:tag name="KSO_WM_UNIT_DIAGRAM_ISREFERUNIT" val="0"/>
+  <p:tag name="KSO_WM_UNIT_ID" val="_6**"/>
+  <p:tag name="KSO_WM_UNIT_LAYERLEVEL" val="1"/>
+  <p:tag name="KSO_WM_TAG_VERSION" val="1.0"/>
+  <p:tag name="KSO_WM_BEAUTIFY_FLAG" val="#wm#"/>
+</p:tagLst>
+</file>
+
+<file path=ppt/tags/tag4.xml><?xml version="1.0" encoding="utf-8"?>
+<p:tagLst xmlns:a="http://schemas.openxmlformats.org/drawingml/2006/main" xmlns:r="http://schemas.openxmlformats.org/officeDocument/2006/relationships" xmlns:p="http://schemas.openxmlformats.org/presentationml/2006/main">
   <p:tag name="KSO_WM_UNIT_HIGHLIGHT" val="0"/>
   <p:tag name="KSO_WM_UNIT_COMPATIBLE" val="0"/>
   <p:tag name="KSO_WM_UNIT_DIAGRAM_ISNUMVISUAL" val="0"/>
@@ -3783,8 +8576,138 @@
 </p:tagLst>
 </file>
 
-<file path=ppt/tags/tag59.xml><?xml version="1.0" encoding="utf-8"?>
-<p:tagLst xmlns:p="http://schemas.openxmlformats.org/presentationml/2006/main">
+<file path=ppt/tags/tag40.xml><?xml version="1.0" encoding="utf-8"?>
+<p:tagLst xmlns:a="http://schemas.openxmlformats.org/drawingml/2006/main" xmlns:r="http://schemas.openxmlformats.org/officeDocument/2006/relationships" xmlns:p="http://schemas.openxmlformats.org/presentationml/2006/main">
+  <p:tag name="KSO_WM_UNIT_HIGHLIGHT" val="0"/>
+  <p:tag name="KSO_WM_UNIT_COMPATIBLE" val="0"/>
+  <p:tag name="KSO_WM_UNIT_DIAGRAM_ISNUMVISUAL" val="0"/>
+  <p:tag name="KSO_WM_UNIT_DIAGRAM_ISREFERUNIT" val="0"/>
+  <p:tag name="KSO_WM_UNIT_ID" val="_6**"/>
+  <p:tag name="KSO_WM_UNIT_LAYERLEVEL" val="1"/>
+  <p:tag name="KSO_WM_TAG_VERSION" val="1.0"/>
+  <p:tag name="KSO_WM_BEAUTIFY_FLAG" val="#wm#"/>
+</p:tagLst>
+</file>
+
+<file path=ppt/tags/tag41.xml><?xml version="1.0" encoding="utf-8"?>
+<p:tagLst xmlns:a="http://schemas.openxmlformats.org/drawingml/2006/main" xmlns:r="http://schemas.openxmlformats.org/officeDocument/2006/relationships" xmlns:p="http://schemas.openxmlformats.org/presentationml/2006/main">
+  <p:tag name="KSO_WM_UNIT_HIGHLIGHT" val="0"/>
+  <p:tag name="KSO_WM_UNIT_COMPATIBLE" val="0"/>
+  <p:tag name="KSO_WM_UNIT_DIAGRAM_ISNUMVISUAL" val="0"/>
+  <p:tag name="KSO_WM_UNIT_DIAGRAM_ISREFERUNIT" val="0"/>
+  <p:tag name="KSO_WM_UNIT_ID" val="_7**"/>
+  <p:tag name="KSO_WM_UNIT_LAYERLEVEL" val="1"/>
+  <p:tag name="KSO_WM_TAG_VERSION" val="1.0"/>
+  <p:tag name="KSO_WM_BEAUTIFY_FLAG" val="#wm#"/>
+</p:tagLst>
+</file>
+
+<file path=ppt/tags/tag42.xml><?xml version="1.0" encoding="utf-8"?>
+<p:tagLst xmlns:a="http://schemas.openxmlformats.org/drawingml/2006/main" xmlns:r="http://schemas.openxmlformats.org/officeDocument/2006/relationships" xmlns:p="http://schemas.openxmlformats.org/presentationml/2006/main">
+  <p:tag name="KSO_WM_UNIT_HIGHLIGHT" val="0"/>
+  <p:tag name="KSO_WM_UNIT_COMPATIBLE" val="0"/>
+  <p:tag name="KSO_WM_UNIT_DIAGRAM_ISNUMVISUAL" val="0"/>
+  <p:tag name="KSO_WM_UNIT_DIAGRAM_ISREFERUNIT" val="0"/>
+  <p:tag name="KSO_WM_UNIT_ID" val="_7**"/>
+  <p:tag name="KSO_WM_UNIT_LAYERLEVEL" val="1"/>
+  <p:tag name="KSO_WM_TAG_VERSION" val="1.0"/>
+  <p:tag name="KSO_WM_BEAUTIFY_FLAG" val="#wm#"/>
+</p:tagLst>
+</file>
+
+<file path=ppt/tags/tag43.xml><?xml version="1.0" encoding="utf-8"?>
+<p:tagLst xmlns:a="http://schemas.openxmlformats.org/drawingml/2006/main" xmlns:r="http://schemas.openxmlformats.org/officeDocument/2006/relationships" xmlns:p="http://schemas.openxmlformats.org/presentationml/2006/main">
+  <p:tag name="KSO_WM_UNIT_HIGHLIGHT" val="0"/>
+  <p:tag name="KSO_WM_UNIT_COMPATIBLE" val="0"/>
+  <p:tag name="KSO_WM_UNIT_DIAGRAM_ISNUMVISUAL" val="0"/>
+  <p:tag name="KSO_WM_UNIT_DIAGRAM_ISREFERUNIT" val="0"/>
+  <p:tag name="KSO_WM_UNIT_ID" val="_7**"/>
+  <p:tag name="KSO_WM_UNIT_LAYERLEVEL" val="1"/>
+  <p:tag name="KSO_WM_TAG_VERSION" val="1.0"/>
+  <p:tag name="KSO_WM_BEAUTIFY_FLAG" val="#wm#"/>
+</p:tagLst>
+</file>
+
+<file path=ppt/tags/tag44.xml><?xml version="1.0" encoding="utf-8"?>
+<p:tagLst xmlns:a="http://schemas.openxmlformats.org/drawingml/2006/main" xmlns:r="http://schemas.openxmlformats.org/officeDocument/2006/relationships" xmlns:p="http://schemas.openxmlformats.org/presentationml/2006/main">
+  <p:tag name="KSO_WM_UNIT_HIGHLIGHT" val="0"/>
+  <p:tag name="KSO_WM_UNIT_COMPATIBLE" val="0"/>
+  <p:tag name="KSO_WM_UNIT_DIAGRAM_ISNUMVISUAL" val="0"/>
+  <p:tag name="KSO_WM_UNIT_DIAGRAM_ISREFERUNIT" val="0"/>
+  <p:tag name="KSO_WM_UNIT_ID" val="_8**"/>
+  <p:tag name="KSO_WM_UNIT_LAYERLEVEL" val="1"/>
+  <p:tag name="KSO_WM_TAG_VERSION" val="1.0"/>
+  <p:tag name="KSO_WM_BEAUTIFY_FLAG" val="#wm#"/>
+</p:tagLst>
+</file>
+
+<file path=ppt/tags/tag45.xml><?xml version="1.0" encoding="utf-8"?>
+<p:tagLst xmlns:a="http://schemas.openxmlformats.org/drawingml/2006/main" xmlns:r="http://schemas.openxmlformats.org/officeDocument/2006/relationships" xmlns:p="http://schemas.openxmlformats.org/presentationml/2006/main">
+  <p:tag name="KSO_WM_UNIT_HIGHLIGHT" val="0"/>
+  <p:tag name="KSO_WM_UNIT_COMPATIBLE" val="0"/>
+  <p:tag name="KSO_WM_UNIT_DIAGRAM_ISNUMVISUAL" val="0"/>
+  <p:tag name="KSO_WM_UNIT_DIAGRAM_ISREFERUNIT" val="0"/>
+  <p:tag name="KSO_WM_UNIT_ID" val="_8**"/>
+  <p:tag name="KSO_WM_UNIT_LAYERLEVEL" val="1"/>
+  <p:tag name="KSO_WM_TAG_VERSION" val="1.0"/>
+  <p:tag name="KSO_WM_BEAUTIFY_FLAG" val="#wm#"/>
+</p:tagLst>
+</file>
+
+<file path=ppt/tags/tag46.xml><?xml version="1.0" encoding="utf-8"?>
+<p:tagLst xmlns:a="http://schemas.openxmlformats.org/drawingml/2006/main" xmlns:r="http://schemas.openxmlformats.org/officeDocument/2006/relationships" xmlns:p="http://schemas.openxmlformats.org/presentationml/2006/main">
+  <p:tag name="KSO_WM_UNIT_HIGHLIGHT" val="0"/>
+  <p:tag name="KSO_WM_UNIT_COMPATIBLE" val="0"/>
+  <p:tag name="KSO_WM_UNIT_DIAGRAM_ISNUMVISUAL" val="0"/>
+  <p:tag name="KSO_WM_UNIT_DIAGRAM_ISREFERUNIT" val="0"/>
+  <p:tag name="KSO_WM_UNIT_ID" val="_8**"/>
+  <p:tag name="KSO_WM_UNIT_LAYERLEVEL" val="1"/>
+  <p:tag name="KSO_WM_TAG_VERSION" val="1.0"/>
+  <p:tag name="KSO_WM_BEAUTIFY_FLAG" val="#wm#"/>
+</p:tagLst>
+</file>
+
+<file path=ppt/tags/tag47.xml><?xml version="1.0" encoding="utf-8"?>
+<p:tagLst xmlns:a="http://schemas.openxmlformats.org/drawingml/2006/main" xmlns:r="http://schemas.openxmlformats.org/officeDocument/2006/relationships" xmlns:p="http://schemas.openxmlformats.org/presentationml/2006/main">
+  <p:tag name="KSO_WM_UNIT_HIGHLIGHT" val="0"/>
+  <p:tag name="KSO_WM_UNIT_COMPATIBLE" val="0"/>
+  <p:tag name="KSO_WM_UNIT_DIAGRAM_ISNUMVISUAL" val="0"/>
+  <p:tag name="KSO_WM_UNIT_DIAGRAM_ISREFERUNIT" val="0"/>
+  <p:tag name="KSO_WM_UNIT_ID" val="_8**"/>
+  <p:tag name="KSO_WM_UNIT_LAYERLEVEL" val="1"/>
+  <p:tag name="KSO_WM_TAG_VERSION" val="1.0"/>
+  <p:tag name="KSO_WM_BEAUTIFY_FLAG" val="#wm#"/>
+</p:tagLst>
+</file>
+
+<file path=ppt/tags/tag48.xml><?xml version="1.0" encoding="utf-8"?>
+<p:tagLst xmlns:a="http://schemas.openxmlformats.org/drawingml/2006/main" xmlns:r="http://schemas.openxmlformats.org/officeDocument/2006/relationships" xmlns:p="http://schemas.openxmlformats.org/presentationml/2006/main">
+  <p:tag name="KSO_WM_UNIT_HIGHLIGHT" val="0"/>
+  <p:tag name="KSO_WM_UNIT_COMPATIBLE" val="0"/>
+  <p:tag name="KSO_WM_UNIT_DIAGRAM_ISNUMVISUAL" val="0"/>
+  <p:tag name="KSO_WM_UNIT_DIAGRAM_ISREFERUNIT" val="0"/>
+  <p:tag name="KSO_WM_UNIT_ID" val="_8**"/>
+  <p:tag name="KSO_WM_UNIT_LAYERLEVEL" val="1"/>
+  <p:tag name="KSO_WM_TAG_VERSION" val="1.0"/>
+  <p:tag name="KSO_WM_BEAUTIFY_FLAG" val="#wm#"/>
+</p:tagLst>
+</file>
+
+<file path=ppt/tags/tag49.xml><?xml version="1.0" encoding="utf-8"?>
+<p:tagLst xmlns:a="http://schemas.openxmlformats.org/drawingml/2006/main" xmlns:r="http://schemas.openxmlformats.org/officeDocument/2006/relationships" xmlns:p="http://schemas.openxmlformats.org/presentationml/2006/main">
+  <p:tag name="KSO_WM_UNIT_HIGHLIGHT" val="0"/>
+  <p:tag name="KSO_WM_UNIT_COMPATIBLE" val="0"/>
+  <p:tag name="KSO_WM_UNIT_DIAGRAM_ISNUMVISUAL" val="0"/>
+  <p:tag name="KSO_WM_UNIT_DIAGRAM_ISREFERUNIT" val="0"/>
+  <p:tag name="KSO_WM_UNIT_ID" val="_8**"/>
+  <p:tag name="KSO_WM_UNIT_LAYERLEVEL" val="1"/>
+  <p:tag name="KSO_WM_TAG_VERSION" val="1.0"/>
+  <p:tag name="KSO_WM_BEAUTIFY_FLAG" val="#wm#"/>
+</p:tagLst>
+</file>
+
+<file path=ppt/tags/tag5.xml><?xml version="1.0" encoding="utf-8"?>
+<p:tagLst xmlns:a="http://schemas.openxmlformats.org/drawingml/2006/main" xmlns:r="http://schemas.openxmlformats.org/officeDocument/2006/relationships" xmlns:p="http://schemas.openxmlformats.org/presentationml/2006/main">
   <p:tag name="KSO_WM_UNIT_HIGHLIGHT" val="0"/>
   <p:tag name="KSO_WM_UNIT_COMPATIBLE" val="0"/>
   <p:tag name="KSO_WM_UNIT_DIAGRAM_ISNUMVISUAL" val="0"/>
@@ -3796,21 +8719,138 @@
 </p:tagLst>
 </file>
 
-<file path=ppt/tags/tag6.xml><?xml version="1.0" encoding="utf-8"?>
-<p:tagLst xmlns:p="http://schemas.openxmlformats.org/presentationml/2006/main">
+<file path=ppt/tags/tag50.xml><?xml version="1.0" encoding="utf-8"?>
+<p:tagLst xmlns:a="http://schemas.openxmlformats.org/drawingml/2006/main" xmlns:r="http://schemas.openxmlformats.org/officeDocument/2006/relationships" xmlns:p="http://schemas.openxmlformats.org/presentationml/2006/main">
   <p:tag name="KSO_WM_UNIT_HIGHLIGHT" val="0"/>
   <p:tag name="KSO_WM_UNIT_COMPATIBLE" val="0"/>
   <p:tag name="KSO_WM_UNIT_DIAGRAM_ISNUMVISUAL" val="0"/>
   <p:tag name="KSO_WM_UNIT_DIAGRAM_ISREFERUNIT" val="0"/>
-  <p:tag name="KSO_WM_UNIT_ID" val="_2**"/>
+  <p:tag name="KSO_WM_UNIT_ID" val="_9**"/>
   <p:tag name="KSO_WM_UNIT_LAYERLEVEL" val="1"/>
   <p:tag name="KSO_WM_TAG_VERSION" val="1.0"/>
   <p:tag name="KSO_WM_BEAUTIFY_FLAG" val="#wm#"/>
 </p:tagLst>
 </file>
 
-<file path=ppt/tags/tag60.xml><?xml version="1.0" encoding="utf-8"?>
-<p:tagLst xmlns:p="http://schemas.openxmlformats.org/presentationml/2006/main">
+<file path=ppt/tags/tag51.xml><?xml version="1.0" encoding="utf-8"?>
+<p:tagLst xmlns:a="http://schemas.openxmlformats.org/drawingml/2006/main" xmlns:r="http://schemas.openxmlformats.org/officeDocument/2006/relationships" xmlns:p="http://schemas.openxmlformats.org/presentationml/2006/main">
+  <p:tag name="KSO_WM_UNIT_HIGHLIGHT" val="0"/>
+  <p:tag name="KSO_WM_UNIT_COMPATIBLE" val="0"/>
+  <p:tag name="KSO_WM_UNIT_DIAGRAM_ISNUMVISUAL" val="0"/>
+  <p:tag name="KSO_WM_UNIT_DIAGRAM_ISREFERUNIT" val="0"/>
+  <p:tag name="KSO_WM_UNIT_ID" val="_9**"/>
+  <p:tag name="KSO_WM_UNIT_LAYERLEVEL" val="1"/>
+  <p:tag name="KSO_WM_TAG_VERSION" val="1.0"/>
+  <p:tag name="KSO_WM_BEAUTIFY_FLAG" val="#wm#"/>
+</p:tagLst>
+</file>
+
+<file path=ppt/tags/tag52.xml><?xml version="1.0" encoding="utf-8"?>
+<p:tagLst xmlns:a="http://schemas.openxmlformats.org/drawingml/2006/main" xmlns:r="http://schemas.openxmlformats.org/officeDocument/2006/relationships" xmlns:p="http://schemas.openxmlformats.org/presentationml/2006/main">
+  <p:tag name="KSO_WM_UNIT_HIGHLIGHT" val="0"/>
+  <p:tag name="KSO_WM_UNIT_COMPATIBLE" val="0"/>
+  <p:tag name="KSO_WM_UNIT_DIAGRAM_ISNUMVISUAL" val="0"/>
+  <p:tag name="KSO_WM_UNIT_DIAGRAM_ISREFERUNIT" val="0"/>
+  <p:tag name="KSO_WM_UNIT_ID" val="_9**"/>
+  <p:tag name="KSO_WM_UNIT_LAYERLEVEL" val="1"/>
+  <p:tag name="KSO_WM_TAG_VERSION" val="1.0"/>
+  <p:tag name="KSO_WM_BEAUTIFY_FLAG" val="#wm#"/>
+</p:tagLst>
+</file>
+
+<file path=ppt/tags/tag53.xml><?xml version="1.0" encoding="utf-8"?>
+<p:tagLst xmlns:a="http://schemas.openxmlformats.org/drawingml/2006/main" xmlns:r="http://schemas.openxmlformats.org/officeDocument/2006/relationships" xmlns:p="http://schemas.openxmlformats.org/presentationml/2006/main">
+  <p:tag name="KSO_WM_UNIT_HIGHLIGHT" val="0"/>
+  <p:tag name="KSO_WM_UNIT_COMPATIBLE" val="0"/>
+  <p:tag name="KSO_WM_UNIT_DIAGRAM_ISNUMVISUAL" val="0"/>
+  <p:tag name="KSO_WM_UNIT_DIAGRAM_ISREFERUNIT" val="0"/>
+  <p:tag name="KSO_WM_UNIT_ID" val="_9**"/>
+  <p:tag name="KSO_WM_UNIT_LAYERLEVEL" val="1"/>
+  <p:tag name="KSO_WM_TAG_VERSION" val="1.0"/>
+  <p:tag name="KSO_WM_BEAUTIFY_FLAG" val="#wm#"/>
+</p:tagLst>
+</file>
+
+<file path=ppt/tags/tag54.xml><?xml version="1.0" encoding="utf-8"?>
+<p:tagLst xmlns:a="http://schemas.openxmlformats.org/drawingml/2006/main" xmlns:r="http://schemas.openxmlformats.org/officeDocument/2006/relationships" xmlns:p="http://schemas.openxmlformats.org/presentationml/2006/main">
+  <p:tag name="KSO_WM_UNIT_HIGHLIGHT" val="0"/>
+  <p:tag name="KSO_WM_UNIT_COMPATIBLE" val="0"/>
+  <p:tag name="KSO_WM_UNIT_DIAGRAM_ISNUMVISUAL" val="0"/>
+  <p:tag name="KSO_WM_UNIT_DIAGRAM_ISREFERUNIT" val="0"/>
+  <p:tag name="KSO_WM_UNIT_ID" val="_9**"/>
+  <p:tag name="KSO_WM_UNIT_LAYERLEVEL" val="1"/>
+  <p:tag name="KSO_WM_TAG_VERSION" val="1.0"/>
+  <p:tag name="KSO_WM_BEAUTIFY_FLAG" val="#wm#"/>
+</p:tagLst>
+</file>
+
+<file path=ppt/tags/tag55.xml><?xml version="1.0" encoding="utf-8"?>
+<p:tagLst xmlns:a="http://schemas.openxmlformats.org/drawingml/2006/main" xmlns:r="http://schemas.openxmlformats.org/officeDocument/2006/relationships" xmlns:p="http://schemas.openxmlformats.org/presentationml/2006/main">
+  <p:tag name="KSO_WM_UNIT_HIGHLIGHT" val="0"/>
+  <p:tag name="KSO_WM_UNIT_COMPATIBLE" val="0"/>
+  <p:tag name="KSO_WM_UNIT_DIAGRAM_ISNUMVISUAL" val="0"/>
+  <p:tag name="KSO_WM_UNIT_DIAGRAM_ISREFERUNIT" val="0"/>
+  <p:tag name="KSO_WM_UNIT_ID" val="_10**"/>
+  <p:tag name="KSO_WM_UNIT_LAYERLEVEL" val="1"/>
+  <p:tag name="KSO_WM_TAG_VERSION" val="1.0"/>
+  <p:tag name="KSO_WM_BEAUTIFY_FLAG" val="#wm#"/>
+</p:tagLst>
+</file>
+
+<file path=ppt/tags/tag56.xml><?xml version="1.0" encoding="utf-8"?>
+<p:tagLst xmlns:a="http://schemas.openxmlformats.org/drawingml/2006/main" xmlns:r="http://schemas.openxmlformats.org/officeDocument/2006/relationships" xmlns:p="http://schemas.openxmlformats.org/presentationml/2006/main">
+  <p:tag name="KSO_WM_UNIT_HIGHLIGHT" val="0"/>
+  <p:tag name="KSO_WM_UNIT_COMPATIBLE" val="0"/>
+  <p:tag name="KSO_WM_UNIT_DIAGRAM_ISNUMVISUAL" val="0"/>
+  <p:tag name="KSO_WM_UNIT_DIAGRAM_ISREFERUNIT" val="0"/>
+  <p:tag name="KSO_WM_UNIT_ID" val="_10**"/>
+  <p:tag name="KSO_WM_UNIT_LAYERLEVEL" val="1"/>
+  <p:tag name="KSO_WM_TAG_VERSION" val="1.0"/>
+  <p:tag name="KSO_WM_BEAUTIFY_FLAG" val="#wm#"/>
+</p:tagLst>
+</file>
+
+<file path=ppt/tags/tag57.xml><?xml version="1.0" encoding="utf-8"?>
+<p:tagLst xmlns:a="http://schemas.openxmlformats.org/drawingml/2006/main" xmlns:r="http://schemas.openxmlformats.org/officeDocument/2006/relationships" xmlns:p="http://schemas.openxmlformats.org/presentationml/2006/main">
+  <p:tag name="KSO_WM_UNIT_HIGHLIGHT" val="0"/>
+  <p:tag name="KSO_WM_UNIT_COMPATIBLE" val="0"/>
+  <p:tag name="KSO_WM_UNIT_DIAGRAM_ISNUMVISUAL" val="0"/>
+  <p:tag name="KSO_WM_UNIT_DIAGRAM_ISREFERUNIT" val="0"/>
+  <p:tag name="KSO_WM_UNIT_ID" val="_10**"/>
+  <p:tag name="KSO_WM_UNIT_LAYERLEVEL" val="1"/>
+  <p:tag name="KSO_WM_TAG_VERSION" val="1.0"/>
+  <p:tag name="KSO_WM_BEAUTIFY_FLAG" val="#wm#"/>
+</p:tagLst>
+</file>
+
+<file path=ppt/tags/tag58.xml><?xml version="1.0" encoding="utf-8"?>
+<p:tagLst xmlns:a="http://schemas.openxmlformats.org/drawingml/2006/main" xmlns:r="http://schemas.openxmlformats.org/officeDocument/2006/relationships" xmlns:p="http://schemas.openxmlformats.org/presentationml/2006/main">
+  <p:tag name="KSO_WM_UNIT_HIGHLIGHT" val="0"/>
+  <p:tag name="KSO_WM_UNIT_COMPATIBLE" val="0"/>
+  <p:tag name="KSO_WM_UNIT_DIAGRAM_ISNUMVISUAL" val="0"/>
+  <p:tag name="KSO_WM_UNIT_DIAGRAM_ISREFERUNIT" val="0"/>
+  <p:tag name="KSO_WM_UNIT_ID" val="_10**"/>
+  <p:tag name="KSO_WM_UNIT_LAYERLEVEL" val="1"/>
+  <p:tag name="KSO_WM_TAG_VERSION" val="1.0"/>
+  <p:tag name="KSO_WM_BEAUTIFY_FLAG" val="#wm#"/>
+</p:tagLst>
+</file>
+
+<file path=ppt/tags/tag59.xml><?xml version="1.0" encoding="utf-8"?>
+<p:tagLst xmlns:a="http://schemas.openxmlformats.org/drawingml/2006/main" xmlns:r="http://schemas.openxmlformats.org/officeDocument/2006/relationships" xmlns:p="http://schemas.openxmlformats.org/presentationml/2006/main">
+  <p:tag name="KSO_WM_UNIT_HIGHLIGHT" val="0"/>
+  <p:tag name="KSO_WM_UNIT_COMPATIBLE" val="0"/>
+  <p:tag name="KSO_WM_UNIT_DIAGRAM_ISNUMVISUAL" val="0"/>
+  <p:tag name="KSO_WM_UNIT_DIAGRAM_ISREFERUNIT" val="0"/>
+  <p:tag name="KSO_WM_UNIT_ID" val="_11**"/>
+  <p:tag name="KSO_WM_UNIT_LAYERLEVEL" val="1"/>
+  <p:tag name="KSO_WM_TAG_VERSION" val="1.0"/>
+  <p:tag name="KSO_WM_BEAUTIFY_FLAG" val="#wm#"/>
+</p:tagLst>
+</file>
+
+<file path=ppt/tags/tag6.xml><?xml version="1.0" encoding="utf-8"?>
+<p:tagLst xmlns:a="http://schemas.openxmlformats.org/drawingml/2006/main" xmlns:r="http://schemas.openxmlformats.org/officeDocument/2006/relationships" xmlns:p="http://schemas.openxmlformats.org/presentationml/2006/main">
   <p:tag name="KSO_WM_UNIT_HIGHLIGHT" val="0"/>
   <p:tag name="KSO_WM_UNIT_COMPATIBLE" val="0"/>
   <p:tag name="KSO_WM_UNIT_DIAGRAM_ISNUMVISUAL" val="0"/>
@@ -3822,13 +8862,26 @@
 </p:tagLst>
 </file>
 
-<file path=ppt/tags/tag61.xml><?xml version="1.0" encoding="utf-8"?>
-<p:tagLst xmlns:p="http://schemas.openxmlformats.org/presentationml/2006/main">
+<file path=ppt/tags/tag60.xml><?xml version="1.0" encoding="utf-8"?>
+<p:tagLst xmlns:a="http://schemas.openxmlformats.org/drawingml/2006/main" xmlns:r="http://schemas.openxmlformats.org/officeDocument/2006/relationships" xmlns:p="http://schemas.openxmlformats.org/presentationml/2006/main">
   <p:tag name="KSO_WM_UNIT_HIGHLIGHT" val="0"/>
   <p:tag name="KSO_WM_UNIT_COMPATIBLE" val="0"/>
   <p:tag name="KSO_WM_UNIT_DIAGRAM_ISNUMVISUAL" val="0"/>
   <p:tag name="KSO_WM_UNIT_DIAGRAM_ISREFERUNIT" val="0"/>
-  <p:tag name="KSO_WM_UNIT_ID" val="_0**"/>
+  <p:tag name="KSO_WM_UNIT_ID" val="_11**"/>
+  <p:tag name="KSO_WM_UNIT_LAYERLEVEL" val="1"/>
+  <p:tag name="KSO_WM_TAG_VERSION" val="1.0"/>
+  <p:tag name="KSO_WM_BEAUTIFY_FLAG" val="#wm#"/>
+</p:tagLst>
+</file>
+
+<file path=ppt/tags/tag61.xml><?xml version="1.0" encoding="utf-8"?>
+<p:tagLst xmlns:a="http://schemas.openxmlformats.org/drawingml/2006/main" xmlns:r="http://schemas.openxmlformats.org/officeDocument/2006/relationships" xmlns:p="http://schemas.openxmlformats.org/presentationml/2006/main">
+  <p:tag name="KSO_WM_UNIT_HIGHLIGHT" val="0"/>
+  <p:tag name="KSO_WM_UNIT_COMPATIBLE" val="0"/>
+  <p:tag name="KSO_WM_UNIT_DIAGRAM_ISNUMVISUAL" val="0"/>
+  <p:tag name="KSO_WM_UNIT_DIAGRAM_ISREFERUNIT" val="0"/>
+  <p:tag name="KSO_WM_UNIT_ID" val="_11**"/>
   <p:tag name="KSO_WM_UNIT_LAYERLEVEL" val="1"/>
   <p:tag name="KSO_WM_TAG_VERSION" val="1.0"/>
   <p:tag name="KSO_WM_BEAUTIFY_FLAG" val="#wm#"/>
@@ -3836,21 +8889,33 @@
 </file>
 
 <file path=ppt/tags/tag62.xml><?xml version="1.0" encoding="utf-8"?>
-<p:tagLst xmlns:p="http://schemas.openxmlformats.org/presentationml/2006/main">
-  <p:tag name="KSO_WM_TEMPLATE_THUMBS_INDEX" val="1、4、7、12、13、14、15、16、17、18、20、24、25、28、33、36、40、43、44"/>
-  <p:tag name="KSO_WM_TEMPLATE_SUBCATEGORY" val="19"/>
+<p:tagLst xmlns:a="http://schemas.openxmlformats.org/drawingml/2006/main" xmlns:r="http://schemas.openxmlformats.org/officeDocument/2006/relationships" xmlns:p="http://schemas.openxmlformats.org/presentationml/2006/main">
+  <p:tag name="KSO_WM_UNIT_HIGHLIGHT" val="0"/>
+  <p:tag name="KSO_WM_UNIT_COMPATIBLE" val="0"/>
+  <p:tag name="KSO_WM_UNIT_DIAGRAM_ISNUMVISUAL" val="0"/>
+  <p:tag name="KSO_WM_UNIT_DIAGRAM_ISREFERUNIT" val="0"/>
+  <p:tag name="KSO_WM_UNIT_ID" val="_11**"/>
+  <p:tag name="KSO_WM_UNIT_LAYERLEVEL" val="1"/>
   <p:tag name="KSO_WM_TAG_VERSION" val="1.0"/>
   <p:tag name="KSO_WM_BEAUTIFY_FLAG" val="#wm#"/>
-  <p:tag name="KSO_WM_TEMPLATE_CATEGORY" val="custom"/>
-  <p:tag name="KSO_WM_TEMPLATE_INDEX" val="20205081"/>
-  <p:tag name="KSO_WM_TEMPLATE_MASTER_TYPE" val="0"/>
-  <p:tag name="KSO_WM_TEMPLATE_COLOR_TYPE" val="1"/>
-  <p:tag name="KSO_WM_UNIT_SHOW_EDIT_AREA_INDICATION" val="1"/>
 </p:tagLst>
 </file>
 
 <file path=ppt/tags/tag63.xml><?xml version="1.0" encoding="utf-8"?>
-<p:tagLst xmlns:p="http://schemas.openxmlformats.org/presentationml/2006/main">
+<p:tagLst xmlns:a="http://schemas.openxmlformats.org/drawingml/2006/main" xmlns:r="http://schemas.openxmlformats.org/officeDocument/2006/relationships" xmlns:p="http://schemas.openxmlformats.org/presentationml/2006/main">
+  <p:tag name="KSO_WM_UNIT_HIGHLIGHT" val="0"/>
+  <p:tag name="KSO_WM_UNIT_COMPATIBLE" val="0"/>
+  <p:tag name="KSO_WM_UNIT_DIAGRAM_ISNUMVISUAL" val="0"/>
+  <p:tag name="KSO_WM_UNIT_DIAGRAM_ISREFERUNIT" val="0"/>
+  <p:tag name="KSO_WM_UNIT_ID" val="_11**"/>
+  <p:tag name="KSO_WM_UNIT_LAYERLEVEL" val="1"/>
+  <p:tag name="KSO_WM_TAG_VERSION" val="1.0"/>
+  <p:tag name="KSO_WM_BEAUTIFY_FLAG" val="#wm#"/>
+</p:tagLst>
+</file>
+
+<file path=ppt/tags/tag64.xml><?xml version="1.0" encoding="utf-8"?>
+<p:tagLst xmlns:a="http://schemas.openxmlformats.org/drawingml/2006/main" xmlns:r="http://schemas.openxmlformats.org/officeDocument/2006/relationships" xmlns:p="http://schemas.openxmlformats.org/presentationml/2006/main">
   <p:tag name="KSO_WM_SLIDE_ID" val="custom20205081_1"/>
   <p:tag name="KSO_WM_TEMPLATE_SUBCATEGORY" val="19"/>
   <p:tag name="KSO_WM_TEMPLATE_MASTER_TYPE" val="0"/>
@@ -3870,19 +8935,13 @@
 </p:tagLst>
 </file>
 
-<file path=ppt/tags/tag64.xml><?xml version="1.0" encoding="utf-8"?>
-<p:tagLst xmlns:p="http://schemas.openxmlformats.org/presentationml/2006/main">
-  <p:tag name="COMMONDATA" val="eyJoZGlkIjoiMWUwM2M0YTEyMWNkODhlODVmNGRhNDg3YjM2NWI0MjIifQ=="/>
-</p:tagLst>
-</file>
-
 <file path=ppt/tags/tag7.xml><?xml version="1.0" encoding="utf-8"?>
-<p:tagLst xmlns:p="http://schemas.openxmlformats.org/presentationml/2006/main">
+<p:tagLst xmlns:a="http://schemas.openxmlformats.org/drawingml/2006/main" xmlns:r="http://schemas.openxmlformats.org/officeDocument/2006/relationships" xmlns:p="http://schemas.openxmlformats.org/presentationml/2006/main">
   <p:tag name="KSO_WM_UNIT_HIGHLIGHT" val="0"/>
   <p:tag name="KSO_WM_UNIT_COMPATIBLE" val="0"/>
   <p:tag name="KSO_WM_UNIT_DIAGRAM_ISNUMVISUAL" val="0"/>
   <p:tag name="KSO_WM_UNIT_DIAGRAM_ISREFERUNIT" val="0"/>
-  <p:tag name="KSO_WM_UNIT_ID" val="_2**"/>
+  <p:tag name="KSO_WM_UNIT_ID" val="_0**"/>
   <p:tag name="KSO_WM_UNIT_LAYERLEVEL" val="1"/>
   <p:tag name="KSO_WM_TAG_VERSION" val="1.0"/>
   <p:tag name="KSO_WM_BEAUTIFY_FLAG" val="#wm#"/>
@@ -3890,12 +8949,12 @@
 </file>
 
 <file path=ppt/tags/tag8.xml><?xml version="1.0" encoding="utf-8"?>
-<p:tagLst xmlns:p="http://schemas.openxmlformats.org/presentationml/2006/main">
+<p:tagLst xmlns:a="http://schemas.openxmlformats.org/drawingml/2006/main" xmlns:r="http://schemas.openxmlformats.org/officeDocument/2006/relationships" xmlns:p="http://schemas.openxmlformats.org/presentationml/2006/main">
   <p:tag name="KSO_WM_UNIT_HIGHLIGHT" val="0"/>
   <p:tag name="KSO_WM_UNIT_COMPATIBLE" val="0"/>
   <p:tag name="KSO_WM_UNIT_DIAGRAM_ISNUMVISUAL" val="0"/>
   <p:tag name="KSO_WM_UNIT_DIAGRAM_ISREFERUNIT" val="0"/>
-  <p:tag name="KSO_WM_UNIT_ID" val="_2**"/>
+  <p:tag name="KSO_WM_UNIT_ID" val="_1**"/>
   <p:tag name="KSO_WM_UNIT_LAYERLEVEL" val="1"/>
   <p:tag name="KSO_WM_TAG_VERSION" val="1.0"/>
   <p:tag name="KSO_WM_BEAUTIFY_FLAG" val="#wm#"/>
@@ -3903,12 +8962,12 @@
 </file>
 
 <file path=ppt/tags/tag9.xml><?xml version="1.0" encoding="utf-8"?>
-<p:tagLst xmlns:p="http://schemas.openxmlformats.org/presentationml/2006/main">
+<p:tagLst xmlns:a="http://schemas.openxmlformats.org/drawingml/2006/main" xmlns:r="http://schemas.openxmlformats.org/officeDocument/2006/relationships" xmlns:p="http://schemas.openxmlformats.org/presentationml/2006/main">
   <p:tag name="KSO_WM_UNIT_HIGHLIGHT" val="0"/>
   <p:tag name="KSO_WM_UNIT_COMPATIBLE" val="0"/>
   <p:tag name="KSO_WM_UNIT_DIAGRAM_ISNUMVISUAL" val="0"/>
   <p:tag name="KSO_WM_UNIT_DIAGRAM_ISREFERUNIT" val="0"/>
-  <p:tag name="KSO_WM_UNIT_ID" val="_2**"/>
+  <p:tag name="KSO_WM_UNIT_ID" val="_1**"/>
   <p:tag name="KSO_WM_UNIT_LAYERLEVEL" val="1"/>
   <p:tag name="KSO_WM_TAG_VERSION" val="1.0"/>
   <p:tag name="KSO_WM_BEAUTIFY_FLAG" val="#wm#"/>
@@ -4106,6 +9165,8 @@
       </a:bgFillStyleLst>
     </a:fmtScheme>
   </a:themeElements>
+  <a:objectDefaults/>
+  <a:extraClrSchemeLst/>
   <a:extLst>
     <a:ext uri="{05A4C25C-085E-4340-85A3-A5531E510DB2}">
       <thm15:themeFamily xmlns:thm15="http://schemas.microsoft.com/office/thememl/2012/main" name="Office Theme" id="{62F939B6-93AF-4DB8-9C6B-D6C7DFDC589F}" vid="{4A3C46E8-61CC-4603-A589-7422A47A8E4A}"/>

--- a/solver/figure.pptx
+++ b/solver/figure.pptx
@@ -7,11 +7,13 @@
   <p:sldIdLst>
     <p:sldId id="256" r:id="rId2"/>
     <p:sldId id="257" r:id="rId3"/>
+    <p:sldId id="258" r:id="rId4"/>
+    <p:sldId id="259" r:id="rId5"/>
   </p:sldIdLst>
   <p:sldSz cx="12192000" cy="6858000"/>
   <p:notesSz cx="6858000" cy="9144000"/>
   <p:custDataLst>
-    <p:tags r:id="rId4"/>
+    <p:tags r:id="rId6"/>
   </p:custDataLst>
   <p:defaultTextStyle>
     <a:defPPr>
@@ -131,41 +133,85 @@
 </file>
 
 <file path=ppt/diagrams/colors1.xml><?xml version="1.0" encoding="utf-8"?>
-<dgm:colorsDef xmlns:dgm="http://schemas.openxmlformats.org/drawingml/2006/diagram" xmlns:a="http://schemas.openxmlformats.org/drawingml/2006/main" uniqueId="urn:microsoft.com/office/officeart/2005/8/colors/accent6_5">
+<dgm:colorsDef xmlns:dgm="http://schemas.openxmlformats.org/drawingml/2006/diagram" xmlns:a="http://schemas.openxmlformats.org/drawingml/2006/main" uniqueId="urn:microsoft.com/office/officeart/2005/8/colors/accent1_1">
   <dgm:title val=""/>
   <dgm:desc val=""/>
   <dgm:catLst>
-    <dgm:cat type="accent6" pri="11500"/>
+    <dgm:cat type="accent1" pri="11100"/>
   </dgm:catLst>
   <dgm:styleLbl name="node0">
-    <dgm:fillClrLst meth="cycle">
-      <a:schemeClr val="accent6">
-        <a:alpha val="80000"/>
+    <dgm:fillClrLst meth="repeat">
+      <a:schemeClr val="lt1"/>
+    </dgm:fillClrLst>
+    <dgm:linClrLst meth="repeat">
+      <a:schemeClr val="accent1">
+        <a:shade val="80000"/>
+      </a:schemeClr>
+    </dgm:linClrLst>
+    <dgm:effectClrLst/>
+    <dgm:txLinClrLst/>
+    <dgm:txFillClrLst meth="repeat">
+      <a:schemeClr val="dk1"/>
+    </dgm:txFillClrLst>
+    <dgm:txEffectClrLst/>
+  </dgm:styleLbl>
+  <dgm:styleLbl name="alignNode1">
+    <dgm:fillClrLst meth="repeat">
+      <a:schemeClr val="lt1"/>
+    </dgm:fillClrLst>
+    <dgm:linClrLst meth="repeat">
+      <a:schemeClr val="accent1">
+        <a:shade val="80000"/>
+      </a:schemeClr>
+    </dgm:linClrLst>
+    <dgm:effectClrLst/>
+    <dgm:txLinClrLst/>
+    <dgm:txFillClrLst meth="repeat">
+      <a:schemeClr val="dk1"/>
+    </dgm:txFillClrLst>
+    <dgm:txEffectClrLst/>
+  </dgm:styleLbl>
+  <dgm:styleLbl name="node1">
+    <dgm:fillClrLst meth="repeat">
+      <a:schemeClr val="lt1"/>
+    </dgm:fillClrLst>
+    <dgm:linClrLst meth="repeat">
+      <a:schemeClr val="accent1">
+        <a:shade val="80000"/>
+      </a:schemeClr>
+    </dgm:linClrLst>
+    <dgm:effectClrLst/>
+    <dgm:txLinClrLst/>
+    <dgm:txFillClrLst meth="repeat">
+      <a:schemeClr val="dk1"/>
+    </dgm:txFillClrLst>
+    <dgm:txEffectClrLst/>
+  </dgm:styleLbl>
+  <dgm:styleLbl name="lnNode1">
+    <dgm:fillClrLst meth="repeat">
+      <a:schemeClr val="lt1"/>
+    </dgm:fillClrLst>
+    <dgm:linClrLst meth="repeat">
+      <a:schemeClr val="accent1">
+        <a:shade val="80000"/>
+      </a:schemeClr>
+    </dgm:linClrLst>
+    <dgm:effectClrLst/>
+    <dgm:txLinClrLst/>
+    <dgm:txFillClrLst meth="repeat">
+      <a:schemeClr val="dk1"/>
+    </dgm:txFillClrLst>
+    <dgm:txEffectClrLst/>
+  </dgm:styleLbl>
+  <dgm:styleLbl name="vennNode1">
+    <dgm:fillClrLst meth="repeat">
+      <a:schemeClr val="lt1">
+        <a:alpha val="50000"/>
       </a:schemeClr>
     </dgm:fillClrLst>
     <dgm:linClrLst meth="repeat">
-      <a:schemeClr val="lt1"/>
-    </dgm:linClrLst>
-    <dgm:effectClrLst/>
-    <dgm:txLinClrLst/>
-    <dgm:txFillClrLst/>
-    <dgm:txEffectClrLst/>
-  </dgm:styleLbl>
-  <dgm:styleLbl name="alignNode1">
-    <dgm:fillClrLst>
-      <a:schemeClr val="accent6">
-        <a:alpha val="90000"/>
-      </a:schemeClr>
-      <a:schemeClr val="accent6">
-        <a:alpha val="50000"/>
-      </a:schemeClr>
-    </dgm:fillClrLst>
-    <dgm:linClrLst>
-      <a:schemeClr val="accent6">
-        <a:alpha val="90000"/>
-      </a:schemeClr>
-      <a:schemeClr val="accent6">
-        <a:alpha val="50000"/>
+      <a:schemeClr val="accent1">
+        <a:shade val="80000"/>
       </a:schemeClr>
     </dgm:linClrLst>
     <dgm:effectClrLst/>
@@ -173,114 +219,64 @@
     <dgm:txFillClrLst/>
     <dgm:txEffectClrLst/>
   </dgm:styleLbl>
-  <dgm:styleLbl name="node1">
-    <dgm:fillClrLst>
-      <a:schemeClr val="accent6">
-        <a:alpha val="90000"/>
+  <dgm:styleLbl name="node2">
+    <dgm:fillClrLst meth="repeat">
+      <a:schemeClr val="lt1"/>
+    </dgm:fillClrLst>
+    <dgm:linClrLst meth="repeat">
+      <a:schemeClr val="accent1">
+        <a:shade val="80000"/>
       </a:schemeClr>
-      <a:schemeClr val="accent6">
-        <a:alpha val="50000"/>
+    </dgm:linClrLst>
+    <dgm:effectClrLst/>
+    <dgm:txLinClrLst/>
+    <dgm:txFillClrLst meth="repeat">
+      <a:schemeClr val="dk1"/>
+    </dgm:txFillClrLst>
+    <dgm:txEffectClrLst/>
+  </dgm:styleLbl>
+  <dgm:styleLbl name="node3">
+    <dgm:fillClrLst meth="repeat">
+      <a:schemeClr val="lt1"/>
+    </dgm:fillClrLst>
+    <dgm:linClrLst meth="repeat">
+      <a:schemeClr val="accent1">
+        <a:shade val="80000"/>
+      </a:schemeClr>
+    </dgm:linClrLst>
+    <dgm:effectClrLst/>
+    <dgm:txLinClrLst/>
+    <dgm:txFillClrLst meth="repeat">
+      <a:schemeClr val="dk1"/>
+    </dgm:txFillClrLst>
+    <dgm:txEffectClrLst/>
+  </dgm:styleLbl>
+  <dgm:styleLbl name="node4">
+    <dgm:fillClrLst meth="repeat">
+      <a:schemeClr val="lt1"/>
+    </dgm:fillClrLst>
+    <dgm:linClrLst meth="repeat">
+      <a:schemeClr val="accent1">
+        <a:shade val="80000"/>
+      </a:schemeClr>
+    </dgm:linClrLst>
+    <dgm:effectClrLst/>
+    <dgm:txLinClrLst/>
+    <dgm:txFillClrLst meth="repeat">
+      <a:schemeClr val="dk1"/>
+    </dgm:txFillClrLst>
+    <dgm:txEffectClrLst/>
+  </dgm:styleLbl>
+  <dgm:styleLbl name="fgImgPlace1">
+    <dgm:fillClrLst meth="repeat">
+      <a:schemeClr val="accent1">
+        <a:tint val="40000"/>
       </a:schemeClr>
     </dgm:fillClrLst>
     <dgm:linClrLst meth="repeat">
-      <a:schemeClr val="lt1"/>
-    </dgm:linClrLst>
-    <dgm:effectClrLst/>
-    <dgm:txLinClrLst/>
-    <dgm:txFillClrLst/>
-    <dgm:txEffectClrLst/>
-  </dgm:styleLbl>
-  <dgm:styleLbl name="lnNode1">
-    <dgm:fillClrLst>
-      <a:schemeClr val="accent6">
-        <a:shade val="90000"/>
+      <a:schemeClr val="accent1">
+        <a:shade val="80000"/>
       </a:schemeClr>
-      <a:schemeClr val="accent6">
-        <a:tint val="50000"/>
-        <a:alpha val="50000"/>
-      </a:schemeClr>
-    </dgm:fillClrLst>
-    <dgm:linClrLst meth="repeat">
-      <a:schemeClr val="lt1"/>
-    </dgm:linClrLst>
-    <dgm:effectClrLst/>
-    <dgm:txLinClrLst/>
-    <dgm:txFillClrLst/>
-    <dgm:txEffectClrLst/>
-  </dgm:styleLbl>
-  <dgm:styleLbl name="vennNode1">
-    <dgm:fillClrLst>
-      <a:schemeClr val="accent6">
-        <a:shade val="80000"/>
-        <a:alpha val="50000"/>
-      </a:schemeClr>
-      <a:schemeClr val="accent6">
-        <a:alpha val="80000"/>
-      </a:schemeClr>
-    </dgm:fillClrLst>
-    <dgm:linClrLst meth="repeat">
-      <a:schemeClr val="lt1"/>
-    </dgm:linClrLst>
-    <dgm:effectClrLst/>
-    <dgm:txLinClrLst/>
-    <dgm:txFillClrLst/>
-    <dgm:txEffectClrLst/>
-  </dgm:styleLbl>
-  <dgm:styleLbl name="node2">
-    <dgm:fillClrLst>
-      <a:schemeClr val="accent6">
-        <a:alpha val="70000"/>
-      </a:schemeClr>
-    </dgm:fillClrLst>
-    <dgm:linClrLst meth="repeat">
-      <a:schemeClr val="lt1"/>
-    </dgm:linClrLst>
-    <dgm:effectClrLst/>
-    <dgm:txLinClrLst/>
-    <dgm:txFillClrLst/>
-    <dgm:txEffectClrLst/>
-  </dgm:styleLbl>
-  <dgm:styleLbl name="node3">
-    <dgm:fillClrLst>
-      <a:schemeClr val="accent6">
-        <a:alpha val="50000"/>
-      </a:schemeClr>
-    </dgm:fillClrLst>
-    <dgm:linClrLst meth="repeat">
-      <a:schemeClr val="lt1"/>
-    </dgm:linClrLst>
-    <dgm:effectClrLst/>
-    <dgm:txLinClrLst/>
-    <dgm:txFillClrLst/>
-    <dgm:txEffectClrLst/>
-  </dgm:styleLbl>
-  <dgm:styleLbl name="node4">
-    <dgm:fillClrLst>
-      <a:schemeClr val="accent6">
-        <a:alpha val="30000"/>
-      </a:schemeClr>
-    </dgm:fillClrLst>
-    <dgm:linClrLst meth="repeat">
-      <a:schemeClr val="lt1"/>
-    </dgm:linClrLst>
-    <dgm:effectClrLst/>
-    <dgm:txLinClrLst/>
-    <dgm:txFillClrLst/>
-    <dgm:txEffectClrLst/>
-  </dgm:styleLbl>
-  <dgm:styleLbl name="fgImgPlace1">
-    <dgm:fillClrLst>
-      <a:schemeClr val="accent6">
-        <a:tint val="50000"/>
-        <a:alpha val="90000"/>
-      </a:schemeClr>
-      <a:schemeClr val="accent6">
-        <a:tint val="20000"/>
-        <a:alpha val="50000"/>
-      </a:schemeClr>
-    </dgm:fillClrLst>
-    <dgm:linClrLst meth="repeat">
-      <a:schemeClr val="lt1"/>
     </dgm:linClrLst>
     <dgm:effectClrLst/>
     <dgm:txLinClrLst/>
@@ -290,16 +286,15 @@
     <dgm:txEffectClrLst/>
   </dgm:styleLbl>
   <dgm:styleLbl name="alignImgPlace1">
-    <dgm:fillClrLst>
-      <a:schemeClr val="accent6">
-        <a:tint val="50000"/>
-      </a:schemeClr>
-      <a:schemeClr val="accent6">
-        <a:tint val="20000"/>
+    <dgm:fillClrLst meth="repeat">
+      <a:schemeClr val="accent1">
+        <a:tint val="40000"/>
       </a:schemeClr>
     </dgm:fillClrLst>
     <dgm:linClrLst meth="repeat">
-      <a:schemeClr val="lt1"/>
+      <a:schemeClr val="accent1">
+        <a:shade val="80000"/>
+      </a:schemeClr>
     </dgm:linClrLst>
     <dgm:effectClrLst/>
     <dgm:txLinClrLst/>
@@ -309,16 +304,15 @@
     <dgm:txEffectClrLst/>
   </dgm:styleLbl>
   <dgm:styleLbl name="bgImgPlace1">
-    <dgm:fillClrLst>
-      <a:schemeClr val="accent6">
-        <a:tint val="50000"/>
-      </a:schemeClr>
-      <a:schemeClr val="accent6">
-        <a:tint val="20000"/>
+    <dgm:fillClrLst meth="repeat">
+      <a:schemeClr val="accent1">
+        <a:tint val="40000"/>
       </a:schemeClr>
     </dgm:fillClrLst>
     <dgm:linClrLst meth="repeat">
-      <a:schemeClr val="lt1"/>
+      <a:schemeClr val="accent1">
+        <a:shade val="80000"/>
+      </a:schemeClr>
     </dgm:linClrLst>
     <dgm:effectClrLst/>
     <dgm:txLinClrLst/>
@@ -328,87 +322,65 @@
     <dgm:txEffectClrLst/>
   </dgm:styleLbl>
   <dgm:styleLbl name="sibTrans2D1">
-    <dgm:fillClrLst>
-      <a:schemeClr val="accent6">
-        <a:shade val="90000"/>
-      </a:schemeClr>
-      <a:schemeClr val="accent6">
-        <a:tint val="50000"/>
+    <dgm:fillClrLst meth="repeat">
+      <a:schemeClr val="accent1">
+        <a:tint val="60000"/>
       </a:schemeClr>
     </dgm:fillClrLst>
-    <dgm:linClrLst>
-      <a:schemeClr val="accent6">
-        <a:shade val="90000"/>
-      </a:schemeClr>
-      <a:schemeClr val="accent6">
-        <a:tint val="50000"/>
+    <dgm:linClrLst meth="repeat">
+      <a:schemeClr val="accent1">
+        <a:tint val="60000"/>
       </a:schemeClr>
     </dgm:linClrLst>
     <dgm:effectClrLst/>
     <dgm:txLinClrLst/>
-    <dgm:txFillClrLst/>
+    <dgm:txFillClrLst meth="repeat">
+      <a:schemeClr val="dk1"/>
+    </dgm:txFillClrLst>
     <dgm:txEffectClrLst/>
   </dgm:styleLbl>
   <dgm:styleLbl name="fgSibTrans2D1">
-    <dgm:fillClrLst>
-      <a:schemeClr val="accent6">
-        <a:shade val="90000"/>
-      </a:schemeClr>
-      <a:schemeClr val="accent6">
-        <a:tint val="50000"/>
+    <dgm:fillClrLst meth="repeat">
+      <a:schemeClr val="accent1">
+        <a:tint val="60000"/>
       </a:schemeClr>
     </dgm:fillClrLst>
-    <dgm:linClrLst>
-      <a:schemeClr val="accent6">
-        <a:shade val="90000"/>
-      </a:schemeClr>
-      <a:schemeClr val="accent6">
-        <a:tint val="50000"/>
+    <dgm:linClrLst meth="repeat">
+      <a:schemeClr val="accent1">
+        <a:tint val="60000"/>
       </a:schemeClr>
     </dgm:linClrLst>
     <dgm:effectClrLst/>
     <dgm:txLinClrLst/>
-    <dgm:txFillClrLst/>
+    <dgm:txFillClrLst meth="repeat">
+      <a:schemeClr val="dk1"/>
+    </dgm:txFillClrLst>
     <dgm:txEffectClrLst/>
   </dgm:styleLbl>
   <dgm:styleLbl name="bgSibTrans2D1">
-    <dgm:fillClrLst>
-      <a:schemeClr val="accent6">
-        <a:shade val="90000"/>
-      </a:schemeClr>
-      <a:schemeClr val="accent6">
-        <a:tint val="50000"/>
+    <dgm:fillClrLst meth="repeat">
+      <a:schemeClr val="accent1">
+        <a:tint val="60000"/>
       </a:schemeClr>
     </dgm:fillClrLst>
-    <dgm:linClrLst>
-      <a:schemeClr val="accent6">
-        <a:shade val="90000"/>
-      </a:schemeClr>
-      <a:schemeClr val="accent6">
-        <a:tint val="50000"/>
+    <dgm:linClrLst meth="repeat">
+      <a:schemeClr val="accent1">
+        <a:tint val="60000"/>
       </a:schemeClr>
     </dgm:linClrLst>
     <dgm:effectClrLst/>
     <dgm:txLinClrLst/>
-    <dgm:txFillClrLst/>
+    <dgm:txFillClrLst meth="repeat">
+      <a:schemeClr val="dk1"/>
+    </dgm:txFillClrLst>
     <dgm:txEffectClrLst/>
   </dgm:styleLbl>
   <dgm:styleLbl name="sibTrans1D1">
-    <dgm:fillClrLst>
-      <a:schemeClr val="accent6">
-        <a:shade val="90000"/>
-      </a:schemeClr>
-      <a:schemeClr val="accent6">
-        <a:tint val="50000"/>
-      </a:schemeClr>
+    <dgm:fillClrLst meth="repeat">
+      <a:schemeClr val="accent1"/>
     </dgm:fillClrLst>
-    <dgm:linClrLst>
-      <a:schemeClr val="accent6">
-        <a:shade val="90000"/>
-      </a:schemeClr>
-      <a:schemeClr val="accent6">
-        <a:tint val="50000"/>
-      </a:schemeClr>
+    <dgm:linClrLst meth="repeat">
+      <a:schemeClr val="accent1"/>
     </dgm:linClrLst>
     <dgm:effectClrLst/>
     <dgm:txLinClrLst/>
@@ -419,10 +391,10 @@
   </dgm:styleLbl>
   <dgm:styleLbl name="callout">
     <dgm:fillClrLst meth="repeat">
-      <a:schemeClr val="accent6"/>
+      <a:schemeClr val="accent1"/>
     </dgm:fillClrLst>
     <dgm:linClrLst meth="repeat">
-      <a:schemeClr val="accent6"/>
+      <a:schemeClr val="accent1"/>
     </dgm:linClrLst>
     <dgm:effectClrLst/>
     <dgm:txLinClrLst/>
@@ -433,83 +405,93 @@
   </dgm:styleLbl>
   <dgm:styleLbl name="asst0">
     <dgm:fillClrLst meth="repeat">
-      <a:schemeClr val="accent6">
-        <a:alpha val="90000"/>
-      </a:schemeClr>
+      <a:schemeClr val="lt1"/>
     </dgm:fillClrLst>
     <dgm:linClrLst meth="repeat">
-      <a:schemeClr val="lt1"/>
+      <a:schemeClr val="accent1">
+        <a:shade val="80000"/>
+      </a:schemeClr>
     </dgm:linClrLst>
     <dgm:effectClrLst/>
     <dgm:txLinClrLst/>
-    <dgm:txFillClrLst/>
+    <dgm:txFillClrLst meth="repeat">
+      <a:schemeClr val="dk1"/>
+    </dgm:txFillClrLst>
     <dgm:txEffectClrLst/>
   </dgm:styleLbl>
   <dgm:styleLbl name="asst1">
     <dgm:fillClrLst meth="repeat">
-      <a:schemeClr val="accent6">
-        <a:alpha val="90000"/>
-      </a:schemeClr>
+      <a:schemeClr val="lt1"/>
     </dgm:fillClrLst>
     <dgm:linClrLst meth="repeat">
-      <a:schemeClr val="lt1"/>
+      <a:schemeClr val="accent1">
+        <a:shade val="80000"/>
+      </a:schemeClr>
     </dgm:linClrLst>
     <dgm:effectClrLst/>
     <dgm:txLinClrLst/>
-    <dgm:txFillClrLst/>
+    <dgm:txFillClrLst meth="repeat">
+      <a:schemeClr val="dk1"/>
+    </dgm:txFillClrLst>
     <dgm:txEffectClrLst/>
   </dgm:styleLbl>
   <dgm:styleLbl name="asst2">
-    <dgm:fillClrLst>
-      <a:schemeClr val="accent6">
-        <a:alpha val="90000"/>
-      </a:schemeClr>
+    <dgm:fillClrLst meth="repeat">
+      <a:schemeClr val="lt1"/>
     </dgm:fillClrLst>
     <dgm:linClrLst meth="repeat">
-      <a:schemeClr val="lt1"/>
+      <a:schemeClr val="accent1">
+        <a:shade val="80000"/>
+      </a:schemeClr>
     </dgm:linClrLst>
     <dgm:effectClrLst/>
     <dgm:txLinClrLst/>
-    <dgm:txFillClrLst/>
+    <dgm:txFillClrLst meth="repeat">
+      <a:schemeClr val="dk1"/>
+    </dgm:txFillClrLst>
     <dgm:txEffectClrLst/>
   </dgm:styleLbl>
   <dgm:styleLbl name="asst3">
-    <dgm:fillClrLst>
-      <a:schemeClr val="accent6">
-        <a:alpha val="70000"/>
-      </a:schemeClr>
+    <dgm:fillClrLst meth="repeat">
+      <a:schemeClr val="lt1"/>
     </dgm:fillClrLst>
     <dgm:linClrLst meth="repeat">
-      <a:schemeClr val="lt1"/>
+      <a:schemeClr val="accent1">
+        <a:shade val="80000"/>
+      </a:schemeClr>
     </dgm:linClrLst>
     <dgm:effectClrLst/>
     <dgm:txLinClrLst/>
-    <dgm:txFillClrLst/>
+    <dgm:txFillClrLst meth="repeat">
+      <a:schemeClr val="dk1"/>
+    </dgm:txFillClrLst>
     <dgm:txEffectClrLst/>
   </dgm:styleLbl>
   <dgm:styleLbl name="asst4">
-    <dgm:fillClrLst>
-      <a:schemeClr val="accent6">
-        <a:alpha val="50000"/>
-      </a:schemeClr>
+    <dgm:fillClrLst meth="repeat">
+      <a:schemeClr val="lt1"/>
     </dgm:fillClrLst>
     <dgm:linClrLst meth="repeat">
-      <a:schemeClr val="lt1"/>
+      <a:schemeClr val="accent1">
+        <a:shade val="80000"/>
+      </a:schemeClr>
     </dgm:linClrLst>
     <dgm:effectClrLst/>
     <dgm:txLinClrLst/>
-    <dgm:txFillClrLst/>
+    <dgm:txFillClrLst meth="repeat">
+      <a:schemeClr val="dk1"/>
+    </dgm:txFillClrLst>
     <dgm:txEffectClrLst/>
   </dgm:styleLbl>
   <dgm:styleLbl name="parChTrans2D1">
     <dgm:fillClrLst meth="repeat">
-      <a:schemeClr val="accent6">
-        <a:shade val="80000"/>
+      <a:schemeClr val="accent1">
+        <a:tint val="60000"/>
       </a:schemeClr>
     </dgm:fillClrLst>
     <dgm:linClrLst meth="repeat">
-      <a:schemeClr val="accent6">
-        <a:shade val="80000"/>
+      <a:schemeClr val="accent1">
+        <a:tint val="60000"/>
       </a:schemeClr>
     </dgm:linClrLst>
     <dgm:effectClrLst/>
@@ -519,14 +501,10 @@
   </dgm:styleLbl>
   <dgm:styleLbl name="parChTrans2D2">
     <dgm:fillClrLst meth="repeat">
-      <a:schemeClr val="accent6">
-        <a:tint val="90000"/>
-      </a:schemeClr>
+      <a:schemeClr val="accent1"/>
     </dgm:fillClrLst>
     <dgm:linClrLst meth="repeat">
-      <a:schemeClr val="accent6">
-        <a:tint val="90000"/>
-      </a:schemeClr>
+      <a:schemeClr val="accent1"/>
     </dgm:linClrLst>
     <dgm:effectClrLst/>
     <dgm:txLinClrLst/>
@@ -535,14 +513,10 @@
   </dgm:styleLbl>
   <dgm:styleLbl name="parChTrans2D3">
     <dgm:fillClrLst meth="repeat">
-      <a:schemeClr val="accent6">
-        <a:tint val="70000"/>
-      </a:schemeClr>
+      <a:schemeClr val="accent1"/>
     </dgm:fillClrLst>
     <dgm:linClrLst meth="repeat">
-      <a:schemeClr val="accent6">
-        <a:tint val="70000"/>
-      </a:schemeClr>
+      <a:schemeClr val="accent1"/>
     </dgm:linClrLst>
     <dgm:effectClrLst/>
     <dgm:txLinClrLst/>
@@ -551,31 +525,25 @@
   </dgm:styleLbl>
   <dgm:styleLbl name="parChTrans2D4">
     <dgm:fillClrLst meth="repeat">
-      <a:schemeClr val="accent6">
-        <a:tint val="50000"/>
-      </a:schemeClr>
+      <a:schemeClr val="accent1"/>
     </dgm:fillClrLst>
     <dgm:linClrLst meth="repeat">
-      <a:schemeClr val="accent6">
-        <a:tint val="50000"/>
-      </a:schemeClr>
+      <a:schemeClr val="accent1"/>
     </dgm:linClrLst>
     <dgm:effectClrLst/>
     <dgm:txLinClrLst/>
     <dgm:txFillClrLst meth="repeat">
-      <a:schemeClr val="dk1"/>
+      <a:schemeClr val="lt1"/>
     </dgm:txFillClrLst>
     <dgm:txEffectClrLst/>
   </dgm:styleLbl>
   <dgm:styleLbl name="parChTrans1D1">
     <dgm:fillClrLst meth="repeat">
-      <a:schemeClr val="accent6">
-        <a:shade val="80000"/>
-      </a:schemeClr>
+      <a:schemeClr val="accent1"/>
     </dgm:fillClrLst>
     <dgm:linClrLst meth="repeat">
-      <a:schemeClr val="accent6">
-        <a:shade val="80000"/>
+      <a:schemeClr val="accent1">
+        <a:shade val="60000"/>
       </a:schemeClr>
     </dgm:linClrLst>
     <dgm:effectClrLst/>
@@ -587,13 +555,11 @@
   </dgm:styleLbl>
   <dgm:styleLbl name="parChTrans1D2">
     <dgm:fillClrLst meth="repeat">
-      <a:schemeClr val="accent6">
-        <a:tint val="90000"/>
-      </a:schemeClr>
+      <a:schemeClr val="accent1"/>
     </dgm:fillClrLst>
     <dgm:linClrLst meth="repeat">
-      <a:schemeClr val="accent6">
-        <a:tint val="90000"/>
+      <a:schemeClr val="accent1">
+        <a:shade val="60000"/>
       </a:schemeClr>
     </dgm:linClrLst>
     <dgm:effectClrLst/>
@@ -605,13 +571,11 @@
   </dgm:styleLbl>
   <dgm:styleLbl name="parChTrans1D3">
     <dgm:fillClrLst meth="repeat">
-      <a:schemeClr val="accent6">
-        <a:tint val="70000"/>
-      </a:schemeClr>
+      <a:schemeClr val="accent1"/>
     </dgm:fillClrLst>
     <dgm:linClrLst meth="repeat">
-      <a:schemeClr val="accent6">
-        <a:tint val="70000"/>
+      <a:schemeClr val="accent1">
+        <a:shade val="80000"/>
       </a:schemeClr>
     </dgm:linClrLst>
     <dgm:effectClrLst/>
@@ -623,13 +587,11 @@
   </dgm:styleLbl>
   <dgm:styleLbl name="parChTrans1D4">
     <dgm:fillClrLst meth="repeat">
-      <a:schemeClr val="accent6">
-        <a:tint val="50000"/>
-      </a:schemeClr>
+      <a:schemeClr val="accent1"/>
     </dgm:fillClrLst>
     <dgm:linClrLst meth="repeat">
-      <a:schemeClr val="accent6">
-        <a:tint val="50000"/>
+      <a:schemeClr val="accent1">
+        <a:shade val="80000"/>
       </a:schemeClr>
     </dgm:linClrLst>
     <dgm:effectClrLst/>
@@ -641,17 +603,13 @@
   </dgm:styleLbl>
   <dgm:styleLbl name="fgAcc1">
     <dgm:fillClrLst meth="repeat">
-      <a:schemeClr val="lt1">
+      <a:schemeClr val="accent1">
         <a:alpha val="90000"/>
+        <a:tint val="40000"/>
       </a:schemeClr>
     </dgm:fillClrLst>
-    <dgm:linClrLst>
-      <a:schemeClr val="accent6">
-        <a:alpha val="90000"/>
-      </a:schemeClr>
-      <a:schemeClr val="accent6">
-        <a:alpha val="50000"/>
-      </a:schemeClr>
+    <dgm:linClrLst meth="repeat">
+      <a:schemeClr val="accent1"/>
     </dgm:linClrLst>
     <dgm:effectClrLst/>
     <dgm:txLinClrLst/>
@@ -662,17 +620,13 @@
   </dgm:styleLbl>
   <dgm:styleLbl name="conFgAcc1">
     <dgm:fillClrLst meth="repeat">
-      <a:schemeClr val="lt1">
+      <a:schemeClr val="accent1">
         <a:alpha val="90000"/>
+        <a:tint val="40000"/>
       </a:schemeClr>
     </dgm:fillClrLst>
-    <dgm:linClrLst>
-      <a:schemeClr val="accent6">
-        <a:alpha val="90000"/>
-      </a:schemeClr>
-      <a:schemeClr val="accent6">
-        <a:alpha val="50000"/>
-      </a:schemeClr>
+    <dgm:linClrLst meth="repeat">
+      <a:schemeClr val="accent1"/>
     </dgm:linClrLst>
     <dgm:effectClrLst/>
     <dgm:txLinClrLst/>
@@ -683,17 +637,13 @@
   </dgm:styleLbl>
   <dgm:styleLbl name="alignAcc1">
     <dgm:fillClrLst meth="repeat">
-      <a:schemeClr val="lt1">
+      <a:schemeClr val="accent1">
         <a:alpha val="90000"/>
+        <a:tint val="40000"/>
       </a:schemeClr>
     </dgm:fillClrLst>
-    <dgm:linClrLst>
-      <a:schemeClr val="accent6">
-        <a:alpha val="90000"/>
-      </a:schemeClr>
-      <a:schemeClr val="accent6">
-        <a:alpha val="50000"/>
-      </a:schemeClr>
+    <dgm:linClrLst meth="repeat">
+      <a:schemeClr val="accent1"/>
     </dgm:linClrLst>
     <dgm:effectClrLst/>
     <dgm:txLinClrLst/>
@@ -704,17 +654,13 @@
   </dgm:styleLbl>
   <dgm:styleLbl name="trAlignAcc1">
     <dgm:fillClrLst meth="repeat">
-      <a:schemeClr val="lt1">
+      <a:schemeClr val="accent1">
         <a:alpha val="40000"/>
+        <a:tint val="40000"/>
       </a:schemeClr>
     </dgm:fillClrLst>
-    <dgm:linClrLst>
-      <a:schemeClr val="accent6">
-        <a:alpha val="90000"/>
-      </a:schemeClr>
-      <a:schemeClr val="accent6">
-        <a:alpha val="50000"/>
-      </a:schemeClr>
+    <dgm:linClrLst meth="repeat">
+      <a:schemeClr val="accent1"/>
     </dgm:linClrLst>
     <dgm:effectClrLst/>
     <dgm:txLinClrLst/>
@@ -725,17 +671,13 @@
   </dgm:styleLbl>
   <dgm:styleLbl name="bgAcc1">
     <dgm:fillClrLst meth="repeat">
-      <a:schemeClr val="lt1">
+      <a:schemeClr val="accent1">
         <a:alpha val="90000"/>
+        <a:tint val="40000"/>
       </a:schemeClr>
     </dgm:fillClrLst>
-    <dgm:linClrLst>
-      <a:schemeClr val="accent6">
-        <a:alpha val="90000"/>
-      </a:schemeClr>
-      <a:schemeClr val="accent6">
-        <a:alpha val="50000"/>
-      </a:schemeClr>
+    <dgm:linClrLst meth="repeat">
+      <a:schemeClr val="accent1"/>
     </dgm:linClrLst>
     <dgm:effectClrLst/>
     <dgm:txLinClrLst/>
@@ -748,13 +690,8 @@
     <dgm:fillClrLst meth="repeat">
       <a:schemeClr val="lt1"/>
     </dgm:fillClrLst>
-    <dgm:linClrLst>
-      <a:schemeClr val="accent6">
-        <a:alpha val="90000"/>
-      </a:schemeClr>
-      <a:schemeClr val="accent6">
-        <a:alpha val="50000"/>
-      </a:schemeClr>
+    <dgm:linClrLst meth="repeat">
+      <a:schemeClr val="accent1"/>
     </dgm:linClrLst>
     <dgm:effectClrLst/>
     <dgm:txLinClrLst/>
@@ -768,7 +705,7 @@
       <a:schemeClr val="lt1"/>
     </dgm:fillClrLst>
     <dgm:linClrLst meth="repeat">
-      <a:schemeClr val="accent6"/>
+      <a:schemeClr val="accent1"/>
     </dgm:linClrLst>
     <dgm:effectClrLst/>
     <dgm:txLinClrLst/>
@@ -782,7 +719,7 @@
       <a:schemeClr val="lt1"/>
     </dgm:fillClrLst>
     <dgm:linClrLst meth="repeat">
-      <a:schemeClr val="accent6"/>
+      <a:schemeClr val="accent1"/>
     </dgm:linClrLst>
     <dgm:effectClrLst/>
     <dgm:txLinClrLst/>
@@ -792,20 +729,15 @@
     <dgm:txEffectClrLst/>
   </dgm:styleLbl>
   <dgm:styleLbl name="fgAccFollowNode1">
-    <dgm:fillClrLst>
-      <a:schemeClr val="accent6">
+    <dgm:fillClrLst meth="repeat">
+      <a:schemeClr val="lt1">
         <a:alpha val="90000"/>
-        <a:tint val="40000"/>
-      </a:schemeClr>
-      <a:schemeClr val="accent6">
-        <a:alpha val="50000"/>
         <a:tint val="40000"/>
       </a:schemeClr>
     </dgm:fillClrLst>
     <dgm:linClrLst meth="repeat">
-      <a:schemeClr val="accent6">
+      <a:schemeClr val="accent1">
         <a:alpha val="90000"/>
-        <a:tint val="40000"/>
       </a:schemeClr>
     </dgm:linClrLst>
     <dgm:effectClrLst/>
@@ -817,15 +749,14 @@
   </dgm:styleLbl>
   <dgm:styleLbl name="alignAccFollowNode1">
     <dgm:fillClrLst meth="repeat">
-      <a:schemeClr val="accent6">
+      <a:schemeClr val="lt1">
         <a:alpha val="90000"/>
         <a:tint val="40000"/>
       </a:schemeClr>
     </dgm:fillClrLst>
     <dgm:linClrLst meth="repeat">
-      <a:schemeClr val="accent6">
+      <a:schemeClr val="accent1">
         <a:alpha val="90000"/>
-        <a:tint val="40000"/>
       </a:schemeClr>
     </dgm:linClrLst>
     <dgm:effectClrLst/>
@@ -837,13 +768,15 @@
   </dgm:styleLbl>
   <dgm:styleLbl name="bgAccFollowNode1">
     <dgm:fillClrLst meth="repeat">
-      <a:schemeClr val="accent6">
+      <a:schemeClr val="lt1">
         <a:alpha val="90000"/>
         <a:tint val="40000"/>
       </a:schemeClr>
     </dgm:fillClrLst>
     <dgm:linClrLst meth="repeat">
-      <a:schemeClr val="lt1"/>
+      <a:schemeClr val="accent1">
+        <a:alpha val="90000"/>
+      </a:schemeClr>
     </dgm:linClrLst>
     <dgm:effectClrLst/>
     <dgm:txLinClrLst/>
@@ -854,14 +787,13 @@
   </dgm:styleLbl>
   <dgm:styleLbl name="fgAcc0">
     <dgm:fillClrLst meth="repeat">
-      <a:schemeClr val="lt1">
+      <a:schemeClr val="accent1">
         <a:alpha val="90000"/>
+        <a:tint val="40000"/>
       </a:schemeClr>
     </dgm:fillClrLst>
     <dgm:linClrLst meth="repeat">
-      <a:schemeClr val="accent6">
-        <a:shade val="80000"/>
-      </a:schemeClr>
+      <a:schemeClr val="accent1"/>
     </dgm:linClrLst>
     <dgm:effectClrLst/>
     <dgm:txLinClrLst/>
@@ -872,14 +804,13 @@
   </dgm:styleLbl>
   <dgm:styleLbl name="fgAcc2">
     <dgm:fillClrLst meth="repeat">
-      <a:schemeClr val="lt1">
+      <a:schemeClr val="accent1">
         <a:alpha val="90000"/>
+        <a:tint val="40000"/>
       </a:schemeClr>
     </dgm:fillClrLst>
     <dgm:linClrLst meth="repeat">
-      <a:schemeClr val="accent6">
-        <a:tint val="90000"/>
-      </a:schemeClr>
+      <a:schemeClr val="accent1"/>
     </dgm:linClrLst>
     <dgm:effectClrLst/>
     <dgm:txLinClrLst/>
@@ -890,14 +821,13 @@
   </dgm:styleLbl>
   <dgm:styleLbl name="fgAcc3">
     <dgm:fillClrLst meth="repeat">
-      <a:schemeClr val="lt1">
+      <a:schemeClr val="accent1">
         <a:alpha val="90000"/>
+        <a:tint val="40000"/>
       </a:schemeClr>
     </dgm:fillClrLst>
     <dgm:linClrLst meth="repeat">
-      <a:schemeClr val="accent6">
-        <a:tint val="70000"/>
-      </a:schemeClr>
+      <a:schemeClr val="accent1"/>
     </dgm:linClrLst>
     <dgm:effectClrLst/>
     <dgm:txLinClrLst/>
@@ -908,14 +838,13 @@
   </dgm:styleLbl>
   <dgm:styleLbl name="fgAcc4">
     <dgm:fillClrLst meth="repeat">
-      <a:schemeClr val="lt1">
+      <a:schemeClr val="accent1">
         <a:alpha val="90000"/>
+        <a:tint val="40000"/>
       </a:schemeClr>
     </dgm:fillClrLst>
     <dgm:linClrLst meth="repeat">
-      <a:schemeClr val="accent6">
-        <a:tint val="50000"/>
-      </a:schemeClr>
+      <a:schemeClr val="accent1"/>
     </dgm:linClrLst>
     <dgm:effectClrLst/>
     <dgm:txLinClrLst/>
@@ -926,12 +855,12 @@
   </dgm:styleLbl>
   <dgm:styleLbl name="bgShp">
     <dgm:fillClrLst meth="repeat">
-      <a:schemeClr val="accent6">
+      <a:schemeClr val="accent1">
         <a:tint val="40000"/>
       </a:schemeClr>
     </dgm:fillClrLst>
     <dgm:linClrLst meth="repeat">
-      <a:schemeClr val="dk1"/>
+      <a:schemeClr val="accent1"/>
     </dgm:linClrLst>
     <dgm:effectClrLst/>
     <dgm:txLinClrLst/>
@@ -942,12 +871,12 @@
   </dgm:styleLbl>
   <dgm:styleLbl name="dkBgShp">
     <dgm:fillClrLst meth="repeat">
-      <a:schemeClr val="accent6">
-        <a:shade val="90000"/>
+      <a:schemeClr val="accent1">
+        <a:shade val="80000"/>
       </a:schemeClr>
     </dgm:fillClrLst>
     <dgm:linClrLst meth="repeat">
-      <a:schemeClr val="dk1"/>
+      <a:schemeClr val="accent1"/>
     </dgm:linClrLst>
     <dgm:effectClrLst/>
     <dgm:txLinClrLst/>
@@ -958,13 +887,13 @@
   </dgm:styleLbl>
   <dgm:styleLbl name="trBgShp">
     <dgm:fillClrLst meth="repeat">
-      <a:schemeClr val="accent6">
+      <a:schemeClr val="accent1">
         <a:tint val="50000"/>
         <a:alpha val="40000"/>
       </a:schemeClr>
     </dgm:fillClrLst>
     <dgm:linClrLst meth="repeat">
-      <a:schemeClr val="accent6"/>
+      <a:schemeClr val="accent1"/>
     </dgm:linClrLst>
     <dgm:effectClrLst/>
     <dgm:txLinClrLst/>
@@ -975,8 +904,8 @@
   </dgm:styleLbl>
   <dgm:styleLbl name="fgShp">
     <dgm:fillClrLst meth="repeat">
-      <a:schemeClr val="accent6">
-        <a:tint val="40000"/>
+      <a:schemeClr val="accent1">
+        <a:tint val="60000"/>
       </a:schemeClr>
     </dgm:fillClrLst>
     <dgm:linClrLst meth="repeat">
@@ -1014,7 +943,7 @@
 <dgm:dataModel xmlns:dgm="http://schemas.openxmlformats.org/drawingml/2006/diagram" xmlns:a="http://schemas.openxmlformats.org/drawingml/2006/main">
   <dgm:ptLst>
     <dgm:pt modelId="{4061C470-3C45-4CD6-9CAA-E73D6C480AF0}" type="doc">
-      <dgm:prSet loTypeId="urn:microsoft.com/office/officeart/2005/8/layout/chevron1" loCatId="process" qsTypeId="urn:microsoft.com/office/officeart/2005/8/quickstyle/simple1" qsCatId="simple" csTypeId="urn:microsoft.com/office/officeart/2005/8/colors/accent6_5" csCatId="accent6" phldr="1"/>
+      <dgm:prSet loTypeId="urn:microsoft.com/office/officeart/2005/8/layout/chevron1" loCatId="process" qsTypeId="urn:microsoft.com/office/officeart/2005/8/quickstyle/simple1" qsCatId="simple" csTypeId="urn:microsoft.com/office/officeart/2005/8/colors/accent1_1" csCatId="accent1" phldr="1"/>
       <dgm:spPr/>
     </dgm:pt>
     <dgm:pt modelId="{0F786C4E-9C73-4E6B-A7B1-14D5EE0596E4}">
@@ -1080,16 +1009,12 @@
         <a:lstStyle/>
         <a:p>
           <a:r>
-            <a:rPr lang="zh-CN" altLang="en-US" sz="500">
+            <a:rPr lang="zh-CN" altLang="en-US" sz="700" dirty="0">
               <a:latin typeface="黑体" panose="02010609060101010101" pitchFamily="49" charset="-122"/>
               <a:ea typeface="黑体" panose="02010609060101010101" pitchFamily="49" charset="-122"/>
             </a:rPr>
-            <a:t>基于随机深林的数据填补</a:t>
+            <a:t>基于随机森林的数据填补</a:t>
           </a:r>
-          <a:endParaRPr lang="zh-CN" altLang="en-US" sz="500" dirty="0">
-            <a:latin typeface="黑体" panose="02010609060101010101" pitchFamily="49" charset="-122"/>
-            <a:ea typeface="黑体" panose="02010609060101010101" pitchFamily="49" charset="-122"/>
-          </a:endParaRPr>
         </a:p>
       </dgm:t>
     </dgm:pt>
@@ -1640,15 +1565,14 @@
       </dsp:nvSpPr>
       <dsp:spPr>
         <a:xfrm>
-          <a:off x="462" y="209899"/>
-          <a:ext cx="741202" cy="296480"/>
+          <a:off x="612" y="152937"/>
+          <a:ext cx="981563" cy="392625"/>
         </a:xfrm>
         <a:prstGeom prst="chevron">
           <a:avLst/>
         </a:prstGeom>
         <a:solidFill>
-          <a:schemeClr val="accent6">
-            <a:alpha val="90000"/>
+          <a:schemeClr val="lt1">
             <a:hueOff val="0"/>
             <a:satOff val="0"/>
             <a:lumOff val="0"/>
@@ -1657,7 +1581,8 @@
         </a:solidFill>
         <a:ln w="12700" cap="flat" cmpd="sng" algn="ctr">
           <a:solidFill>
-            <a:schemeClr val="lt1">
+            <a:schemeClr val="accent1">
+              <a:shade val="80000"/>
               <a:hueOff val="0"/>
               <a:satOff val="0"/>
               <a:lumOff val="0"/>
@@ -1684,12 +1609,12 @@
         </a:fontRef>
       </dsp:style>
       <dsp:txBody>
-        <a:bodyPr spcFirstLastPara="0" vert="horz" wrap="square" lIns="24003" tIns="8001" rIns="8001" bIns="8001" numCol="1" spcCol="1270" anchor="ctr" anchorCtr="0">
+        <a:bodyPr spcFirstLastPara="0" vert="horz" wrap="square" lIns="32004" tIns="10668" rIns="10668" bIns="10668" numCol="1" spcCol="1270" anchor="ctr" anchorCtr="0">
           <a:noAutofit/>
         </a:bodyPr>
         <a:lstStyle/>
         <a:p>
-          <a:pPr marL="0" lvl="0" indent="0" algn="ctr" defTabSz="266700">
+          <a:pPr marL="0" lvl="0" indent="0" algn="ctr" defTabSz="355600">
             <a:lnSpc>
               <a:spcPct val="90000"/>
             </a:lnSpc>
@@ -1702,21 +1627,21 @@
             <a:buNone/>
           </a:pPr>
           <a:r>
-            <a:rPr lang="zh-CN" altLang="en-US" sz="600" kern="1200">
+            <a:rPr lang="zh-CN" altLang="en-US" sz="800" kern="1200">
               <a:latin typeface="黑体" panose="02010609060101010101" pitchFamily="49" charset="-122"/>
               <a:ea typeface="黑体" panose="02010609060101010101" pitchFamily="49" charset="-122"/>
             </a:rPr>
             <a:t>原始数据</a:t>
           </a:r>
-          <a:endParaRPr lang="zh-CN" altLang="en-US" sz="600" kern="1200" dirty="0">
+          <a:endParaRPr lang="zh-CN" altLang="en-US" sz="800" kern="1200" dirty="0">
             <a:latin typeface="黑体" panose="02010609060101010101" pitchFamily="49" charset="-122"/>
             <a:ea typeface="黑体" panose="02010609060101010101" pitchFamily="49" charset="-122"/>
           </a:endParaRPr>
         </a:p>
       </dsp:txBody>
       <dsp:txXfrm>
-        <a:off x="148702" y="209899"/>
-        <a:ext cx="444722" cy="296480"/>
+        <a:off x="196925" y="152937"/>
+        <a:ext cx="588938" cy="392625"/>
       </dsp:txXfrm>
     </dsp:sp>
     <dsp:sp modelId="{84D15B4F-302D-49B2-86F7-8FB57137B361}">
@@ -1726,24 +1651,24 @@
       </dsp:nvSpPr>
       <dsp:spPr>
         <a:xfrm>
-          <a:off x="667544" y="209899"/>
-          <a:ext cx="741202" cy="296480"/>
+          <a:off x="884019" y="152937"/>
+          <a:ext cx="981563" cy="392625"/>
         </a:xfrm>
         <a:prstGeom prst="chevron">
           <a:avLst/>
         </a:prstGeom>
         <a:solidFill>
-          <a:schemeClr val="accent6">
-            <a:alpha val="90000"/>
+          <a:schemeClr val="lt1">
             <a:hueOff val="0"/>
             <a:satOff val="0"/>
             <a:lumOff val="0"/>
-            <a:alphaOff val="-5714"/>
+            <a:alphaOff val="0"/>
           </a:schemeClr>
         </a:solidFill>
         <a:ln w="12700" cap="flat" cmpd="sng" algn="ctr">
           <a:solidFill>
-            <a:schemeClr val="lt1">
+            <a:schemeClr val="accent1">
+              <a:shade val="80000"/>
               <a:hueOff val="0"/>
               <a:satOff val="0"/>
               <a:lumOff val="0"/>
@@ -1770,12 +1695,12 @@
         </a:fontRef>
       </dsp:style>
       <dsp:txBody>
-        <a:bodyPr spcFirstLastPara="0" vert="horz" wrap="square" lIns="20003" tIns="6668" rIns="6668" bIns="6668" numCol="1" spcCol="1270" anchor="ctr" anchorCtr="0">
+        <a:bodyPr spcFirstLastPara="0" vert="horz" wrap="square" lIns="28004" tIns="9335" rIns="9335" bIns="9335" numCol="1" spcCol="1270" anchor="ctr" anchorCtr="0">
           <a:noAutofit/>
         </a:bodyPr>
         <a:lstStyle/>
         <a:p>
-          <a:pPr marL="0" lvl="0" indent="0" algn="ctr" defTabSz="222250">
+          <a:pPr marL="0" lvl="0" indent="0" algn="ctr" defTabSz="311150">
             <a:lnSpc>
               <a:spcPct val="90000"/>
             </a:lnSpc>
@@ -1788,21 +1713,17 @@
             <a:buNone/>
           </a:pPr>
           <a:r>
-            <a:rPr lang="zh-CN" altLang="en-US" sz="500" kern="1200">
+            <a:rPr lang="zh-CN" altLang="en-US" sz="700" kern="1200" dirty="0">
               <a:latin typeface="黑体" panose="02010609060101010101" pitchFamily="49" charset="-122"/>
               <a:ea typeface="黑体" panose="02010609060101010101" pitchFamily="49" charset="-122"/>
             </a:rPr>
-            <a:t>基于随机深林的数据填补</a:t>
+            <a:t>基于随机森林的数据填补</a:t>
           </a:r>
-          <a:endParaRPr lang="zh-CN" altLang="en-US" sz="500" kern="1200" dirty="0">
-            <a:latin typeface="黑体" panose="02010609060101010101" pitchFamily="49" charset="-122"/>
-            <a:ea typeface="黑体" panose="02010609060101010101" pitchFamily="49" charset="-122"/>
-          </a:endParaRPr>
         </a:p>
       </dsp:txBody>
       <dsp:txXfrm>
-        <a:off x="815784" y="209899"/>
-        <a:ext cx="444722" cy="296480"/>
+        <a:off x="1080332" y="152937"/>
+        <a:ext cx="588938" cy="392625"/>
       </dsp:txXfrm>
     </dsp:sp>
     <dsp:sp modelId="{9043A44C-08F2-40F9-8FA0-61A15E19B2C9}">
@@ -1812,24 +1733,24 @@
       </dsp:nvSpPr>
       <dsp:spPr>
         <a:xfrm>
-          <a:off x="1334626" y="209899"/>
-          <a:ext cx="741202" cy="296480"/>
+          <a:off x="1767426" y="152937"/>
+          <a:ext cx="981563" cy="392625"/>
         </a:xfrm>
         <a:prstGeom prst="chevron">
           <a:avLst/>
         </a:prstGeom>
         <a:solidFill>
-          <a:schemeClr val="accent6">
-            <a:alpha val="90000"/>
+          <a:schemeClr val="lt1">
             <a:hueOff val="0"/>
             <a:satOff val="0"/>
             <a:lumOff val="0"/>
-            <a:alphaOff val="-11429"/>
+            <a:alphaOff val="0"/>
           </a:schemeClr>
         </a:solidFill>
         <a:ln w="12700" cap="flat" cmpd="sng" algn="ctr">
           <a:solidFill>
-            <a:schemeClr val="lt1">
+            <a:schemeClr val="accent1">
+              <a:shade val="80000"/>
               <a:hueOff val="0"/>
               <a:satOff val="0"/>
               <a:lumOff val="0"/>
@@ -1856,12 +1777,12 @@
         </a:fontRef>
       </dsp:style>
       <dsp:txBody>
-        <a:bodyPr spcFirstLastPara="0" vert="horz" wrap="square" lIns="24003" tIns="8001" rIns="8001" bIns="8001" numCol="1" spcCol="1270" anchor="ctr" anchorCtr="0">
+        <a:bodyPr spcFirstLastPara="0" vert="horz" wrap="square" lIns="32004" tIns="10668" rIns="10668" bIns="10668" numCol="1" spcCol="1270" anchor="ctr" anchorCtr="0">
           <a:noAutofit/>
         </a:bodyPr>
         <a:lstStyle/>
         <a:p>
-          <a:pPr marL="0" lvl="0" indent="0" algn="ctr" defTabSz="266700">
+          <a:pPr marL="0" lvl="0" indent="0" algn="ctr" defTabSz="355600">
             <a:lnSpc>
               <a:spcPct val="90000"/>
             </a:lnSpc>
@@ -1874,21 +1795,21 @@
             <a:buNone/>
           </a:pPr>
           <a:r>
-            <a:rPr lang="zh-CN" altLang="en-US" sz="600" kern="1200">
+            <a:rPr lang="zh-CN" altLang="en-US" sz="800" kern="1200">
               <a:latin typeface="黑体" panose="02010609060101010101" pitchFamily="49" charset="-122"/>
               <a:ea typeface="黑体" panose="02010609060101010101" pitchFamily="49" charset="-122"/>
             </a:rPr>
             <a:t>类型转换</a:t>
           </a:r>
-          <a:endParaRPr lang="zh-CN" altLang="en-US" sz="600" kern="1200" dirty="0">
+          <a:endParaRPr lang="zh-CN" altLang="en-US" sz="800" kern="1200" dirty="0">
             <a:latin typeface="黑体" panose="02010609060101010101" pitchFamily="49" charset="-122"/>
             <a:ea typeface="黑体" panose="02010609060101010101" pitchFamily="49" charset="-122"/>
           </a:endParaRPr>
         </a:p>
       </dsp:txBody>
       <dsp:txXfrm>
-        <a:off x="1482866" y="209899"/>
-        <a:ext cx="444722" cy="296480"/>
+        <a:off x="1963739" y="152937"/>
+        <a:ext cx="588938" cy="392625"/>
       </dsp:txXfrm>
     </dsp:sp>
     <dsp:sp modelId="{E43C58C3-567A-439E-A368-B8CDA050358F}">
@@ -1898,24 +1819,24 @@
       </dsp:nvSpPr>
       <dsp:spPr>
         <a:xfrm>
-          <a:off x="2001709" y="209899"/>
-          <a:ext cx="741202" cy="296480"/>
+          <a:off x="2650832" y="152937"/>
+          <a:ext cx="981563" cy="392625"/>
         </a:xfrm>
         <a:prstGeom prst="chevron">
           <a:avLst/>
         </a:prstGeom>
         <a:solidFill>
-          <a:schemeClr val="accent6">
-            <a:alpha val="90000"/>
+          <a:schemeClr val="lt1">
             <a:hueOff val="0"/>
             <a:satOff val="0"/>
             <a:lumOff val="0"/>
-            <a:alphaOff val="-17143"/>
+            <a:alphaOff val="0"/>
           </a:schemeClr>
         </a:solidFill>
         <a:ln w="12700" cap="flat" cmpd="sng" algn="ctr">
           <a:solidFill>
-            <a:schemeClr val="lt1">
+            <a:schemeClr val="accent1">
+              <a:shade val="80000"/>
               <a:hueOff val="0"/>
               <a:satOff val="0"/>
               <a:lumOff val="0"/>
@@ -1942,12 +1863,12 @@
         </a:fontRef>
       </dsp:style>
       <dsp:txBody>
-        <a:bodyPr spcFirstLastPara="0" vert="horz" wrap="square" lIns="24003" tIns="8001" rIns="8001" bIns="8001" numCol="1" spcCol="1270" anchor="ctr" anchorCtr="0">
+        <a:bodyPr spcFirstLastPara="0" vert="horz" wrap="square" lIns="32004" tIns="10668" rIns="10668" bIns="10668" numCol="1" spcCol="1270" anchor="ctr" anchorCtr="0">
           <a:noAutofit/>
         </a:bodyPr>
         <a:lstStyle/>
         <a:p>
-          <a:pPr marL="0" lvl="0" indent="0" algn="ctr" defTabSz="266700">
+          <a:pPr marL="0" lvl="0" indent="0" algn="ctr" defTabSz="355600">
             <a:lnSpc>
               <a:spcPct val="90000"/>
             </a:lnSpc>
@@ -1960,21 +1881,21 @@
             <a:buNone/>
           </a:pPr>
           <a:r>
-            <a:rPr lang="zh-CN" altLang="en-US" sz="600" kern="1200">
+            <a:rPr lang="zh-CN" altLang="en-US" sz="800" kern="1200">
               <a:latin typeface="黑体" panose="02010609060101010101" pitchFamily="49" charset="-122"/>
               <a:ea typeface="黑体" panose="02010609060101010101" pitchFamily="49" charset="-122"/>
             </a:rPr>
             <a:t>数据集划分</a:t>
           </a:r>
-          <a:endParaRPr lang="zh-CN" altLang="en-US" sz="600" kern="1200" dirty="0">
+          <a:endParaRPr lang="zh-CN" altLang="en-US" sz="800" kern="1200" dirty="0">
             <a:latin typeface="黑体" panose="02010609060101010101" pitchFamily="49" charset="-122"/>
             <a:ea typeface="黑体" panose="02010609060101010101" pitchFamily="49" charset="-122"/>
           </a:endParaRPr>
         </a:p>
       </dsp:txBody>
       <dsp:txXfrm>
-        <a:off x="2149949" y="209899"/>
-        <a:ext cx="444722" cy="296480"/>
+        <a:off x="2847145" y="152937"/>
+        <a:ext cx="588938" cy="392625"/>
       </dsp:txXfrm>
     </dsp:sp>
     <dsp:sp modelId="{DF0B95C0-DA27-472A-AEC6-84A60BFBD95C}">
@@ -1984,24 +1905,24 @@
       </dsp:nvSpPr>
       <dsp:spPr>
         <a:xfrm>
-          <a:off x="2668791" y="209899"/>
-          <a:ext cx="741202" cy="296480"/>
+          <a:off x="3534239" y="152937"/>
+          <a:ext cx="981563" cy="392625"/>
         </a:xfrm>
         <a:prstGeom prst="chevron">
           <a:avLst/>
         </a:prstGeom>
         <a:solidFill>
-          <a:schemeClr val="accent6">
-            <a:alpha val="90000"/>
+          <a:schemeClr val="lt1">
             <a:hueOff val="0"/>
             <a:satOff val="0"/>
             <a:lumOff val="0"/>
-            <a:alphaOff val="-22857"/>
+            <a:alphaOff val="0"/>
           </a:schemeClr>
         </a:solidFill>
         <a:ln w="12700" cap="flat" cmpd="sng" algn="ctr">
           <a:solidFill>
-            <a:schemeClr val="lt1">
+            <a:schemeClr val="accent1">
+              <a:shade val="80000"/>
               <a:hueOff val="0"/>
               <a:satOff val="0"/>
               <a:lumOff val="0"/>
@@ -2028,12 +1949,12 @@
         </a:fontRef>
       </dsp:style>
       <dsp:txBody>
-        <a:bodyPr spcFirstLastPara="0" vert="horz" wrap="square" lIns="24003" tIns="8001" rIns="8001" bIns="8001" numCol="1" spcCol="1270" anchor="ctr" anchorCtr="0">
+        <a:bodyPr spcFirstLastPara="0" vert="horz" wrap="square" lIns="32004" tIns="10668" rIns="10668" bIns="10668" numCol="1" spcCol="1270" anchor="ctr" anchorCtr="0">
           <a:noAutofit/>
         </a:bodyPr>
         <a:lstStyle/>
         <a:p>
-          <a:pPr marL="0" lvl="0" indent="0" algn="ctr" defTabSz="266700">
+          <a:pPr marL="0" lvl="0" indent="0" algn="ctr" defTabSz="355600">
             <a:lnSpc>
               <a:spcPct val="90000"/>
             </a:lnSpc>
@@ -2046,21 +1967,21 @@
             <a:buNone/>
           </a:pPr>
           <a:r>
-            <a:rPr lang="zh-CN" altLang="en-US" sz="600" kern="1200">
+            <a:rPr lang="zh-CN" altLang="en-US" sz="800" kern="1200">
               <a:latin typeface="黑体" panose="02010609060101010101" pitchFamily="49" charset="-122"/>
               <a:ea typeface="黑体" panose="02010609060101010101" pitchFamily="49" charset="-122"/>
             </a:rPr>
             <a:t>模型训练</a:t>
           </a:r>
-          <a:endParaRPr lang="zh-CN" altLang="en-US" sz="600" kern="1200" dirty="0">
+          <a:endParaRPr lang="zh-CN" altLang="en-US" sz="800" kern="1200" dirty="0">
             <a:latin typeface="黑体" panose="02010609060101010101" pitchFamily="49" charset="-122"/>
             <a:ea typeface="黑体" panose="02010609060101010101" pitchFamily="49" charset="-122"/>
           </a:endParaRPr>
         </a:p>
       </dsp:txBody>
       <dsp:txXfrm>
-        <a:off x="2817031" y="209899"/>
-        <a:ext cx="444722" cy="296480"/>
+        <a:off x="3730552" y="152937"/>
+        <a:ext cx="588938" cy="392625"/>
       </dsp:txXfrm>
     </dsp:sp>
     <dsp:sp modelId="{DFA7FB8E-09D0-4606-8D03-420AB3714D8B}">
@@ -2070,24 +1991,24 @@
       </dsp:nvSpPr>
       <dsp:spPr>
         <a:xfrm>
-          <a:off x="3335873" y="209899"/>
-          <a:ext cx="741202" cy="296480"/>
+          <a:off x="4417646" y="152937"/>
+          <a:ext cx="981563" cy="392625"/>
         </a:xfrm>
         <a:prstGeom prst="chevron">
           <a:avLst/>
         </a:prstGeom>
         <a:solidFill>
-          <a:schemeClr val="accent6">
-            <a:alpha val="90000"/>
+          <a:schemeClr val="lt1">
             <a:hueOff val="0"/>
             <a:satOff val="0"/>
             <a:lumOff val="0"/>
-            <a:alphaOff val="-28571"/>
+            <a:alphaOff val="0"/>
           </a:schemeClr>
         </a:solidFill>
         <a:ln w="12700" cap="flat" cmpd="sng" algn="ctr">
           <a:solidFill>
-            <a:schemeClr val="lt1">
+            <a:schemeClr val="accent1">
+              <a:shade val="80000"/>
               <a:hueOff val="0"/>
               <a:satOff val="0"/>
               <a:lumOff val="0"/>
@@ -2114,12 +2035,12 @@
         </a:fontRef>
       </dsp:style>
       <dsp:txBody>
-        <a:bodyPr spcFirstLastPara="0" vert="horz" wrap="square" lIns="24003" tIns="8001" rIns="8001" bIns="8001" numCol="1" spcCol="1270" anchor="ctr" anchorCtr="0">
+        <a:bodyPr spcFirstLastPara="0" vert="horz" wrap="square" lIns="32004" tIns="10668" rIns="10668" bIns="10668" numCol="1" spcCol="1270" anchor="ctr" anchorCtr="0">
           <a:noAutofit/>
         </a:bodyPr>
         <a:lstStyle/>
         <a:p>
-          <a:pPr marL="0" lvl="0" indent="0" algn="ctr" defTabSz="266700">
+          <a:pPr marL="0" lvl="0" indent="0" algn="ctr" defTabSz="355600">
             <a:lnSpc>
               <a:spcPct val="90000"/>
             </a:lnSpc>
@@ -2132,21 +2053,21 @@
             <a:buNone/>
           </a:pPr>
           <a:r>
-            <a:rPr lang="zh-CN" altLang="en-US" sz="600" kern="1200">
+            <a:rPr lang="zh-CN" altLang="en-US" sz="800" kern="1200">
               <a:latin typeface="黑体" panose="02010609060101010101" pitchFamily="49" charset="-122"/>
               <a:ea typeface="黑体" panose="02010609060101010101" pitchFamily="49" charset="-122"/>
             </a:rPr>
             <a:t>模型验证</a:t>
           </a:r>
-          <a:endParaRPr lang="zh-CN" altLang="en-US" sz="600" kern="1200" dirty="0">
+          <a:endParaRPr lang="zh-CN" altLang="en-US" sz="800" kern="1200" dirty="0">
             <a:latin typeface="黑体" panose="02010609060101010101" pitchFamily="49" charset="-122"/>
             <a:ea typeface="黑体" panose="02010609060101010101" pitchFamily="49" charset="-122"/>
           </a:endParaRPr>
         </a:p>
       </dsp:txBody>
       <dsp:txXfrm>
-        <a:off x="3484113" y="209899"/>
-        <a:ext cx="444722" cy="296480"/>
+        <a:off x="4613959" y="152937"/>
+        <a:ext cx="588938" cy="392625"/>
       </dsp:txXfrm>
     </dsp:sp>
     <dsp:sp modelId="{34AED2C8-C45D-46A7-A812-EE959C5C8C29}">
@@ -2156,24 +2077,24 @@
       </dsp:nvSpPr>
       <dsp:spPr>
         <a:xfrm>
-          <a:off x="4002955" y="209899"/>
-          <a:ext cx="741202" cy="296480"/>
+          <a:off x="5301053" y="152937"/>
+          <a:ext cx="981563" cy="392625"/>
         </a:xfrm>
         <a:prstGeom prst="chevron">
           <a:avLst/>
         </a:prstGeom>
         <a:solidFill>
-          <a:schemeClr val="accent6">
-            <a:alpha val="90000"/>
+          <a:schemeClr val="lt1">
             <a:hueOff val="0"/>
             <a:satOff val="0"/>
             <a:lumOff val="0"/>
-            <a:alphaOff val="-34286"/>
+            <a:alphaOff val="0"/>
           </a:schemeClr>
         </a:solidFill>
         <a:ln w="12700" cap="flat" cmpd="sng" algn="ctr">
           <a:solidFill>
-            <a:schemeClr val="lt1">
+            <a:schemeClr val="accent1">
+              <a:shade val="80000"/>
               <a:hueOff val="0"/>
               <a:satOff val="0"/>
               <a:lumOff val="0"/>
@@ -2200,12 +2121,12 @@
         </a:fontRef>
       </dsp:style>
       <dsp:txBody>
-        <a:bodyPr spcFirstLastPara="0" vert="horz" wrap="square" lIns="24003" tIns="8001" rIns="8001" bIns="8001" numCol="1" spcCol="1270" anchor="ctr" anchorCtr="0">
+        <a:bodyPr spcFirstLastPara="0" vert="horz" wrap="square" lIns="32004" tIns="10668" rIns="10668" bIns="10668" numCol="1" spcCol="1270" anchor="ctr" anchorCtr="0">
           <a:noAutofit/>
         </a:bodyPr>
         <a:lstStyle/>
         <a:p>
-          <a:pPr marL="0" lvl="0" indent="0" algn="ctr" defTabSz="266700">
+          <a:pPr marL="0" lvl="0" indent="0" algn="ctr" defTabSz="355600">
             <a:lnSpc>
               <a:spcPct val="90000"/>
             </a:lnSpc>
@@ -2218,21 +2139,21 @@
             <a:buNone/>
           </a:pPr>
           <a:r>
-            <a:rPr lang="zh-CN" altLang="en-US" sz="600" kern="1200">
+            <a:rPr lang="zh-CN" altLang="en-US" sz="800" kern="1200">
               <a:latin typeface="黑体" panose="02010609060101010101" pitchFamily="49" charset="-122"/>
               <a:ea typeface="黑体" panose="02010609060101010101" pitchFamily="49" charset="-122"/>
             </a:rPr>
             <a:t>使用所有的数据集训练</a:t>
           </a:r>
-          <a:endParaRPr lang="zh-CN" altLang="en-US" sz="600" kern="1200" dirty="0">
+          <a:endParaRPr lang="zh-CN" altLang="en-US" sz="800" kern="1200" dirty="0">
             <a:latin typeface="黑体" panose="02010609060101010101" pitchFamily="49" charset="-122"/>
             <a:ea typeface="黑体" panose="02010609060101010101" pitchFamily="49" charset="-122"/>
           </a:endParaRPr>
         </a:p>
       </dsp:txBody>
       <dsp:txXfrm>
-        <a:off x="4151195" y="209899"/>
-        <a:ext cx="444722" cy="296480"/>
+        <a:off x="5497366" y="152937"/>
+        <a:ext cx="588938" cy="392625"/>
       </dsp:txXfrm>
     </dsp:sp>
     <dsp:sp modelId="{3E783A11-6E87-4F35-9AC6-C790363607C7}">
@@ -2242,24 +2163,24 @@
       </dsp:nvSpPr>
       <dsp:spPr>
         <a:xfrm>
-          <a:off x="4670038" y="209899"/>
-          <a:ext cx="741202" cy="296480"/>
+          <a:off x="6184460" y="152937"/>
+          <a:ext cx="981563" cy="392625"/>
         </a:xfrm>
         <a:prstGeom prst="chevron">
           <a:avLst/>
         </a:prstGeom>
         <a:solidFill>
-          <a:schemeClr val="accent6">
-            <a:alpha val="90000"/>
+          <a:schemeClr val="lt1">
             <a:hueOff val="0"/>
             <a:satOff val="0"/>
             <a:lumOff val="0"/>
-            <a:alphaOff val="-40000"/>
+            <a:alphaOff val="0"/>
           </a:schemeClr>
         </a:solidFill>
         <a:ln w="12700" cap="flat" cmpd="sng" algn="ctr">
           <a:solidFill>
-            <a:schemeClr val="lt1">
+            <a:schemeClr val="accent1">
+              <a:shade val="80000"/>
               <a:hueOff val="0"/>
               <a:satOff val="0"/>
               <a:lumOff val="0"/>
@@ -2286,12 +2207,12 @@
         </a:fontRef>
       </dsp:style>
       <dsp:txBody>
-        <a:bodyPr spcFirstLastPara="0" vert="horz" wrap="square" lIns="24003" tIns="8001" rIns="8001" bIns="8001" numCol="1" spcCol="1270" anchor="ctr" anchorCtr="0">
+        <a:bodyPr spcFirstLastPara="0" vert="horz" wrap="square" lIns="32004" tIns="10668" rIns="10668" bIns="10668" numCol="1" spcCol="1270" anchor="ctr" anchorCtr="0">
           <a:noAutofit/>
         </a:bodyPr>
         <a:lstStyle/>
         <a:p>
-          <a:pPr marL="0" lvl="0" indent="0" algn="ctr" defTabSz="266700">
+          <a:pPr marL="0" lvl="0" indent="0" algn="ctr" defTabSz="355600">
             <a:lnSpc>
               <a:spcPct val="90000"/>
             </a:lnSpc>
@@ -2304,21 +2225,21 @@
             <a:buNone/>
           </a:pPr>
           <a:r>
-            <a:rPr lang="zh-CN" altLang="en-US" sz="600" kern="1200">
+            <a:rPr lang="zh-CN" altLang="en-US" sz="800" kern="1200">
               <a:latin typeface="黑体" panose="02010609060101010101" pitchFamily="49" charset="-122"/>
               <a:ea typeface="黑体" panose="02010609060101010101" pitchFamily="49" charset="-122"/>
             </a:rPr>
             <a:t>模型预测</a:t>
           </a:r>
-          <a:endParaRPr lang="zh-CN" altLang="en-US" sz="600" kern="1200" dirty="0">
+          <a:endParaRPr lang="zh-CN" altLang="en-US" sz="800" kern="1200" dirty="0">
             <a:latin typeface="黑体" panose="02010609060101010101" pitchFamily="49" charset="-122"/>
             <a:ea typeface="黑体" panose="02010609060101010101" pitchFamily="49" charset="-122"/>
           </a:endParaRPr>
         </a:p>
       </dsp:txBody>
       <dsp:txXfrm>
-        <a:off x="4818278" y="209899"/>
-        <a:ext cx="444722" cy="296480"/>
+        <a:off x="6380773" y="152937"/>
+        <a:ext cx="588938" cy="392625"/>
       </dsp:txXfrm>
     </dsp:sp>
   </dsp:spTree>
@@ -6567,445 +6488,12 @@
           <a:chExt cx="0" cy="0"/>
         </a:xfrm>
       </p:grpSpPr>
-      <p:sp>
-        <p:nvSpPr>
-          <p:cNvPr id="2" name="矩形 1">
+      <p:grpSp>
+        <p:nvGrpSpPr>
+          <p:cNvPr id="5" name="组合 4">
             <a:extLst>
               <a:ext uri="{FF2B5EF4-FFF2-40B4-BE49-F238E27FC236}">
-                <a16:creationId xmlns:a16="http://schemas.microsoft.com/office/drawing/2014/main" id="{509F274F-E451-C9B8-CDD0-E23D8F5BEFC2}"/>
-              </a:ext>
-            </a:extLst>
-          </p:cNvPr>
-          <p:cNvSpPr/>
-          <p:nvPr/>
-        </p:nvSpPr>
-        <p:spPr>
-          <a:xfrm>
-            <a:off x="3483428" y="827315"/>
-            <a:ext cx="4447592" cy="342122"/>
-          </a:xfrm>
-          <a:prstGeom prst="rect">
-            <a:avLst/>
-          </a:prstGeom>
-          <a:solidFill>
-            <a:schemeClr val="accent1">
-              <a:lumMod val="20000"/>
-              <a:lumOff val="80000"/>
-            </a:schemeClr>
-          </a:solidFill>
-          <a:ln w="22225"/>
-        </p:spPr>
-        <p:style>
-          <a:lnRef idx="2">
-            <a:schemeClr val="accent1">
-              <a:shade val="50000"/>
-            </a:schemeClr>
-          </a:lnRef>
-          <a:fillRef idx="1">
-            <a:schemeClr val="accent1"/>
-          </a:fillRef>
-          <a:effectRef idx="0">
-            <a:schemeClr val="accent1"/>
-          </a:effectRef>
-          <a:fontRef idx="minor">
-            <a:schemeClr val="lt1"/>
-          </a:fontRef>
-        </p:style>
-        <p:txBody>
-          <a:bodyPr rtlCol="0" anchor="ctr"/>
-          <a:lstStyle/>
-          <a:p>
-            <a:pPr algn="ctr"/>
-            <a:r>
-              <a:rPr lang="zh-CN" altLang="en-US" sz="1600" dirty="0">
-                <a:solidFill>
-                  <a:schemeClr val="tx1">
-                    <a:lumMod val="65000"/>
-                    <a:lumOff val="35000"/>
-                  </a:schemeClr>
-                </a:solidFill>
-              </a:rPr>
-              <a:t>原数据集</a:t>
-            </a:r>
-          </a:p>
-        </p:txBody>
-      </p:sp>
-      <p:sp>
-        <p:nvSpPr>
-          <p:cNvPr id="3" name="箭头: 下 2">
-            <a:extLst>
-              <a:ext uri="{FF2B5EF4-FFF2-40B4-BE49-F238E27FC236}">
-                <a16:creationId xmlns:a16="http://schemas.microsoft.com/office/drawing/2014/main" id="{82AA417C-60FF-0EC9-2C50-6190E81ED72D}"/>
-              </a:ext>
-            </a:extLst>
-          </p:cNvPr>
-          <p:cNvSpPr/>
-          <p:nvPr/>
-        </p:nvSpPr>
-        <p:spPr>
-          <a:xfrm>
-            <a:off x="5504856" y="1311638"/>
-            <a:ext cx="404735" cy="502171"/>
-          </a:xfrm>
-          <a:prstGeom prst="downArrow">
-            <a:avLst/>
-          </a:prstGeom>
-          <a:solidFill>
-            <a:schemeClr val="accent1">
-              <a:alpha val="61000"/>
-            </a:schemeClr>
-          </a:solidFill>
-        </p:spPr>
-        <p:style>
-          <a:lnRef idx="2">
-            <a:schemeClr val="accent1">
-              <a:shade val="50000"/>
-            </a:schemeClr>
-          </a:lnRef>
-          <a:fillRef idx="1">
-            <a:schemeClr val="accent1"/>
-          </a:fillRef>
-          <a:effectRef idx="0">
-            <a:schemeClr val="accent1"/>
-          </a:effectRef>
-          <a:fontRef idx="minor">
-            <a:schemeClr val="lt1"/>
-          </a:fontRef>
-        </p:style>
-        <p:txBody>
-          <a:bodyPr rtlCol="0" anchor="ctr"/>
-          <a:lstStyle/>
-          <a:p>
-            <a:pPr algn="ctr"/>
-            <a:endParaRPr lang="zh-CN" altLang="en-US"/>
-          </a:p>
-        </p:txBody>
-      </p:sp>
-      <p:sp>
-        <p:nvSpPr>
-          <p:cNvPr id="4" name="矩形 3">
-            <a:extLst>
-              <a:ext uri="{FF2B5EF4-FFF2-40B4-BE49-F238E27FC236}">
-                <a16:creationId xmlns:a16="http://schemas.microsoft.com/office/drawing/2014/main" id="{35C3B794-1774-67FB-4C6D-787F478E505D}"/>
-              </a:ext>
-            </a:extLst>
-          </p:cNvPr>
-          <p:cNvSpPr/>
-          <p:nvPr/>
-        </p:nvSpPr>
-        <p:spPr>
-          <a:xfrm>
-            <a:off x="3483427" y="1869132"/>
-            <a:ext cx="4447592" cy="342122"/>
-          </a:xfrm>
-          <a:prstGeom prst="rect">
-            <a:avLst/>
-          </a:prstGeom>
-          <a:solidFill>
-            <a:schemeClr val="accent1">
-              <a:lumMod val="20000"/>
-              <a:lumOff val="80000"/>
-            </a:schemeClr>
-          </a:solidFill>
-          <a:ln w="22225"/>
-        </p:spPr>
-        <p:style>
-          <a:lnRef idx="2">
-            <a:schemeClr val="accent1">
-              <a:shade val="50000"/>
-            </a:schemeClr>
-          </a:lnRef>
-          <a:fillRef idx="1">
-            <a:schemeClr val="accent1"/>
-          </a:fillRef>
-          <a:effectRef idx="0">
-            <a:schemeClr val="accent1"/>
-          </a:effectRef>
-          <a:fontRef idx="minor">
-            <a:schemeClr val="lt1"/>
-          </a:fontRef>
-        </p:style>
-        <p:txBody>
-          <a:bodyPr rtlCol="0" anchor="ctr"/>
-          <a:lstStyle/>
-          <a:p>
-            <a:pPr algn="ctr"/>
-            <a:endParaRPr lang="zh-CN" altLang="en-US" dirty="0">
-              <a:solidFill>
-                <a:schemeClr val="tx1">
-                  <a:lumMod val="65000"/>
-                  <a:lumOff val="35000"/>
-                </a:schemeClr>
-              </a:solidFill>
-            </a:endParaRPr>
-          </a:p>
-        </p:txBody>
-      </p:sp>
-      <p:sp>
-        <p:nvSpPr>
-          <p:cNvPr id="10" name="文本框 9">
-            <a:extLst>
-              <a:ext uri="{FF2B5EF4-FFF2-40B4-BE49-F238E27FC236}">
-                <a16:creationId xmlns:a16="http://schemas.microsoft.com/office/drawing/2014/main" id="{3AD7B889-2CF9-7A2E-580C-186C03956A93}"/>
-              </a:ext>
-            </a:extLst>
-          </p:cNvPr>
-          <p:cNvSpPr txBox="1"/>
-          <p:nvPr/>
-        </p:nvSpPr>
-        <p:spPr>
-          <a:xfrm>
-            <a:off x="5373080" y="3434827"/>
-            <a:ext cx="710451" cy="369332"/>
-          </a:xfrm>
-          <a:prstGeom prst="rect">
-            <a:avLst/>
-          </a:prstGeom>
-          <a:noFill/>
-        </p:spPr>
-        <p:txBody>
-          <a:bodyPr wrap="none" rtlCol="0">
-            <a:spAutoFit/>
-          </a:bodyPr>
-          <a:lstStyle/>
-          <a:p>
-            <a:r>
-              <a:rPr lang="en-US" altLang="zh-CN" dirty="0"/>
-              <a:t>…….</a:t>
-            </a:r>
-            <a:endParaRPr lang="zh-CN" altLang="en-US" dirty="0"/>
-          </a:p>
-        </p:txBody>
-      </p:sp>
-      <p:sp>
-        <p:nvSpPr>
-          <p:cNvPr id="11" name="矩形 10">
-            <a:extLst>
-              <a:ext uri="{FF2B5EF4-FFF2-40B4-BE49-F238E27FC236}">
-                <a16:creationId xmlns:a16="http://schemas.microsoft.com/office/drawing/2014/main" id="{C2AE8B03-E2DC-2EAC-FCEA-2818B17A89DD}"/>
-              </a:ext>
-            </a:extLst>
-          </p:cNvPr>
-          <p:cNvSpPr/>
-          <p:nvPr/>
-        </p:nvSpPr>
-        <p:spPr>
-          <a:xfrm>
-            <a:off x="7262733" y="1864347"/>
-            <a:ext cx="668285" cy="342122"/>
-          </a:xfrm>
-          <a:prstGeom prst="rect">
-            <a:avLst/>
-          </a:prstGeom>
-          <a:solidFill>
-            <a:schemeClr val="accent1">
-              <a:lumMod val="60000"/>
-              <a:lumOff val="40000"/>
-            </a:schemeClr>
-          </a:solidFill>
-          <a:ln w="22225"/>
-        </p:spPr>
-        <p:style>
-          <a:lnRef idx="2">
-            <a:schemeClr val="accent1">
-              <a:shade val="50000"/>
-            </a:schemeClr>
-          </a:lnRef>
-          <a:fillRef idx="1">
-            <a:schemeClr val="accent1"/>
-          </a:fillRef>
-          <a:effectRef idx="0">
-            <a:schemeClr val="accent1"/>
-          </a:effectRef>
-          <a:fontRef idx="minor">
-            <a:schemeClr val="lt1"/>
-          </a:fontRef>
-        </p:style>
-        <p:txBody>
-          <a:bodyPr rtlCol="0" anchor="ctr"/>
-          <a:lstStyle/>
-          <a:p>
-            <a:pPr algn="ctr"/>
-            <a:r>
-              <a:rPr lang="zh-CN" altLang="en-US" sz="1200" dirty="0">
-                <a:solidFill>
-                  <a:schemeClr val="bg2"/>
-                </a:solidFill>
-              </a:rPr>
-              <a:t>测试集</a:t>
-            </a:r>
-          </a:p>
-        </p:txBody>
-      </p:sp>
-      <p:sp>
-        <p:nvSpPr>
-          <p:cNvPr id="13" name="文本框 12">
-            <a:extLst>
-              <a:ext uri="{FF2B5EF4-FFF2-40B4-BE49-F238E27FC236}">
-                <a16:creationId xmlns:a16="http://schemas.microsoft.com/office/drawing/2014/main" id="{5AFD95CD-572D-5232-119E-72E89AD78FA1}"/>
-              </a:ext>
-            </a:extLst>
-          </p:cNvPr>
-          <p:cNvSpPr txBox="1"/>
-          <p:nvPr/>
-        </p:nvSpPr>
-        <p:spPr>
-          <a:xfrm>
-            <a:off x="4888711" y="1864347"/>
-            <a:ext cx="968739" cy="307777"/>
-          </a:xfrm>
-          <a:prstGeom prst="rect">
-            <a:avLst/>
-          </a:prstGeom>
-          <a:noFill/>
-        </p:spPr>
-        <p:txBody>
-          <a:bodyPr wrap="square">
-            <a:spAutoFit/>
-          </a:bodyPr>
-          <a:lstStyle/>
-          <a:p>
-            <a:pPr algn="ctr"/>
-            <a:r>
-              <a:rPr lang="zh-CN" altLang="en-US" sz="1400" dirty="0">
-                <a:solidFill>
-                  <a:schemeClr val="tx1">
-                    <a:lumMod val="65000"/>
-                    <a:lumOff val="35000"/>
-                  </a:schemeClr>
-                </a:solidFill>
-              </a:rPr>
-              <a:t>训练集</a:t>
-            </a:r>
-          </a:p>
-        </p:txBody>
-      </p:sp>
-      <p:sp>
-        <p:nvSpPr>
-          <p:cNvPr id="14" name="矩形 13">
-            <a:extLst>
-              <a:ext uri="{FF2B5EF4-FFF2-40B4-BE49-F238E27FC236}">
-                <a16:creationId xmlns:a16="http://schemas.microsoft.com/office/drawing/2014/main" id="{377A1386-2414-CF9A-1A43-A94490F88DE2}"/>
-              </a:ext>
-            </a:extLst>
-          </p:cNvPr>
-          <p:cNvSpPr/>
-          <p:nvPr/>
-        </p:nvSpPr>
-        <p:spPr>
-          <a:xfrm>
-            <a:off x="3483427" y="2500597"/>
-            <a:ext cx="4447592" cy="342122"/>
-          </a:xfrm>
-          <a:prstGeom prst="rect">
-            <a:avLst/>
-          </a:prstGeom>
-          <a:solidFill>
-            <a:schemeClr val="accent1">
-              <a:lumMod val="20000"/>
-              <a:lumOff val="80000"/>
-            </a:schemeClr>
-          </a:solidFill>
-          <a:ln w="22225"/>
-        </p:spPr>
-        <p:style>
-          <a:lnRef idx="2">
-            <a:schemeClr val="accent1">
-              <a:shade val="50000"/>
-            </a:schemeClr>
-          </a:lnRef>
-          <a:fillRef idx="1">
-            <a:schemeClr val="accent1"/>
-          </a:fillRef>
-          <a:effectRef idx="0">
-            <a:schemeClr val="accent1"/>
-          </a:effectRef>
-          <a:fontRef idx="minor">
-            <a:schemeClr val="lt1"/>
-          </a:fontRef>
-        </p:style>
-        <p:txBody>
-          <a:bodyPr rtlCol="0" anchor="ctr"/>
-          <a:lstStyle/>
-          <a:p>
-            <a:pPr algn="ctr"/>
-            <a:endParaRPr lang="zh-CN" altLang="en-US" dirty="0">
-              <a:solidFill>
-                <a:schemeClr val="tx1">
-                  <a:lumMod val="65000"/>
-                  <a:lumOff val="35000"/>
-                </a:schemeClr>
-              </a:solidFill>
-            </a:endParaRPr>
-          </a:p>
-        </p:txBody>
-      </p:sp>
-      <p:sp>
-        <p:nvSpPr>
-          <p:cNvPr id="19" name="矩形 18">
-            <a:extLst>
-              <a:ext uri="{FF2B5EF4-FFF2-40B4-BE49-F238E27FC236}">
-                <a16:creationId xmlns:a16="http://schemas.microsoft.com/office/drawing/2014/main" id="{2E473DA0-B9C5-68DE-BA31-BACFC8C09F2B}"/>
-              </a:ext>
-            </a:extLst>
-          </p:cNvPr>
-          <p:cNvSpPr/>
-          <p:nvPr/>
-        </p:nvSpPr>
-        <p:spPr>
-          <a:xfrm>
-            <a:off x="6594448" y="2500597"/>
-            <a:ext cx="668285" cy="342122"/>
-          </a:xfrm>
-          <a:prstGeom prst="rect">
-            <a:avLst/>
-          </a:prstGeom>
-          <a:solidFill>
-            <a:schemeClr val="accent1">
-              <a:lumMod val="60000"/>
-              <a:lumOff val="40000"/>
-            </a:schemeClr>
-          </a:solidFill>
-          <a:ln w="22225"/>
-        </p:spPr>
-        <p:style>
-          <a:lnRef idx="2">
-            <a:schemeClr val="accent1">
-              <a:shade val="50000"/>
-            </a:schemeClr>
-          </a:lnRef>
-          <a:fillRef idx="1">
-            <a:schemeClr val="accent1"/>
-          </a:fillRef>
-          <a:effectRef idx="0">
-            <a:schemeClr val="accent1"/>
-          </a:effectRef>
-          <a:fontRef idx="minor">
-            <a:schemeClr val="lt1"/>
-          </a:fontRef>
-        </p:style>
-        <p:txBody>
-          <a:bodyPr rtlCol="0" anchor="ctr"/>
-          <a:lstStyle/>
-          <a:p>
-            <a:pPr algn="ctr"/>
-            <a:r>
-              <a:rPr lang="zh-CN" altLang="en-US" sz="1200" dirty="0">
-                <a:solidFill>
-                  <a:schemeClr val="bg2"/>
-                </a:solidFill>
-              </a:rPr>
-              <a:t>测试集</a:t>
-            </a:r>
-          </a:p>
-        </p:txBody>
-      </p:sp>
-      <p:grpSp>
-        <p:nvGrpSpPr>
-          <p:cNvPr id="38" name="组合 37">
-            <a:extLst>
-              <a:ext uri="{FF2B5EF4-FFF2-40B4-BE49-F238E27FC236}">
-                <a16:creationId xmlns:a16="http://schemas.microsoft.com/office/drawing/2014/main" id="{D0A5356E-43B4-F53C-C0B4-F9CD87E95BFF}"/>
+                <a16:creationId xmlns:a16="http://schemas.microsoft.com/office/drawing/2014/main" id="{DEC0C796-844C-69D0-0B6C-F06390B13312}"/>
               </a:ext>
             </a:extLst>
           </p:cNvPr>
@@ -7014,18 +6502,18 @@
         </p:nvGrpSpPr>
         <p:grpSpPr>
           <a:xfrm>
-            <a:off x="3483427" y="3135233"/>
-            <a:ext cx="4447592" cy="342122"/>
-            <a:chOff x="3483427" y="3207803"/>
-            <a:chExt cx="4447592" cy="342122"/>
+            <a:off x="3483427" y="827315"/>
+            <a:ext cx="5278424" cy="3749678"/>
+            <a:chOff x="3483427" y="827315"/>
+            <a:chExt cx="5278424" cy="3749678"/>
           </a:xfrm>
         </p:grpSpPr>
         <p:sp>
           <p:nvSpPr>
-            <p:cNvPr id="17" name="矩形 16">
+            <p:cNvPr id="2" name="矩形 1">
               <a:extLst>
                 <a:ext uri="{FF2B5EF4-FFF2-40B4-BE49-F238E27FC236}">
-                  <a16:creationId xmlns:a16="http://schemas.microsoft.com/office/drawing/2014/main" id="{9A810B55-D952-C443-6633-7F3F9F8449C3}"/>
+                  <a16:creationId xmlns:a16="http://schemas.microsoft.com/office/drawing/2014/main" id="{509F274F-E451-C9B8-CDD0-E23D8F5BEFC2}"/>
                 </a:ext>
               </a:extLst>
             </p:cNvPr>
@@ -7034,7 +6522,121 @@
           </p:nvSpPr>
           <p:spPr>
             <a:xfrm>
-              <a:off x="3483427" y="3207803"/>
+              <a:off x="3483428" y="827315"/>
+              <a:ext cx="4447592" cy="342122"/>
+            </a:xfrm>
+            <a:prstGeom prst="rect">
+              <a:avLst/>
+            </a:prstGeom>
+            <a:solidFill>
+              <a:schemeClr val="accent1">
+                <a:lumMod val="20000"/>
+                <a:lumOff val="80000"/>
+              </a:schemeClr>
+            </a:solidFill>
+            <a:ln w="22225"/>
+          </p:spPr>
+          <p:style>
+            <a:lnRef idx="2">
+              <a:schemeClr val="accent1">
+                <a:shade val="50000"/>
+              </a:schemeClr>
+            </a:lnRef>
+            <a:fillRef idx="1">
+              <a:schemeClr val="accent1"/>
+            </a:fillRef>
+            <a:effectRef idx="0">
+              <a:schemeClr val="accent1"/>
+            </a:effectRef>
+            <a:fontRef idx="minor">
+              <a:schemeClr val="lt1"/>
+            </a:fontRef>
+          </p:style>
+          <p:txBody>
+            <a:bodyPr rtlCol="0" anchor="ctr"/>
+            <a:lstStyle/>
+            <a:p>
+              <a:pPr algn="ctr"/>
+              <a:r>
+                <a:rPr lang="zh-CN" altLang="en-US" sz="1600" dirty="0">
+                  <a:solidFill>
+                    <a:schemeClr val="tx1">
+                      <a:lumMod val="65000"/>
+                      <a:lumOff val="35000"/>
+                    </a:schemeClr>
+                  </a:solidFill>
+                </a:rPr>
+                <a:t>原数据集</a:t>
+              </a:r>
+            </a:p>
+          </p:txBody>
+        </p:sp>
+        <p:sp>
+          <p:nvSpPr>
+            <p:cNvPr id="3" name="箭头: 下 2">
+              <a:extLst>
+                <a:ext uri="{FF2B5EF4-FFF2-40B4-BE49-F238E27FC236}">
+                  <a16:creationId xmlns:a16="http://schemas.microsoft.com/office/drawing/2014/main" id="{82AA417C-60FF-0EC9-2C50-6190E81ED72D}"/>
+                </a:ext>
+              </a:extLst>
+            </p:cNvPr>
+            <p:cNvSpPr/>
+            <p:nvPr/>
+          </p:nvSpPr>
+          <p:spPr>
+            <a:xfrm>
+              <a:off x="5504856" y="1311638"/>
+              <a:ext cx="404735" cy="502171"/>
+            </a:xfrm>
+            <a:prstGeom prst="downArrow">
+              <a:avLst/>
+            </a:prstGeom>
+            <a:solidFill>
+              <a:schemeClr val="accent1">
+                <a:alpha val="61000"/>
+              </a:schemeClr>
+            </a:solidFill>
+          </p:spPr>
+          <p:style>
+            <a:lnRef idx="2">
+              <a:schemeClr val="accent1">
+                <a:shade val="50000"/>
+              </a:schemeClr>
+            </a:lnRef>
+            <a:fillRef idx="1">
+              <a:schemeClr val="accent1"/>
+            </a:fillRef>
+            <a:effectRef idx="0">
+              <a:schemeClr val="accent1"/>
+            </a:effectRef>
+            <a:fontRef idx="minor">
+              <a:schemeClr val="lt1"/>
+            </a:fontRef>
+          </p:style>
+          <p:txBody>
+            <a:bodyPr rtlCol="0" anchor="ctr"/>
+            <a:lstStyle/>
+            <a:p>
+              <a:pPr algn="ctr"/>
+              <a:endParaRPr lang="zh-CN" altLang="en-US"/>
+            </a:p>
+          </p:txBody>
+        </p:sp>
+        <p:sp>
+          <p:nvSpPr>
+            <p:cNvPr id="4" name="矩形 3">
+              <a:extLst>
+                <a:ext uri="{FF2B5EF4-FFF2-40B4-BE49-F238E27FC236}">
+                  <a16:creationId xmlns:a16="http://schemas.microsoft.com/office/drawing/2014/main" id="{35C3B794-1774-67FB-4C6D-787F478E505D}"/>
+                </a:ext>
+              </a:extLst>
+            </p:cNvPr>
+            <p:cNvSpPr/>
+            <p:nvPr/>
+          </p:nvSpPr>
+          <p:spPr>
+            <a:xfrm>
+              <a:off x="3483427" y="1869132"/>
               <a:ext cx="4447592" cy="342122"/>
             </a:xfrm>
             <a:prstGeom prst="rect">
@@ -7082,10 +6684,46 @@
         </p:sp>
         <p:sp>
           <p:nvSpPr>
-            <p:cNvPr id="20" name="矩形 19">
+            <p:cNvPr id="10" name="文本框 9">
               <a:extLst>
                 <a:ext uri="{FF2B5EF4-FFF2-40B4-BE49-F238E27FC236}">
-                  <a16:creationId xmlns:a16="http://schemas.microsoft.com/office/drawing/2014/main" id="{59D9EE5A-D444-F75D-61DD-D283E78E27CE}"/>
+                  <a16:creationId xmlns:a16="http://schemas.microsoft.com/office/drawing/2014/main" id="{3AD7B889-2CF9-7A2E-580C-186C03956A93}"/>
+                </a:ext>
+              </a:extLst>
+            </p:cNvPr>
+            <p:cNvSpPr txBox="1"/>
+            <p:nvPr/>
+          </p:nvSpPr>
+          <p:spPr>
+            <a:xfrm>
+              <a:off x="5373080" y="3434827"/>
+              <a:ext cx="710451" cy="369332"/>
+            </a:xfrm>
+            <a:prstGeom prst="rect">
+              <a:avLst/>
+            </a:prstGeom>
+            <a:noFill/>
+          </p:spPr>
+          <p:txBody>
+            <a:bodyPr wrap="none" rtlCol="0">
+              <a:spAutoFit/>
+            </a:bodyPr>
+            <a:lstStyle/>
+            <a:p>
+              <a:r>
+                <a:rPr lang="en-US" altLang="zh-CN" dirty="0"/>
+                <a:t>…….</a:t>
+              </a:r>
+              <a:endParaRPr lang="zh-CN" altLang="en-US" dirty="0"/>
+            </a:p>
+          </p:txBody>
+        </p:sp>
+        <p:sp>
+          <p:nvSpPr>
+            <p:cNvPr id="11" name="矩形 10">
+              <a:extLst>
+                <a:ext uri="{FF2B5EF4-FFF2-40B4-BE49-F238E27FC236}">
+                  <a16:creationId xmlns:a16="http://schemas.microsoft.com/office/drawing/2014/main" id="{C2AE8B03-E2DC-2EAC-FCEA-2818B17A89DD}"/>
                 </a:ext>
               </a:extLst>
             </p:cNvPr>
@@ -7094,7 +6732,7 @@
           </p:nvSpPr>
           <p:spPr>
             <a:xfrm>
-              <a:off x="5926163" y="3207803"/>
+              <a:off x="7262733" y="1864347"/>
               <a:ext cx="668285" cy="342122"/>
             </a:xfrm>
             <a:prstGeom prst="rect">
@@ -7140,33 +6778,55 @@
             </a:p>
           </p:txBody>
         </p:sp>
-      </p:grpSp>
-      <p:grpSp>
-        <p:nvGrpSpPr>
-          <p:cNvPr id="22" name="组合 21">
-            <a:extLst>
-              <a:ext uri="{FF2B5EF4-FFF2-40B4-BE49-F238E27FC236}">
-                <a16:creationId xmlns:a16="http://schemas.microsoft.com/office/drawing/2014/main" id="{90ECCFEA-0882-A50E-6CD8-EC22AC558CEE}"/>
-              </a:ext>
-            </a:extLst>
-          </p:cNvPr>
-          <p:cNvGrpSpPr/>
-          <p:nvPr/>
-        </p:nvGrpSpPr>
-        <p:grpSpPr>
-          <a:xfrm>
-            <a:off x="3505693" y="3941463"/>
-            <a:ext cx="4447592" cy="342122"/>
-            <a:chOff x="3483427" y="4304625"/>
-            <a:chExt cx="4447592" cy="342122"/>
-          </a:xfrm>
-        </p:grpSpPr>
         <p:sp>
           <p:nvSpPr>
-            <p:cNvPr id="9" name="矩形 8">
+            <p:cNvPr id="13" name="文本框 12">
               <a:extLst>
                 <a:ext uri="{FF2B5EF4-FFF2-40B4-BE49-F238E27FC236}">
-                  <a16:creationId xmlns:a16="http://schemas.microsoft.com/office/drawing/2014/main" id="{87FFA795-7A03-FC55-9722-852052397399}"/>
+                  <a16:creationId xmlns:a16="http://schemas.microsoft.com/office/drawing/2014/main" id="{5AFD95CD-572D-5232-119E-72E89AD78FA1}"/>
+                </a:ext>
+              </a:extLst>
+            </p:cNvPr>
+            <p:cNvSpPr txBox="1"/>
+            <p:nvPr/>
+          </p:nvSpPr>
+          <p:spPr>
+            <a:xfrm>
+              <a:off x="4888711" y="1864347"/>
+              <a:ext cx="968739" cy="307777"/>
+            </a:xfrm>
+            <a:prstGeom prst="rect">
+              <a:avLst/>
+            </a:prstGeom>
+            <a:noFill/>
+          </p:spPr>
+          <p:txBody>
+            <a:bodyPr wrap="square">
+              <a:spAutoFit/>
+            </a:bodyPr>
+            <a:lstStyle/>
+            <a:p>
+              <a:pPr algn="ctr"/>
+              <a:r>
+                <a:rPr lang="zh-CN" altLang="en-US" sz="1400" dirty="0">
+                  <a:solidFill>
+                    <a:schemeClr val="tx1">
+                      <a:lumMod val="65000"/>
+                      <a:lumOff val="35000"/>
+                    </a:schemeClr>
+                  </a:solidFill>
+                </a:rPr>
+                <a:t>训练集</a:t>
+              </a:r>
+            </a:p>
+          </p:txBody>
+        </p:sp>
+        <p:sp>
+          <p:nvSpPr>
+            <p:cNvPr id="14" name="矩形 13">
+              <a:extLst>
+                <a:ext uri="{FF2B5EF4-FFF2-40B4-BE49-F238E27FC236}">
+                  <a16:creationId xmlns:a16="http://schemas.microsoft.com/office/drawing/2014/main" id="{377A1386-2414-CF9A-1A43-A94490F88DE2}"/>
                 </a:ext>
               </a:extLst>
             </p:cNvPr>
@@ -7175,7 +6835,7 @@
           </p:nvSpPr>
           <p:spPr>
             <a:xfrm>
-              <a:off x="3483427" y="4304625"/>
+              <a:off x="3483427" y="2500597"/>
               <a:ext cx="4447592" cy="342122"/>
             </a:xfrm>
             <a:prstGeom prst="rect">
@@ -7223,10 +6883,10 @@
         </p:sp>
         <p:sp>
           <p:nvSpPr>
-            <p:cNvPr id="21" name="矩形 20">
+            <p:cNvPr id="19" name="矩形 18">
               <a:extLst>
                 <a:ext uri="{FF2B5EF4-FFF2-40B4-BE49-F238E27FC236}">
-                  <a16:creationId xmlns:a16="http://schemas.microsoft.com/office/drawing/2014/main" id="{E4B3A494-77CD-C2EF-6A6B-E0D66D947DAE}"/>
+                  <a16:creationId xmlns:a16="http://schemas.microsoft.com/office/drawing/2014/main" id="{2E473DA0-B9C5-68DE-BA31-BACFC8C09F2B}"/>
                 </a:ext>
               </a:extLst>
             </p:cNvPr>
@@ -7235,7 +6895,7 @@
           </p:nvSpPr>
           <p:spPr>
             <a:xfrm>
-              <a:off x="3483427" y="4304625"/>
+              <a:off x="6594448" y="2500597"/>
               <a:ext cx="668285" cy="342122"/>
             </a:xfrm>
             <a:prstGeom prst="rect">
@@ -7281,33 +6941,798 @@
             </a:p>
           </p:txBody>
         </p:sp>
-      </p:grpSp>
-      <p:grpSp>
-        <p:nvGrpSpPr>
-          <p:cNvPr id="28" name="组合 27">
-            <a:extLst>
-              <a:ext uri="{FF2B5EF4-FFF2-40B4-BE49-F238E27FC236}">
-                <a16:creationId xmlns:a16="http://schemas.microsoft.com/office/drawing/2014/main" id="{568615C0-68AD-8DE2-D987-FB409C7A5886}"/>
-              </a:ext>
-            </a:extLst>
-          </p:cNvPr>
-          <p:cNvGrpSpPr/>
-          <p:nvPr/>
-        </p:nvGrpSpPr>
-        <p:grpSpPr>
-          <a:xfrm>
-            <a:off x="7345789" y="1553152"/>
-            <a:ext cx="715910" cy="281190"/>
-            <a:chOff x="7345789" y="1445902"/>
-            <a:chExt cx="715910" cy="369387"/>
-          </a:xfrm>
-        </p:grpSpPr>
+        <p:grpSp>
+          <p:nvGrpSpPr>
+            <p:cNvPr id="38" name="组合 37">
+              <a:extLst>
+                <a:ext uri="{FF2B5EF4-FFF2-40B4-BE49-F238E27FC236}">
+                  <a16:creationId xmlns:a16="http://schemas.microsoft.com/office/drawing/2014/main" id="{D0A5356E-43B4-F53C-C0B4-F9CD87E95BFF}"/>
+                </a:ext>
+              </a:extLst>
+            </p:cNvPr>
+            <p:cNvGrpSpPr/>
+            <p:nvPr/>
+          </p:nvGrpSpPr>
+          <p:grpSpPr>
+            <a:xfrm>
+              <a:off x="3483427" y="3135233"/>
+              <a:ext cx="4447592" cy="342122"/>
+              <a:chOff x="3483427" y="3207803"/>
+              <a:chExt cx="4447592" cy="342122"/>
+            </a:xfrm>
+          </p:grpSpPr>
+          <p:sp>
+            <p:nvSpPr>
+              <p:cNvPr id="17" name="矩形 16">
+                <a:extLst>
+                  <a:ext uri="{FF2B5EF4-FFF2-40B4-BE49-F238E27FC236}">
+                    <a16:creationId xmlns:a16="http://schemas.microsoft.com/office/drawing/2014/main" id="{9A810B55-D952-C443-6633-7F3F9F8449C3}"/>
+                  </a:ext>
+                </a:extLst>
+              </p:cNvPr>
+              <p:cNvSpPr/>
+              <p:nvPr/>
+            </p:nvSpPr>
+            <p:spPr>
+              <a:xfrm>
+                <a:off x="3483427" y="3207803"/>
+                <a:ext cx="4447592" cy="342122"/>
+              </a:xfrm>
+              <a:prstGeom prst="rect">
+                <a:avLst/>
+              </a:prstGeom>
+              <a:solidFill>
+                <a:schemeClr val="accent1">
+                  <a:lumMod val="20000"/>
+                  <a:lumOff val="80000"/>
+                </a:schemeClr>
+              </a:solidFill>
+              <a:ln w="22225"/>
+            </p:spPr>
+            <p:style>
+              <a:lnRef idx="2">
+                <a:schemeClr val="accent1">
+                  <a:shade val="50000"/>
+                </a:schemeClr>
+              </a:lnRef>
+              <a:fillRef idx="1">
+                <a:schemeClr val="accent1"/>
+              </a:fillRef>
+              <a:effectRef idx="0">
+                <a:schemeClr val="accent1"/>
+              </a:effectRef>
+              <a:fontRef idx="minor">
+                <a:schemeClr val="lt1"/>
+              </a:fontRef>
+            </p:style>
+            <p:txBody>
+              <a:bodyPr rtlCol="0" anchor="ctr"/>
+              <a:lstStyle/>
+              <a:p>
+                <a:pPr algn="ctr"/>
+                <a:endParaRPr lang="zh-CN" altLang="en-US" dirty="0">
+                  <a:solidFill>
+                    <a:schemeClr val="tx1">
+                      <a:lumMod val="65000"/>
+                      <a:lumOff val="35000"/>
+                    </a:schemeClr>
+                  </a:solidFill>
+                </a:endParaRPr>
+              </a:p>
+            </p:txBody>
+          </p:sp>
+          <p:sp>
+            <p:nvSpPr>
+              <p:cNvPr id="20" name="矩形 19">
+                <a:extLst>
+                  <a:ext uri="{FF2B5EF4-FFF2-40B4-BE49-F238E27FC236}">
+                    <a16:creationId xmlns:a16="http://schemas.microsoft.com/office/drawing/2014/main" id="{59D9EE5A-D444-F75D-61DD-D283E78E27CE}"/>
+                  </a:ext>
+                </a:extLst>
+              </p:cNvPr>
+              <p:cNvSpPr/>
+              <p:nvPr/>
+            </p:nvSpPr>
+            <p:spPr>
+              <a:xfrm>
+                <a:off x="5926163" y="3207803"/>
+                <a:ext cx="668285" cy="342122"/>
+              </a:xfrm>
+              <a:prstGeom prst="rect">
+                <a:avLst/>
+              </a:prstGeom>
+              <a:solidFill>
+                <a:schemeClr val="accent1">
+                  <a:lumMod val="60000"/>
+                  <a:lumOff val="40000"/>
+                </a:schemeClr>
+              </a:solidFill>
+              <a:ln w="22225"/>
+            </p:spPr>
+            <p:style>
+              <a:lnRef idx="2">
+                <a:schemeClr val="accent1">
+                  <a:shade val="50000"/>
+                </a:schemeClr>
+              </a:lnRef>
+              <a:fillRef idx="1">
+                <a:schemeClr val="accent1"/>
+              </a:fillRef>
+              <a:effectRef idx="0">
+                <a:schemeClr val="accent1"/>
+              </a:effectRef>
+              <a:fontRef idx="minor">
+                <a:schemeClr val="lt1"/>
+              </a:fontRef>
+            </p:style>
+            <p:txBody>
+              <a:bodyPr rtlCol="0" anchor="ctr"/>
+              <a:lstStyle/>
+              <a:p>
+                <a:pPr algn="ctr"/>
+                <a:r>
+                  <a:rPr lang="zh-CN" altLang="en-US" sz="1200" dirty="0">
+                    <a:solidFill>
+                      <a:schemeClr val="bg2"/>
+                    </a:solidFill>
+                  </a:rPr>
+                  <a:t>测试集</a:t>
+                </a:r>
+              </a:p>
+            </p:txBody>
+          </p:sp>
+        </p:grpSp>
+        <p:grpSp>
+          <p:nvGrpSpPr>
+            <p:cNvPr id="22" name="组合 21">
+              <a:extLst>
+                <a:ext uri="{FF2B5EF4-FFF2-40B4-BE49-F238E27FC236}">
+                  <a16:creationId xmlns:a16="http://schemas.microsoft.com/office/drawing/2014/main" id="{90ECCFEA-0882-A50E-6CD8-EC22AC558CEE}"/>
+                </a:ext>
+              </a:extLst>
+            </p:cNvPr>
+            <p:cNvGrpSpPr/>
+            <p:nvPr/>
+          </p:nvGrpSpPr>
+          <p:grpSpPr>
+            <a:xfrm>
+              <a:off x="3505693" y="3941463"/>
+              <a:ext cx="4447592" cy="342122"/>
+              <a:chOff x="3483427" y="4304625"/>
+              <a:chExt cx="4447592" cy="342122"/>
+            </a:xfrm>
+          </p:grpSpPr>
+          <p:sp>
+            <p:nvSpPr>
+              <p:cNvPr id="9" name="矩形 8">
+                <a:extLst>
+                  <a:ext uri="{FF2B5EF4-FFF2-40B4-BE49-F238E27FC236}">
+                    <a16:creationId xmlns:a16="http://schemas.microsoft.com/office/drawing/2014/main" id="{87FFA795-7A03-FC55-9722-852052397399}"/>
+                  </a:ext>
+                </a:extLst>
+              </p:cNvPr>
+              <p:cNvSpPr/>
+              <p:nvPr/>
+            </p:nvSpPr>
+            <p:spPr>
+              <a:xfrm>
+                <a:off x="3483427" y="4304625"/>
+                <a:ext cx="4447592" cy="342122"/>
+              </a:xfrm>
+              <a:prstGeom prst="rect">
+                <a:avLst/>
+              </a:prstGeom>
+              <a:solidFill>
+                <a:schemeClr val="accent1">
+                  <a:lumMod val="20000"/>
+                  <a:lumOff val="80000"/>
+                </a:schemeClr>
+              </a:solidFill>
+              <a:ln w="22225"/>
+            </p:spPr>
+            <p:style>
+              <a:lnRef idx="2">
+                <a:schemeClr val="accent1">
+                  <a:shade val="50000"/>
+                </a:schemeClr>
+              </a:lnRef>
+              <a:fillRef idx="1">
+                <a:schemeClr val="accent1"/>
+              </a:fillRef>
+              <a:effectRef idx="0">
+                <a:schemeClr val="accent1"/>
+              </a:effectRef>
+              <a:fontRef idx="minor">
+                <a:schemeClr val="lt1"/>
+              </a:fontRef>
+            </p:style>
+            <p:txBody>
+              <a:bodyPr rtlCol="0" anchor="ctr"/>
+              <a:lstStyle/>
+              <a:p>
+                <a:pPr algn="ctr"/>
+                <a:endParaRPr lang="zh-CN" altLang="en-US" dirty="0">
+                  <a:solidFill>
+                    <a:schemeClr val="tx1">
+                      <a:lumMod val="65000"/>
+                      <a:lumOff val="35000"/>
+                    </a:schemeClr>
+                  </a:solidFill>
+                </a:endParaRPr>
+              </a:p>
+            </p:txBody>
+          </p:sp>
+          <p:sp>
+            <p:nvSpPr>
+              <p:cNvPr id="21" name="矩形 20">
+                <a:extLst>
+                  <a:ext uri="{FF2B5EF4-FFF2-40B4-BE49-F238E27FC236}">
+                    <a16:creationId xmlns:a16="http://schemas.microsoft.com/office/drawing/2014/main" id="{E4B3A494-77CD-C2EF-6A6B-E0D66D947DAE}"/>
+                  </a:ext>
+                </a:extLst>
+              </p:cNvPr>
+              <p:cNvSpPr/>
+              <p:nvPr/>
+            </p:nvSpPr>
+            <p:spPr>
+              <a:xfrm>
+                <a:off x="3483427" y="4304625"/>
+                <a:ext cx="668285" cy="342122"/>
+              </a:xfrm>
+              <a:prstGeom prst="rect">
+                <a:avLst/>
+              </a:prstGeom>
+              <a:solidFill>
+                <a:schemeClr val="accent1">
+                  <a:lumMod val="60000"/>
+                  <a:lumOff val="40000"/>
+                </a:schemeClr>
+              </a:solidFill>
+              <a:ln w="22225"/>
+            </p:spPr>
+            <p:style>
+              <a:lnRef idx="2">
+                <a:schemeClr val="accent1">
+                  <a:shade val="50000"/>
+                </a:schemeClr>
+              </a:lnRef>
+              <a:fillRef idx="1">
+                <a:schemeClr val="accent1"/>
+              </a:fillRef>
+              <a:effectRef idx="0">
+                <a:schemeClr val="accent1"/>
+              </a:effectRef>
+              <a:fontRef idx="minor">
+                <a:schemeClr val="lt1"/>
+              </a:fontRef>
+            </p:style>
+            <p:txBody>
+              <a:bodyPr rtlCol="0" anchor="ctr"/>
+              <a:lstStyle/>
+              <a:p>
+                <a:pPr algn="ctr"/>
+                <a:r>
+                  <a:rPr lang="zh-CN" altLang="en-US" sz="1200" dirty="0">
+                    <a:solidFill>
+                      <a:schemeClr val="bg2"/>
+                    </a:solidFill>
+                  </a:rPr>
+                  <a:t>测试集</a:t>
+                </a:r>
+              </a:p>
+            </p:txBody>
+          </p:sp>
+        </p:grpSp>
+        <p:grpSp>
+          <p:nvGrpSpPr>
+            <p:cNvPr id="28" name="组合 27">
+              <a:extLst>
+                <a:ext uri="{FF2B5EF4-FFF2-40B4-BE49-F238E27FC236}">
+                  <a16:creationId xmlns:a16="http://schemas.microsoft.com/office/drawing/2014/main" id="{568615C0-68AD-8DE2-D987-FB409C7A5886}"/>
+                </a:ext>
+              </a:extLst>
+            </p:cNvPr>
+            <p:cNvGrpSpPr/>
+            <p:nvPr/>
+          </p:nvGrpSpPr>
+          <p:grpSpPr>
+            <a:xfrm>
+              <a:off x="7345789" y="1553152"/>
+              <a:ext cx="715910" cy="281190"/>
+              <a:chOff x="7345789" y="1445902"/>
+              <a:chExt cx="715910" cy="369387"/>
+            </a:xfrm>
+          </p:grpSpPr>
+          <p:sp>
+            <p:nvSpPr>
+              <p:cNvPr id="23" name="右大括号 22">
+                <a:extLst>
+                  <a:ext uri="{FF2B5EF4-FFF2-40B4-BE49-F238E27FC236}">
+                    <a16:creationId xmlns:a16="http://schemas.microsoft.com/office/drawing/2014/main" id="{A0C59AFC-9EFE-D1EE-75C5-BEA9EDE96D70}"/>
+                  </a:ext>
+                </a:extLst>
+              </p:cNvPr>
+              <p:cNvSpPr/>
+              <p:nvPr/>
+            </p:nvSpPr>
+            <p:spPr>
+              <a:xfrm rot="16200000">
+                <a:off x="7539336" y="1506665"/>
+                <a:ext cx="115077" cy="502171"/>
+              </a:xfrm>
+              <a:prstGeom prst="rightBrace">
+                <a:avLst>
+                  <a:gd name="adj1" fmla="val 8333"/>
+                  <a:gd name="adj2" fmla="val 48483"/>
+                </a:avLst>
+              </a:prstGeom>
+            </p:spPr>
+            <p:style>
+              <a:lnRef idx="1">
+                <a:schemeClr val="accent1"/>
+              </a:lnRef>
+              <a:fillRef idx="0">
+                <a:schemeClr val="accent1"/>
+              </a:fillRef>
+              <a:effectRef idx="0">
+                <a:schemeClr val="accent1"/>
+              </a:effectRef>
+              <a:fontRef idx="minor">
+                <a:schemeClr val="tx1"/>
+              </a:fontRef>
+            </p:style>
+            <p:txBody>
+              <a:bodyPr rtlCol="0" anchor="ctr"/>
+              <a:lstStyle/>
+              <a:p>
+                <a:pPr algn="ctr"/>
+                <a:endParaRPr lang="zh-CN" altLang="en-US" sz="1100" dirty="0">
+                  <a:solidFill>
+                    <a:schemeClr val="bg2"/>
+                  </a:solidFill>
+                  <a:latin typeface="Times New Roman" panose="02020603050405020304" pitchFamily="18" charset="0"/>
+                  <a:cs typeface="Times New Roman" panose="02020603050405020304" pitchFamily="18" charset="0"/>
+                </a:endParaRPr>
+              </a:p>
+            </p:txBody>
+          </p:sp>
+          <p:sp>
+            <p:nvSpPr>
+              <p:cNvPr id="24" name="文本框 23">
+                <a:extLst>
+                  <a:ext uri="{FF2B5EF4-FFF2-40B4-BE49-F238E27FC236}">
+                    <a16:creationId xmlns:a16="http://schemas.microsoft.com/office/drawing/2014/main" id="{80D12B8E-1C47-A8FC-0723-30C357247DFE}"/>
+                  </a:ext>
+                </a:extLst>
+              </p:cNvPr>
+              <p:cNvSpPr txBox="1"/>
+              <p:nvPr/>
+            </p:nvSpPr>
+            <p:spPr>
+              <a:xfrm>
+                <a:off x="7393414" y="1445902"/>
+                <a:ext cx="668285" cy="303234"/>
+              </a:xfrm>
+              <a:prstGeom prst="rect">
+                <a:avLst/>
+              </a:prstGeom>
+              <a:noFill/>
+            </p:spPr>
+            <p:txBody>
+              <a:bodyPr wrap="square" rtlCol="0">
+                <a:spAutoFit/>
+              </a:bodyPr>
+              <a:lstStyle/>
+              <a:p>
+                <a:r>
+                  <a:rPr lang="en-US" altLang="zh-CN" sz="900" dirty="0">
+                    <a:solidFill>
+                      <a:schemeClr val="bg2">
+                        <a:lumMod val="50000"/>
+                      </a:schemeClr>
+                    </a:solidFill>
+                    <a:latin typeface="Times New Roman" panose="02020603050405020304" pitchFamily="18" charset="0"/>
+                    <a:cs typeface="Times New Roman" panose="02020603050405020304" pitchFamily="18" charset="0"/>
+                  </a:rPr>
+                  <a:t>Fold  1</a:t>
+                </a:r>
+                <a:endParaRPr lang="zh-CN" altLang="en-US" sz="900" dirty="0">
+                  <a:solidFill>
+                    <a:schemeClr val="bg2">
+                      <a:lumMod val="50000"/>
+                    </a:schemeClr>
+                  </a:solidFill>
+                  <a:latin typeface="Times New Roman" panose="02020603050405020304" pitchFamily="18" charset="0"/>
+                  <a:cs typeface="Times New Roman" panose="02020603050405020304" pitchFamily="18" charset="0"/>
+                </a:endParaRPr>
+              </a:p>
+            </p:txBody>
+          </p:sp>
+        </p:grpSp>
+        <p:grpSp>
+          <p:nvGrpSpPr>
+            <p:cNvPr id="32" name="组合 31">
+              <a:extLst>
+                <a:ext uri="{FF2B5EF4-FFF2-40B4-BE49-F238E27FC236}">
+                  <a16:creationId xmlns:a16="http://schemas.microsoft.com/office/drawing/2014/main" id="{E1D0D330-A694-D9D0-AED1-558853F30D24}"/>
+                </a:ext>
+              </a:extLst>
+            </p:cNvPr>
+            <p:cNvGrpSpPr/>
+            <p:nvPr/>
+          </p:nvGrpSpPr>
+          <p:grpSpPr>
+            <a:xfrm>
+              <a:off x="6677504" y="2177460"/>
+              <a:ext cx="715910" cy="281190"/>
+              <a:chOff x="7345789" y="1445902"/>
+              <a:chExt cx="715910" cy="369387"/>
+            </a:xfrm>
+          </p:grpSpPr>
+          <p:sp>
+            <p:nvSpPr>
+              <p:cNvPr id="33" name="右大括号 32">
+                <a:extLst>
+                  <a:ext uri="{FF2B5EF4-FFF2-40B4-BE49-F238E27FC236}">
+                    <a16:creationId xmlns:a16="http://schemas.microsoft.com/office/drawing/2014/main" id="{AE09DE82-BF48-FD8A-1AB1-E13CE659E802}"/>
+                  </a:ext>
+                </a:extLst>
+              </p:cNvPr>
+              <p:cNvSpPr/>
+              <p:nvPr/>
+            </p:nvSpPr>
+            <p:spPr>
+              <a:xfrm rot="16200000">
+                <a:off x="7539336" y="1506665"/>
+                <a:ext cx="115077" cy="502171"/>
+              </a:xfrm>
+              <a:prstGeom prst="rightBrace">
+                <a:avLst>
+                  <a:gd name="adj1" fmla="val 8333"/>
+                  <a:gd name="adj2" fmla="val 48483"/>
+                </a:avLst>
+              </a:prstGeom>
+            </p:spPr>
+            <p:style>
+              <a:lnRef idx="1">
+                <a:schemeClr val="accent1"/>
+              </a:lnRef>
+              <a:fillRef idx="0">
+                <a:schemeClr val="accent1"/>
+              </a:fillRef>
+              <a:effectRef idx="0">
+                <a:schemeClr val="accent1"/>
+              </a:effectRef>
+              <a:fontRef idx="minor">
+                <a:schemeClr val="tx1"/>
+              </a:fontRef>
+            </p:style>
+            <p:txBody>
+              <a:bodyPr rtlCol="0" anchor="ctr"/>
+              <a:lstStyle/>
+              <a:p>
+                <a:pPr algn="ctr"/>
+                <a:endParaRPr lang="zh-CN" altLang="en-US" sz="1100" dirty="0">
+                  <a:solidFill>
+                    <a:schemeClr val="bg2"/>
+                  </a:solidFill>
+                  <a:latin typeface="Times New Roman" panose="02020603050405020304" pitchFamily="18" charset="0"/>
+                  <a:cs typeface="Times New Roman" panose="02020603050405020304" pitchFamily="18" charset="0"/>
+                </a:endParaRPr>
+              </a:p>
+            </p:txBody>
+          </p:sp>
+          <p:sp>
+            <p:nvSpPr>
+              <p:cNvPr id="34" name="文本框 33">
+                <a:extLst>
+                  <a:ext uri="{FF2B5EF4-FFF2-40B4-BE49-F238E27FC236}">
+                    <a16:creationId xmlns:a16="http://schemas.microsoft.com/office/drawing/2014/main" id="{840603C8-6E92-5F0C-E7B6-EAE35F606A61}"/>
+                  </a:ext>
+                </a:extLst>
+              </p:cNvPr>
+              <p:cNvSpPr txBox="1"/>
+              <p:nvPr/>
+            </p:nvSpPr>
+            <p:spPr>
+              <a:xfrm>
+                <a:off x="7393414" y="1445902"/>
+                <a:ext cx="668285" cy="303234"/>
+              </a:xfrm>
+              <a:prstGeom prst="rect">
+                <a:avLst/>
+              </a:prstGeom>
+              <a:noFill/>
+            </p:spPr>
+            <p:txBody>
+              <a:bodyPr wrap="square" rtlCol="0">
+                <a:spAutoFit/>
+              </a:bodyPr>
+              <a:lstStyle/>
+              <a:p>
+                <a:r>
+                  <a:rPr lang="en-US" altLang="zh-CN" sz="900" dirty="0">
+                    <a:solidFill>
+                      <a:schemeClr val="bg2">
+                        <a:lumMod val="50000"/>
+                      </a:schemeClr>
+                    </a:solidFill>
+                    <a:latin typeface="Times New Roman" panose="02020603050405020304" pitchFamily="18" charset="0"/>
+                    <a:cs typeface="Times New Roman" panose="02020603050405020304" pitchFamily="18" charset="0"/>
+                  </a:rPr>
+                  <a:t>Fold 2</a:t>
+                </a:r>
+                <a:endParaRPr lang="zh-CN" altLang="en-US" sz="900" dirty="0">
+                  <a:solidFill>
+                    <a:schemeClr val="bg2">
+                      <a:lumMod val="50000"/>
+                    </a:schemeClr>
+                  </a:solidFill>
+                  <a:latin typeface="Times New Roman" panose="02020603050405020304" pitchFamily="18" charset="0"/>
+                  <a:cs typeface="Times New Roman" panose="02020603050405020304" pitchFamily="18" charset="0"/>
+                </a:endParaRPr>
+              </a:p>
+            </p:txBody>
+          </p:sp>
+        </p:grpSp>
+        <p:grpSp>
+          <p:nvGrpSpPr>
+            <p:cNvPr id="35" name="组合 34">
+              <a:extLst>
+                <a:ext uri="{FF2B5EF4-FFF2-40B4-BE49-F238E27FC236}">
+                  <a16:creationId xmlns:a16="http://schemas.microsoft.com/office/drawing/2014/main" id="{26BF7FD6-E965-4F9F-488A-191D53BCD05C}"/>
+                </a:ext>
+              </a:extLst>
+            </p:cNvPr>
+            <p:cNvGrpSpPr/>
+            <p:nvPr/>
+          </p:nvGrpSpPr>
+          <p:grpSpPr>
+            <a:xfrm>
+              <a:off x="6003522" y="2814021"/>
+              <a:ext cx="715910" cy="281190"/>
+              <a:chOff x="7345789" y="1445902"/>
+              <a:chExt cx="715910" cy="369387"/>
+            </a:xfrm>
+          </p:grpSpPr>
+          <p:sp>
+            <p:nvSpPr>
+              <p:cNvPr id="36" name="右大括号 35">
+                <a:extLst>
+                  <a:ext uri="{FF2B5EF4-FFF2-40B4-BE49-F238E27FC236}">
+                    <a16:creationId xmlns:a16="http://schemas.microsoft.com/office/drawing/2014/main" id="{7E49A5A5-0852-7354-922E-A39B5183F79F}"/>
+                  </a:ext>
+                </a:extLst>
+              </p:cNvPr>
+              <p:cNvSpPr/>
+              <p:nvPr/>
+            </p:nvSpPr>
+            <p:spPr>
+              <a:xfrm rot="16200000">
+                <a:off x="7539336" y="1506665"/>
+                <a:ext cx="115077" cy="502171"/>
+              </a:xfrm>
+              <a:prstGeom prst="rightBrace">
+                <a:avLst>
+                  <a:gd name="adj1" fmla="val 8333"/>
+                  <a:gd name="adj2" fmla="val 48483"/>
+                </a:avLst>
+              </a:prstGeom>
+            </p:spPr>
+            <p:style>
+              <a:lnRef idx="1">
+                <a:schemeClr val="accent1"/>
+              </a:lnRef>
+              <a:fillRef idx="0">
+                <a:schemeClr val="accent1"/>
+              </a:fillRef>
+              <a:effectRef idx="0">
+                <a:schemeClr val="accent1"/>
+              </a:effectRef>
+              <a:fontRef idx="minor">
+                <a:schemeClr val="tx1"/>
+              </a:fontRef>
+            </p:style>
+            <p:txBody>
+              <a:bodyPr rtlCol="0" anchor="ctr"/>
+              <a:lstStyle/>
+              <a:p>
+                <a:pPr algn="ctr"/>
+                <a:endParaRPr lang="zh-CN" altLang="en-US" sz="1100" dirty="0">
+                  <a:solidFill>
+                    <a:schemeClr val="bg2"/>
+                  </a:solidFill>
+                  <a:latin typeface="Times New Roman" panose="02020603050405020304" pitchFamily="18" charset="0"/>
+                  <a:cs typeface="Times New Roman" panose="02020603050405020304" pitchFamily="18" charset="0"/>
+                </a:endParaRPr>
+              </a:p>
+            </p:txBody>
+          </p:sp>
+          <p:sp>
+            <p:nvSpPr>
+              <p:cNvPr id="37" name="文本框 36">
+                <a:extLst>
+                  <a:ext uri="{FF2B5EF4-FFF2-40B4-BE49-F238E27FC236}">
+                    <a16:creationId xmlns:a16="http://schemas.microsoft.com/office/drawing/2014/main" id="{BB2DF0A1-C335-D18E-D39E-F5E473B4D9E7}"/>
+                  </a:ext>
+                </a:extLst>
+              </p:cNvPr>
+              <p:cNvSpPr txBox="1"/>
+              <p:nvPr/>
+            </p:nvSpPr>
+            <p:spPr>
+              <a:xfrm>
+                <a:off x="7393414" y="1445902"/>
+                <a:ext cx="668285" cy="303234"/>
+              </a:xfrm>
+              <a:prstGeom prst="rect">
+                <a:avLst/>
+              </a:prstGeom>
+              <a:noFill/>
+            </p:spPr>
+            <p:txBody>
+              <a:bodyPr wrap="square" rtlCol="0">
+                <a:spAutoFit/>
+              </a:bodyPr>
+              <a:lstStyle/>
+              <a:p>
+                <a:r>
+                  <a:rPr lang="en-US" altLang="zh-CN" sz="900" dirty="0">
+                    <a:solidFill>
+                      <a:schemeClr val="bg2">
+                        <a:lumMod val="50000"/>
+                      </a:schemeClr>
+                    </a:solidFill>
+                    <a:latin typeface="Times New Roman" panose="02020603050405020304" pitchFamily="18" charset="0"/>
+                    <a:cs typeface="Times New Roman" panose="02020603050405020304" pitchFamily="18" charset="0"/>
+                  </a:rPr>
+                  <a:t>Fold 3</a:t>
+                </a:r>
+                <a:endParaRPr lang="zh-CN" altLang="en-US" sz="900" dirty="0">
+                  <a:solidFill>
+                    <a:schemeClr val="bg2">
+                      <a:lumMod val="50000"/>
+                    </a:schemeClr>
+                  </a:solidFill>
+                  <a:latin typeface="Times New Roman" panose="02020603050405020304" pitchFamily="18" charset="0"/>
+                  <a:cs typeface="Times New Roman" panose="02020603050405020304" pitchFamily="18" charset="0"/>
+                </a:endParaRPr>
+              </a:p>
+            </p:txBody>
+          </p:sp>
+        </p:grpSp>
+        <p:grpSp>
+          <p:nvGrpSpPr>
+            <p:cNvPr id="40" name="组合 39">
+              <a:extLst>
+                <a:ext uri="{FF2B5EF4-FFF2-40B4-BE49-F238E27FC236}">
+                  <a16:creationId xmlns:a16="http://schemas.microsoft.com/office/drawing/2014/main" id="{078A21A2-A43F-9D09-B693-DAEAC14310DF}"/>
+                </a:ext>
+              </a:extLst>
+            </p:cNvPr>
+            <p:cNvGrpSpPr/>
+            <p:nvPr/>
+          </p:nvGrpSpPr>
+          <p:grpSpPr>
+            <a:xfrm>
+              <a:off x="3572742" y="3601951"/>
+              <a:ext cx="715910" cy="281190"/>
+              <a:chOff x="7345789" y="1445902"/>
+              <a:chExt cx="715910" cy="369387"/>
+            </a:xfrm>
+          </p:grpSpPr>
+          <p:sp>
+            <p:nvSpPr>
+              <p:cNvPr id="41" name="右大括号 40">
+                <a:extLst>
+                  <a:ext uri="{FF2B5EF4-FFF2-40B4-BE49-F238E27FC236}">
+                    <a16:creationId xmlns:a16="http://schemas.microsoft.com/office/drawing/2014/main" id="{C51EDDE2-E264-09D1-C0FF-894828B6AC94}"/>
+                  </a:ext>
+                </a:extLst>
+              </p:cNvPr>
+              <p:cNvSpPr/>
+              <p:nvPr/>
+            </p:nvSpPr>
+            <p:spPr>
+              <a:xfrm rot="16200000">
+                <a:off x="7539336" y="1506665"/>
+                <a:ext cx="115077" cy="502171"/>
+              </a:xfrm>
+              <a:prstGeom prst="rightBrace">
+                <a:avLst>
+                  <a:gd name="adj1" fmla="val 8333"/>
+                  <a:gd name="adj2" fmla="val 48483"/>
+                </a:avLst>
+              </a:prstGeom>
+            </p:spPr>
+            <p:style>
+              <a:lnRef idx="1">
+                <a:schemeClr val="accent1"/>
+              </a:lnRef>
+              <a:fillRef idx="0">
+                <a:schemeClr val="accent1"/>
+              </a:fillRef>
+              <a:effectRef idx="0">
+                <a:schemeClr val="accent1"/>
+              </a:effectRef>
+              <a:fontRef idx="minor">
+                <a:schemeClr val="tx1"/>
+              </a:fontRef>
+            </p:style>
+            <p:txBody>
+              <a:bodyPr rtlCol="0" anchor="ctr"/>
+              <a:lstStyle/>
+              <a:p>
+                <a:pPr algn="ctr"/>
+                <a:endParaRPr lang="zh-CN" altLang="en-US" sz="1100" dirty="0">
+                  <a:solidFill>
+                    <a:schemeClr val="bg2"/>
+                  </a:solidFill>
+                  <a:latin typeface="Times New Roman" panose="02020603050405020304" pitchFamily="18" charset="0"/>
+                  <a:cs typeface="Times New Roman" panose="02020603050405020304" pitchFamily="18" charset="0"/>
+                </a:endParaRPr>
+              </a:p>
+            </p:txBody>
+          </p:sp>
+          <p:sp>
+            <p:nvSpPr>
+              <p:cNvPr id="42" name="文本框 41">
+                <a:extLst>
+                  <a:ext uri="{FF2B5EF4-FFF2-40B4-BE49-F238E27FC236}">
+                    <a16:creationId xmlns:a16="http://schemas.microsoft.com/office/drawing/2014/main" id="{C69C5F38-30C6-89F7-3D05-8E74C3BBD0C5}"/>
+                  </a:ext>
+                </a:extLst>
+              </p:cNvPr>
+              <p:cNvSpPr txBox="1"/>
+              <p:nvPr/>
+            </p:nvSpPr>
+            <p:spPr>
+              <a:xfrm>
+                <a:off x="7393414" y="1445902"/>
+                <a:ext cx="668285" cy="303234"/>
+              </a:xfrm>
+              <a:prstGeom prst="rect">
+                <a:avLst/>
+              </a:prstGeom>
+              <a:noFill/>
+            </p:spPr>
+            <p:txBody>
+              <a:bodyPr wrap="square" rtlCol="0">
+                <a:spAutoFit/>
+              </a:bodyPr>
+              <a:lstStyle/>
+              <a:p>
+                <a:r>
+                  <a:rPr lang="en-US" altLang="zh-CN" sz="900" dirty="0">
+                    <a:solidFill>
+                      <a:schemeClr val="bg2">
+                        <a:lumMod val="50000"/>
+                      </a:schemeClr>
+                    </a:solidFill>
+                    <a:latin typeface="Times New Roman" panose="02020603050405020304" pitchFamily="18" charset="0"/>
+                    <a:cs typeface="Times New Roman" panose="02020603050405020304" pitchFamily="18" charset="0"/>
+                  </a:rPr>
+                  <a:t>Fold N</a:t>
+                </a:r>
+                <a:endParaRPr lang="zh-CN" altLang="en-US" sz="900" dirty="0">
+                  <a:solidFill>
+                    <a:schemeClr val="bg2">
+                      <a:lumMod val="50000"/>
+                    </a:schemeClr>
+                  </a:solidFill>
+                  <a:latin typeface="Times New Roman" panose="02020603050405020304" pitchFamily="18" charset="0"/>
+                  <a:cs typeface="Times New Roman" panose="02020603050405020304" pitchFamily="18" charset="0"/>
+                </a:endParaRPr>
+              </a:p>
+            </p:txBody>
+          </p:sp>
+        </p:grpSp>
         <p:sp>
           <p:nvSpPr>
-            <p:cNvPr id="23" name="右大括号 22">
+            <p:cNvPr id="43" name="矩形: 圆角 42">
               <a:extLst>
                 <a:ext uri="{FF2B5EF4-FFF2-40B4-BE49-F238E27FC236}">
-                  <a16:creationId xmlns:a16="http://schemas.microsoft.com/office/drawing/2014/main" id="{A0C59AFC-9EFE-D1EE-75C5-BEA9EDE96D70}"/>
+                  <a16:creationId xmlns:a16="http://schemas.microsoft.com/office/drawing/2014/main" id="{A50A75AD-3273-0E42-262B-DD464B428C0E}"/>
                 </a:ext>
               </a:extLst>
             </p:cNvPr>
@@ -7315,14 +7740,64 @@
             <p:nvPr/>
           </p:nvSpPr>
           <p:spPr>
-            <a:xfrm rot="16200000">
-              <a:off x="7539336" y="1506665"/>
-              <a:ext cx="115077" cy="502171"/>
+            <a:xfrm>
+              <a:off x="4173978" y="3795540"/>
+              <a:ext cx="3844046" cy="744710"/>
+            </a:xfrm>
+            <a:prstGeom prst="roundRect">
+              <a:avLst/>
+            </a:prstGeom>
+            <a:noFill/>
+            <a:ln>
+              <a:prstDash val="dash"/>
+            </a:ln>
+          </p:spPr>
+          <p:style>
+            <a:lnRef idx="2">
+              <a:schemeClr val="accent1">
+                <a:shade val="50000"/>
+              </a:schemeClr>
+            </a:lnRef>
+            <a:fillRef idx="1">
+              <a:schemeClr val="accent1"/>
+            </a:fillRef>
+            <a:effectRef idx="0">
+              <a:schemeClr val="accent1"/>
+            </a:effectRef>
+            <a:fontRef idx="minor">
+              <a:schemeClr val="lt1"/>
+            </a:fontRef>
+          </p:style>
+          <p:txBody>
+            <a:bodyPr rtlCol="0" anchor="ctr"/>
+            <a:lstStyle/>
+            <a:p>
+              <a:pPr algn="ctr"/>
+              <a:endParaRPr lang="zh-CN" altLang="en-US"/>
+            </a:p>
+          </p:txBody>
+        </p:sp>
+        <p:sp>
+          <p:nvSpPr>
+            <p:cNvPr id="44" name="右大括号 43">
+              <a:extLst>
+                <a:ext uri="{FF2B5EF4-FFF2-40B4-BE49-F238E27FC236}">
+                  <a16:creationId xmlns:a16="http://schemas.microsoft.com/office/drawing/2014/main" id="{434CEDC6-E5FF-327A-AEB6-2B852BA35173}"/>
+                </a:ext>
+              </a:extLst>
+            </p:cNvPr>
+            <p:cNvSpPr/>
+            <p:nvPr/>
+          </p:nvSpPr>
+          <p:spPr>
+            <a:xfrm>
+              <a:off x="8061699" y="1936750"/>
+              <a:ext cx="238487" cy="2203450"/>
             </a:xfrm>
             <a:prstGeom prst="rightBrace">
               <a:avLst>
                 <a:gd name="adj1" fmla="val 8333"/>
-                <a:gd name="adj2" fmla="val 48483"/>
+                <a:gd name="adj2" fmla="val 51441"/>
               </a:avLst>
             </a:prstGeom>
           </p:spPr>
@@ -7345,22 +7820,16 @@
             <a:lstStyle/>
             <a:p>
               <a:pPr algn="ctr"/>
-              <a:endParaRPr lang="zh-CN" altLang="en-US" sz="1100" dirty="0">
-                <a:solidFill>
-                  <a:schemeClr val="bg2"/>
-                </a:solidFill>
-                <a:latin typeface="Times New Roman" panose="02020603050405020304" pitchFamily="18" charset="0"/>
-                <a:cs typeface="Times New Roman" panose="02020603050405020304" pitchFamily="18" charset="0"/>
-              </a:endParaRPr>
+              <a:endParaRPr lang="zh-CN" altLang="en-US"/>
             </a:p>
           </p:txBody>
         </p:sp>
         <p:sp>
           <p:nvSpPr>
-            <p:cNvPr id="24" name="文本框 23">
+            <p:cNvPr id="48" name="文本框 47">
               <a:extLst>
                 <a:ext uri="{FF2B5EF4-FFF2-40B4-BE49-F238E27FC236}">
-                  <a16:creationId xmlns:a16="http://schemas.microsoft.com/office/drawing/2014/main" id="{80D12B8E-1C47-A8FC-0723-30C357247DFE}"/>
+                  <a16:creationId xmlns:a16="http://schemas.microsoft.com/office/drawing/2014/main" id="{B0E83AD4-5FFC-37C2-6930-B22D8AB42927}"/>
                 </a:ext>
               </a:extLst>
             </p:cNvPr>
@@ -7369,8 +7838,8 @@
           </p:nvSpPr>
           <p:spPr>
             <a:xfrm>
-              <a:off x="7393414" y="1445902"/>
-              <a:ext cx="668285" cy="303234"/>
+              <a:off x="5863970" y="4299994"/>
+              <a:ext cx="936880" cy="276999"/>
             </a:xfrm>
             <a:prstGeom prst="rect">
               <a:avLst/>
@@ -7384,109 +7853,55 @@
             <a:lstStyle/>
             <a:p>
               <a:r>
-                <a:rPr lang="en-US" altLang="zh-CN" sz="900" dirty="0">
+                <a:rPr lang="en-US" altLang="zh-CN" sz="1200" dirty="0">
                   <a:solidFill>
-                    <a:schemeClr val="bg2">
-                      <a:lumMod val="50000"/>
+                    <a:schemeClr val="tx1">
+                      <a:lumMod val="65000"/>
+                      <a:lumOff val="35000"/>
                     </a:schemeClr>
                   </a:solidFill>
-                  <a:latin typeface="Times New Roman" panose="02020603050405020304" pitchFamily="18" charset="0"/>
-                  <a:cs typeface="Times New Roman" panose="02020603050405020304" pitchFamily="18" charset="0"/>
                 </a:rPr>
-                <a:t>Fold  1</a:t>
+                <a:t>N-1</a:t>
               </a:r>
-              <a:endParaRPr lang="zh-CN" altLang="en-US" sz="900" dirty="0">
+              <a:r>
+                <a:rPr lang="zh-CN" altLang="en-US" sz="1200" dirty="0">
+                  <a:solidFill>
+                    <a:schemeClr val="tx1">
+                      <a:lumMod val="65000"/>
+                      <a:lumOff val="35000"/>
+                    </a:schemeClr>
+                  </a:solidFill>
+                </a:rPr>
+                <a:t>个</a:t>
+              </a:r>
+              <a:r>
+                <a:rPr lang="en-US" altLang="zh-CN" sz="1200" dirty="0">
+                  <a:solidFill>
+                    <a:schemeClr val="tx1">
+                      <a:lumMod val="65000"/>
+                      <a:lumOff val="35000"/>
+                    </a:schemeClr>
+                  </a:solidFill>
+                </a:rPr>
+                <a:t>Fold </a:t>
+              </a:r>
+              <a:endParaRPr lang="zh-CN" altLang="en-US" sz="1200" dirty="0">
                 <a:solidFill>
-                  <a:schemeClr val="bg2">
-                    <a:lumMod val="50000"/>
+                  <a:schemeClr val="tx1">
+                    <a:lumMod val="65000"/>
+                    <a:lumOff val="35000"/>
                   </a:schemeClr>
                 </a:solidFill>
-                <a:latin typeface="Times New Roman" panose="02020603050405020304" pitchFamily="18" charset="0"/>
-                <a:cs typeface="Times New Roman" panose="02020603050405020304" pitchFamily="18" charset="0"/>
-              </a:endParaRPr>
-            </a:p>
-          </p:txBody>
-        </p:sp>
-      </p:grpSp>
-      <p:grpSp>
-        <p:nvGrpSpPr>
-          <p:cNvPr id="32" name="组合 31">
-            <a:extLst>
-              <a:ext uri="{FF2B5EF4-FFF2-40B4-BE49-F238E27FC236}">
-                <a16:creationId xmlns:a16="http://schemas.microsoft.com/office/drawing/2014/main" id="{E1D0D330-A694-D9D0-AED1-558853F30D24}"/>
-              </a:ext>
-            </a:extLst>
-          </p:cNvPr>
-          <p:cNvGrpSpPr/>
-          <p:nvPr/>
-        </p:nvGrpSpPr>
-        <p:grpSpPr>
-          <a:xfrm>
-            <a:off x="6677504" y="2177460"/>
-            <a:ext cx="715910" cy="281190"/>
-            <a:chOff x="7345789" y="1445902"/>
-            <a:chExt cx="715910" cy="369387"/>
-          </a:xfrm>
-        </p:grpSpPr>
-        <p:sp>
-          <p:nvSpPr>
-            <p:cNvPr id="33" name="右大括号 32">
-              <a:extLst>
-                <a:ext uri="{FF2B5EF4-FFF2-40B4-BE49-F238E27FC236}">
-                  <a16:creationId xmlns:a16="http://schemas.microsoft.com/office/drawing/2014/main" id="{AE09DE82-BF48-FD8A-1AB1-E13CE659E802}"/>
-                </a:ext>
-              </a:extLst>
-            </p:cNvPr>
-            <p:cNvSpPr/>
-            <p:nvPr/>
-          </p:nvSpPr>
-          <p:spPr>
-            <a:xfrm rot="16200000">
-              <a:off x="7539336" y="1506665"/>
-              <a:ext cx="115077" cy="502171"/>
-            </a:xfrm>
-            <a:prstGeom prst="rightBrace">
-              <a:avLst>
-                <a:gd name="adj1" fmla="val 8333"/>
-                <a:gd name="adj2" fmla="val 48483"/>
-              </a:avLst>
-            </a:prstGeom>
-          </p:spPr>
-          <p:style>
-            <a:lnRef idx="1">
-              <a:schemeClr val="accent1"/>
-            </a:lnRef>
-            <a:fillRef idx="0">
-              <a:schemeClr val="accent1"/>
-            </a:fillRef>
-            <a:effectRef idx="0">
-              <a:schemeClr val="accent1"/>
-            </a:effectRef>
-            <a:fontRef idx="minor">
-              <a:schemeClr val="tx1"/>
-            </a:fontRef>
-          </p:style>
-          <p:txBody>
-            <a:bodyPr rtlCol="0" anchor="ctr"/>
-            <a:lstStyle/>
-            <a:p>
-              <a:pPr algn="ctr"/>
-              <a:endParaRPr lang="zh-CN" altLang="en-US" sz="1100" dirty="0">
-                <a:solidFill>
-                  <a:schemeClr val="bg2"/>
-                </a:solidFill>
-                <a:latin typeface="Times New Roman" panose="02020603050405020304" pitchFamily="18" charset="0"/>
-                <a:cs typeface="Times New Roman" panose="02020603050405020304" pitchFamily="18" charset="0"/>
               </a:endParaRPr>
             </a:p>
           </p:txBody>
         </p:sp>
         <p:sp>
           <p:nvSpPr>
-            <p:cNvPr id="34" name="文本框 33">
+            <p:cNvPr id="47" name="文本框 46">
               <a:extLst>
                 <a:ext uri="{FF2B5EF4-FFF2-40B4-BE49-F238E27FC236}">
-                  <a16:creationId xmlns:a16="http://schemas.microsoft.com/office/drawing/2014/main" id="{840603C8-6E92-5F0C-E7B6-EAE35F606A61}"/>
+                  <a16:creationId xmlns:a16="http://schemas.microsoft.com/office/drawing/2014/main" id="{95F2FAEF-AA33-3DB8-1E62-98A6E7B9ADE2}"/>
                 </a:ext>
               </a:extLst>
             </p:cNvPr>
@@ -7495,8 +7910,8 @@
           </p:nvSpPr>
           <p:spPr>
             <a:xfrm>
-              <a:off x="7393414" y="1445902"/>
-              <a:ext cx="668285" cy="303234"/>
+              <a:off x="5926163" y="1322283"/>
+              <a:ext cx="2209800" cy="307777"/>
             </a:xfrm>
             <a:prstGeom prst="rect">
               <a:avLst/>
@@ -7510,109 +7925,31 @@
             <a:lstStyle/>
             <a:p>
               <a:r>
-                <a:rPr lang="en-US" altLang="zh-CN" sz="900" dirty="0">
-                  <a:solidFill>
-                    <a:schemeClr val="bg2">
-                      <a:lumMod val="50000"/>
-                    </a:schemeClr>
-                  </a:solidFill>
-                  <a:latin typeface="Times New Roman" panose="02020603050405020304" pitchFamily="18" charset="0"/>
-                  <a:cs typeface="Times New Roman" panose="02020603050405020304" pitchFamily="18" charset="0"/>
-                </a:rPr>
-                <a:t>Fold 2</a:t>
+                <a:rPr lang="zh-CN" altLang="en-US" sz="1400" dirty="0"/>
+                <a:t>数据划分为</a:t>
               </a:r>
-              <a:endParaRPr lang="zh-CN" altLang="en-US" sz="900" dirty="0">
-                <a:solidFill>
-                  <a:schemeClr val="bg2">
-                    <a:lumMod val="50000"/>
-                  </a:schemeClr>
-                </a:solidFill>
-                <a:latin typeface="Times New Roman" panose="02020603050405020304" pitchFamily="18" charset="0"/>
-                <a:cs typeface="Times New Roman" panose="02020603050405020304" pitchFamily="18" charset="0"/>
-              </a:endParaRPr>
-            </a:p>
-          </p:txBody>
-        </p:sp>
-      </p:grpSp>
-      <p:grpSp>
-        <p:nvGrpSpPr>
-          <p:cNvPr id="35" name="组合 34">
-            <a:extLst>
-              <a:ext uri="{FF2B5EF4-FFF2-40B4-BE49-F238E27FC236}">
-                <a16:creationId xmlns:a16="http://schemas.microsoft.com/office/drawing/2014/main" id="{26BF7FD6-E965-4F9F-488A-191D53BCD05C}"/>
-              </a:ext>
-            </a:extLst>
-          </p:cNvPr>
-          <p:cNvGrpSpPr/>
-          <p:nvPr/>
-        </p:nvGrpSpPr>
-        <p:grpSpPr>
-          <a:xfrm>
-            <a:off x="6003522" y="2814021"/>
-            <a:ext cx="715910" cy="281190"/>
-            <a:chOff x="7345789" y="1445902"/>
-            <a:chExt cx="715910" cy="369387"/>
-          </a:xfrm>
-        </p:grpSpPr>
-        <p:sp>
-          <p:nvSpPr>
-            <p:cNvPr id="36" name="右大括号 35">
-              <a:extLst>
-                <a:ext uri="{FF2B5EF4-FFF2-40B4-BE49-F238E27FC236}">
-                  <a16:creationId xmlns:a16="http://schemas.microsoft.com/office/drawing/2014/main" id="{7E49A5A5-0852-7354-922E-A39B5183F79F}"/>
-                </a:ext>
-              </a:extLst>
-            </p:cNvPr>
-            <p:cNvSpPr/>
-            <p:nvPr/>
-          </p:nvSpPr>
-          <p:spPr>
-            <a:xfrm rot="16200000">
-              <a:off x="7539336" y="1506665"/>
-              <a:ext cx="115077" cy="502171"/>
-            </a:xfrm>
-            <a:prstGeom prst="rightBrace">
-              <a:avLst>
-                <a:gd name="adj1" fmla="val 8333"/>
-                <a:gd name="adj2" fmla="val 48483"/>
-              </a:avLst>
-            </a:prstGeom>
-          </p:spPr>
-          <p:style>
-            <a:lnRef idx="1">
-              <a:schemeClr val="accent1"/>
-            </a:lnRef>
-            <a:fillRef idx="0">
-              <a:schemeClr val="accent1"/>
-            </a:fillRef>
-            <a:effectRef idx="0">
-              <a:schemeClr val="accent1"/>
-            </a:effectRef>
-            <a:fontRef idx="minor">
-              <a:schemeClr val="tx1"/>
-            </a:fontRef>
-          </p:style>
-          <p:txBody>
-            <a:bodyPr rtlCol="0" anchor="ctr"/>
-            <a:lstStyle/>
-            <a:p>
-              <a:pPr algn="ctr"/>
-              <a:endParaRPr lang="zh-CN" altLang="en-US" sz="1100" dirty="0">
-                <a:solidFill>
-                  <a:schemeClr val="bg2"/>
-                </a:solidFill>
-                <a:latin typeface="Times New Roman" panose="02020603050405020304" pitchFamily="18" charset="0"/>
-                <a:cs typeface="Times New Roman" panose="02020603050405020304" pitchFamily="18" charset="0"/>
-              </a:endParaRPr>
+              <a:r>
+                <a:rPr lang="en-US" altLang="zh-CN" sz="1400" dirty="0"/>
+                <a:t>N</a:t>
+              </a:r>
+              <a:r>
+                <a:rPr lang="zh-CN" altLang="en-US" sz="1400" dirty="0"/>
+                <a:t>个</a:t>
+              </a:r>
+              <a:r>
+                <a:rPr lang="en-US" altLang="zh-CN" sz="1400" dirty="0"/>
+                <a:t>Fold </a:t>
+              </a:r>
+              <a:endParaRPr lang="zh-CN" altLang="en-US" sz="1400" dirty="0"/>
             </a:p>
           </p:txBody>
         </p:sp>
         <p:sp>
           <p:nvSpPr>
-            <p:cNvPr id="37" name="文本框 36">
+            <p:cNvPr id="49" name="文本框 48">
               <a:extLst>
                 <a:ext uri="{FF2B5EF4-FFF2-40B4-BE49-F238E27FC236}">
-                  <a16:creationId xmlns:a16="http://schemas.microsoft.com/office/drawing/2014/main" id="{BB2DF0A1-C335-D18E-D39E-F5E473B4D9E7}"/>
+                  <a16:creationId xmlns:a16="http://schemas.microsoft.com/office/drawing/2014/main" id="{9479848F-09D6-20A1-642C-55D5F0582988}"/>
                 </a:ext>
               </a:extLst>
             </p:cNvPr>
@@ -7621,8 +7958,8 @@
           </p:nvSpPr>
           <p:spPr>
             <a:xfrm>
-              <a:off x="7393414" y="1445902"/>
-              <a:ext cx="668285" cy="303234"/>
+              <a:off x="8300186" y="2458650"/>
+              <a:ext cx="461665" cy="1681108"/>
             </a:xfrm>
             <a:prstGeom prst="rect">
               <a:avLst/>
@@ -7630,443 +7967,48 @@
             <a:noFill/>
           </p:spPr>
           <p:txBody>
-            <a:bodyPr wrap="square" rtlCol="0">
+            <a:bodyPr vert="eaVert" wrap="square" rtlCol="0">
               <a:spAutoFit/>
             </a:bodyPr>
             <a:lstStyle/>
             <a:p>
               <a:r>
-                <a:rPr lang="en-US" altLang="zh-CN" sz="900" dirty="0">
+                <a:rPr lang="zh-CN" altLang="en-US" sz="1800" dirty="0">
                   <a:solidFill>
-                    <a:schemeClr val="bg2">
-                      <a:lumMod val="50000"/>
+                    <a:schemeClr val="tx1">
+                      <a:lumMod val="75000"/>
+                      <a:lumOff val="25000"/>
                     </a:schemeClr>
                   </a:solidFill>
-                  <a:latin typeface="Times New Roman" panose="02020603050405020304" pitchFamily="18" charset="0"/>
-                  <a:cs typeface="Times New Roman" panose="02020603050405020304" pitchFamily="18" charset="0"/>
                 </a:rPr>
-                <a:t>Fold 3</a:t>
+                <a:t>进行</a:t>
               </a:r>
-              <a:endParaRPr lang="zh-CN" altLang="en-US" sz="900" dirty="0">
-                <a:solidFill>
-                  <a:schemeClr val="bg2">
-                    <a:lumMod val="50000"/>
-                  </a:schemeClr>
-                </a:solidFill>
-                <a:latin typeface="Times New Roman" panose="02020603050405020304" pitchFamily="18" charset="0"/>
-                <a:cs typeface="Times New Roman" panose="02020603050405020304" pitchFamily="18" charset="0"/>
-              </a:endParaRPr>
+              <a:r>
+                <a:rPr lang="en-US" altLang="zh-CN" sz="1800" dirty="0">
+                  <a:solidFill>
+                    <a:schemeClr val="tx1">
+                      <a:lumMod val="75000"/>
+                      <a:lumOff val="25000"/>
+                    </a:schemeClr>
+                  </a:solidFill>
+                </a:rPr>
+                <a:t>K</a:t>
+              </a:r>
+              <a:r>
+                <a:rPr lang="zh-CN" altLang="en-US" sz="1800" dirty="0">
+                  <a:solidFill>
+                    <a:schemeClr val="tx1">
+                      <a:lumMod val="75000"/>
+                      <a:lumOff val="25000"/>
+                    </a:schemeClr>
+                  </a:solidFill>
+                </a:rPr>
+                <a:t>次训练</a:t>
+              </a:r>
             </a:p>
           </p:txBody>
         </p:sp>
       </p:grpSp>
-      <p:grpSp>
-        <p:nvGrpSpPr>
-          <p:cNvPr id="40" name="组合 39">
-            <a:extLst>
-              <a:ext uri="{FF2B5EF4-FFF2-40B4-BE49-F238E27FC236}">
-                <a16:creationId xmlns:a16="http://schemas.microsoft.com/office/drawing/2014/main" id="{078A21A2-A43F-9D09-B693-DAEAC14310DF}"/>
-              </a:ext>
-            </a:extLst>
-          </p:cNvPr>
-          <p:cNvGrpSpPr/>
-          <p:nvPr/>
-        </p:nvGrpSpPr>
-        <p:grpSpPr>
-          <a:xfrm>
-            <a:off x="3572742" y="3601951"/>
-            <a:ext cx="715910" cy="281190"/>
-            <a:chOff x="7345789" y="1445902"/>
-            <a:chExt cx="715910" cy="369387"/>
-          </a:xfrm>
-        </p:grpSpPr>
-        <p:sp>
-          <p:nvSpPr>
-            <p:cNvPr id="41" name="右大括号 40">
-              <a:extLst>
-                <a:ext uri="{FF2B5EF4-FFF2-40B4-BE49-F238E27FC236}">
-                  <a16:creationId xmlns:a16="http://schemas.microsoft.com/office/drawing/2014/main" id="{C51EDDE2-E264-09D1-C0FF-894828B6AC94}"/>
-                </a:ext>
-              </a:extLst>
-            </p:cNvPr>
-            <p:cNvSpPr/>
-            <p:nvPr/>
-          </p:nvSpPr>
-          <p:spPr>
-            <a:xfrm rot="16200000">
-              <a:off x="7539336" y="1506665"/>
-              <a:ext cx="115077" cy="502171"/>
-            </a:xfrm>
-            <a:prstGeom prst="rightBrace">
-              <a:avLst>
-                <a:gd name="adj1" fmla="val 8333"/>
-                <a:gd name="adj2" fmla="val 48483"/>
-              </a:avLst>
-            </a:prstGeom>
-          </p:spPr>
-          <p:style>
-            <a:lnRef idx="1">
-              <a:schemeClr val="accent1"/>
-            </a:lnRef>
-            <a:fillRef idx="0">
-              <a:schemeClr val="accent1"/>
-            </a:fillRef>
-            <a:effectRef idx="0">
-              <a:schemeClr val="accent1"/>
-            </a:effectRef>
-            <a:fontRef idx="minor">
-              <a:schemeClr val="tx1"/>
-            </a:fontRef>
-          </p:style>
-          <p:txBody>
-            <a:bodyPr rtlCol="0" anchor="ctr"/>
-            <a:lstStyle/>
-            <a:p>
-              <a:pPr algn="ctr"/>
-              <a:endParaRPr lang="zh-CN" altLang="en-US" sz="1100" dirty="0">
-                <a:solidFill>
-                  <a:schemeClr val="bg2"/>
-                </a:solidFill>
-                <a:latin typeface="Times New Roman" panose="02020603050405020304" pitchFamily="18" charset="0"/>
-                <a:cs typeface="Times New Roman" panose="02020603050405020304" pitchFamily="18" charset="0"/>
-              </a:endParaRPr>
-            </a:p>
-          </p:txBody>
-        </p:sp>
-        <p:sp>
-          <p:nvSpPr>
-            <p:cNvPr id="42" name="文本框 41">
-              <a:extLst>
-                <a:ext uri="{FF2B5EF4-FFF2-40B4-BE49-F238E27FC236}">
-                  <a16:creationId xmlns:a16="http://schemas.microsoft.com/office/drawing/2014/main" id="{C69C5F38-30C6-89F7-3D05-8E74C3BBD0C5}"/>
-                </a:ext>
-              </a:extLst>
-            </p:cNvPr>
-            <p:cNvSpPr txBox="1"/>
-            <p:nvPr/>
-          </p:nvSpPr>
-          <p:spPr>
-            <a:xfrm>
-              <a:off x="7393414" y="1445902"/>
-              <a:ext cx="668285" cy="303234"/>
-            </a:xfrm>
-            <a:prstGeom prst="rect">
-              <a:avLst/>
-            </a:prstGeom>
-            <a:noFill/>
-          </p:spPr>
-          <p:txBody>
-            <a:bodyPr wrap="square" rtlCol="0">
-              <a:spAutoFit/>
-            </a:bodyPr>
-            <a:lstStyle/>
-            <a:p>
-              <a:r>
-                <a:rPr lang="en-US" altLang="zh-CN" sz="900" dirty="0">
-                  <a:solidFill>
-                    <a:schemeClr val="bg2">
-                      <a:lumMod val="50000"/>
-                    </a:schemeClr>
-                  </a:solidFill>
-                  <a:latin typeface="Times New Roman" panose="02020603050405020304" pitchFamily="18" charset="0"/>
-                  <a:cs typeface="Times New Roman" panose="02020603050405020304" pitchFamily="18" charset="0"/>
-                </a:rPr>
-                <a:t>Fold N</a:t>
-              </a:r>
-              <a:endParaRPr lang="zh-CN" altLang="en-US" sz="900" dirty="0">
-                <a:solidFill>
-                  <a:schemeClr val="bg2">
-                    <a:lumMod val="50000"/>
-                  </a:schemeClr>
-                </a:solidFill>
-                <a:latin typeface="Times New Roman" panose="02020603050405020304" pitchFamily="18" charset="0"/>
-                <a:cs typeface="Times New Roman" panose="02020603050405020304" pitchFamily="18" charset="0"/>
-              </a:endParaRPr>
-            </a:p>
-          </p:txBody>
-        </p:sp>
-      </p:grpSp>
-      <p:sp>
-        <p:nvSpPr>
-          <p:cNvPr id="43" name="矩形: 圆角 42">
-            <a:extLst>
-              <a:ext uri="{FF2B5EF4-FFF2-40B4-BE49-F238E27FC236}">
-                <a16:creationId xmlns:a16="http://schemas.microsoft.com/office/drawing/2014/main" id="{A50A75AD-3273-0E42-262B-DD464B428C0E}"/>
-              </a:ext>
-            </a:extLst>
-          </p:cNvPr>
-          <p:cNvSpPr/>
-          <p:nvPr/>
-        </p:nvSpPr>
-        <p:spPr>
-          <a:xfrm>
-            <a:off x="4173978" y="3795540"/>
-            <a:ext cx="3844046" cy="744710"/>
-          </a:xfrm>
-          <a:prstGeom prst="roundRect">
-            <a:avLst/>
-          </a:prstGeom>
-          <a:noFill/>
-          <a:ln>
-            <a:prstDash val="dash"/>
-          </a:ln>
-        </p:spPr>
-        <p:style>
-          <a:lnRef idx="2">
-            <a:schemeClr val="accent1">
-              <a:shade val="50000"/>
-            </a:schemeClr>
-          </a:lnRef>
-          <a:fillRef idx="1">
-            <a:schemeClr val="accent1"/>
-          </a:fillRef>
-          <a:effectRef idx="0">
-            <a:schemeClr val="accent1"/>
-          </a:effectRef>
-          <a:fontRef idx="minor">
-            <a:schemeClr val="lt1"/>
-          </a:fontRef>
-        </p:style>
-        <p:txBody>
-          <a:bodyPr rtlCol="0" anchor="ctr"/>
-          <a:lstStyle/>
-          <a:p>
-            <a:pPr algn="ctr"/>
-            <a:endParaRPr lang="zh-CN" altLang="en-US"/>
-          </a:p>
-        </p:txBody>
-      </p:sp>
-      <p:sp>
-        <p:nvSpPr>
-          <p:cNvPr id="44" name="右大括号 43">
-            <a:extLst>
-              <a:ext uri="{FF2B5EF4-FFF2-40B4-BE49-F238E27FC236}">
-                <a16:creationId xmlns:a16="http://schemas.microsoft.com/office/drawing/2014/main" id="{434CEDC6-E5FF-327A-AEB6-2B852BA35173}"/>
-              </a:ext>
-            </a:extLst>
-          </p:cNvPr>
-          <p:cNvSpPr/>
-          <p:nvPr/>
-        </p:nvSpPr>
-        <p:spPr>
-          <a:xfrm>
-            <a:off x="8061699" y="1936750"/>
-            <a:ext cx="238487" cy="2203450"/>
-          </a:xfrm>
-          <a:prstGeom prst="rightBrace">
-            <a:avLst>
-              <a:gd name="adj1" fmla="val 8333"/>
-              <a:gd name="adj2" fmla="val 51441"/>
-            </a:avLst>
-          </a:prstGeom>
-        </p:spPr>
-        <p:style>
-          <a:lnRef idx="1">
-            <a:schemeClr val="accent1"/>
-          </a:lnRef>
-          <a:fillRef idx="0">
-            <a:schemeClr val="accent1"/>
-          </a:fillRef>
-          <a:effectRef idx="0">
-            <a:schemeClr val="accent1"/>
-          </a:effectRef>
-          <a:fontRef idx="minor">
-            <a:schemeClr val="tx1"/>
-          </a:fontRef>
-        </p:style>
-        <p:txBody>
-          <a:bodyPr rtlCol="0" anchor="ctr"/>
-          <a:lstStyle/>
-          <a:p>
-            <a:pPr algn="ctr"/>
-            <a:endParaRPr lang="zh-CN" altLang="en-US"/>
-          </a:p>
-        </p:txBody>
-      </p:sp>
-      <p:sp>
-        <p:nvSpPr>
-          <p:cNvPr id="48" name="文本框 47">
-            <a:extLst>
-              <a:ext uri="{FF2B5EF4-FFF2-40B4-BE49-F238E27FC236}">
-                <a16:creationId xmlns:a16="http://schemas.microsoft.com/office/drawing/2014/main" id="{B0E83AD4-5FFC-37C2-6930-B22D8AB42927}"/>
-              </a:ext>
-            </a:extLst>
-          </p:cNvPr>
-          <p:cNvSpPr txBox="1"/>
-          <p:nvPr/>
-        </p:nvSpPr>
-        <p:spPr>
-          <a:xfrm>
-            <a:off x="5863970" y="4299994"/>
-            <a:ext cx="936880" cy="276999"/>
-          </a:xfrm>
-          <a:prstGeom prst="rect">
-            <a:avLst/>
-          </a:prstGeom>
-          <a:noFill/>
-        </p:spPr>
-        <p:txBody>
-          <a:bodyPr wrap="square" rtlCol="0">
-            <a:spAutoFit/>
-          </a:bodyPr>
-          <a:lstStyle/>
-          <a:p>
-            <a:r>
-              <a:rPr lang="en-US" altLang="zh-CN" sz="1200" dirty="0">
-                <a:solidFill>
-                  <a:schemeClr val="tx1">
-                    <a:lumMod val="65000"/>
-                    <a:lumOff val="35000"/>
-                  </a:schemeClr>
-                </a:solidFill>
-              </a:rPr>
-              <a:t>N-1</a:t>
-            </a:r>
-            <a:r>
-              <a:rPr lang="zh-CN" altLang="en-US" sz="1200" dirty="0">
-                <a:solidFill>
-                  <a:schemeClr val="tx1">
-                    <a:lumMod val="65000"/>
-                    <a:lumOff val="35000"/>
-                  </a:schemeClr>
-                </a:solidFill>
-              </a:rPr>
-              <a:t>个</a:t>
-            </a:r>
-            <a:r>
-              <a:rPr lang="en-US" altLang="zh-CN" sz="1200" dirty="0">
-                <a:solidFill>
-                  <a:schemeClr val="tx1">
-                    <a:lumMod val="65000"/>
-                    <a:lumOff val="35000"/>
-                  </a:schemeClr>
-                </a:solidFill>
-              </a:rPr>
-              <a:t>Fold </a:t>
-            </a:r>
-            <a:endParaRPr lang="zh-CN" altLang="en-US" sz="1200" dirty="0">
-              <a:solidFill>
-                <a:schemeClr val="tx1">
-                  <a:lumMod val="65000"/>
-                  <a:lumOff val="35000"/>
-                </a:schemeClr>
-              </a:solidFill>
-            </a:endParaRPr>
-          </a:p>
-        </p:txBody>
-      </p:sp>
-      <p:sp>
-        <p:nvSpPr>
-          <p:cNvPr id="47" name="文本框 46">
-            <a:extLst>
-              <a:ext uri="{FF2B5EF4-FFF2-40B4-BE49-F238E27FC236}">
-                <a16:creationId xmlns:a16="http://schemas.microsoft.com/office/drawing/2014/main" id="{95F2FAEF-AA33-3DB8-1E62-98A6E7B9ADE2}"/>
-              </a:ext>
-            </a:extLst>
-          </p:cNvPr>
-          <p:cNvSpPr txBox="1"/>
-          <p:nvPr/>
-        </p:nvSpPr>
-        <p:spPr>
-          <a:xfrm>
-            <a:off x="5926163" y="1322283"/>
-            <a:ext cx="2209800" cy="307777"/>
-          </a:xfrm>
-          <a:prstGeom prst="rect">
-            <a:avLst/>
-          </a:prstGeom>
-          <a:noFill/>
-        </p:spPr>
-        <p:txBody>
-          <a:bodyPr wrap="square" rtlCol="0">
-            <a:spAutoFit/>
-          </a:bodyPr>
-          <a:lstStyle/>
-          <a:p>
-            <a:r>
-              <a:rPr lang="zh-CN" altLang="en-US" sz="1400" dirty="0"/>
-              <a:t>数据划分为</a:t>
-            </a:r>
-            <a:r>
-              <a:rPr lang="en-US" altLang="zh-CN" sz="1400" dirty="0"/>
-              <a:t>N</a:t>
-            </a:r>
-            <a:r>
-              <a:rPr lang="zh-CN" altLang="en-US" sz="1400" dirty="0"/>
-              <a:t>个</a:t>
-            </a:r>
-            <a:r>
-              <a:rPr lang="en-US" altLang="zh-CN" sz="1400" dirty="0"/>
-              <a:t>Fold </a:t>
-            </a:r>
-            <a:endParaRPr lang="zh-CN" altLang="en-US" sz="1400" dirty="0"/>
-          </a:p>
-        </p:txBody>
-      </p:sp>
-      <p:sp>
-        <p:nvSpPr>
-          <p:cNvPr id="49" name="文本框 48">
-            <a:extLst>
-              <a:ext uri="{FF2B5EF4-FFF2-40B4-BE49-F238E27FC236}">
-                <a16:creationId xmlns:a16="http://schemas.microsoft.com/office/drawing/2014/main" id="{9479848F-09D6-20A1-642C-55D5F0582988}"/>
-              </a:ext>
-            </a:extLst>
-          </p:cNvPr>
-          <p:cNvSpPr txBox="1"/>
-          <p:nvPr/>
-        </p:nvSpPr>
-        <p:spPr>
-          <a:xfrm>
-            <a:off x="8300186" y="2458650"/>
-            <a:ext cx="461665" cy="1681108"/>
-          </a:xfrm>
-          <a:prstGeom prst="rect">
-            <a:avLst/>
-          </a:prstGeom>
-          <a:noFill/>
-        </p:spPr>
-        <p:txBody>
-          <a:bodyPr vert="eaVert" wrap="square" rtlCol="0">
-            <a:spAutoFit/>
-          </a:bodyPr>
-          <a:lstStyle/>
-          <a:p>
-            <a:r>
-              <a:rPr lang="zh-CN" altLang="en-US" sz="1800" dirty="0">
-                <a:solidFill>
-                  <a:schemeClr val="tx1">
-                    <a:lumMod val="75000"/>
-                    <a:lumOff val="25000"/>
-                  </a:schemeClr>
-                </a:solidFill>
-              </a:rPr>
-              <a:t>进行</a:t>
-            </a:r>
-            <a:r>
-              <a:rPr lang="en-US" altLang="zh-CN" sz="1800" dirty="0">
-                <a:solidFill>
-                  <a:schemeClr val="tx1">
-                    <a:lumMod val="75000"/>
-                    <a:lumOff val="25000"/>
-                  </a:schemeClr>
-                </a:solidFill>
-              </a:rPr>
-              <a:t>K</a:t>
-            </a:r>
-            <a:r>
-              <a:rPr lang="zh-CN" altLang="en-US" sz="1800" dirty="0">
-                <a:solidFill>
-                  <a:schemeClr val="tx1">
-                    <a:lumMod val="75000"/>
-                    <a:lumOff val="25000"/>
-                  </a:schemeClr>
-                </a:solidFill>
-              </a:rPr>
-              <a:t>次训练</a:t>
-            </a:r>
-          </a:p>
-        </p:txBody>
-      </p:sp>
     </p:spTree>
     <p:custDataLst>
       <p:tags r:id="rId1"/>
@@ -8108,14 +8050,14 @@
           <p:nvPr>
             <p:extLst>
               <p:ext uri="{D42A27DB-BD31-4B8C-83A1-F6EECF244321}">
-                <p14:modId xmlns:p14="http://schemas.microsoft.com/office/powerpoint/2010/main" val="1271224256"/>
+                <p14:modId xmlns:p14="http://schemas.microsoft.com/office/powerpoint/2010/main" val="3263836807"/>
               </p:ext>
             </p:extLst>
           </p:nvPr>
         </p:nvGraphicFramePr>
         <p:xfrm>
-          <a:off x="950997" y="838200"/>
-          <a:ext cx="5411703" cy="716280"/>
+          <a:off x="950997" y="838199"/>
+          <a:ext cx="7166636" cy="698501"/>
         </p:xfrm>
         <a:graphic>
           <a:graphicData uri="http://schemas.openxmlformats.org/drawingml/2006/diagram">
@@ -8127,6 +8069,941 @@
     <p:extLst>
       <p:ext uri="{BB962C8B-B14F-4D97-AF65-F5344CB8AC3E}">
         <p14:creationId xmlns:p14="http://schemas.microsoft.com/office/powerpoint/2010/main" val="1229702957"/>
+      </p:ext>
+    </p:extLst>
+  </p:cSld>
+  <p:clrMapOvr>
+    <a:masterClrMapping/>
+  </p:clrMapOvr>
+</p:sld>
+</file>
+
+<file path=ppt/slides/slide3.xml><?xml version="1.0" encoding="utf-8"?>
+<p:sld xmlns:a="http://schemas.openxmlformats.org/drawingml/2006/main" xmlns:r="http://schemas.openxmlformats.org/officeDocument/2006/relationships" xmlns:p="http://schemas.openxmlformats.org/presentationml/2006/main">
+  <p:cSld>
+    <p:spTree>
+      <p:nvGrpSpPr>
+        <p:cNvPr id="1" name=""/>
+        <p:cNvGrpSpPr/>
+        <p:nvPr/>
+      </p:nvGrpSpPr>
+      <p:grpSpPr>
+        <a:xfrm>
+          <a:off x="0" y="0"/>
+          <a:ext cx="0" cy="0"/>
+          <a:chOff x="0" y="0"/>
+          <a:chExt cx="0" cy="0"/>
+        </a:xfrm>
+      </p:grpSpPr>
+      <p:grpSp>
+        <p:nvGrpSpPr>
+          <p:cNvPr id="8" name="组合 7">
+            <a:extLst>
+              <a:ext uri="{FF2B5EF4-FFF2-40B4-BE49-F238E27FC236}">
+                <a16:creationId xmlns:a16="http://schemas.microsoft.com/office/drawing/2014/main" id="{DA4FF340-5F9D-1D32-5C0A-C93666F7CC40}"/>
+              </a:ext>
+            </a:extLst>
+          </p:cNvPr>
+          <p:cNvGrpSpPr/>
+          <p:nvPr/>
+        </p:nvGrpSpPr>
+        <p:grpSpPr>
+          <a:xfrm>
+            <a:off x="1081825" y="901520"/>
+            <a:ext cx="10219387" cy="5164429"/>
+            <a:chOff x="1081825" y="901520"/>
+            <a:chExt cx="10219387" cy="5164429"/>
+          </a:xfrm>
+        </p:grpSpPr>
+        <p:pic>
+          <p:nvPicPr>
+            <p:cNvPr id="4" name="图片 3" descr="detect">
+              <a:extLst>
+                <a:ext uri="{FF2B5EF4-FFF2-40B4-BE49-F238E27FC236}">
+                  <a16:creationId xmlns:a16="http://schemas.microsoft.com/office/drawing/2014/main" id="{8A485498-0F19-F0FE-61F3-25DD9517DA4C}"/>
+                </a:ext>
+              </a:extLst>
+            </p:cNvPr>
+            <p:cNvPicPr>
+              <a:picLocks noChangeAspect="1"/>
+            </p:cNvPicPr>
+            <p:nvPr/>
+          </p:nvPicPr>
+          <p:blipFill rotWithShape="1">
+            <a:blip r:embed="rId2"/>
+            <a:srcRect l="8873" t="8539" r="8785" b="6743"/>
+            <a:stretch/>
+          </p:blipFill>
+          <p:spPr>
+            <a:xfrm>
+              <a:off x="1081825" y="901520"/>
+              <a:ext cx="10039082" cy="5164429"/>
+            </a:xfrm>
+            <a:prstGeom prst="rect">
+              <a:avLst/>
+            </a:prstGeom>
+            <a:ln w="15875">
+              <a:noFill/>
+              <a:prstDash val="dash"/>
+            </a:ln>
+          </p:spPr>
+        </p:pic>
+        <p:cxnSp>
+          <p:nvCxnSpPr>
+            <p:cNvPr id="5" name="直接连接符 4">
+              <a:extLst>
+                <a:ext uri="{FF2B5EF4-FFF2-40B4-BE49-F238E27FC236}">
+                  <a16:creationId xmlns:a16="http://schemas.microsoft.com/office/drawing/2014/main" id="{7BB503D7-4644-E1B8-2A30-51969897B274}"/>
+                </a:ext>
+              </a:extLst>
+            </p:cNvPr>
+            <p:cNvCxnSpPr>
+              <a:cxnSpLocks/>
+            </p:cNvCxnSpPr>
+            <p:nvPr/>
+          </p:nvCxnSpPr>
+          <p:spPr>
+            <a:xfrm>
+              <a:off x="6074410" y="1119505"/>
+              <a:ext cx="0" cy="4399092"/>
+            </a:xfrm>
+            <a:prstGeom prst="line">
+              <a:avLst/>
+            </a:prstGeom>
+            <a:ln w="15875">
+              <a:solidFill>
+                <a:schemeClr val="accent1"/>
+              </a:solidFill>
+              <a:prstDash val="dash"/>
+            </a:ln>
+          </p:spPr>
+          <p:style>
+            <a:lnRef idx="1">
+              <a:schemeClr val="accent1"/>
+            </a:lnRef>
+            <a:fillRef idx="0">
+              <a:schemeClr val="accent1"/>
+            </a:fillRef>
+            <a:effectRef idx="0">
+              <a:schemeClr val="accent1"/>
+            </a:effectRef>
+            <a:fontRef idx="minor">
+              <a:schemeClr val="tx1"/>
+            </a:fontRef>
+          </p:style>
+        </p:cxnSp>
+        <p:sp>
+          <p:nvSpPr>
+            <p:cNvPr id="7" name="文本框 6">
+              <a:extLst>
+                <a:ext uri="{FF2B5EF4-FFF2-40B4-BE49-F238E27FC236}">
+                  <a16:creationId xmlns:a16="http://schemas.microsoft.com/office/drawing/2014/main" id="{A88E500D-A1F0-42EB-CAFA-5B0B1CFBE7C7}"/>
+                </a:ext>
+              </a:extLst>
+            </p:cNvPr>
+            <p:cNvSpPr txBox="1"/>
+            <p:nvPr/>
+          </p:nvSpPr>
+          <p:spPr>
+            <a:xfrm>
+              <a:off x="9304986" y="1249251"/>
+              <a:ext cx="1996226" cy="646331"/>
+            </a:xfrm>
+            <a:prstGeom prst="rect">
+              <a:avLst/>
+            </a:prstGeom>
+            <a:noFill/>
+          </p:spPr>
+          <p:txBody>
+            <a:bodyPr wrap="square" rtlCol="0">
+              <a:spAutoFit/>
+            </a:bodyPr>
+            <a:lstStyle/>
+            <a:p>
+              <a:r>
+                <a:rPr lang="en-US" altLang="zh-CN" dirty="0"/>
+                <a:t>Mean = 96.41</a:t>
+              </a:r>
+              <a:br>
+                <a:rPr lang="en-US" altLang="zh-CN" dirty="0"/>
+              </a:br>
+              <a:r>
+                <a:rPr lang="en-US" altLang="zh-CN" dirty="0"/>
+                <a:t>Std = 4.41</a:t>
+              </a:r>
+              <a:endParaRPr lang="zh-CN" altLang="en-US" dirty="0"/>
+            </a:p>
+          </p:txBody>
+        </p:sp>
+      </p:grpSp>
+    </p:spTree>
+    <p:extLst>
+      <p:ext uri="{BB962C8B-B14F-4D97-AF65-F5344CB8AC3E}">
+        <p14:creationId xmlns:p14="http://schemas.microsoft.com/office/powerpoint/2010/main" val="1731224169"/>
+      </p:ext>
+    </p:extLst>
+  </p:cSld>
+  <p:clrMapOvr>
+    <a:masterClrMapping/>
+  </p:clrMapOvr>
+</p:sld>
+</file>
+
+<file path=ppt/slides/slide4.xml><?xml version="1.0" encoding="utf-8"?>
+<p:sld xmlns:a="http://schemas.openxmlformats.org/drawingml/2006/main" xmlns:r="http://schemas.openxmlformats.org/officeDocument/2006/relationships" xmlns:p="http://schemas.openxmlformats.org/presentationml/2006/main">
+  <p:cSld>
+    <p:spTree>
+      <p:nvGrpSpPr>
+        <p:cNvPr id="1" name=""/>
+        <p:cNvGrpSpPr/>
+        <p:nvPr/>
+      </p:nvGrpSpPr>
+      <p:grpSpPr>
+        <a:xfrm>
+          <a:off x="0" y="0"/>
+          <a:ext cx="0" cy="0"/>
+          <a:chOff x="0" y="0"/>
+          <a:chExt cx="0" cy="0"/>
+        </a:xfrm>
+      </p:grpSpPr>
+      <p:pic>
+        <p:nvPicPr>
+          <p:cNvPr id="18" name="图片 17">
+            <a:extLst>
+              <a:ext uri="{FF2B5EF4-FFF2-40B4-BE49-F238E27FC236}">
+                <a16:creationId xmlns:a16="http://schemas.microsoft.com/office/drawing/2014/main" id="{97798C97-A0D2-A5E0-4035-FFE30B85D85D}"/>
+              </a:ext>
+            </a:extLst>
+          </p:cNvPr>
+          <p:cNvPicPr>
+            <a:picLocks noChangeAspect="1"/>
+          </p:cNvPicPr>
+          <p:nvPr/>
+        </p:nvPicPr>
+        <p:blipFill>
+          <a:blip r:embed="rId2"/>
+          <a:stretch>
+            <a:fillRect/>
+          </a:stretch>
+        </p:blipFill>
+        <p:spPr>
+          <a:xfrm>
+            <a:off x="10054252" y="3319643"/>
+            <a:ext cx="863693" cy="147567"/>
+          </a:xfrm>
+          <a:prstGeom prst="rect">
+            <a:avLst/>
+          </a:prstGeom>
+        </p:spPr>
+      </p:pic>
+      <p:grpSp>
+        <p:nvGrpSpPr>
+          <p:cNvPr id="33" name="组合 32">
+            <a:extLst>
+              <a:ext uri="{FF2B5EF4-FFF2-40B4-BE49-F238E27FC236}">
+                <a16:creationId xmlns:a16="http://schemas.microsoft.com/office/drawing/2014/main" id="{4394E0CF-CD56-F2F9-0A09-913BBE0035DA}"/>
+              </a:ext>
+            </a:extLst>
+          </p:cNvPr>
+          <p:cNvGrpSpPr/>
+          <p:nvPr/>
+        </p:nvGrpSpPr>
+        <p:grpSpPr>
+          <a:xfrm>
+            <a:off x="3420147" y="1851993"/>
+            <a:ext cx="5581691" cy="3295674"/>
+            <a:chOff x="3420147" y="1851993"/>
+            <a:chExt cx="5581691" cy="3295674"/>
+          </a:xfrm>
+        </p:grpSpPr>
+        <p:pic>
+          <p:nvPicPr>
+            <p:cNvPr id="32" name="图片 31">
+              <a:extLst>
+                <a:ext uri="{FF2B5EF4-FFF2-40B4-BE49-F238E27FC236}">
+                  <a16:creationId xmlns:a16="http://schemas.microsoft.com/office/drawing/2014/main" id="{D42EFE25-0751-4B08-9AAF-B5CAAC72F6E2}"/>
+                </a:ext>
+              </a:extLst>
+            </p:cNvPr>
+            <p:cNvPicPr>
+              <a:picLocks noChangeAspect="1"/>
+            </p:cNvPicPr>
+            <p:nvPr/>
+          </p:nvPicPr>
+          <p:blipFill>
+            <a:blip r:embed="rId3"/>
+            <a:stretch>
+              <a:fillRect/>
+            </a:stretch>
+          </p:blipFill>
+          <p:spPr>
+            <a:xfrm>
+              <a:off x="3420147" y="1851993"/>
+              <a:ext cx="5581691" cy="3295674"/>
+            </a:xfrm>
+            <a:prstGeom prst="rect">
+              <a:avLst/>
+            </a:prstGeom>
+          </p:spPr>
+        </p:pic>
+        <p:sp>
+          <p:nvSpPr>
+            <p:cNvPr id="5" name="文本框 4">
+              <a:extLst>
+                <a:ext uri="{FF2B5EF4-FFF2-40B4-BE49-F238E27FC236}">
+                  <a16:creationId xmlns:a16="http://schemas.microsoft.com/office/drawing/2014/main" id="{D0A6D1E8-F980-2623-1C0A-628AC3C9AF31}"/>
+                </a:ext>
+              </a:extLst>
+            </p:cNvPr>
+            <p:cNvSpPr txBox="1"/>
+            <p:nvPr/>
+          </p:nvSpPr>
+          <p:spPr>
+            <a:xfrm>
+              <a:off x="3561612" y="3176299"/>
+              <a:ext cx="723899" cy="230832"/>
+            </a:xfrm>
+            <a:prstGeom prst="rect">
+              <a:avLst/>
+            </a:prstGeom>
+            <a:noFill/>
+          </p:spPr>
+          <p:txBody>
+            <a:bodyPr wrap="square" rtlCol="0">
+              <a:spAutoFit/>
+            </a:bodyPr>
+            <a:lstStyle/>
+            <a:p>
+              <a:r>
+                <a:rPr lang="zh-CN" altLang="en-US" sz="900" dirty="0"/>
+                <a:t>数据集</a:t>
+              </a:r>
+            </a:p>
+          </p:txBody>
+        </p:sp>
+        <p:sp>
+          <p:nvSpPr>
+            <p:cNvPr id="6" name="文本框 5">
+              <a:extLst>
+                <a:ext uri="{FF2B5EF4-FFF2-40B4-BE49-F238E27FC236}">
+                  <a16:creationId xmlns:a16="http://schemas.microsoft.com/office/drawing/2014/main" id="{45BF42AC-FF5E-F36A-C382-10B73ADD3F07}"/>
+                </a:ext>
+              </a:extLst>
+            </p:cNvPr>
+            <p:cNvSpPr txBox="1"/>
+            <p:nvPr/>
+          </p:nvSpPr>
+          <p:spPr>
+            <a:xfrm>
+              <a:off x="3952136" y="2035479"/>
+              <a:ext cx="666750" cy="276999"/>
+            </a:xfrm>
+            <a:prstGeom prst="rect">
+              <a:avLst/>
+            </a:prstGeom>
+            <a:noFill/>
+          </p:spPr>
+          <p:txBody>
+            <a:bodyPr wrap="square" rtlCol="0">
+              <a:spAutoFit/>
+            </a:bodyPr>
+            <a:lstStyle/>
+            <a:p>
+              <a:r>
+                <a:rPr lang="zh-CN" altLang="en-US" sz="600" dirty="0"/>
+                <a:t>特征</a:t>
+              </a:r>
+              <a:r>
+                <a:rPr lang="en-US" altLang="zh-CN" sz="600" dirty="0"/>
+                <a:t>/</a:t>
+              </a:r>
+              <a:r>
+                <a:rPr lang="zh-CN" altLang="en-US" sz="600" dirty="0"/>
+                <a:t>采样</a:t>
+              </a:r>
+              <a:endParaRPr lang="en-US" altLang="zh-CN" sz="600" dirty="0"/>
+            </a:p>
+            <a:p>
+              <a:r>
+                <a:rPr lang="zh-CN" altLang="en-US" sz="600" dirty="0"/>
+                <a:t>    选择</a:t>
+              </a:r>
+            </a:p>
+          </p:txBody>
+        </p:sp>
+        <p:sp>
+          <p:nvSpPr>
+            <p:cNvPr id="7" name="文本框 6">
+              <a:extLst>
+                <a:ext uri="{FF2B5EF4-FFF2-40B4-BE49-F238E27FC236}">
+                  <a16:creationId xmlns:a16="http://schemas.microsoft.com/office/drawing/2014/main" id="{91EAD743-8CE8-90D0-D8C3-3A0F246E2C5D}"/>
+                </a:ext>
+              </a:extLst>
+            </p:cNvPr>
+            <p:cNvSpPr txBox="1"/>
+            <p:nvPr/>
+          </p:nvSpPr>
+          <p:spPr>
+            <a:xfrm>
+              <a:off x="4360506" y="2864841"/>
+              <a:ext cx="666750" cy="184666"/>
+            </a:xfrm>
+            <a:prstGeom prst="rect">
+              <a:avLst/>
+            </a:prstGeom>
+            <a:noFill/>
+          </p:spPr>
+          <p:txBody>
+            <a:bodyPr wrap="square" rtlCol="0">
+              <a:spAutoFit/>
+            </a:bodyPr>
+            <a:lstStyle/>
+            <a:p>
+              <a:r>
+                <a:rPr lang="zh-CN" altLang="en-US" sz="600" dirty="0"/>
+                <a:t>训练集</a:t>
+              </a:r>
+            </a:p>
+          </p:txBody>
+        </p:sp>
+        <p:sp>
+          <p:nvSpPr>
+            <p:cNvPr id="8" name="文本框 7">
+              <a:extLst>
+                <a:ext uri="{FF2B5EF4-FFF2-40B4-BE49-F238E27FC236}">
+                  <a16:creationId xmlns:a16="http://schemas.microsoft.com/office/drawing/2014/main" id="{11CEF45E-605D-BCE2-2459-87DF97BF4222}"/>
+                </a:ext>
+              </a:extLst>
+            </p:cNvPr>
+            <p:cNvSpPr txBox="1"/>
+            <p:nvPr/>
+          </p:nvSpPr>
+          <p:spPr>
+            <a:xfrm>
+              <a:off x="4360506" y="3519380"/>
+              <a:ext cx="666750" cy="184666"/>
+            </a:xfrm>
+            <a:prstGeom prst="rect">
+              <a:avLst/>
+            </a:prstGeom>
+            <a:noFill/>
+          </p:spPr>
+          <p:txBody>
+            <a:bodyPr wrap="square" rtlCol="0">
+              <a:spAutoFit/>
+            </a:bodyPr>
+            <a:lstStyle/>
+            <a:p>
+              <a:r>
+                <a:rPr lang="zh-CN" altLang="en-US" sz="600" dirty="0"/>
+                <a:t>测试集</a:t>
+              </a:r>
+            </a:p>
+          </p:txBody>
+        </p:sp>
+        <p:sp>
+          <p:nvSpPr>
+            <p:cNvPr id="9" name="文本框 8">
+              <a:extLst>
+                <a:ext uri="{FF2B5EF4-FFF2-40B4-BE49-F238E27FC236}">
+                  <a16:creationId xmlns:a16="http://schemas.microsoft.com/office/drawing/2014/main" id="{6D05B90B-758D-DDFD-B9FE-D99966F16D4D}"/>
+                </a:ext>
+              </a:extLst>
+            </p:cNvPr>
+            <p:cNvSpPr txBox="1"/>
+            <p:nvPr/>
+          </p:nvSpPr>
+          <p:spPr>
+            <a:xfrm>
+              <a:off x="4997910" y="2569024"/>
+              <a:ext cx="666750" cy="230832"/>
+            </a:xfrm>
+            <a:prstGeom prst="rect">
+              <a:avLst/>
+            </a:prstGeom>
+            <a:noFill/>
+          </p:spPr>
+          <p:txBody>
+            <a:bodyPr wrap="square" rtlCol="0">
+              <a:spAutoFit/>
+            </a:bodyPr>
+            <a:lstStyle/>
+            <a:p>
+              <a:r>
+                <a:rPr lang="zh-CN" altLang="en-US" sz="900" dirty="0"/>
+                <a:t>训练</a:t>
+              </a:r>
+            </a:p>
+          </p:txBody>
+        </p:sp>
+        <p:sp>
+          <p:nvSpPr>
+            <p:cNvPr id="10" name="文本框 9">
+              <a:extLst>
+                <a:ext uri="{FF2B5EF4-FFF2-40B4-BE49-F238E27FC236}">
+                  <a16:creationId xmlns:a16="http://schemas.microsoft.com/office/drawing/2014/main" id="{988464DF-2419-0983-DC13-DB453349F9EE}"/>
+                </a:ext>
+              </a:extLst>
+            </p:cNvPr>
+            <p:cNvSpPr txBox="1"/>
+            <p:nvPr/>
+          </p:nvSpPr>
+          <p:spPr>
+            <a:xfrm>
+              <a:off x="4891091" y="3794428"/>
+              <a:ext cx="666750" cy="230832"/>
+            </a:xfrm>
+            <a:prstGeom prst="rect">
+              <a:avLst/>
+            </a:prstGeom>
+            <a:noFill/>
+          </p:spPr>
+          <p:txBody>
+            <a:bodyPr wrap="square" rtlCol="0">
+              <a:spAutoFit/>
+            </a:bodyPr>
+            <a:lstStyle/>
+            <a:p>
+              <a:r>
+                <a:rPr lang="zh-CN" altLang="en-US" sz="900" dirty="0"/>
+                <a:t>模型预测</a:t>
+              </a:r>
+            </a:p>
+          </p:txBody>
+        </p:sp>
+        <p:sp>
+          <p:nvSpPr>
+            <p:cNvPr id="11" name="文本框 10">
+              <a:extLst>
+                <a:ext uri="{FF2B5EF4-FFF2-40B4-BE49-F238E27FC236}">
+                  <a16:creationId xmlns:a16="http://schemas.microsoft.com/office/drawing/2014/main" id="{1AF261BC-999B-6891-1562-D8DAF67F7413}"/>
+                </a:ext>
+              </a:extLst>
+            </p:cNvPr>
+            <p:cNvSpPr txBox="1"/>
+            <p:nvPr/>
+          </p:nvSpPr>
+          <p:spPr>
+            <a:xfrm>
+              <a:off x="5848351" y="2449680"/>
+              <a:ext cx="666750" cy="200055"/>
+            </a:xfrm>
+            <a:prstGeom prst="rect">
+              <a:avLst/>
+            </a:prstGeom>
+            <a:noFill/>
+          </p:spPr>
+          <p:txBody>
+            <a:bodyPr wrap="square" rtlCol="0">
+              <a:spAutoFit/>
+            </a:bodyPr>
+            <a:lstStyle/>
+            <a:p>
+              <a:r>
+                <a:rPr lang="zh-CN" altLang="en-US" sz="700" dirty="0"/>
+                <a:t>参数调整</a:t>
+              </a:r>
+            </a:p>
+          </p:txBody>
+        </p:sp>
+        <p:sp>
+          <p:nvSpPr>
+            <p:cNvPr id="12" name="文本框 11">
+              <a:extLst>
+                <a:ext uri="{FF2B5EF4-FFF2-40B4-BE49-F238E27FC236}">
+                  <a16:creationId xmlns:a16="http://schemas.microsoft.com/office/drawing/2014/main" id="{F25CC99E-829B-644A-5C9D-726518EA28B4}"/>
+                </a:ext>
+              </a:extLst>
+            </p:cNvPr>
+            <p:cNvSpPr txBox="1"/>
+            <p:nvPr/>
+          </p:nvSpPr>
+          <p:spPr>
+            <a:xfrm>
+              <a:off x="7566373" y="1974943"/>
+              <a:ext cx="666750" cy="230832"/>
+            </a:xfrm>
+            <a:prstGeom prst="rect">
+              <a:avLst/>
+            </a:prstGeom>
+            <a:noFill/>
+          </p:spPr>
+          <p:txBody>
+            <a:bodyPr wrap="square" rtlCol="0">
+              <a:spAutoFit/>
+            </a:bodyPr>
+            <a:lstStyle/>
+            <a:p>
+              <a:r>
+                <a:rPr lang="zh-CN" altLang="en-US" sz="900" dirty="0"/>
+                <a:t>初始化</a:t>
+              </a:r>
+            </a:p>
+          </p:txBody>
+        </p:sp>
+        <p:sp>
+          <p:nvSpPr>
+            <p:cNvPr id="13" name="文本框 12">
+              <a:extLst>
+                <a:ext uri="{FF2B5EF4-FFF2-40B4-BE49-F238E27FC236}">
+                  <a16:creationId xmlns:a16="http://schemas.microsoft.com/office/drawing/2014/main" id="{81850F60-AAB5-A9C1-0C9F-80E6716DE19A}"/>
+                </a:ext>
+              </a:extLst>
+            </p:cNvPr>
+            <p:cNvSpPr txBox="1"/>
+            <p:nvPr/>
+          </p:nvSpPr>
+          <p:spPr>
+            <a:xfrm>
+              <a:off x="7334344" y="2597467"/>
+              <a:ext cx="1041502" cy="184666"/>
+            </a:xfrm>
+            <a:prstGeom prst="rect">
+              <a:avLst/>
+            </a:prstGeom>
+            <a:noFill/>
+          </p:spPr>
+          <p:txBody>
+            <a:bodyPr wrap="square" rtlCol="0">
+              <a:spAutoFit/>
+            </a:bodyPr>
+            <a:lstStyle/>
+            <a:p>
+              <a:r>
+                <a:rPr lang="en-US" altLang="zh-CN" sz="600" b="0" dirty="0">
+                  <a:effectLst/>
+                  <a:latin typeface="Fira Code" panose="020B0809050000020004" pitchFamily="49" charset="0"/>
+                </a:rPr>
+                <a:t>Exhaustive search</a:t>
+              </a:r>
+            </a:p>
+          </p:txBody>
+        </p:sp>
+        <p:sp>
+          <p:nvSpPr>
+            <p:cNvPr id="14" name="文本框 13">
+              <a:extLst>
+                <a:ext uri="{FF2B5EF4-FFF2-40B4-BE49-F238E27FC236}">
+                  <a16:creationId xmlns:a16="http://schemas.microsoft.com/office/drawing/2014/main" id="{B22AB54D-5783-5EEB-2A23-23B7E6E6B7F4}"/>
+                </a:ext>
+              </a:extLst>
+            </p:cNvPr>
+            <p:cNvSpPr txBox="1"/>
+            <p:nvPr/>
+          </p:nvSpPr>
+          <p:spPr>
+            <a:xfrm>
+              <a:off x="7634291" y="3190442"/>
+              <a:ext cx="484183" cy="230832"/>
+            </a:xfrm>
+            <a:prstGeom prst="rect">
+              <a:avLst/>
+            </a:prstGeom>
+            <a:noFill/>
+          </p:spPr>
+          <p:txBody>
+            <a:bodyPr wrap="square" rtlCol="0">
+              <a:spAutoFit/>
+            </a:bodyPr>
+            <a:lstStyle/>
+            <a:p>
+              <a:r>
+                <a:rPr lang="zh-CN" altLang="en-US" sz="900" dirty="0"/>
+                <a:t>评估</a:t>
+              </a:r>
+            </a:p>
+          </p:txBody>
+        </p:sp>
+        <p:pic>
+          <p:nvPicPr>
+            <p:cNvPr id="17" name="图片 16">
+              <a:extLst>
+                <a:ext uri="{FF2B5EF4-FFF2-40B4-BE49-F238E27FC236}">
+                  <a16:creationId xmlns:a16="http://schemas.microsoft.com/office/drawing/2014/main" id="{A124C157-1358-B3F3-64DE-38C6D7169C21}"/>
+                </a:ext>
+              </a:extLst>
+            </p:cNvPr>
+            <p:cNvPicPr>
+              <a:picLocks noChangeAspect="1"/>
+            </p:cNvPicPr>
+            <p:nvPr/>
+          </p:nvPicPr>
+          <p:blipFill>
+            <a:blip r:embed="rId2"/>
+            <a:stretch>
+              <a:fillRect/>
+            </a:stretch>
+          </p:blipFill>
+          <p:spPr>
+            <a:xfrm rot="5400000">
+              <a:off x="6218647" y="2988559"/>
+              <a:ext cx="364071" cy="147567"/>
+            </a:xfrm>
+            <a:prstGeom prst="rect">
+              <a:avLst/>
+            </a:prstGeom>
+          </p:spPr>
+        </p:pic>
+        <p:sp>
+          <p:nvSpPr>
+            <p:cNvPr id="19" name="文本框 18">
+              <a:extLst>
+                <a:ext uri="{FF2B5EF4-FFF2-40B4-BE49-F238E27FC236}">
+                  <a16:creationId xmlns:a16="http://schemas.microsoft.com/office/drawing/2014/main" id="{2271D0C6-77E0-3859-EF15-A5E9C109DB45}"/>
+                </a:ext>
+              </a:extLst>
+            </p:cNvPr>
+            <p:cNvSpPr txBox="1"/>
+            <p:nvPr/>
+          </p:nvSpPr>
+          <p:spPr>
+            <a:xfrm>
+              <a:off x="7571582" y="3825987"/>
+              <a:ext cx="609600" cy="169277"/>
+            </a:xfrm>
+            <a:prstGeom prst="rect">
+              <a:avLst/>
+            </a:prstGeom>
+            <a:noFill/>
+          </p:spPr>
+          <p:txBody>
+            <a:bodyPr wrap="square" rtlCol="0">
+              <a:spAutoFit/>
+            </a:bodyPr>
+            <a:lstStyle/>
+            <a:p>
+              <a:r>
+                <a:rPr lang="zh-CN" altLang="en-US" sz="500" dirty="0"/>
+                <a:t>是否达到标准</a:t>
+              </a:r>
+            </a:p>
+          </p:txBody>
+        </p:sp>
+        <p:sp>
+          <p:nvSpPr>
+            <p:cNvPr id="24" name="文本框 23">
+              <a:extLst>
+                <a:ext uri="{FF2B5EF4-FFF2-40B4-BE49-F238E27FC236}">
+                  <a16:creationId xmlns:a16="http://schemas.microsoft.com/office/drawing/2014/main" id="{B33844CD-E9BE-F142-F0D4-EE7C80DC6124}"/>
+                </a:ext>
+              </a:extLst>
+            </p:cNvPr>
+            <p:cNvSpPr txBox="1"/>
+            <p:nvPr/>
+          </p:nvSpPr>
+          <p:spPr>
+            <a:xfrm>
+              <a:off x="6956774" y="4176980"/>
+              <a:ext cx="609599" cy="215444"/>
+            </a:xfrm>
+            <a:prstGeom prst="rect">
+              <a:avLst/>
+            </a:prstGeom>
+            <a:noFill/>
+          </p:spPr>
+          <p:txBody>
+            <a:bodyPr wrap="square" rtlCol="0">
+              <a:spAutoFit/>
+            </a:bodyPr>
+            <a:lstStyle/>
+            <a:p>
+              <a:r>
+                <a:rPr lang="zh-CN" altLang="en-US" sz="800" b="1" dirty="0"/>
+                <a:t>模型池</a:t>
+              </a:r>
+            </a:p>
+          </p:txBody>
+        </p:sp>
+        <p:sp>
+          <p:nvSpPr>
+            <p:cNvPr id="25" name="文本框 24">
+              <a:extLst>
+                <a:ext uri="{FF2B5EF4-FFF2-40B4-BE49-F238E27FC236}">
+                  <a16:creationId xmlns:a16="http://schemas.microsoft.com/office/drawing/2014/main" id="{F6033790-59CF-F80D-F807-5576708572AC}"/>
+                </a:ext>
+              </a:extLst>
+            </p:cNvPr>
+            <p:cNvSpPr txBox="1"/>
+            <p:nvPr/>
+          </p:nvSpPr>
+          <p:spPr>
+            <a:xfrm>
+              <a:off x="7047657" y="4565455"/>
+              <a:ext cx="381792" cy="184666"/>
+            </a:xfrm>
+            <a:prstGeom prst="rect">
+              <a:avLst/>
+            </a:prstGeom>
+            <a:noFill/>
+          </p:spPr>
+          <p:txBody>
+            <a:bodyPr wrap="square" rtlCol="0">
+              <a:spAutoFit/>
+            </a:bodyPr>
+            <a:lstStyle/>
+            <a:p>
+              <a:r>
+                <a:rPr lang="zh-CN" altLang="en-US" sz="600" dirty="0"/>
+                <a:t>模型</a:t>
+              </a:r>
+              <a:r>
+                <a:rPr lang="en-US" altLang="zh-CN" sz="600" dirty="0"/>
+                <a:t>1</a:t>
+              </a:r>
+              <a:endParaRPr lang="zh-CN" altLang="en-US" sz="600" dirty="0"/>
+            </a:p>
+          </p:txBody>
+        </p:sp>
+        <p:sp>
+          <p:nvSpPr>
+            <p:cNvPr id="26" name="文本框 25">
+              <a:extLst>
+                <a:ext uri="{FF2B5EF4-FFF2-40B4-BE49-F238E27FC236}">
+                  <a16:creationId xmlns:a16="http://schemas.microsoft.com/office/drawing/2014/main" id="{EAC2FE62-5130-DCBC-DD96-A9C3FB283FE1}"/>
+                </a:ext>
+              </a:extLst>
+            </p:cNvPr>
+            <p:cNvSpPr txBox="1"/>
+            <p:nvPr/>
+          </p:nvSpPr>
+          <p:spPr>
+            <a:xfrm>
+              <a:off x="7617674" y="4552577"/>
+              <a:ext cx="381792" cy="184666"/>
+            </a:xfrm>
+            <a:prstGeom prst="rect">
+              <a:avLst/>
+            </a:prstGeom>
+            <a:noFill/>
+          </p:spPr>
+          <p:txBody>
+            <a:bodyPr wrap="square" rtlCol="0">
+              <a:spAutoFit/>
+            </a:bodyPr>
+            <a:lstStyle/>
+            <a:p>
+              <a:r>
+                <a:rPr lang="zh-CN" altLang="en-US" sz="600" dirty="0"/>
+                <a:t>模型</a:t>
+              </a:r>
+              <a:r>
+                <a:rPr lang="en-US" altLang="zh-CN" sz="600" dirty="0"/>
+                <a:t>2</a:t>
+              </a:r>
+              <a:endParaRPr lang="zh-CN" altLang="en-US" sz="600" dirty="0"/>
+            </a:p>
+          </p:txBody>
+        </p:sp>
+        <p:sp>
+          <p:nvSpPr>
+            <p:cNvPr id="27" name="文本框 26">
+              <a:extLst>
+                <a:ext uri="{FF2B5EF4-FFF2-40B4-BE49-F238E27FC236}">
+                  <a16:creationId xmlns:a16="http://schemas.microsoft.com/office/drawing/2014/main" id="{88265046-6B1A-2595-4ECB-B57E3A952049}"/>
+                </a:ext>
+              </a:extLst>
+            </p:cNvPr>
+            <p:cNvSpPr txBox="1"/>
+            <p:nvPr/>
+          </p:nvSpPr>
+          <p:spPr>
+            <a:xfrm>
+              <a:off x="8236982" y="4552577"/>
+              <a:ext cx="397667" cy="184666"/>
+            </a:xfrm>
+            <a:prstGeom prst="rect">
+              <a:avLst/>
+            </a:prstGeom>
+            <a:noFill/>
+          </p:spPr>
+          <p:txBody>
+            <a:bodyPr wrap="square" rtlCol="0">
+              <a:spAutoFit/>
+            </a:bodyPr>
+            <a:lstStyle/>
+            <a:p>
+              <a:r>
+                <a:rPr lang="zh-CN" altLang="en-US" sz="600" dirty="0"/>
+                <a:t>模型</a:t>
+              </a:r>
+              <a:r>
+                <a:rPr lang="en-US" altLang="zh-CN" sz="600" dirty="0"/>
+                <a:t>N</a:t>
+              </a:r>
+              <a:endParaRPr lang="zh-CN" altLang="en-US" sz="600" dirty="0"/>
+            </a:p>
+          </p:txBody>
+        </p:sp>
+        <p:sp>
+          <p:nvSpPr>
+            <p:cNvPr id="28" name="文本框 27">
+              <a:extLst>
+                <a:ext uri="{FF2B5EF4-FFF2-40B4-BE49-F238E27FC236}">
+                  <a16:creationId xmlns:a16="http://schemas.microsoft.com/office/drawing/2014/main" id="{D7D659F7-DA51-43D3-6DEA-FA8B0CF8627D}"/>
+                </a:ext>
+              </a:extLst>
+            </p:cNvPr>
+            <p:cNvSpPr txBox="1"/>
+            <p:nvPr/>
+          </p:nvSpPr>
+          <p:spPr>
+            <a:xfrm>
+              <a:off x="7999115" y="4580279"/>
+              <a:ext cx="244473" cy="123111"/>
+            </a:xfrm>
+            <a:prstGeom prst="rect">
+              <a:avLst/>
+            </a:prstGeom>
+            <a:noFill/>
+          </p:spPr>
+          <p:txBody>
+            <a:bodyPr wrap="square" rtlCol="0">
+              <a:spAutoFit/>
+            </a:bodyPr>
+            <a:lstStyle/>
+            <a:p>
+              <a:r>
+                <a:rPr lang="zh-CN" altLang="en-US" sz="200" b="1" dirty="0"/>
+                <a:t>。。。</a:t>
+              </a:r>
+            </a:p>
+          </p:txBody>
+        </p:sp>
+        <p:pic>
+          <p:nvPicPr>
+            <p:cNvPr id="29" name="图片 28">
+              <a:extLst>
+                <a:ext uri="{FF2B5EF4-FFF2-40B4-BE49-F238E27FC236}">
+                  <a16:creationId xmlns:a16="http://schemas.microsoft.com/office/drawing/2014/main" id="{543B7D0C-F60F-5BC4-B092-9166DC321FB4}"/>
+                </a:ext>
+              </a:extLst>
+            </p:cNvPr>
+            <p:cNvPicPr>
+              <a:picLocks noChangeAspect="1"/>
+            </p:cNvPicPr>
+            <p:nvPr/>
+          </p:nvPicPr>
+          <p:blipFill>
+            <a:blip r:embed="rId2"/>
+            <a:stretch>
+              <a:fillRect/>
+            </a:stretch>
+          </p:blipFill>
+          <p:spPr>
+            <a:xfrm>
+              <a:off x="7202884" y="2880306"/>
+              <a:ext cx="802497" cy="230832"/>
+            </a:xfrm>
+            <a:prstGeom prst="rect">
+              <a:avLst/>
+            </a:prstGeom>
+          </p:spPr>
+        </p:pic>
+      </p:grpSp>
+    </p:spTree>
+    <p:extLst>
+      <p:ext uri="{BB962C8B-B14F-4D97-AF65-F5344CB8AC3E}">
+        <p14:creationId xmlns:p14="http://schemas.microsoft.com/office/powerpoint/2010/main" val="3309902523"/>
       </p:ext>
     </p:extLst>
   </p:cSld>

--- a/solver/figure.pptx
+++ b/solver/figure.pptx
@@ -9,11 +9,12 @@
     <p:sldId id="257" r:id="rId3"/>
     <p:sldId id="258" r:id="rId4"/>
     <p:sldId id="259" r:id="rId5"/>
+    <p:sldId id="260" r:id="rId6"/>
   </p:sldIdLst>
   <p:sldSz cx="12192000" cy="6858000"/>
   <p:notesSz cx="6858000" cy="9144000"/>
   <p:custDataLst>
-    <p:tags r:id="rId6"/>
+    <p:tags r:id="rId7"/>
   </p:custDataLst>
   <p:defaultTextStyle>
     <a:defPPr>
@@ -133,6 +134,813 @@
 </file>
 
 <file path=ppt/diagrams/colors1.xml><?xml version="1.0" encoding="utf-8"?>
+<dgm:colorsDef xmlns:dgm="http://schemas.openxmlformats.org/drawingml/2006/diagram" xmlns:a="http://schemas.openxmlformats.org/drawingml/2006/main" uniqueId="urn:microsoft.com/office/officeart/2005/8/colors/accent1_1">
+  <dgm:title val=""/>
+  <dgm:desc val=""/>
+  <dgm:catLst>
+    <dgm:cat type="accent1" pri="11100"/>
+  </dgm:catLst>
+  <dgm:styleLbl name="node0">
+    <dgm:fillClrLst meth="repeat">
+      <a:schemeClr val="lt1"/>
+    </dgm:fillClrLst>
+    <dgm:linClrLst meth="repeat">
+      <a:schemeClr val="accent1">
+        <a:shade val="80000"/>
+      </a:schemeClr>
+    </dgm:linClrLst>
+    <dgm:effectClrLst/>
+    <dgm:txLinClrLst/>
+    <dgm:txFillClrLst meth="repeat">
+      <a:schemeClr val="dk1"/>
+    </dgm:txFillClrLst>
+    <dgm:txEffectClrLst/>
+  </dgm:styleLbl>
+  <dgm:styleLbl name="alignNode1">
+    <dgm:fillClrLst meth="repeat">
+      <a:schemeClr val="lt1"/>
+    </dgm:fillClrLst>
+    <dgm:linClrLst meth="repeat">
+      <a:schemeClr val="accent1">
+        <a:shade val="80000"/>
+      </a:schemeClr>
+    </dgm:linClrLst>
+    <dgm:effectClrLst/>
+    <dgm:txLinClrLst/>
+    <dgm:txFillClrLst meth="repeat">
+      <a:schemeClr val="dk1"/>
+    </dgm:txFillClrLst>
+    <dgm:txEffectClrLst/>
+  </dgm:styleLbl>
+  <dgm:styleLbl name="node1">
+    <dgm:fillClrLst meth="repeat">
+      <a:schemeClr val="lt1"/>
+    </dgm:fillClrLst>
+    <dgm:linClrLst meth="repeat">
+      <a:schemeClr val="accent1">
+        <a:shade val="80000"/>
+      </a:schemeClr>
+    </dgm:linClrLst>
+    <dgm:effectClrLst/>
+    <dgm:txLinClrLst/>
+    <dgm:txFillClrLst meth="repeat">
+      <a:schemeClr val="dk1"/>
+    </dgm:txFillClrLst>
+    <dgm:txEffectClrLst/>
+  </dgm:styleLbl>
+  <dgm:styleLbl name="lnNode1">
+    <dgm:fillClrLst meth="repeat">
+      <a:schemeClr val="lt1"/>
+    </dgm:fillClrLst>
+    <dgm:linClrLst meth="repeat">
+      <a:schemeClr val="accent1">
+        <a:shade val="80000"/>
+      </a:schemeClr>
+    </dgm:linClrLst>
+    <dgm:effectClrLst/>
+    <dgm:txLinClrLst/>
+    <dgm:txFillClrLst meth="repeat">
+      <a:schemeClr val="dk1"/>
+    </dgm:txFillClrLst>
+    <dgm:txEffectClrLst/>
+  </dgm:styleLbl>
+  <dgm:styleLbl name="vennNode1">
+    <dgm:fillClrLst meth="repeat">
+      <a:schemeClr val="lt1">
+        <a:alpha val="50000"/>
+      </a:schemeClr>
+    </dgm:fillClrLst>
+    <dgm:linClrLst meth="repeat">
+      <a:schemeClr val="accent1">
+        <a:shade val="80000"/>
+      </a:schemeClr>
+    </dgm:linClrLst>
+    <dgm:effectClrLst/>
+    <dgm:txLinClrLst/>
+    <dgm:txFillClrLst/>
+    <dgm:txEffectClrLst/>
+  </dgm:styleLbl>
+  <dgm:styleLbl name="node2">
+    <dgm:fillClrLst meth="repeat">
+      <a:schemeClr val="lt1"/>
+    </dgm:fillClrLst>
+    <dgm:linClrLst meth="repeat">
+      <a:schemeClr val="accent1">
+        <a:shade val="80000"/>
+      </a:schemeClr>
+    </dgm:linClrLst>
+    <dgm:effectClrLst/>
+    <dgm:txLinClrLst/>
+    <dgm:txFillClrLst meth="repeat">
+      <a:schemeClr val="dk1"/>
+    </dgm:txFillClrLst>
+    <dgm:txEffectClrLst/>
+  </dgm:styleLbl>
+  <dgm:styleLbl name="node3">
+    <dgm:fillClrLst meth="repeat">
+      <a:schemeClr val="lt1"/>
+    </dgm:fillClrLst>
+    <dgm:linClrLst meth="repeat">
+      <a:schemeClr val="accent1">
+        <a:shade val="80000"/>
+      </a:schemeClr>
+    </dgm:linClrLst>
+    <dgm:effectClrLst/>
+    <dgm:txLinClrLst/>
+    <dgm:txFillClrLst meth="repeat">
+      <a:schemeClr val="dk1"/>
+    </dgm:txFillClrLst>
+    <dgm:txEffectClrLst/>
+  </dgm:styleLbl>
+  <dgm:styleLbl name="node4">
+    <dgm:fillClrLst meth="repeat">
+      <a:schemeClr val="lt1"/>
+    </dgm:fillClrLst>
+    <dgm:linClrLst meth="repeat">
+      <a:schemeClr val="accent1">
+        <a:shade val="80000"/>
+      </a:schemeClr>
+    </dgm:linClrLst>
+    <dgm:effectClrLst/>
+    <dgm:txLinClrLst/>
+    <dgm:txFillClrLst meth="repeat">
+      <a:schemeClr val="dk1"/>
+    </dgm:txFillClrLst>
+    <dgm:txEffectClrLst/>
+  </dgm:styleLbl>
+  <dgm:styleLbl name="fgImgPlace1">
+    <dgm:fillClrLst meth="repeat">
+      <a:schemeClr val="accent1">
+        <a:tint val="40000"/>
+      </a:schemeClr>
+    </dgm:fillClrLst>
+    <dgm:linClrLst meth="repeat">
+      <a:schemeClr val="accent1">
+        <a:shade val="80000"/>
+      </a:schemeClr>
+    </dgm:linClrLst>
+    <dgm:effectClrLst/>
+    <dgm:txLinClrLst/>
+    <dgm:txFillClrLst meth="repeat">
+      <a:schemeClr val="lt1"/>
+    </dgm:txFillClrLst>
+    <dgm:txEffectClrLst/>
+  </dgm:styleLbl>
+  <dgm:styleLbl name="alignImgPlace1">
+    <dgm:fillClrLst meth="repeat">
+      <a:schemeClr val="accent1">
+        <a:tint val="40000"/>
+      </a:schemeClr>
+    </dgm:fillClrLst>
+    <dgm:linClrLst meth="repeat">
+      <a:schemeClr val="accent1">
+        <a:shade val="80000"/>
+      </a:schemeClr>
+    </dgm:linClrLst>
+    <dgm:effectClrLst/>
+    <dgm:txLinClrLst/>
+    <dgm:txFillClrLst meth="repeat">
+      <a:schemeClr val="lt1"/>
+    </dgm:txFillClrLst>
+    <dgm:txEffectClrLst/>
+  </dgm:styleLbl>
+  <dgm:styleLbl name="bgImgPlace1">
+    <dgm:fillClrLst meth="repeat">
+      <a:schemeClr val="accent1">
+        <a:tint val="40000"/>
+      </a:schemeClr>
+    </dgm:fillClrLst>
+    <dgm:linClrLst meth="repeat">
+      <a:schemeClr val="accent1">
+        <a:shade val="80000"/>
+      </a:schemeClr>
+    </dgm:linClrLst>
+    <dgm:effectClrLst/>
+    <dgm:txLinClrLst/>
+    <dgm:txFillClrLst meth="repeat">
+      <a:schemeClr val="lt1"/>
+    </dgm:txFillClrLst>
+    <dgm:txEffectClrLst/>
+  </dgm:styleLbl>
+  <dgm:styleLbl name="sibTrans2D1">
+    <dgm:fillClrLst meth="repeat">
+      <a:schemeClr val="accent1">
+        <a:tint val="60000"/>
+      </a:schemeClr>
+    </dgm:fillClrLst>
+    <dgm:linClrLst meth="repeat">
+      <a:schemeClr val="accent1">
+        <a:tint val="60000"/>
+      </a:schemeClr>
+    </dgm:linClrLst>
+    <dgm:effectClrLst/>
+    <dgm:txLinClrLst/>
+    <dgm:txFillClrLst meth="repeat">
+      <a:schemeClr val="dk1"/>
+    </dgm:txFillClrLst>
+    <dgm:txEffectClrLst/>
+  </dgm:styleLbl>
+  <dgm:styleLbl name="fgSibTrans2D1">
+    <dgm:fillClrLst meth="repeat">
+      <a:schemeClr val="accent1">
+        <a:tint val="60000"/>
+      </a:schemeClr>
+    </dgm:fillClrLst>
+    <dgm:linClrLst meth="repeat">
+      <a:schemeClr val="accent1">
+        <a:tint val="60000"/>
+      </a:schemeClr>
+    </dgm:linClrLst>
+    <dgm:effectClrLst/>
+    <dgm:txLinClrLst/>
+    <dgm:txFillClrLst meth="repeat">
+      <a:schemeClr val="dk1"/>
+    </dgm:txFillClrLst>
+    <dgm:txEffectClrLst/>
+  </dgm:styleLbl>
+  <dgm:styleLbl name="bgSibTrans2D1">
+    <dgm:fillClrLst meth="repeat">
+      <a:schemeClr val="accent1">
+        <a:tint val="60000"/>
+      </a:schemeClr>
+    </dgm:fillClrLst>
+    <dgm:linClrLst meth="repeat">
+      <a:schemeClr val="accent1">
+        <a:tint val="60000"/>
+      </a:schemeClr>
+    </dgm:linClrLst>
+    <dgm:effectClrLst/>
+    <dgm:txLinClrLst/>
+    <dgm:txFillClrLst meth="repeat">
+      <a:schemeClr val="dk1"/>
+    </dgm:txFillClrLst>
+    <dgm:txEffectClrLst/>
+  </dgm:styleLbl>
+  <dgm:styleLbl name="sibTrans1D1">
+    <dgm:fillClrLst meth="repeat">
+      <a:schemeClr val="accent1"/>
+    </dgm:fillClrLst>
+    <dgm:linClrLst meth="repeat">
+      <a:schemeClr val="accent1"/>
+    </dgm:linClrLst>
+    <dgm:effectClrLst/>
+    <dgm:txLinClrLst/>
+    <dgm:txFillClrLst meth="repeat">
+      <a:schemeClr val="tx1"/>
+    </dgm:txFillClrLst>
+    <dgm:txEffectClrLst/>
+  </dgm:styleLbl>
+  <dgm:styleLbl name="callout">
+    <dgm:fillClrLst meth="repeat">
+      <a:schemeClr val="accent1"/>
+    </dgm:fillClrLst>
+    <dgm:linClrLst meth="repeat">
+      <a:schemeClr val="accent1"/>
+    </dgm:linClrLst>
+    <dgm:effectClrLst/>
+    <dgm:txLinClrLst/>
+    <dgm:txFillClrLst meth="repeat">
+      <a:schemeClr val="tx1"/>
+    </dgm:txFillClrLst>
+    <dgm:txEffectClrLst/>
+  </dgm:styleLbl>
+  <dgm:styleLbl name="asst0">
+    <dgm:fillClrLst meth="repeat">
+      <a:schemeClr val="lt1"/>
+    </dgm:fillClrLst>
+    <dgm:linClrLst meth="repeat">
+      <a:schemeClr val="accent1">
+        <a:shade val="80000"/>
+      </a:schemeClr>
+    </dgm:linClrLst>
+    <dgm:effectClrLst/>
+    <dgm:txLinClrLst/>
+    <dgm:txFillClrLst meth="repeat">
+      <a:schemeClr val="dk1"/>
+    </dgm:txFillClrLst>
+    <dgm:txEffectClrLst/>
+  </dgm:styleLbl>
+  <dgm:styleLbl name="asst1">
+    <dgm:fillClrLst meth="repeat">
+      <a:schemeClr val="lt1"/>
+    </dgm:fillClrLst>
+    <dgm:linClrLst meth="repeat">
+      <a:schemeClr val="accent1">
+        <a:shade val="80000"/>
+      </a:schemeClr>
+    </dgm:linClrLst>
+    <dgm:effectClrLst/>
+    <dgm:txLinClrLst/>
+    <dgm:txFillClrLst meth="repeat">
+      <a:schemeClr val="dk1"/>
+    </dgm:txFillClrLst>
+    <dgm:txEffectClrLst/>
+  </dgm:styleLbl>
+  <dgm:styleLbl name="asst2">
+    <dgm:fillClrLst meth="repeat">
+      <a:schemeClr val="lt1"/>
+    </dgm:fillClrLst>
+    <dgm:linClrLst meth="repeat">
+      <a:schemeClr val="accent1">
+        <a:shade val="80000"/>
+      </a:schemeClr>
+    </dgm:linClrLst>
+    <dgm:effectClrLst/>
+    <dgm:txLinClrLst/>
+    <dgm:txFillClrLst meth="repeat">
+      <a:schemeClr val="dk1"/>
+    </dgm:txFillClrLst>
+    <dgm:txEffectClrLst/>
+  </dgm:styleLbl>
+  <dgm:styleLbl name="asst3">
+    <dgm:fillClrLst meth="repeat">
+      <a:schemeClr val="lt1"/>
+    </dgm:fillClrLst>
+    <dgm:linClrLst meth="repeat">
+      <a:schemeClr val="accent1">
+        <a:shade val="80000"/>
+      </a:schemeClr>
+    </dgm:linClrLst>
+    <dgm:effectClrLst/>
+    <dgm:txLinClrLst/>
+    <dgm:txFillClrLst meth="repeat">
+      <a:schemeClr val="dk1"/>
+    </dgm:txFillClrLst>
+    <dgm:txEffectClrLst/>
+  </dgm:styleLbl>
+  <dgm:styleLbl name="asst4">
+    <dgm:fillClrLst meth="repeat">
+      <a:schemeClr val="lt1"/>
+    </dgm:fillClrLst>
+    <dgm:linClrLst meth="repeat">
+      <a:schemeClr val="accent1">
+        <a:shade val="80000"/>
+      </a:schemeClr>
+    </dgm:linClrLst>
+    <dgm:effectClrLst/>
+    <dgm:txLinClrLst/>
+    <dgm:txFillClrLst meth="repeat">
+      <a:schemeClr val="dk1"/>
+    </dgm:txFillClrLst>
+    <dgm:txEffectClrLst/>
+  </dgm:styleLbl>
+  <dgm:styleLbl name="parChTrans2D1">
+    <dgm:fillClrLst meth="repeat">
+      <a:schemeClr val="accent1">
+        <a:tint val="60000"/>
+      </a:schemeClr>
+    </dgm:fillClrLst>
+    <dgm:linClrLst meth="repeat">
+      <a:schemeClr val="accent1">
+        <a:tint val="60000"/>
+      </a:schemeClr>
+    </dgm:linClrLst>
+    <dgm:effectClrLst/>
+    <dgm:txLinClrLst/>
+    <dgm:txFillClrLst/>
+    <dgm:txEffectClrLst/>
+  </dgm:styleLbl>
+  <dgm:styleLbl name="parChTrans2D2">
+    <dgm:fillClrLst meth="repeat">
+      <a:schemeClr val="accent1"/>
+    </dgm:fillClrLst>
+    <dgm:linClrLst meth="repeat">
+      <a:schemeClr val="accent1"/>
+    </dgm:linClrLst>
+    <dgm:effectClrLst/>
+    <dgm:txLinClrLst/>
+    <dgm:txFillClrLst/>
+    <dgm:txEffectClrLst/>
+  </dgm:styleLbl>
+  <dgm:styleLbl name="parChTrans2D3">
+    <dgm:fillClrLst meth="repeat">
+      <a:schemeClr val="accent1"/>
+    </dgm:fillClrLst>
+    <dgm:linClrLst meth="repeat">
+      <a:schemeClr val="accent1"/>
+    </dgm:linClrLst>
+    <dgm:effectClrLst/>
+    <dgm:txLinClrLst/>
+    <dgm:txFillClrLst/>
+    <dgm:txEffectClrLst/>
+  </dgm:styleLbl>
+  <dgm:styleLbl name="parChTrans2D4">
+    <dgm:fillClrLst meth="repeat">
+      <a:schemeClr val="accent1"/>
+    </dgm:fillClrLst>
+    <dgm:linClrLst meth="repeat">
+      <a:schemeClr val="accent1"/>
+    </dgm:linClrLst>
+    <dgm:effectClrLst/>
+    <dgm:txLinClrLst/>
+    <dgm:txFillClrLst meth="repeat">
+      <a:schemeClr val="lt1"/>
+    </dgm:txFillClrLst>
+    <dgm:txEffectClrLst/>
+  </dgm:styleLbl>
+  <dgm:styleLbl name="parChTrans1D1">
+    <dgm:fillClrLst meth="repeat">
+      <a:schemeClr val="accent1"/>
+    </dgm:fillClrLst>
+    <dgm:linClrLst meth="repeat">
+      <a:schemeClr val="accent1">
+        <a:shade val="60000"/>
+      </a:schemeClr>
+    </dgm:linClrLst>
+    <dgm:effectClrLst/>
+    <dgm:txLinClrLst/>
+    <dgm:txFillClrLst meth="repeat">
+      <a:schemeClr val="tx1"/>
+    </dgm:txFillClrLst>
+    <dgm:txEffectClrLst/>
+  </dgm:styleLbl>
+  <dgm:styleLbl name="parChTrans1D2">
+    <dgm:fillClrLst meth="repeat">
+      <a:schemeClr val="accent1"/>
+    </dgm:fillClrLst>
+    <dgm:linClrLst meth="repeat">
+      <a:schemeClr val="accent1">
+        <a:shade val="60000"/>
+      </a:schemeClr>
+    </dgm:linClrLst>
+    <dgm:effectClrLst/>
+    <dgm:txLinClrLst/>
+    <dgm:txFillClrLst meth="repeat">
+      <a:schemeClr val="tx1"/>
+    </dgm:txFillClrLst>
+    <dgm:txEffectClrLst/>
+  </dgm:styleLbl>
+  <dgm:styleLbl name="parChTrans1D3">
+    <dgm:fillClrLst meth="repeat">
+      <a:schemeClr val="accent1"/>
+    </dgm:fillClrLst>
+    <dgm:linClrLst meth="repeat">
+      <a:schemeClr val="accent1">
+        <a:shade val="80000"/>
+      </a:schemeClr>
+    </dgm:linClrLst>
+    <dgm:effectClrLst/>
+    <dgm:txLinClrLst/>
+    <dgm:txFillClrLst meth="repeat">
+      <a:schemeClr val="tx1"/>
+    </dgm:txFillClrLst>
+    <dgm:txEffectClrLst/>
+  </dgm:styleLbl>
+  <dgm:styleLbl name="parChTrans1D4">
+    <dgm:fillClrLst meth="repeat">
+      <a:schemeClr val="accent1"/>
+    </dgm:fillClrLst>
+    <dgm:linClrLst meth="repeat">
+      <a:schemeClr val="accent1">
+        <a:shade val="80000"/>
+      </a:schemeClr>
+    </dgm:linClrLst>
+    <dgm:effectClrLst/>
+    <dgm:txLinClrLst/>
+    <dgm:txFillClrLst meth="repeat">
+      <a:schemeClr val="tx1"/>
+    </dgm:txFillClrLst>
+    <dgm:txEffectClrLst/>
+  </dgm:styleLbl>
+  <dgm:styleLbl name="fgAcc1">
+    <dgm:fillClrLst meth="repeat">
+      <a:schemeClr val="accent1">
+        <a:alpha val="90000"/>
+        <a:tint val="40000"/>
+      </a:schemeClr>
+    </dgm:fillClrLst>
+    <dgm:linClrLst meth="repeat">
+      <a:schemeClr val="accent1"/>
+    </dgm:linClrLst>
+    <dgm:effectClrLst/>
+    <dgm:txLinClrLst/>
+    <dgm:txFillClrLst meth="repeat">
+      <a:schemeClr val="dk1"/>
+    </dgm:txFillClrLst>
+    <dgm:txEffectClrLst/>
+  </dgm:styleLbl>
+  <dgm:styleLbl name="conFgAcc1">
+    <dgm:fillClrLst meth="repeat">
+      <a:schemeClr val="accent1">
+        <a:alpha val="90000"/>
+        <a:tint val="40000"/>
+      </a:schemeClr>
+    </dgm:fillClrLst>
+    <dgm:linClrLst meth="repeat">
+      <a:schemeClr val="accent1"/>
+    </dgm:linClrLst>
+    <dgm:effectClrLst/>
+    <dgm:txLinClrLst/>
+    <dgm:txFillClrLst meth="repeat">
+      <a:schemeClr val="dk1"/>
+    </dgm:txFillClrLst>
+    <dgm:txEffectClrLst/>
+  </dgm:styleLbl>
+  <dgm:styleLbl name="alignAcc1">
+    <dgm:fillClrLst meth="repeat">
+      <a:schemeClr val="accent1">
+        <a:alpha val="90000"/>
+        <a:tint val="40000"/>
+      </a:schemeClr>
+    </dgm:fillClrLst>
+    <dgm:linClrLst meth="repeat">
+      <a:schemeClr val="accent1"/>
+    </dgm:linClrLst>
+    <dgm:effectClrLst/>
+    <dgm:txLinClrLst/>
+    <dgm:txFillClrLst meth="repeat">
+      <a:schemeClr val="dk1"/>
+    </dgm:txFillClrLst>
+    <dgm:txEffectClrLst/>
+  </dgm:styleLbl>
+  <dgm:styleLbl name="trAlignAcc1">
+    <dgm:fillClrLst meth="repeat">
+      <a:schemeClr val="accent1">
+        <a:alpha val="40000"/>
+        <a:tint val="40000"/>
+      </a:schemeClr>
+    </dgm:fillClrLst>
+    <dgm:linClrLst meth="repeat">
+      <a:schemeClr val="accent1"/>
+    </dgm:linClrLst>
+    <dgm:effectClrLst/>
+    <dgm:txLinClrLst/>
+    <dgm:txFillClrLst meth="repeat">
+      <a:schemeClr val="dk1"/>
+    </dgm:txFillClrLst>
+    <dgm:txEffectClrLst/>
+  </dgm:styleLbl>
+  <dgm:styleLbl name="bgAcc1">
+    <dgm:fillClrLst meth="repeat">
+      <a:schemeClr val="accent1">
+        <a:alpha val="90000"/>
+        <a:tint val="40000"/>
+      </a:schemeClr>
+    </dgm:fillClrLst>
+    <dgm:linClrLst meth="repeat">
+      <a:schemeClr val="accent1"/>
+    </dgm:linClrLst>
+    <dgm:effectClrLst/>
+    <dgm:txLinClrLst/>
+    <dgm:txFillClrLst meth="repeat">
+      <a:schemeClr val="dk1"/>
+    </dgm:txFillClrLst>
+    <dgm:txEffectClrLst/>
+  </dgm:styleLbl>
+  <dgm:styleLbl name="solidFgAcc1">
+    <dgm:fillClrLst meth="repeat">
+      <a:schemeClr val="lt1"/>
+    </dgm:fillClrLst>
+    <dgm:linClrLst meth="repeat">
+      <a:schemeClr val="accent1"/>
+    </dgm:linClrLst>
+    <dgm:effectClrLst/>
+    <dgm:txLinClrLst/>
+    <dgm:txFillClrLst meth="repeat">
+      <a:schemeClr val="dk1"/>
+    </dgm:txFillClrLst>
+    <dgm:txEffectClrLst/>
+  </dgm:styleLbl>
+  <dgm:styleLbl name="solidAlignAcc1">
+    <dgm:fillClrLst meth="repeat">
+      <a:schemeClr val="lt1"/>
+    </dgm:fillClrLst>
+    <dgm:linClrLst meth="repeat">
+      <a:schemeClr val="accent1"/>
+    </dgm:linClrLst>
+    <dgm:effectClrLst/>
+    <dgm:txLinClrLst/>
+    <dgm:txFillClrLst meth="repeat">
+      <a:schemeClr val="dk1"/>
+    </dgm:txFillClrLst>
+    <dgm:txEffectClrLst/>
+  </dgm:styleLbl>
+  <dgm:styleLbl name="solidBgAcc1">
+    <dgm:fillClrLst meth="repeat">
+      <a:schemeClr val="lt1"/>
+    </dgm:fillClrLst>
+    <dgm:linClrLst meth="repeat">
+      <a:schemeClr val="accent1"/>
+    </dgm:linClrLst>
+    <dgm:effectClrLst/>
+    <dgm:txLinClrLst/>
+    <dgm:txFillClrLst meth="repeat">
+      <a:schemeClr val="dk1"/>
+    </dgm:txFillClrLst>
+    <dgm:txEffectClrLst/>
+  </dgm:styleLbl>
+  <dgm:styleLbl name="fgAccFollowNode1">
+    <dgm:fillClrLst meth="repeat">
+      <a:schemeClr val="lt1">
+        <a:alpha val="90000"/>
+        <a:tint val="40000"/>
+      </a:schemeClr>
+    </dgm:fillClrLst>
+    <dgm:linClrLst meth="repeat">
+      <a:schemeClr val="accent1">
+        <a:alpha val="90000"/>
+      </a:schemeClr>
+    </dgm:linClrLst>
+    <dgm:effectClrLst/>
+    <dgm:txLinClrLst/>
+    <dgm:txFillClrLst meth="repeat">
+      <a:schemeClr val="dk1"/>
+    </dgm:txFillClrLst>
+    <dgm:txEffectClrLst/>
+  </dgm:styleLbl>
+  <dgm:styleLbl name="alignAccFollowNode1">
+    <dgm:fillClrLst meth="repeat">
+      <a:schemeClr val="lt1">
+        <a:alpha val="90000"/>
+        <a:tint val="40000"/>
+      </a:schemeClr>
+    </dgm:fillClrLst>
+    <dgm:linClrLst meth="repeat">
+      <a:schemeClr val="accent1">
+        <a:alpha val="90000"/>
+      </a:schemeClr>
+    </dgm:linClrLst>
+    <dgm:effectClrLst/>
+    <dgm:txLinClrLst/>
+    <dgm:txFillClrLst meth="repeat">
+      <a:schemeClr val="dk1"/>
+    </dgm:txFillClrLst>
+    <dgm:txEffectClrLst/>
+  </dgm:styleLbl>
+  <dgm:styleLbl name="bgAccFollowNode1">
+    <dgm:fillClrLst meth="repeat">
+      <a:schemeClr val="lt1">
+        <a:alpha val="90000"/>
+        <a:tint val="40000"/>
+      </a:schemeClr>
+    </dgm:fillClrLst>
+    <dgm:linClrLst meth="repeat">
+      <a:schemeClr val="accent1">
+        <a:alpha val="90000"/>
+      </a:schemeClr>
+    </dgm:linClrLst>
+    <dgm:effectClrLst/>
+    <dgm:txLinClrLst/>
+    <dgm:txFillClrLst meth="repeat">
+      <a:schemeClr val="dk1"/>
+    </dgm:txFillClrLst>
+    <dgm:txEffectClrLst/>
+  </dgm:styleLbl>
+  <dgm:styleLbl name="fgAcc0">
+    <dgm:fillClrLst meth="repeat">
+      <a:schemeClr val="accent1">
+        <a:alpha val="90000"/>
+        <a:tint val="40000"/>
+      </a:schemeClr>
+    </dgm:fillClrLst>
+    <dgm:linClrLst meth="repeat">
+      <a:schemeClr val="accent1"/>
+    </dgm:linClrLst>
+    <dgm:effectClrLst/>
+    <dgm:txLinClrLst/>
+    <dgm:txFillClrLst meth="repeat">
+      <a:schemeClr val="dk1"/>
+    </dgm:txFillClrLst>
+    <dgm:txEffectClrLst/>
+  </dgm:styleLbl>
+  <dgm:styleLbl name="fgAcc2">
+    <dgm:fillClrLst meth="repeat">
+      <a:schemeClr val="accent1">
+        <a:alpha val="90000"/>
+        <a:tint val="40000"/>
+      </a:schemeClr>
+    </dgm:fillClrLst>
+    <dgm:linClrLst meth="repeat">
+      <a:schemeClr val="accent1"/>
+    </dgm:linClrLst>
+    <dgm:effectClrLst/>
+    <dgm:txLinClrLst/>
+    <dgm:txFillClrLst meth="repeat">
+      <a:schemeClr val="dk1"/>
+    </dgm:txFillClrLst>
+    <dgm:txEffectClrLst/>
+  </dgm:styleLbl>
+  <dgm:styleLbl name="fgAcc3">
+    <dgm:fillClrLst meth="repeat">
+      <a:schemeClr val="accent1">
+        <a:alpha val="90000"/>
+        <a:tint val="40000"/>
+      </a:schemeClr>
+    </dgm:fillClrLst>
+    <dgm:linClrLst meth="repeat">
+      <a:schemeClr val="accent1"/>
+    </dgm:linClrLst>
+    <dgm:effectClrLst/>
+    <dgm:txLinClrLst/>
+    <dgm:txFillClrLst meth="repeat">
+      <a:schemeClr val="dk1"/>
+    </dgm:txFillClrLst>
+    <dgm:txEffectClrLst/>
+  </dgm:styleLbl>
+  <dgm:styleLbl name="fgAcc4">
+    <dgm:fillClrLst meth="repeat">
+      <a:schemeClr val="accent1">
+        <a:alpha val="90000"/>
+        <a:tint val="40000"/>
+      </a:schemeClr>
+    </dgm:fillClrLst>
+    <dgm:linClrLst meth="repeat">
+      <a:schemeClr val="accent1"/>
+    </dgm:linClrLst>
+    <dgm:effectClrLst/>
+    <dgm:txLinClrLst/>
+    <dgm:txFillClrLst meth="repeat">
+      <a:schemeClr val="dk1"/>
+    </dgm:txFillClrLst>
+    <dgm:txEffectClrLst/>
+  </dgm:styleLbl>
+  <dgm:styleLbl name="bgShp">
+    <dgm:fillClrLst meth="repeat">
+      <a:schemeClr val="accent1">
+        <a:tint val="40000"/>
+      </a:schemeClr>
+    </dgm:fillClrLst>
+    <dgm:linClrLst meth="repeat">
+      <a:schemeClr val="accent1"/>
+    </dgm:linClrLst>
+    <dgm:effectClrLst/>
+    <dgm:txLinClrLst/>
+    <dgm:txFillClrLst meth="repeat">
+      <a:schemeClr val="dk1"/>
+    </dgm:txFillClrLst>
+    <dgm:txEffectClrLst/>
+  </dgm:styleLbl>
+  <dgm:styleLbl name="dkBgShp">
+    <dgm:fillClrLst meth="repeat">
+      <a:schemeClr val="accent1">
+        <a:shade val="80000"/>
+      </a:schemeClr>
+    </dgm:fillClrLst>
+    <dgm:linClrLst meth="repeat">
+      <a:schemeClr val="accent1"/>
+    </dgm:linClrLst>
+    <dgm:effectClrLst/>
+    <dgm:txLinClrLst/>
+    <dgm:txFillClrLst meth="repeat">
+      <a:schemeClr val="lt1"/>
+    </dgm:txFillClrLst>
+    <dgm:txEffectClrLst/>
+  </dgm:styleLbl>
+  <dgm:styleLbl name="trBgShp">
+    <dgm:fillClrLst meth="repeat">
+      <a:schemeClr val="accent1">
+        <a:tint val="50000"/>
+        <a:alpha val="40000"/>
+      </a:schemeClr>
+    </dgm:fillClrLst>
+    <dgm:linClrLst meth="repeat">
+      <a:schemeClr val="accent1"/>
+    </dgm:linClrLst>
+    <dgm:effectClrLst/>
+    <dgm:txLinClrLst/>
+    <dgm:txFillClrLst meth="repeat">
+      <a:schemeClr val="lt1"/>
+    </dgm:txFillClrLst>
+    <dgm:txEffectClrLst/>
+  </dgm:styleLbl>
+  <dgm:styleLbl name="fgShp">
+    <dgm:fillClrLst meth="repeat">
+      <a:schemeClr val="accent1">
+        <a:tint val="60000"/>
+      </a:schemeClr>
+    </dgm:fillClrLst>
+    <dgm:linClrLst meth="repeat">
+      <a:schemeClr val="lt1"/>
+    </dgm:linClrLst>
+    <dgm:effectClrLst/>
+    <dgm:txLinClrLst/>
+    <dgm:txFillClrLst meth="repeat">
+      <a:schemeClr val="dk1"/>
+    </dgm:txFillClrLst>
+    <dgm:txEffectClrLst/>
+  </dgm:styleLbl>
+  <dgm:styleLbl name="revTx">
+    <dgm:fillClrLst meth="repeat">
+      <a:schemeClr val="lt1">
+        <a:alpha val="0"/>
+      </a:schemeClr>
+    </dgm:fillClrLst>
+    <dgm:linClrLst meth="repeat">
+      <a:schemeClr val="dk1">
+        <a:alpha val="0"/>
+      </a:schemeClr>
+    </dgm:linClrLst>
+    <dgm:effectClrLst/>
+    <dgm:txLinClrLst/>
+    <dgm:txFillClrLst meth="repeat">
+      <a:schemeClr val="tx1"/>
+    </dgm:txFillClrLst>
+    <dgm:txEffectClrLst/>
+  </dgm:styleLbl>
+</dgm:colorsDef>
+</file>
+
+<file path=ppt/diagrams/colors2.xml><?xml version="1.0" encoding="utf-8"?>
 <dgm:colorsDef xmlns:dgm="http://schemas.openxmlformats.org/drawingml/2006/diagram" xmlns:a="http://schemas.openxmlformats.org/drawingml/2006/main" uniqueId="urn:microsoft.com/office/officeart/2005/8/colors/accent1_1">
   <dgm:title val=""/>
   <dgm:desc val=""/>
@@ -1542,6 +2350,564 @@
   <dgm:extLst>
     <a:ext uri="http://schemas.microsoft.com/office/drawing/2008/diagram">
       <dsp:dataModelExt xmlns:dsp="http://schemas.microsoft.com/office/drawing/2008/diagram" relId="rId6" minVer="http://schemas.openxmlformats.org/drawingml/2006/diagram"/>
+    </a:ext>
+    <a:ext uri="{C62137D5-CB1D-491B-B009-E17868A290BF}">
+      <dgm14:recolorImg xmlns:dgm14="http://schemas.microsoft.com/office/drawing/2010/diagram" val="1"/>
+    </a:ext>
+  </dgm:extLst>
+</dgm:dataModel>
+</file>
+
+<file path=ppt/diagrams/data2.xml><?xml version="1.0" encoding="utf-8"?>
+<dgm:dataModel xmlns:dgm="http://schemas.openxmlformats.org/drawingml/2006/diagram" xmlns:a="http://schemas.openxmlformats.org/drawingml/2006/main">
+  <dgm:ptLst>
+    <dgm:pt modelId="{4061C470-3C45-4CD6-9CAA-E73D6C480AF0}" type="doc">
+      <dgm:prSet loTypeId="urn:microsoft.com/office/officeart/2005/8/layout/chevron1" loCatId="process" qsTypeId="urn:microsoft.com/office/officeart/2005/8/quickstyle/simple1" qsCatId="simple" csTypeId="urn:microsoft.com/office/officeart/2005/8/colors/accent1_1" csCatId="accent1" phldr="1"/>
+      <dgm:spPr/>
+    </dgm:pt>
+    <dgm:pt modelId="{0F786C4E-9C73-4E6B-A7B1-14D5EE0596E4}">
+      <dgm:prSet phldrT="[文本]"/>
+      <dgm:spPr/>
+      <dgm:t>
+        <a:bodyPr/>
+        <a:lstStyle/>
+        <a:p>
+          <a:r>
+            <a:rPr lang="zh-CN" altLang="en-US">
+              <a:latin typeface="黑体" panose="02010609060101010101" pitchFamily="49" charset="-122"/>
+              <a:ea typeface="黑体" panose="02010609060101010101" pitchFamily="49" charset="-122"/>
+            </a:rPr>
+            <a:t>原始数据</a:t>
+          </a:r>
+          <a:endParaRPr lang="zh-CN" altLang="en-US" dirty="0">
+            <a:latin typeface="黑体" panose="02010609060101010101" pitchFamily="49" charset="-122"/>
+            <a:ea typeface="黑体" panose="02010609060101010101" pitchFamily="49" charset="-122"/>
+          </a:endParaRPr>
+        </a:p>
+      </dgm:t>
+    </dgm:pt>
+    <dgm:pt modelId="{A2083E0D-69FA-4D1E-B277-99ADD496379D}" type="parTrans" cxnId="{C61FA180-19C2-4C52-9F13-F68854B911CD}">
+      <dgm:prSet/>
+      <dgm:spPr/>
+      <dgm:t>
+        <a:bodyPr/>
+        <a:lstStyle/>
+        <a:p>
+          <a:endParaRPr lang="zh-CN" altLang="en-US">
+            <a:solidFill>
+              <a:schemeClr val="bg2"/>
+            </a:solidFill>
+            <a:latin typeface="黑体" panose="02010609060101010101" pitchFamily="49" charset="-122"/>
+            <a:ea typeface="黑体" panose="02010609060101010101" pitchFamily="49" charset="-122"/>
+          </a:endParaRPr>
+        </a:p>
+      </dgm:t>
+    </dgm:pt>
+    <dgm:pt modelId="{0A0DB61A-76E9-42B6-9ED1-FCEDF0E4D054}" type="sibTrans" cxnId="{C61FA180-19C2-4C52-9F13-F68854B911CD}">
+      <dgm:prSet/>
+      <dgm:spPr/>
+      <dgm:t>
+        <a:bodyPr/>
+        <a:lstStyle/>
+        <a:p>
+          <a:endParaRPr lang="zh-CN" altLang="en-US">
+            <a:solidFill>
+              <a:schemeClr val="bg2"/>
+            </a:solidFill>
+            <a:latin typeface="黑体" panose="02010609060101010101" pitchFamily="49" charset="-122"/>
+            <a:ea typeface="黑体" panose="02010609060101010101" pitchFamily="49" charset="-122"/>
+          </a:endParaRPr>
+        </a:p>
+      </dgm:t>
+    </dgm:pt>
+    <dgm:pt modelId="{FFC842B5-A00A-4ED2-BDBD-3143B11E9661}">
+      <dgm:prSet phldrT="[文本]" custT="1"/>
+      <dgm:spPr/>
+      <dgm:t>
+        <a:bodyPr/>
+        <a:lstStyle/>
+        <a:p>
+          <a:r>
+            <a:rPr lang="zh-CN" altLang="en-US" sz="700" dirty="0">
+              <a:latin typeface="黑体" panose="02010609060101010101" pitchFamily="49" charset="-122"/>
+              <a:ea typeface="黑体" panose="02010609060101010101" pitchFamily="49" charset="-122"/>
+            </a:rPr>
+            <a:t>轮廓系数</a:t>
+          </a:r>
+          <a:r>
+            <a:rPr lang="en-US" altLang="en-US" sz="700" dirty="0">
+              <a:latin typeface="黑体" panose="02010609060101010101" pitchFamily="49" charset="-122"/>
+              <a:ea typeface="黑体" panose="02010609060101010101" pitchFamily="49" charset="-122"/>
+            </a:rPr>
+            <a:t>/</a:t>
+          </a:r>
+          <a:r>
+            <a:rPr lang="zh-CN" altLang="en-US" sz="700" dirty="0">
+              <a:latin typeface="黑体" panose="02010609060101010101" pitchFamily="49" charset="-122"/>
+              <a:ea typeface="黑体" panose="02010609060101010101" pitchFamily="49" charset="-122"/>
+            </a:rPr>
+            <a:t>肘部法 +确认聚类</a:t>
+          </a:r>
+          <a:r>
+            <a:rPr lang="en-US" altLang="en-US" sz="700" dirty="0">
+              <a:latin typeface="黑体" panose="02010609060101010101" pitchFamily="49" charset="-122"/>
+              <a:ea typeface="黑体" panose="02010609060101010101" pitchFamily="49" charset="-122"/>
+            </a:rPr>
+            <a:t>K</a:t>
+          </a:r>
+          <a:endParaRPr lang="zh-CN" altLang="en-US" sz="700" dirty="0">
+            <a:latin typeface="黑体" panose="02010609060101010101" pitchFamily="49" charset="-122"/>
+            <a:ea typeface="黑体" panose="02010609060101010101" pitchFamily="49" charset="-122"/>
+          </a:endParaRPr>
+        </a:p>
+      </dgm:t>
+    </dgm:pt>
+    <dgm:pt modelId="{CAC100C4-8EF6-48FC-A2D1-77C252BC8885}" type="parTrans" cxnId="{940C1000-4A34-40B3-B144-06F0C49DA0BB}">
+      <dgm:prSet/>
+      <dgm:spPr/>
+      <dgm:t>
+        <a:bodyPr/>
+        <a:lstStyle/>
+        <a:p>
+          <a:endParaRPr lang="zh-CN" altLang="en-US">
+            <a:solidFill>
+              <a:schemeClr val="bg2"/>
+            </a:solidFill>
+            <a:latin typeface="黑体" panose="02010609060101010101" pitchFamily="49" charset="-122"/>
+            <a:ea typeface="黑体" panose="02010609060101010101" pitchFamily="49" charset="-122"/>
+          </a:endParaRPr>
+        </a:p>
+      </dgm:t>
+    </dgm:pt>
+    <dgm:pt modelId="{C3DFF8A2-D09B-4594-8995-0309A22BDB2F}" type="sibTrans" cxnId="{940C1000-4A34-40B3-B144-06F0C49DA0BB}">
+      <dgm:prSet/>
+      <dgm:spPr/>
+      <dgm:t>
+        <a:bodyPr/>
+        <a:lstStyle/>
+        <a:p>
+          <a:endParaRPr lang="zh-CN" altLang="en-US">
+            <a:solidFill>
+              <a:schemeClr val="bg2"/>
+            </a:solidFill>
+            <a:latin typeface="黑体" panose="02010609060101010101" pitchFamily="49" charset="-122"/>
+            <a:ea typeface="黑体" panose="02010609060101010101" pitchFamily="49" charset="-122"/>
+          </a:endParaRPr>
+        </a:p>
+      </dgm:t>
+    </dgm:pt>
+    <dgm:pt modelId="{C4005183-F5C1-4EA9-A3DB-0A5C9B0AA212}">
+      <dgm:prSet phldrT="[文本]"/>
+      <dgm:spPr/>
+      <dgm:t>
+        <a:bodyPr/>
+        <a:lstStyle/>
+        <a:p>
+          <a:r>
+            <a:rPr lang="en-US" altLang="en-US" dirty="0">
+              <a:latin typeface="黑体" panose="02010609060101010101" pitchFamily="49" charset="-122"/>
+              <a:ea typeface="黑体" panose="02010609060101010101" pitchFamily="49" charset="-122"/>
+            </a:rPr>
+            <a:t>K-means</a:t>
+          </a:r>
+          <a:r>
+            <a:rPr lang="zh-CN" altLang="en-US" dirty="0">
+              <a:latin typeface="黑体" panose="02010609060101010101" pitchFamily="49" charset="-122"/>
+              <a:ea typeface="黑体" panose="02010609060101010101" pitchFamily="49" charset="-122"/>
+            </a:rPr>
+            <a:t>无监督聚类</a:t>
+          </a:r>
+        </a:p>
+      </dgm:t>
+    </dgm:pt>
+    <dgm:pt modelId="{4773C284-7DC4-42E5-8AE9-1513D7F26C64}" type="parTrans" cxnId="{2E169789-3E82-415A-8CA4-F9F345AABFEF}">
+      <dgm:prSet/>
+      <dgm:spPr/>
+      <dgm:t>
+        <a:bodyPr/>
+        <a:lstStyle/>
+        <a:p>
+          <a:endParaRPr lang="zh-CN" altLang="en-US">
+            <a:solidFill>
+              <a:schemeClr val="bg2"/>
+            </a:solidFill>
+            <a:latin typeface="黑体" panose="02010609060101010101" pitchFamily="49" charset="-122"/>
+            <a:ea typeface="黑体" panose="02010609060101010101" pitchFamily="49" charset="-122"/>
+          </a:endParaRPr>
+        </a:p>
+      </dgm:t>
+    </dgm:pt>
+    <dgm:pt modelId="{EC216390-59BE-4567-9F24-F1DCB655F38E}" type="sibTrans" cxnId="{2E169789-3E82-415A-8CA4-F9F345AABFEF}">
+      <dgm:prSet/>
+      <dgm:spPr/>
+      <dgm:t>
+        <a:bodyPr/>
+        <a:lstStyle/>
+        <a:p>
+          <a:endParaRPr lang="zh-CN" altLang="en-US">
+            <a:solidFill>
+              <a:schemeClr val="bg2"/>
+            </a:solidFill>
+            <a:latin typeface="黑体" panose="02010609060101010101" pitchFamily="49" charset="-122"/>
+            <a:ea typeface="黑体" panose="02010609060101010101" pitchFamily="49" charset="-122"/>
+          </a:endParaRPr>
+        </a:p>
+      </dgm:t>
+    </dgm:pt>
+    <dgm:pt modelId="{73CAD0D1-7482-4F90-9405-F65022A14F74}">
+      <dgm:prSet phldrT="[文本]"/>
+      <dgm:spPr/>
+      <dgm:t>
+        <a:bodyPr/>
+        <a:lstStyle/>
+        <a:p>
+          <a:r>
+            <a:rPr lang="zh-CN" altLang="en-US" dirty="0">
+              <a:latin typeface="黑体" panose="02010609060101010101" pitchFamily="49" charset="-122"/>
+              <a:ea typeface="黑体" panose="02010609060101010101" pitchFamily="49" charset="-122"/>
+            </a:rPr>
+            <a:t>根据聚类结果划分类别标签</a:t>
+          </a:r>
+        </a:p>
+      </dgm:t>
+    </dgm:pt>
+    <dgm:pt modelId="{EA3285F8-3E7D-4FD3-A4D6-74EB62341F84}" type="parTrans" cxnId="{A0528C4B-E957-4D91-9E0C-61D057C87993}">
+      <dgm:prSet/>
+      <dgm:spPr/>
+      <dgm:t>
+        <a:bodyPr/>
+        <a:lstStyle/>
+        <a:p>
+          <a:endParaRPr lang="zh-CN" altLang="en-US">
+            <a:solidFill>
+              <a:schemeClr val="bg2"/>
+            </a:solidFill>
+            <a:latin typeface="黑体" panose="02010609060101010101" pitchFamily="49" charset="-122"/>
+            <a:ea typeface="黑体" panose="02010609060101010101" pitchFamily="49" charset="-122"/>
+          </a:endParaRPr>
+        </a:p>
+      </dgm:t>
+    </dgm:pt>
+    <dgm:pt modelId="{0A9D4271-3B4C-4648-AF1A-D9A495C6939A}" type="sibTrans" cxnId="{A0528C4B-E957-4D91-9E0C-61D057C87993}">
+      <dgm:prSet/>
+      <dgm:spPr/>
+      <dgm:t>
+        <a:bodyPr/>
+        <a:lstStyle/>
+        <a:p>
+          <a:endParaRPr lang="zh-CN" altLang="en-US">
+            <a:solidFill>
+              <a:schemeClr val="bg2"/>
+            </a:solidFill>
+            <a:latin typeface="黑体" panose="02010609060101010101" pitchFamily="49" charset="-122"/>
+            <a:ea typeface="黑体" panose="02010609060101010101" pitchFamily="49" charset="-122"/>
+          </a:endParaRPr>
+        </a:p>
+      </dgm:t>
+    </dgm:pt>
+    <dgm:pt modelId="{C5C6843E-C299-4C14-B09C-F9781E5666F6}">
+      <dgm:prSet phldrT="[文本]"/>
+      <dgm:spPr/>
+      <dgm:t>
+        <a:bodyPr/>
+        <a:lstStyle/>
+        <a:p>
+          <a:r>
+            <a:rPr lang="zh-CN" altLang="en-US" dirty="0">
+              <a:latin typeface="黑体" panose="02010609060101010101" pitchFamily="49" charset="-122"/>
+              <a:ea typeface="黑体" panose="02010609060101010101" pitchFamily="49" charset="-122"/>
+            </a:rPr>
+            <a:t>过采样</a:t>
+          </a:r>
+        </a:p>
+      </dgm:t>
+    </dgm:pt>
+    <dgm:pt modelId="{FC264C17-7FF0-4269-83F5-251DFBB110F2}" type="parTrans" cxnId="{26CCF5ED-DCCC-4B21-8A27-18A9D657E1D4}">
+      <dgm:prSet/>
+      <dgm:spPr/>
+      <dgm:t>
+        <a:bodyPr/>
+        <a:lstStyle/>
+        <a:p>
+          <a:endParaRPr lang="zh-CN" altLang="en-US">
+            <a:solidFill>
+              <a:schemeClr val="bg2"/>
+            </a:solidFill>
+            <a:latin typeface="黑体" panose="02010609060101010101" pitchFamily="49" charset="-122"/>
+            <a:ea typeface="黑体" panose="02010609060101010101" pitchFamily="49" charset="-122"/>
+          </a:endParaRPr>
+        </a:p>
+      </dgm:t>
+    </dgm:pt>
+    <dgm:pt modelId="{E1BDA843-5186-4BD9-AF12-110B2A4920D7}" type="sibTrans" cxnId="{26CCF5ED-DCCC-4B21-8A27-18A9D657E1D4}">
+      <dgm:prSet/>
+      <dgm:spPr/>
+      <dgm:t>
+        <a:bodyPr/>
+        <a:lstStyle/>
+        <a:p>
+          <a:endParaRPr lang="zh-CN" altLang="en-US">
+            <a:solidFill>
+              <a:schemeClr val="bg2"/>
+            </a:solidFill>
+            <a:latin typeface="黑体" panose="02010609060101010101" pitchFamily="49" charset="-122"/>
+            <a:ea typeface="黑体" panose="02010609060101010101" pitchFamily="49" charset="-122"/>
+          </a:endParaRPr>
+        </a:p>
+      </dgm:t>
+    </dgm:pt>
+    <dgm:pt modelId="{A466D8B3-F6DD-46A2-843A-F6E61350D85B}">
+      <dgm:prSet phldrT="[文本]"/>
+      <dgm:spPr/>
+      <dgm:t>
+        <a:bodyPr/>
+        <a:lstStyle/>
+        <a:p>
+          <a:r>
+            <a:rPr lang="en-US" altLang="en-US" dirty="0">
+              <a:latin typeface="黑体" panose="02010609060101010101" pitchFamily="49" charset="-122"/>
+              <a:ea typeface="黑体" panose="02010609060101010101" pitchFamily="49" charset="-122"/>
+            </a:rPr>
+            <a:t>BP</a:t>
+          </a:r>
+          <a:r>
+            <a:rPr lang="zh-CN" altLang="en-US" dirty="0">
+              <a:latin typeface="黑体" panose="02010609060101010101" pitchFamily="49" charset="-122"/>
+              <a:ea typeface="黑体" panose="02010609060101010101" pitchFamily="49" charset="-122"/>
+            </a:rPr>
+            <a:t>神经网络训练</a:t>
+          </a:r>
+        </a:p>
+      </dgm:t>
+    </dgm:pt>
+    <dgm:pt modelId="{7FB4481B-F59D-42A8-BBF9-20A456B999A8}" type="parTrans" cxnId="{E1380A3E-E90D-482B-A15C-8F543DCC0155}">
+      <dgm:prSet/>
+      <dgm:spPr/>
+      <dgm:t>
+        <a:bodyPr/>
+        <a:lstStyle/>
+        <a:p>
+          <a:endParaRPr lang="zh-CN" altLang="en-US">
+            <a:solidFill>
+              <a:schemeClr val="bg2"/>
+            </a:solidFill>
+            <a:latin typeface="黑体" panose="02010609060101010101" pitchFamily="49" charset="-122"/>
+            <a:ea typeface="黑体" panose="02010609060101010101" pitchFamily="49" charset="-122"/>
+          </a:endParaRPr>
+        </a:p>
+      </dgm:t>
+    </dgm:pt>
+    <dgm:pt modelId="{062BE21F-B2C6-4969-BF93-C9C16732F812}" type="sibTrans" cxnId="{E1380A3E-E90D-482B-A15C-8F543DCC0155}">
+      <dgm:prSet/>
+      <dgm:spPr/>
+      <dgm:t>
+        <a:bodyPr/>
+        <a:lstStyle/>
+        <a:p>
+          <a:endParaRPr lang="zh-CN" altLang="en-US">
+            <a:solidFill>
+              <a:schemeClr val="bg2"/>
+            </a:solidFill>
+            <a:latin typeface="黑体" panose="02010609060101010101" pitchFamily="49" charset="-122"/>
+            <a:ea typeface="黑体" panose="02010609060101010101" pitchFamily="49" charset="-122"/>
+          </a:endParaRPr>
+        </a:p>
+      </dgm:t>
+    </dgm:pt>
+    <dgm:pt modelId="{A31BBE64-5070-46A3-9CC5-C00E55604EE0}">
+      <dgm:prSet phldrT="[文本]"/>
+      <dgm:spPr/>
+      <dgm:t>
+        <a:bodyPr/>
+        <a:lstStyle/>
+        <a:p>
+          <a:r>
+            <a:rPr lang="zh-CN" altLang="en-US" dirty="0">
+              <a:latin typeface="黑体" panose="02010609060101010101" pitchFamily="49" charset="-122"/>
+              <a:ea typeface="黑体" panose="02010609060101010101" pitchFamily="49" charset="-122"/>
+            </a:rPr>
+            <a:t>五折交叉验证</a:t>
+          </a:r>
+        </a:p>
+      </dgm:t>
+    </dgm:pt>
+    <dgm:pt modelId="{E403B5D0-DD67-4ABA-A350-1EF766717F73}" type="parTrans" cxnId="{DB0DAF48-8BD6-44E0-AAD4-552C8CB4BC64}">
+      <dgm:prSet/>
+      <dgm:spPr/>
+      <dgm:t>
+        <a:bodyPr/>
+        <a:lstStyle/>
+        <a:p>
+          <a:endParaRPr lang="zh-CN" altLang="en-US">
+            <a:solidFill>
+              <a:schemeClr val="bg2"/>
+            </a:solidFill>
+            <a:latin typeface="黑体" panose="02010609060101010101" pitchFamily="49" charset="-122"/>
+            <a:ea typeface="黑体" panose="02010609060101010101" pitchFamily="49" charset="-122"/>
+          </a:endParaRPr>
+        </a:p>
+      </dgm:t>
+    </dgm:pt>
+    <dgm:pt modelId="{AE0F0BF9-CCB1-488E-B5F0-B53D4C22FC39}" type="sibTrans" cxnId="{DB0DAF48-8BD6-44E0-AAD4-552C8CB4BC64}">
+      <dgm:prSet/>
+      <dgm:spPr/>
+      <dgm:t>
+        <a:bodyPr/>
+        <a:lstStyle/>
+        <a:p>
+          <a:endParaRPr lang="zh-CN" altLang="en-US">
+            <a:solidFill>
+              <a:schemeClr val="bg2"/>
+            </a:solidFill>
+            <a:latin typeface="黑体" panose="02010609060101010101" pitchFamily="49" charset="-122"/>
+            <a:ea typeface="黑体" panose="02010609060101010101" pitchFamily="49" charset="-122"/>
+          </a:endParaRPr>
+        </a:p>
+      </dgm:t>
+    </dgm:pt>
+    <dgm:pt modelId="{58D7F649-D537-421F-9AC7-641F1DEDDE8E}" type="pres">
+      <dgm:prSet presAssocID="{4061C470-3C45-4CD6-9CAA-E73D6C480AF0}" presName="Name0" presStyleCnt="0">
+        <dgm:presLayoutVars>
+          <dgm:dir/>
+          <dgm:animLvl val="lvl"/>
+          <dgm:resizeHandles val="exact"/>
+        </dgm:presLayoutVars>
+      </dgm:prSet>
+      <dgm:spPr/>
+    </dgm:pt>
+    <dgm:pt modelId="{EF9049BE-6790-4745-BD90-9A1D5D081ED2}" type="pres">
+      <dgm:prSet presAssocID="{0F786C4E-9C73-4E6B-A7B1-14D5EE0596E4}" presName="parTxOnly" presStyleLbl="node1" presStyleIdx="0" presStyleCnt="7">
+        <dgm:presLayoutVars>
+          <dgm:chMax val="0"/>
+          <dgm:chPref val="0"/>
+          <dgm:bulletEnabled val="1"/>
+        </dgm:presLayoutVars>
+      </dgm:prSet>
+      <dgm:spPr/>
+    </dgm:pt>
+    <dgm:pt modelId="{0BCCAC1D-ADAA-4923-B248-0665777515A7}" type="pres">
+      <dgm:prSet presAssocID="{0A0DB61A-76E9-42B6-9ED1-FCEDF0E4D054}" presName="parTxOnlySpace" presStyleCnt="0"/>
+      <dgm:spPr/>
+    </dgm:pt>
+    <dgm:pt modelId="{84D15B4F-302D-49B2-86F7-8FB57137B361}" type="pres">
+      <dgm:prSet presAssocID="{FFC842B5-A00A-4ED2-BDBD-3143B11E9661}" presName="parTxOnly" presStyleLbl="node1" presStyleIdx="1" presStyleCnt="7">
+        <dgm:presLayoutVars>
+          <dgm:chMax val="0"/>
+          <dgm:chPref val="0"/>
+          <dgm:bulletEnabled val="1"/>
+        </dgm:presLayoutVars>
+      </dgm:prSet>
+      <dgm:spPr/>
+    </dgm:pt>
+    <dgm:pt modelId="{6033D5AB-4FD2-4617-B3A6-CD049DA0D769}" type="pres">
+      <dgm:prSet presAssocID="{C3DFF8A2-D09B-4594-8995-0309A22BDB2F}" presName="parTxOnlySpace" presStyleCnt="0"/>
+      <dgm:spPr/>
+    </dgm:pt>
+    <dgm:pt modelId="{9043A44C-08F2-40F9-8FA0-61A15E19B2C9}" type="pres">
+      <dgm:prSet presAssocID="{C4005183-F5C1-4EA9-A3DB-0A5C9B0AA212}" presName="parTxOnly" presStyleLbl="node1" presStyleIdx="2" presStyleCnt="7">
+        <dgm:presLayoutVars>
+          <dgm:chMax val="0"/>
+          <dgm:chPref val="0"/>
+          <dgm:bulletEnabled val="1"/>
+        </dgm:presLayoutVars>
+      </dgm:prSet>
+      <dgm:spPr/>
+    </dgm:pt>
+    <dgm:pt modelId="{0AD953E9-8042-4F61-A26D-27E4E07CF830}" type="pres">
+      <dgm:prSet presAssocID="{EC216390-59BE-4567-9F24-F1DCB655F38E}" presName="parTxOnlySpace" presStyleCnt="0"/>
+      <dgm:spPr/>
+    </dgm:pt>
+    <dgm:pt modelId="{E43C58C3-567A-439E-A368-B8CDA050358F}" type="pres">
+      <dgm:prSet presAssocID="{73CAD0D1-7482-4F90-9405-F65022A14F74}" presName="parTxOnly" presStyleLbl="node1" presStyleIdx="3" presStyleCnt="7">
+        <dgm:presLayoutVars>
+          <dgm:chMax val="0"/>
+          <dgm:chPref val="0"/>
+          <dgm:bulletEnabled val="1"/>
+        </dgm:presLayoutVars>
+      </dgm:prSet>
+      <dgm:spPr/>
+    </dgm:pt>
+    <dgm:pt modelId="{93978D33-1D65-4A99-B7EA-5F743D825826}" type="pres">
+      <dgm:prSet presAssocID="{0A9D4271-3B4C-4648-AF1A-D9A495C6939A}" presName="parTxOnlySpace" presStyleCnt="0"/>
+      <dgm:spPr/>
+    </dgm:pt>
+    <dgm:pt modelId="{DF0B95C0-DA27-472A-AEC6-84A60BFBD95C}" type="pres">
+      <dgm:prSet presAssocID="{C5C6843E-C299-4C14-B09C-F9781E5666F6}" presName="parTxOnly" presStyleLbl="node1" presStyleIdx="4" presStyleCnt="7">
+        <dgm:presLayoutVars>
+          <dgm:chMax val="0"/>
+          <dgm:chPref val="0"/>
+          <dgm:bulletEnabled val="1"/>
+        </dgm:presLayoutVars>
+      </dgm:prSet>
+      <dgm:spPr/>
+    </dgm:pt>
+    <dgm:pt modelId="{556DA9EC-8AE4-4CAF-868B-08271F4A94CD}" type="pres">
+      <dgm:prSet presAssocID="{E1BDA843-5186-4BD9-AF12-110B2A4920D7}" presName="parTxOnlySpace" presStyleCnt="0"/>
+      <dgm:spPr/>
+    </dgm:pt>
+    <dgm:pt modelId="{DFA7FB8E-09D0-4606-8D03-420AB3714D8B}" type="pres">
+      <dgm:prSet presAssocID="{A466D8B3-F6DD-46A2-843A-F6E61350D85B}" presName="parTxOnly" presStyleLbl="node1" presStyleIdx="5" presStyleCnt="7">
+        <dgm:presLayoutVars>
+          <dgm:chMax val="0"/>
+          <dgm:chPref val="0"/>
+          <dgm:bulletEnabled val="1"/>
+        </dgm:presLayoutVars>
+      </dgm:prSet>
+      <dgm:spPr/>
+    </dgm:pt>
+    <dgm:pt modelId="{AF95B4A6-47C5-4217-B0FD-A41C73555EAE}" type="pres">
+      <dgm:prSet presAssocID="{062BE21F-B2C6-4969-BF93-C9C16732F812}" presName="parTxOnlySpace" presStyleCnt="0"/>
+      <dgm:spPr/>
+    </dgm:pt>
+    <dgm:pt modelId="{34AED2C8-C45D-46A7-A812-EE959C5C8C29}" type="pres">
+      <dgm:prSet presAssocID="{A31BBE64-5070-46A3-9CC5-C00E55604EE0}" presName="parTxOnly" presStyleLbl="node1" presStyleIdx="6" presStyleCnt="7">
+        <dgm:presLayoutVars>
+          <dgm:chMax val="0"/>
+          <dgm:chPref val="0"/>
+          <dgm:bulletEnabled val="1"/>
+        </dgm:presLayoutVars>
+      </dgm:prSet>
+      <dgm:spPr/>
+    </dgm:pt>
+  </dgm:ptLst>
+  <dgm:cxnLst>
+    <dgm:cxn modelId="{940C1000-4A34-40B3-B144-06F0C49DA0BB}" srcId="{4061C470-3C45-4CD6-9CAA-E73D6C480AF0}" destId="{FFC842B5-A00A-4ED2-BDBD-3143B11E9661}" srcOrd="1" destOrd="0" parTransId="{CAC100C4-8EF6-48FC-A2D1-77C252BC8885}" sibTransId="{C3DFF8A2-D09B-4594-8995-0309A22BDB2F}"/>
+    <dgm:cxn modelId="{0AD62E07-BEB0-4813-9BEF-D238A1D4779D}" type="presOf" srcId="{C4005183-F5C1-4EA9-A3DB-0A5C9B0AA212}" destId="{9043A44C-08F2-40F9-8FA0-61A15E19B2C9}" srcOrd="0" destOrd="0" presId="urn:microsoft.com/office/officeart/2005/8/layout/chevron1"/>
+    <dgm:cxn modelId="{81B2B417-52C0-44FB-975C-CD643587E7E4}" type="presOf" srcId="{0F786C4E-9C73-4E6B-A7B1-14D5EE0596E4}" destId="{EF9049BE-6790-4745-BD90-9A1D5D081ED2}" srcOrd="0" destOrd="0" presId="urn:microsoft.com/office/officeart/2005/8/layout/chevron1"/>
+    <dgm:cxn modelId="{113A482D-20EB-4391-9DE0-DD75B5760003}" type="presOf" srcId="{A31BBE64-5070-46A3-9CC5-C00E55604EE0}" destId="{34AED2C8-C45D-46A7-A812-EE959C5C8C29}" srcOrd="0" destOrd="0" presId="urn:microsoft.com/office/officeart/2005/8/layout/chevron1"/>
+    <dgm:cxn modelId="{7D78A133-1B1E-46BD-89C4-289C81BDC0E6}" type="presOf" srcId="{4061C470-3C45-4CD6-9CAA-E73D6C480AF0}" destId="{58D7F649-D537-421F-9AC7-641F1DEDDE8E}" srcOrd="0" destOrd="0" presId="urn:microsoft.com/office/officeart/2005/8/layout/chevron1"/>
+    <dgm:cxn modelId="{E1380A3E-E90D-482B-A15C-8F543DCC0155}" srcId="{4061C470-3C45-4CD6-9CAA-E73D6C480AF0}" destId="{A466D8B3-F6DD-46A2-843A-F6E61350D85B}" srcOrd="5" destOrd="0" parTransId="{7FB4481B-F59D-42A8-BBF9-20A456B999A8}" sibTransId="{062BE21F-B2C6-4969-BF93-C9C16732F812}"/>
+    <dgm:cxn modelId="{DB0DAF48-8BD6-44E0-AAD4-552C8CB4BC64}" srcId="{4061C470-3C45-4CD6-9CAA-E73D6C480AF0}" destId="{A31BBE64-5070-46A3-9CC5-C00E55604EE0}" srcOrd="6" destOrd="0" parTransId="{E403B5D0-DD67-4ABA-A350-1EF766717F73}" sibTransId="{AE0F0BF9-CCB1-488E-B5F0-B53D4C22FC39}"/>
+    <dgm:cxn modelId="{A0528C4B-E957-4D91-9E0C-61D057C87993}" srcId="{4061C470-3C45-4CD6-9CAA-E73D6C480AF0}" destId="{73CAD0D1-7482-4F90-9405-F65022A14F74}" srcOrd="3" destOrd="0" parTransId="{EA3285F8-3E7D-4FD3-A4D6-74EB62341F84}" sibTransId="{0A9D4271-3B4C-4648-AF1A-D9A495C6939A}"/>
+    <dgm:cxn modelId="{C61FA180-19C2-4C52-9F13-F68854B911CD}" srcId="{4061C470-3C45-4CD6-9CAA-E73D6C480AF0}" destId="{0F786C4E-9C73-4E6B-A7B1-14D5EE0596E4}" srcOrd="0" destOrd="0" parTransId="{A2083E0D-69FA-4D1E-B277-99ADD496379D}" sibTransId="{0A0DB61A-76E9-42B6-9ED1-FCEDF0E4D054}"/>
+    <dgm:cxn modelId="{2E169789-3E82-415A-8CA4-F9F345AABFEF}" srcId="{4061C470-3C45-4CD6-9CAA-E73D6C480AF0}" destId="{C4005183-F5C1-4EA9-A3DB-0A5C9B0AA212}" srcOrd="2" destOrd="0" parTransId="{4773C284-7DC4-42E5-8AE9-1513D7F26C64}" sibTransId="{EC216390-59BE-4567-9F24-F1DCB655F38E}"/>
+    <dgm:cxn modelId="{8FF14A9D-21AA-450D-9645-0DFF7A12FE42}" type="presOf" srcId="{A466D8B3-F6DD-46A2-843A-F6E61350D85B}" destId="{DFA7FB8E-09D0-4606-8D03-420AB3714D8B}" srcOrd="0" destOrd="0" presId="urn:microsoft.com/office/officeart/2005/8/layout/chevron1"/>
+    <dgm:cxn modelId="{8ECFAAB0-C384-49BE-8F81-264AC6756648}" type="presOf" srcId="{73CAD0D1-7482-4F90-9405-F65022A14F74}" destId="{E43C58C3-567A-439E-A368-B8CDA050358F}" srcOrd="0" destOrd="0" presId="urn:microsoft.com/office/officeart/2005/8/layout/chevron1"/>
+    <dgm:cxn modelId="{2CC097D3-47F2-438A-9807-724F687F27FD}" type="presOf" srcId="{C5C6843E-C299-4C14-B09C-F9781E5666F6}" destId="{DF0B95C0-DA27-472A-AEC6-84A60BFBD95C}" srcOrd="0" destOrd="0" presId="urn:microsoft.com/office/officeart/2005/8/layout/chevron1"/>
+    <dgm:cxn modelId="{26CCF5ED-DCCC-4B21-8A27-18A9D657E1D4}" srcId="{4061C470-3C45-4CD6-9CAA-E73D6C480AF0}" destId="{C5C6843E-C299-4C14-B09C-F9781E5666F6}" srcOrd="4" destOrd="0" parTransId="{FC264C17-7FF0-4269-83F5-251DFBB110F2}" sibTransId="{E1BDA843-5186-4BD9-AF12-110B2A4920D7}"/>
+    <dgm:cxn modelId="{61F38DF8-8BC8-4E33-A40A-D9C5B9A5BBC3}" type="presOf" srcId="{FFC842B5-A00A-4ED2-BDBD-3143B11E9661}" destId="{84D15B4F-302D-49B2-86F7-8FB57137B361}" srcOrd="0" destOrd="0" presId="urn:microsoft.com/office/officeart/2005/8/layout/chevron1"/>
+    <dgm:cxn modelId="{50C703E8-C970-4A53-B7E6-AE61CEE6B2AA}" type="presParOf" srcId="{58D7F649-D537-421F-9AC7-641F1DEDDE8E}" destId="{EF9049BE-6790-4745-BD90-9A1D5D081ED2}" srcOrd="0" destOrd="0" presId="urn:microsoft.com/office/officeart/2005/8/layout/chevron1"/>
+    <dgm:cxn modelId="{FBFEC6C6-F477-4A41-B33B-2352DA80CC86}" type="presParOf" srcId="{58D7F649-D537-421F-9AC7-641F1DEDDE8E}" destId="{0BCCAC1D-ADAA-4923-B248-0665777515A7}" srcOrd="1" destOrd="0" presId="urn:microsoft.com/office/officeart/2005/8/layout/chevron1"/>
+    <dgm:cxn modelId="{1598E233-94CE-45BA-8E31-A321A621600F}" type="presParOf" srcId="{58D7F649-D537-421F-9AC7-641F1DEDDE8E}" destId="{84D15B4F-302D-49B2-86F7-8FB57137B361}" srcOrd="2" destOrd="0" presId="urn:microsoft.com/office/officeart/2005/8/layout/chevron1"/>
+    <dgm:cxn modelId="{4A5BACEF-5AB1-4512-A028-E0D78C02C47F}" type="presParOf" srcId="{58D7F649-D537-421F-9AC7-641F1DEDDE8E}" destId="{6033D5AB-4FD2-4617-B3A6-CD049DA0D769}" srcOrd="3" destOrd="0" presId="urn:microsoft.com/office/officeart/2005/8/layout/chevron1"/>
+    <dgm:cxn modelId="{0E6E8707-6927-4672-AF18-028A79BF31BE}" type="presParOf" srcId="{58D7F649-D537-421F-9AC7-641F1DEDDE8E}" destId="{9043A44C-08F2-40F9-8FA0-61A15E19B2C9}" srcOrd="4" destOrd="0" presId="urn:microsoft.com/office/officeart/2005/8/layout/chevron1"/>
+    <dgm:cxn modelId="{4EB66947-4DD6-4E73-A713-4305A784D5FB}" type="presParOf" srcId="{58D7F649-D537-421F-9AC7-641F1DEDDE8E}" destId="{0AD953E9-8042-4F61-A26D-27E4E07CF830}" srcOrd="5" destOrd="0" presId="urn:microsoft.com/office/officeart/2005/8/layout/chevron1"/>
+    <dgm:cxn modelId="{B3954F84-4F8F-4556-91D5-F067BF699FF9}" type="presParOf" srcId="{58D7F649-D537-421F-9AC7-641F1DEDDE8E}" destId="{E43C58C3-567A-439E-A368-B8CDA050358F}" srcOrd="6" destOrd="0" presId="urn:microsoft.com/office/officeart/2005/8/layout/chevron1"/>
+    <dgm:cxn modelId="{FA164B78-7203-4334-86DF-0857C40F6D15}" type="presParOf" srcId="{58D7F649-D537-421F-9AC7-641F1DEDDE8E}" destId="{93978D33-1D65-4A99-B7EA-5F743D825826}" srcOrd="7" destOrd="0" presId="urn:microsoft.com/office/officeart/2005/8/layout/chevron1"/>
+    <dgm:cxn modelId="{7DCE5969-9653-4B2A-B573-98D8CC0747C3}" type="presParOf" srcId="{58D7F649-D537-421F-9AC7-641F1DEDDE8E}" destId="{DF0B95C0-DA27-472A-AEC6-84A60BFBD95C}" srcOrd="8" destOrd="0" presId="urn:microsoft.com/office/officeart/2005/8/layout/chevron1"/>
+    <dgm:cxn modelId="{7707947F-88E6-44F5-AEB9-97F30BF23704}" type="presParOf" srcId="{58D7F649-D537-421F-9AC7-641F1DEDDE8E}" destId="{556DA9EC-8AE4-4CAF-868B-08271F4A94CD}" srcOrd="9" destOrd="0" presId="urn:microsoft.com/office/officeart/2005/8/layout/chevron1"/>
+    <dgm:cxn modelId="{FBBF17D4-E28C-4DF0-AC74-ACF379660A9A}" type="presParOf" srcId="{58D7F649-D537-421F-9AC7-641F1DEDDE8E}" destId="{DFA7FB8E-09D0-4606-8D03-420AB3714D8B}" srcOrd="10" destOrd="0" presId="urn:microsoft.com/office/officeart/2005/8/layout/chevron1"/>
+    <dgm:cxn modelId="{8C020095-931C-484C-A062-8EBA6D0109AC}" type="presParOf" srcId="{58D7F649-D537-421F-9AC7-641F1DEDDE8E}" destId="{AF95B4A6-47C5-4217-B0FD-A41C73555EAE}" srcOrd="11" destOrd="0" presId="urn:microsoft.com/office/officeart/2005/8/layout/chevron1"/>
+    <dgm:cxn modelId="{E6EA60DC-3628-450C-B9C0-4D90C54CF2D8}" type="presParOf" srcId="{58D7F649-D537-421F-9AC7-641F1DEDDE8E}" destId="{34AED2C8-C45D-46A7-A812-EE959C5C8C29}" srcOrd="12" destOrd="0" presId="urn:microsoft.com/office/officeart/2005/8/layout/chevron1"/>
+  </dgm:cxnLst>
+  <dgm:bg/>
+  <dgm:whole>
+    <a:ln w="28575"/>
+  </dgm:whole>
+  <dgm:extLst>
+    <a:ext uri="http://schemas.microsoft.com/office/drawing/2008/diagram">
+      <dsp:dataModelExt xmlns:dsp="http://schemas.microsoft.com/office/drawing/2008/diagram" relId="rId11" minVer="http://schemas.openxmlformats.org/drawingml/2006/diagram"/>
     </a:ext>
     <a:ext uri="{C62137D5-CB1D-491B-B009-E17868A290BF}">
       <dgm14:recolorImg xmlns:dgm14="http://schemas.microsoft.com/office/drawing/2010/diagram" val="1"/>
@@ -2246,7 +3612,920 @@
 </dsp:drawing>
 </file>
 
+<file path=ppt/diagrams/drawing2.xml><?xml version="1.0" encoding="utf-8"?>
+<dsp:drawing xmlns:dgm="http://schemas.openxmlformats.org/drawingml/2006/diagram" xmlns:dsp="http://schemas.microsoft.com/office/drawing/2008/diagram" xmlns:a="http://schemas.openxmlformats.org/drawingml/2006/main">
+  <dsp:spTree>
+    <dsp:nvGrpSpPr>
+      <dsp:cNvPr id="0" name=""/>
+      <dsp:cNvGrpSpPr/>
+    </dsp:nvGrpSpPr>
+    <dsp:grpSpPr/>
+    <dsp:sp modelId="{EF9049BE-6790-4745-BD90-9A1D5D081ED2}">
+      <dsp:nvSpPr>
+        <dsp:cNvPr id="0" name=""/>
+        <dsp:cNvSpPr/>
+      </dsp:nvSpPr>
+      <dsp:spPr>
+        <a:xfrm>
+          <a:off x="0" y="125293"/>
+          <a:ext cx="1119786" cy="447914"/>
+        </a:xfrm>
+        <a:prstGeom prst="chevron">
+          <a:avLst/>
+        </a:prstGeom>
+        <a:solidFill>
+          <a:schemeClr val="lt1">
+            <a:hueOff val="0"/>
+            <a:satOff val="0"/>
+            <a:lumOff val="0"/>
+            <a:alphaOff val="0"/>
+          </a:schemeClr>
+        </a:solidFill>
+        <a:ln w="12700" cap="flat" cmpd="sng" algn="ctr">
+          <a:solidFill>
+            <a:schemeClr val="accent1">
+              <a:shade val="80000"/>
+              <a:hueOff val="0"/>
+              <a:satOff val="0"/>
+              <a:lumOff val="0"/>
+              <a:alphaOff val="0"/>
+            </a:schemeClr>
+          </a:solidFill>
+          <a:prstDash val="solid"/>
+          <a:miter lim="800000"/>
+        </a:ln>
+        <a:effectLst/>
+      </dsp:spPr>
+      <dsp:style>
+        <a:lnRef idx="2">
+          <a:scrgbClr r="0" g="0" b="0"/>
+        </a:lnRef>
+        <a:fillRef idx="1">
+          <a:scrgbClr r="0" g="0" b="0"/>
+        </a:fillRef>
+        <a:effectRef idx="0">
+          <a:scrgbClr r="0" g="0" b="0"/>
+        </a:effectRef>
+        <a:fontRef idx="minor">
+          <a:schemeClr val="lt1"/>
+        </a:fontRef>
+      </dsp:style>
+      <dsp:txBody>
+        <a:bodyPr spcFirstLastPara="0" vert="horz" wrap="square" lIns="36005" tIns="12002" rIns="12002" bIns="12002" numCol="1" spcCol="1270" anchor="ctr" anchorCtr="0">
+          <a:noAutofit/>
+        </a:bodyPr>
+        <a:lstStyle/>
+        <a:p>
+          <a:pPr marL="0" lvl="0" indent="0" algn="ctr" defTabSz="400050">
+            <a:lnSpc>
+              <a:spcPct val="90000"/>
+            </a:lnSpc>
+            <a:spcBef>
+              <a:spcPct val="0"/>
+            </a:spcBef>
+            <a:spcAft>
+              <a:spcPct val="35000"/>
+            </a:spcAft>
+            <a:buNone/>
+          </a:pPr>
+          <a:r>
+            <a:rPr lang="zh-CN" altLang="en-US" sz="900" kern="1200">
+              <a:latin typeface="黑体" panose="02010609060101010101" pitchFamily="49" charset="-122"/>
+              <a:ea typeface="黑体" panose="02010609060101010101" pitchFamily="49" charset="-122"/>
+            </a:rPr>
+            <a:t>原始数据</a:t>
+          </a:r>
+          <a:endParaRPr lang="zh-CN" altLang="en-US" sz="900" kern="1200" dirty="0">
+            <a:latin typeface="黑体" panose="02010609060101010101" pitchFamily="49" charset="-122"/>
+            <a:ea typeface="黑体" panose="02010609060101010101" pitchFamily="49" charset="-122"/>
+          </a:endParaRPr>
+        </a:p>
+      </dsp:txBody>
+      <dsp:txXfrm>
+        <a:off x="223957" y="125293"/>
+        <a:ext cx="671872" cy="447914"/>
+      </dsp:txXfrm>
+    </dsp:sp>
+    <dsp:sp modelId="{84D15B4F-302D-49B2-86F7-8FB57137B361}">
+      <dsp:nvSpPr>
+        <dsp:cNvPr id="0" name=""/>
+        <dsp:cNvSpPr/>
+      </dsp:nvSpPr>
+      <dsp:spPr>
+        <a:xfrm>
+          <a:off x="1007808" y="125293"/>
+          <a:ext cx="1119786" cy="447914"/>
+        </a:xfrm>
+        <a:prstGeom prst="chevron">
+          <a:avLst/>
+        </a:prstGeom>
+        <a:solidFill>
+          <a:schemeClr val="lt1">
+            <a:hueOff val="0"/>
+            <a:satOff val="0"/>
+            <a:lumOff val="0"/>
+            <a:alphaOff val="0"/>
+          </a:schemeClr>
+        </a:solidFill>
+        <a:ln w="12700" cap="flat" cmpd="sng" algn="ctr">
+          <a:solidFill>
+            <a:schemeClr val="accent1">
+              <a:shade val="80000"/>
+              <a:hueOff val="0"/>
+              <a:satOff val="0"/>
+              <a:lumOff val="0"/>
+              <a:alphaOff val="0"/>
+            </a:schemeClr>
+          </a:solidFill>
+          <a:prstDash val="solid"/>
+          <a:miter lim="800000"/>
+        </a:ln>
+        <a:effectLst/>
+      </dsp:spPr>
+      <dsp:style>
+        <a:lnRef idx="2">
+          <a:scrgbClr r="0" g="0" b="0"/>
+        </a:lnRef>
+        <a:fillRef idx="1">
+          <a:scrgbClr r="0" g="0" b="0"/>
+        </a:fillRef>
+        <a:effectRef idx="0">
+          <a:scrgbClr r="0" g="0" b="0"/>
+        </a:effectRef>
+        <a:fontRef idx="minor">
+          <a:schemeClr val="lt1"/>
+        </a:fontRef>
+      </dsp:style>
+      <dsp:txBody>
+        <a:bodyPr spcFirstLastPara="0" vert="horz" wrap="square" lIns="28004" tIns="9335" rIns="9335" bIns="9335" numCol="1" spcCol="1270" anchor="ctr" anchorCtr="0">
+          <a:noAutofit/>
+        </a:bodyPr>
+        <a:lstStyle/>
+        <a:p>
+          <a:pPr marL="0" lvl="0" indent="0" algn="ctr" defTabSz="311150">
+            <a:lnSpc>
+              <a:spcPct val="90000"/>
+            </a:lnSpc>
+            <a:spcBef>
+              <a:spcPct val="0"/>
+            </a:spcBef>
+            <a:spcAft>
+              <a:spcPct val="35000"/>
+            </a:spcAft>
+            <a:buNone/>
+          </a:pPr>
+          <a:r>
+            <a:rPr lang="zh-CN" altLang="en-US" sz="700" kern="1200" dirty="0">
+              <a:latin typeface="黑体" panose="02010609060101010101" pitchFamily="49" charset="-122"/>
+              <a:ea typeface="黑体" panose="02010609060101010101" pitchFamily="49" charset="-122"/>
+            </a:rPr>
+            <a:t>轮廓系数</a:t>
+          </a:r>
+          <a:r>
+            <a:rPr lang="en-US" altLang="en-US" sz="700" kern="1200" dirty="0">
+              <a:latin typeface="黑体" panose="02010609060101010101" pitchFamily="49" charset="-122"/>
+              <a:ea typeface="黑体" panose="02010609060101010101" pitchFamily="49" charset="-122"/>
+            </a:rPr>
+            <a:t>/</a:t>
+          </a:r>
+          <a:r>
+            <a:rPr lang="zh-CN" altLang="en-US" sz="700" kern="1200" dirty="0">
+              <a:latin typeface="黑体" panose="02010609060101010101" pitchFamily="49" charset="-122"/>
+              <a:ea typeface="黑体" panose="02010609060101010101" pitchFamily="49" charset="-122"/>
+            </a:rPr>
+            <a:t>肘部法 +确认聚类</a:t>
+          </a:r>
+          <a:r>
+            <a:rPr lang="en-US" altLang="en-US" sz="700" kern="1200" dirty="0">
+              <a:latin typeface="黑体" panose="02010609060101010101" pitchFamily="49" charset="-122"/>
+              <a:ea typeface="黑体" panose="02010609060101010101" pitchFamily="49" charset="-122"/>
+            </a:rPr>
+            <a:t>K</a:t>
+          </a:r>
+          <a:endParaRPr lang="zh-CN" altLang="en-US" sz="700" kern="1200" dirty="0">
+            <a:latin typeface="黑体" panose="02010609060101010101" pitchFamily="49" charset="-122"/>
+            <a:ea typeface="黑体" panose="02010609060101010101" pitchFamily="49" charset="-122"/>
+          </a:endParaRPr>
+        </a:p>
+      </dsp:txBody>
+      <dsp:txXfrm>
+        <a:off x="1231765" y="125293"/>
+        <a:ext cx="671872" cy="447914"/>
+      </dsp:txXfrm>
+    </dsp:sp>
+    <dsp:sp modelId="{9043A44C-08F2-40F9-8FA0-61A15E19B2C9}">
+      <dsp:nvSpPr>
+        <dsp:cNvPr id="0" name=""/>
+        <dsp:cNvSpPr/>
+      </dsp:nvSpPr>
+      <dsp:spPr>
+        <a:xfrm>
+          <a:off x="2015616" y="125293"/>
+          <a:ext cx="1119786" cy="447914"/>
+        </a:xfrm>
+        <a:prstGeom prst="chevron">
+          <a:avLst/>
+        </a:prstGeom>
+        <a:solidFill>
+          <a:schemeClr val="lt1">
+            <a:hueOff val="0"/>
+            <a:satOff val="0"/>
+            <a:lumOff val="0"/>
+            <a:alphaOff val="0"/>
+          </a:schemeClr>
+        </a:solidFill>
+        <a:ln w="12700" cap="flat" cmpd="sng" algn="ctr">
+          <a:solidFill>
+            <a:schemeClr val="accent1">
+              <a:shade val="80000"/>
+              <a:hueOff val="0"/>
+              <a:satOff val="0"/>
+              <a:lumOff val="0"/>
+              <a:alphaOff val="0"/>
+            </a:schemeClr>
+          </a:solidFill>
+          <a:prstDash val="solid"/>
+          <a:miter lim="800000"/>
+        </a:ln>
+        <a:effectLst/>
+      </dsp:spPr>
+      <dsp:style>
+        <a:lnRef idx="2">
+          <a:scrgbClr r="0" g="0" b="0"/>
+        </a:lnRef>
+        <a:fillRef idx="1">
+          <a:scrgbClr r="0" g="0" b="0"/>
+        </a:fillRef>
+        <a:effectRef idx="0">
+          <a:scrgbClr r="0" g="0" b="0"/>
+        </a:effectRef>
+        <a:fontRef idx="minor">
+          <a:schemeClr val="lt1"/>
+        </a:fontRef>
+      </dsp:style>
+      <dsp:txBody>
+        <a:bodyPr spcFirstLastPara="0" vert="horz" wrap="square" lIns="36005" tIns="12002" rIns="12002" bIns="12002" numCol="1" spcCol="1270" anchor="ctr" anchorCtr="0">
+          <a:noAutofit/>
+        </a:bodyPr>
+        <a:lstStyle/>
+        <a:p>
+          <a:pPr marL="0" lvl="0" indent="0" algn="ctr" defTabSz="400050">
+            <a:lnSpc>
+              <a:spcPct val="90000"/>
+            </a:lnSpc>
+            <a:spcBef>
+              <a:spcPct val="0"/>
+            </a:spcBef>
+            <a:spcAft>
+              <a:spcPct val="35000"/>
+            </a:spcAft>
+            <a:buNone/>
+          </a:pPr>
+          <a:r>
+            <a:rPr lang="en-US" altLang="en-US" sz="900" kern="1200" dirty="0">
+              <a:latin typeface="黑体" panose="02010609060101010101" pitchFamily="49" charset="-122"/>
+              <a:ea typeface="黑体" panose="02010609060101010101" pitchFamily="49" charset="-122"/>
+            </a:rPr>
+            <a:t>K-means</a:t>
+          </a:r>
+          <a:r>
+            <a:rPr lang="zh-CN" altLang="en-US" sz="900" kern="1200" dirty="0">
+              <a:latin typeface="黑体" panose="02010609060101010101" pitchFamily="49" charset="-122"/>
+              <a:ea typeface="黑体" panose="02010609060101010101" pitchFamily="49" charset="-122"/>
+            </a:rPr>
+            <a:t>无监督聚类</a:t>
+          </a:r>
+        </a:p>
+      </dsp:txBody>
+      <dsp:txXfrm>
+        <a:off x="2239573" y="125293"/>
+        <a:ext cx="671872" cy="447914"/>
+      </dsp:txXfrm>
+    </dsp:sp>
+    <dsp:sp modelId="{E43C58C3-567A-439E-A368-B8CDA050358F}">
+      <dsp:nvSpPr>
+        <dsp:cNvPr id="0" name=""/>
+        <dsp:cNvSpPr/>
+      </dsp:nvSpPr>
+      <dsp:spPr>
+        <a:xfrm>
+          <a:off x="3023424" y="125293"/>
+          <a:ext cx="1119786" cy="447914"/>
+        </a:xfrm>
+        <a:prstGeom prst="chevron">
+          <a:avLst/>
+        </a:prstGeom>
+        <a:solidFill>
+          <a:schemeClr val="lt1">
+            <a:hueOff val="0"/>
+            <a:satOff val="0"/>
+            <a:lumOff val="0"/>
+            <a:alphaOff val="0"/>
+          </a:schemeClr>
+        </a:solidFill>
+        <a:ln w="12700" cap="flat" cmpd="sng" algn="ctr">
+          <a:solidFill>
+            <a:schemeClr val="accent1">
+              <a:shade val="80000"/>
+              <a:hueOff val="0"/>
+              <a:satOff val="0"/>
+              <a:lumOff val="0"/>
+              <a:alphaOff val="0"/>
+            </a:schemeClr>
+          </a:solidFill>
+          <a:prstDash val="solid"/>
+          <a:miter lim="800000"/>
+        </a:ln>
+        <a:effectLst/>
+      </dsp:spPr>
+      <dsp:style>
+        <a:lnRef idx="2">
+          <a:scrgbClr r="0" g="0" b="0"/>
+        </a:lnRef>
+        <a:fillRef idx="1">
+          <a:scrgbClr r="0" g="0" b="0"/>
+        </a:fillRef>
+        <a:effectRef idx="0">
+          <a:scrgbClr r="0" g="0" b="0"/>
+        </a:effectRef>
+        <a:fontRef idx="minor">
+          <a:schemeClr val="lt1"/>
+        </a:fontRef>
+      </dsp:style>
+      <dsp:txBody>
+        <a:bodyPr spcFirstLastPara="0" vert="horz" wrap="square" lIns="36005" tIns="12002" rIns="12002" bIns="12002" numCol="1" spcCol="1270" anchor="ctr" anchorCtr="0">
+          <a:noAutofit/>
+        </a:bodyPr>
+        <a:lstStyle/>
+        <a:p>
+          <a:pPr marL="0" lvl="0" indent="0" algn="ctr" defTabSz="400050">
+            <a:lnSpc>
+              <a:spcPct val="90000"/>
+            </a:lnSpc>
+            <a:spcBef>
+              <a:spcPct val="0"/>
+            </a:spcBef>
+            <a:spcAft>
+              <a:spcPct val="35000"/>
+            </a:spcAft>
+            <a:buNone/>
+          </a:pPr>
+          <a:r>
+            <a:rPr lang="zh-CN" altLang="en-US" sz="900" kern="1200" dirty="0">
+              <a:latin typeface="黑体" panose="02010609060101010101" pitchFamily="49" charset="-122"/>
+              <a:ea typeface="黑体" panose="02010609060101010101" pitchFamily="49" charset="-122"/>
+            </a:rPr>
+            <a:t>根据聚类结果划分类别标签</a:t>
+          </a:r>
+        </a:p>
+      </dsp:txBody>
+      <dsp:txXfrm>
+        <a:off x="3247381" y="125293"/>
+        <a:ext cx="671872" cy="447914"/>
+      </dsp:txXfrm>
+    </dsp:sp>
+    <dsp:sp modelId="{DF0B95C0-DA27-472A-AEC6-84A60BFBD95C}">
+      <dsp:nvSpPr>
+        <dsp:cNvPr id="0" name=""/>
+        <dsp:cNvSpPr/>
+      </dsp:nvSpPr>
+      <dsp:spPr>
+        <a:xfrm>
+          <a:off x="4031232" y="125293"/>
+          <a:ext cx="1119786" cy="447914"/>
+        </a:xfrm>
+        <a:prstGeom prst="chevron">
+          <a:avLst/>
+        </a:prstGeom>
+        <a:solidFill>
+          <a:schemeClr val="lt1">
+            <a:hueOff val="0"/>
+            <a:satOff val="0"/>
+            <a:lumOff val="0"/>
+            <a:alphaOff val="0"/>
+          </a:schemeClr>
+        </a:solidFill>
+        <a:ln w="12700" cap="flat" cmpd="sng" algn="ctr">
+          <a:solidFill>
+            <a:schemeClr val="accent1">
+              <a:shade val="80000"/>
+              <a:hueOff val="0"/>
+              <a:satOff val="0"/>
+              <a:lumOff val="0"/>
+              <a:alphaOff val="0"/>
+            </a:schemeClr>
+          </a:solidFill>
+          <a:prstDash val="solid"/>
+          <a:miter lim="800000"/>
+        </a:ln>
+        <a:effectLst/>
+      </dsp:spPr>
+      <dsp:style>
+        <a:lnRef idx="2">
+          <a:scrgbClr r="0" g="0" b="0"/>
+        </a:lnRef>
+        <a:fillRef idx="1">
+          <a:scrgbClr r="0" g="0" b="0"/>
+        </a:fillRef>
+        <a:effectRef idx="0">
+          <a:scrgbClr r="0" g="0" b="0"/>
+        </a:effectRef>
+        <a:fontRef idx="minor">
+          <a:schemeClr val="lt1"/>
+        </a:fontRef>
+      </dsp:style>
+      <dsp:txBody>
+        <a:bodyPr spcFirstLastPara="0" vert="horz" wrap="square" lIns="36005" tIns="12002" rIns="12002" bIns="12002" numCol="1" spcCol="1270" anchor="ctr" anchorCtr="0">
+          <a:noAutofit/>
+        </a:bodyPr>
+        <a:lstStyle/>
+        <a:p>
+          <a:pPr marL="0" lvl="0" indent="0" algn="ctr" defTabSz="400050">
+            <a:lnSpc>
+              <a:spcPct val="90000"/>
+            </a:lnSpc>
+            <a:spcBef>
+              <a:spcPct val="0"/>
+            </a:spcBef>
+            <a:spcAft>
+              <a:spcPct val="35000"/>
+            </a:spcAft>
+            <a:buNone/>
+          </a:pPr>
+          <a:r>
+            <a:rPr lang="zh-CN" altLang="en-US" sz="900" kern="1200" dirty="0">
+              <a:latin typeface="黑体" panose="02010609060101010101" pitchFamily="49" charset="-122"/>
+              <a:ea typeface="黑体" panose="02010609060101010101" pitchFamily="49" charset="-122"/>
+            </a:rPr>
+            <a:t>过采样</a:t>
+          </a:r>
+        </a:p>
+      </dsp:txBody>
+      <dsp:txXfrm>
+        <a:off x="4255189" y="125293"/>
+        <a:ext cx="671872" cy="447914"/>
+      </dsp:txXfrm>
+    </dsp:sp>
+    <dsp:sp modelId="{DFA7FB8E-09D0-4606-8D03-420AB3714D8B}">
+      <dsp:nvSpPr>
+        <dsp:cNvPr id="0" name=""/>
+        <dsp:cNvSpPr/>
+      </dsp:nvSpPr>
+      <dsp:spPr>
+        <a:xfrm>
+          <a:off x="5039040" y="125293"/>
+          <a:ext cx="1119786" cy="447914"/>
+        </a:xfrm>
+        <a:prstGeom prst="chevron">
+          <a:avLst/>
+        </a:prstGeom>
+        <a:solidFill>
+          <a:schemeClr val="lt1">
+            <a:hueOff val="0"/>
+            <a:satOff val="0"/>
+            <a:lumOff val="0"/>
+            <a:alphaOff val="0"/>
+          </a:schemeClr>
+        </a:solidFill>
+        <a:ln w="12700" cap="flat" cmpd="sng" algn="ctr">
+          <a:solidFill>
+            <a:schemeClr val="accent1">
+              <a:shade val="80000"/>
+              <a:hueOff val="0"/>
+              <a:satOff val="0"/>
+              <a:lumOff val="0"/>
+              <a:alphaOff val="0"/>
+            </a:schemeClr>
+          </a:solidFill>
+          <a:prstDash val="solid"/>
+          <a:miter lim="800000"/>
+        </a:ln>
+        <a:effectLst/>
+      </dsp:spPr>
+      <dsp:style>
+        <a:lnRef idx="2">
+          <a:scrgbClr r="0" g="0" b="0"/>
+        </a:lnRef>
+        <a:fillRef idx="1">
+          <a:scrgbClr r="0" g="0" b="0"/>
+        </a:fillRef>
+        <a:effectRef idx="0">
+          <a:scrgbClr r="0" g="0" b="0"/>
+        </a:effectRef>
+        <a:fontRef idx="minor">
+          <a:schemeClr val="lt1"/>
+        </a:fontRef>
+      </dsp:style>
+      <dsp:txBody>
+        <a:bodyPr spcFirstLastPara="0" vert="horz" wrap="square" lIns="36005" tIns="12002" rIns="12002" bIns="12002" numCol="1" spcCol="1270" anchor="ctr" anchorCtr="0">
+          <a:noAutofit/>
+        </a:bodyPr>
+        <a:lstStyle/>
+        <a:p>
+          <a:pPr marL="0" lvl="0" indent="0" algn="ctr" defTabSz="400050">
+            <a:lnSpc>
+              <a:spcPct val="90000"/>
+            </a:lnSpc>
+            <a:spcBef>
+              <a:spcPct val="0"/>
+            </a:spcBef>
+            <a:spcAft>
+              <a:spcPct val="35000"/>
+            </a:spcAft>
+            <a:buNone/>
+          </a:pPr>
+          <a:r>
+            <a:rPr lang="en-US" altLang="en-US" sz="900" kern="1200" dirty="0">
+              <a:latin typeface="黑体" panose="02010609060101010101" pitchFamily="49" charset="-122"/>
+              <a:ea typeface="黑体" panose="02010609060101010101" pitchFamily="49" charset="-122"/>
+            </a:rPr>
+            <a:t>BP</a:t>
+          </a:r>
+          <a:r>
+            <a:rPr lang="zh-CN" altLang="en-US" sz="900" kern="1200" dirty="0">
+              <a:latin typeface="黑体" panose="02010609060101010101" pitchFamily="49" charset="-122"/>
+              <a:ea typeface="黑体" panose="02010609060101010101" pitchFamily="49" charset="-122"/>
+            </a:rPr>
+            <a:t>神经网络训练</a:t>
+          </a:r>
+        </a:p>
+      </dsp:txBody>
+      <dsp:txXfrm>
+        <a:off x="5262997" y="125293"/>
+        <a:ext cx="671872" cy="447914"/>
+      </dsp:txXfrm>
+    </dsp:sp>
+    <dsp:sp modelId="{34AED2C8-C45D-46A7-A812-EE959C5C8C29}">
+      <dsp:nvSpPr>
+        <dsp:cNvPr id="0" name=""/>
+        <dsp:cNvSpPr/>
+      </dsp:nvSpPr>
+      <dsp:spPr>
+        <a:xfrm>
+          <a:off x="6046849" y="125293"/>
+          <a:ext cx="1119786" cy="447914"/>
+        </a:xfrm>
+        <a:prstGeom prst="chevron">
+          <a:avLst/>
+        </a:prstGeom>
+        <a:solidFill>
+          <a:schemeClr val="lt1">
+            <a:hueOff val="0"/>
+            <a:satOff val="0"/>
+            <a:lumOff val="0"/>
+            <a:alphaOff val="0"/>
+          </a:schemeClr>
+        </a:solidFill>
+        <a:ln w="12700" cap="flat" cmpd="sng" algn="ctr">
+          <a:solidFill>
+            <a:schemeClr val="accent1">
+              <a:shade val="80000"/>
+              <a:hueOff val="0"/>
+              <a:satOff val="0"/>
+              <a:lumOff val="0"/>
+              <a:alphaOff val="0"/>
+            </a:schemeClr>
+          </a:solidFill>
+          <a:prstDash val="solid"/>
+          <a:miter lim="800000"/>
+        </a:ln>
+        <a:effectLst/>
+      </dsp:spPr>
+      <dsp:style>
+        <a:lnRef idx="2">
+          <a:scrgbClr r="0" g="0" b="0"/>
+        </a:lnRef>
+        <a:fillRef idx="1">
+          <a:scrgbClr r="0" g="0" b="0"/>
+        </a:fillRef>
+        <a:effectRef idx="0">
+          <a:scrgbClr r="0" g="0" b="0"/>
+        </a:effectRef>
+        <a:fontRef idx="minor">
+          <a:schemeClr val="lt1"/>
+        </a:fontRef>
+      </dsp:style>
+      <dsp:txBody>
+        <a:bodyPr spcFirstLastPara="0" vert="horz" wrap="square" lIns="36005" tIns="12002" rIns="12002" bIns="12002" numCol="1" spcCol="1270" anchor="ctr" anchorCtr="0">
+          <a:noAutofit/>
+        </a:bodyPr>
+        <a:lstStyle/>
+        <a:p>
+          <a:pPr marL="0" lvl="0" indent="0" algn="ctr" defTabSz="400050">
+            <a:lnSpc>
+              <a:spcPct val="90000"/>
+            </a:lnSpc>
+            <a:spcBef>
+              <a:spcPct val="0"/>
+            </a:spcBef>
+            <a:spcAft>
+              <a:spcPct val="35000"/>
+            </a:spcAft>
+            <a:buNone/>
+          </a:pPr>
+          <a:r>
+            <a:rPr lang="zh-CN" altLang="en-US" sz="900" kern="1200" dirty="0">
+              <a:latin typeface="黑体" panose="02010609060101010101" pitchFamily="49" charset="-122"/>
+              <a:ea typeface="黑体" panose="02010609060101010101" pitchFamily="49" charset="-122"/>
+            </a:rPr>
+            <a:t>五折交叉验证</a:t>
+          </a:r>
+        </a:p>
+      </dsp:txBody>
+      <dsp:txXfrm>
+        <a:off x="6270806" y="125293"/>
+        <a:ext cx="671872" cy="447914"/>
+      </dsp:txXfrm>
+    </dsp:sp>
+  </dsp:spTree>
+</dsp:drawing>
+</file>
+
 <file path=ppt/diagrams/layout1.xml><?xml version="1.0" encoding="utf-8"?>
+<dgm:layoutDef xmlns:dgm="http://schemas.openxmlformats.org/drawingml/2006/diagram" xmlns:a="http://schemas.openxmlformats.org/drawingml/2006/main" uniqueId="urn:microsoft.com/office/officeart/2005/8/layout/chevron1">
+  <dgm:title val=""/>
+  <dgm:desc val=""/>
+  <dgm:catLst>
+    <dgm:cat type="process" pri="9000"/>
+  </dgm:catLst>
+  <dgm:sampData useDef="1">
+    <dgm:dataModel>
+      <dgm:ptLst/>
+      <dgm:bg/>
+      <dgm:whole/>
+    </dgm:dataModel>
+  </dgm:sampData>
+  <dgm:styleData>
+    <dgm:dataModel>
+      <dgm:ptLst>
+        <dgm:pt modelId="0" type="doc"/>
+        <dgm:pt modelId="1"/>
+        <dgm:pt modelId="2"/>
+      </dgm:ptLst>
+      <dgm:cxnLst>
+        <dgm:cxn modelId="3" srcId="0" destId="1" srcOrd="0" destOrd="0"/>
+        <dgm:cxn modelId="4" srcId="0" destId="2" srcOrd="1" destOrd="0"/>
+      </dgm:cxnLst>
+      <dgm:bg/>
+      <dgm:whole/>
+    </dgm:dataModel>
+  </dgm:styleData>
+  <dgm:clrData>
+    <dgm:dataModel>
+      <dgm:ptLst>
+        <dgm:pt modelId="0" type="doc"/>
+        <dgm:pt modelId="1"/>
+        <dgm:pt modelId="2"/>
+        <dgm:pt modelId="3"/>
+        <dgm:pt modelId="4"/>
+      </dgm:ptLst>
+      <dgm:cxnLst>
+        <dgm:cxn modelId="5" srcId="0" destId="1" srcOrd="0" destOrd="0"/>
+        <dgm:cxn modelId="6" srcId="0" destId="2" srcOrd="1" destOrd="0"/>
+        <dgm:cxn modelId="7" srcId="0" destId="3" srcOrd="2" destOrd="0"/>
+        <dgm:cxn modelId="8" srcId="0" destId="4" srcOrd="3" destOrd="0"/>
+      </dgm:cxnLst>
+      <dgm:bg/>
+      <dgm:whole/>
+    </dgm:dataModel>
+  </dgm:clrData>
+  <dgm:layoutNode name="Name0">
+    <dgm:varLst>
+      <dgm:dir/>
+      <dgm:animLvl val="lvl"/>
+      <dgm:resizeHandles val="exact"/>
+    </dgm:varLst>
+    <dgm:choose name="Name1">
+      <dgm:if name="Name2" func="var" arg="dir" op="equ" val="norm">
+        <dgm:alg type="lin"/>
+      </dgm:if>
+      <dgm:else name="Name3">
+        <dgm:alg type="lin">
+          <dgm:param type="linDir" val="fromR"/>
+        </dgm:alg>
+      </dgm:else>
+    </dgm:choose>
+    <dgm:shape xmlns:r="http://schemas.openxmlformats.org/officeDocument/2006/relationships" r:blip="">
+      <dgm:adjLst/>
+    </dgm:shape>
+    <dgm:presOf/>
+    <dgm:choose name="Name4">
+      <dgm:if name="Name5" axis="des" func="maxDepth" op="gte" val="2">
+        <dgm:constrLst>
+          <dgm:constr type="h" for="ch" forName="composite" refType="h"/>
+          <dgm:constr type="w" for="ch" forName="composite" refType="w"/>
+          <dgm:constr type="w" for="des" forName="parTx"/>
+          <dgm:constr type="h" for="des" forName="parTx" op="equ"/>
+          <dgm:constr type="w" for="des" forName="desTx"/>
+          <dgm:constr type="h" for="des" forName="desTx" op="equ"/>
+          <dgm:constr type="primFontSz" for="des" forName="parTx" val="65"/>
+          <dgm:constr type="secFontSz" for="des" forName="desTx" refType="primFontSz" refFor="des" refForName="parTx" op="equ"/>
+          <dgm:constr type="h" for="des" forName="parTx" refType="primFontSz" refFor="des" refForName="parTx" fact="1.5"/>
+          <dgm:constr type="h" for="des" forName="desTx" refType="primFontSz" refFor="des" refForName="parTx" fact="0.5"/>
+          <dgm:constr type="w" for="ch" forName="space" op="equ" val="-6"/>
+        </dgm:constrLst>
+        <dgm:ruleLst>
+          <dgm:rule type="w" for="ch" forName="composite" val="0" fact="NaN" max="NaN"/>
+          <dgm:rule type="primFontSz" for="des" forName="parTx" val="5" fact="NaN" max="NaN"/>
+        </dgm:ruleLst>
+        <dgm:forEach name="Name6" axis="ch" ptType="node">
+          <dgm:layoutNode name="composite">
+            <dgm:alg type="composite"/>
+            <dgm:shape xmlns:r="http://schemas.openxmlformats.org/officeDocument/2006/relationships" r:blip="">
+              <dgm:adjLst/>
+            </dgm:shape>
+            <dgm:presOf/>
+            <dgm:choose name="Name7">
+              <dgm:if name="Name8" func="var" arg="dir" op="equ" val="norm">
+                <dgm:constrLst>
+                  <dgm:constr type="l" for="ch" forName="parTx"/>
+                  <dgm:constr type="w" for="ch" forName="parTx" refType="w"/>
+                  <dgm:constr type="t" for="ch" forName="parTx"/>
+                  <dgm:constr type="l" for="ch" forName="desTx"/>
+                  <dgm:constr type="w" for="ch" forName="desTx" refType="w" refFor="ch" refForName="parTx" fact="0.8"/>
+                  <dgm:constr type="t" for="ch" forName="desTx" refType="h" refFor="ch" refForName="parTx" fact="1.125"/>
+                </dgm:constrLst>
+              </dgm:if>
+              <dgm:else name="Name9">
+                <dgm:constrLst>
+                  <dgm:constr type="l" for="ch" forName="parTx"/>
+                  <dgm:constr type="w" for="ch" forName="parTx" refType="w"/>
+                  <dgm:constr type="t" for="ch" forName="parTx"/>
+                  <dgm:constr type="l" for="ch" forName="desTx" refType="w" fact="0.2"/>
+                  <dgm:constr type="w" for="ch" forName="desTx" refType="w" refFor="ch" refForName="parTx" fact="0.8"/>
+                  <dgm:constr type="t" for="ch" forName="desTx" refType="h" refFor="ch" refForName="parTx" fact="1.125"/>
+                </dgm:constrLst>
+              </dgm:else>
+            </dgm:choose>
+            <dgm:ruleLst>
+              <dgm:rule type="h" val="INF" fact="NaN" max="NaN"/>
+            </dgm:ruleLst>
+            <dgm:layoutNode name="parTx">
+              <dgm:varLst>
+                <dgm:chMax val="0"/>
+                <dgm:chPref val="0"/>
+                <dgm:bulletEnabled val="1"/>
+              </dgm:varLst>
+              <dgm:alg type="tx"/>
+              <dgm:choose name="Name10">
+                <dgm:if name="Name11" func="var" arg="dir" op="equ" val="norm">
+                  <dgm:shape xmlns:r="http://schemas.openxmlformats.org/officeDocument/2006/relationships" type="chevron" r:blip="">
+                    <dgm:adjLst/>
+                  </dgm:shape>
+                </dgm:if>
+                <dgm:else name="Name12">
+                  <dgm:shape xmlns:r="http://schemas.openxmlformats.org/officeDocument/2006/relationships" rot="180" type="chevron" r:blip="">
+                    <dgm:adjLst/>
+                  </dgm:shape>
+                </dgm:else>
+              </dgm:choose>
+              <dgm:presOf axis="self" ptType="node"/>
+              <dgm:choose name="Name13">
+                <dgm:if name="Name14" func="var" arg="dir" op="equ" val="norm">
+                  <dgm:constrLst>
+                    <dgm:constr type="h" refType="w" op="lte" fact="0.4"/>
+                    <dgm:constr type="h"/>
+                    <dgm:constr type="tMarg" refType="primFontSz" fact="0.105"/>
+                    <dgm:constr type="bMarg" refType="primFontSz" fact="0.105"/>
+                    <dgm:constr type="lMarg" refType="primFontSz" fact="0.315"/>
+                    <dgm:constr type="rMarg" refType="primFontSz" fact="0.105"/>
+                  </dgm:constrLst>
+                </dgm:if>
+                <dgm:else name="Name15">
+                  <dgm:constrLst>
+                    <dgm:constr type="h" refType="w" op="lte" fact="0.4"/>
+                    <dgm:constr type="h"/>
+                    <dgm:constr type="tMarg" refType="primFontSz" fact="0.105"/>
+                    <dgm:constr type="bMarg" refType="primFontSz" fact="0.105"/>
+                    <dgm:constr type="lMarg" refType="primFontSz" fact="0.105"/>
+                    <dgm:constr type="rMarg" refType="primFontSz" fact="0.315"/>
+                  </dgm:constrLst>
+                </dgm:else>
+              </dgm:choose>
+              <dgm:ruleLst>
+                <dgm:rule type="h" val="INF" fact="NaN" max="NaN"/>
+              </dgm:ruleLst>
+            </dgm:layoutNode>
+            <dgm:layoutNode name="desTx" styleLbl="revTx">
+              <dgm:varLst>
+                <dgm:bulletEnabled val="1"/>
+              </dgm:varLst>
+              <dgm:alg type="tx">
+                <dgm:param type="stBulletLvl" val="1"/>
+              </dgm:alg>
+              <dgm:choose name="Name16">
+                <dgm:if name="Name17" axis="ch" ptType="node" func="cnt" op="gte" val="1">
+                  <dgm:shape xmlns:r="http://schemas.openxmlformats.org/officeDocument/2006/relationships" type="rect" r:blip="">
+                    <dgm:adjLst/>
+                  </dgm:shape>
+                </dgm:if>
+                <dgm:else name="Name18">
+                  <dgm:shape xmlns:r="http://schemas.openxmlformats.org/officeDocument/2006/relationships" type="rect" r:blip="" hideGeom="1">
+                    <dgm:adjLst/>
+                  </dgm:shape>
+                </dgm:else>
+              </dgm:choose>
+              <dgm:presOf axis="des" ptType="node"/>
+              <dgm:constrLst>
+                <dgm:constr type="secFontSz" val="65"/>
+                <dgm:constr type="primFontSz" refType="secFontSz"/>
+                <dgm:constr type="h"/>
+                <dgm:constr type="tMarg"/>
+                <dgm:constr type="bMarg"/>
+                <dgm:constr type="rMarg"/>
+                <dgm:constr type="lMarg"/>
+              </dgm:constrLst>
+              <dgm:ruleLst>
+                <dgm:rule type="h" val="INF" fact="NaN" max="NaN"/>
+              </dgm:ruleLst>
+            </dgm:layoutNode>
+          </dgm:layoutNode>
+          <dgm:forEach name="Name19" axis="followSib" ptType="sibTrans" cnt="1">
+            <dgm:layoutNode name="space">
+              <dgm:alg type="sp"/>
+              <dgm:shape xmlns:r="http://schemas.openxmlformats.org/officeDocument/2006/relationships" r:blip="">
+                <dgm:adjLst/>
+              </dgm:shape>
+              <dgm:presOf/>
+              <dgm:constrLst/>
+              <dgm:ruleLst/>
+            </dgm:layoutNode>
+          </dgm:forEach>
+        </dgm:forEach>
+      </dgm:if>
+      <dgm:else name="Name20">
+        <dgm:constrLst>
+          <dgm:constr type="w" for="ch" forName="parTxOnly" refType="w"/>
+          <dgm:constr type="h" for="des" forName="parTxOnly" op="equ"/>
+          <dgm:constr type="primFontSz" for="des" forName="parTxOnly" op="equ" val="65"/>
+          <dgm:constr type="w" for="ch" forName="parTxOnlySpace" refType="w" refFor="ch" refForName="parTxOnly" fact="-0.1"/>
+        </dgm:constrLst>
+        <dgm:ruleLst/>
+        <dgm:forEach name="Name21" axis="ch" ptType="node">
+          <dgm:layoutNode name="parTxOnly">
+            <dgm:varLst>
+              <dgm:chMax val="0"/>
+              <dgm:chPref val="0"/>
+              <dgm:bulletEnabled val="1"/>
+            </dgm:varLst>
+            <dgm:alg type="tx"/>
+            <dgm:choose name="Name22">
+              <dgm:if name="Name23" func="var" arg="dir" op="equ" val="norm">
+                <dgm:shape xmlns:r="http://schemas.openxmlformats.org/officeDocument/2006/relationships" type="chevron" r:blip="">
+                  <dgm:adjLst/>
+                </dgm:shape>
+              </dgm:if>
+              <dgm:else name="Name24">
+                <dgm:shape xmlns:r="http://schemas.openxmlformats.org/officeDocument/2006/relationships" rot="180" type="chevron" r:blip="">
+                  <dgm:adjLst/>
+                </dgm:shape>
+              </dgm:else>
+            </dgm:choose>
+            <dgm:presOf axis="self" ptType="node"/>
+            <dgm:choose name="Name25">
+              <dgm:if name="Name26" func="var" arg="dir" op="equ" val="norm">
+                <dgm:constrLst>
+                  <dgm:constr type="h" refType="w" op="equ" fact="0.4"/>
+                  <dgm:constr type="tMarg" refType="primFontSz" fact="0.105"/>
+                  <dgm:constr type="bMarg" refType="primFontSz" fact="0.105"/>
+                  <dgm:constr type="lMarg" refType="primFontSz" fact="0.315"/>
+                  <dgm:constr type="rMarg" refType="primFontSz" fact="0.105"/>
+                </dgm:constrLst>
+              </dgm:if>
+              <dgm:else name="Name27">
+                <dgm:constrLst>
+                  <dgm:constr type="h" refType="w" op="equ" fact="0.4"/>
+                  <dgm:constr type="tMarg" refType="primFontSz" fact="0.105"/>
+                  <dgm:constr type="bMarg" refType="primFontSz" fact="0.105"/>
+                  <dgm:constr type="lMarg" refType="primFontSz" fact="0.105"/>
+                  <dgm:constr type="rMarg" refType="primFontSz" fact="0.315"/>
+                </dgm:constrLst>
+              </dgm:else>
+            </dgm:choose>
+            <dgm:ruleLst>
+              <dgm:rule type="primFontSz" val="5" fact="NaN" max="NaN"/>
+            </dgm:ruleLst>
+          </dgm:layoutNode>
+          <dgm:forEach name="Name28" axis="followSib" ptType="sibTrans" cnt="1">
+            <dgm:layoutNode name="parTxOnlySpace">
+              <dgm:alg type="sp"/>
+              <dgm:shape xmlns:r="http://schemas.openxmlformats.org/officeDocument/2006/relationships" r:blip="">
+                <dgm:adjLst/>
+              </dgm:shape>
+              <dgm:presOf/>
+              <dgm:constrLst/>
+              <dgm:ruleLst/>
+            </dgm:layoutNode>
+          </dgm:forEach>
+        </dgm:forEach>
+      </dgm:else>
+    </dgm:choose>
+  </dgm:layoutNode>
+</dgm:layoutDef>
+</file>
+
+<file path=ppt/diagrams/layout2.xml><?xml version="1.0" encoding="utf-8"?>
 <dgm:layoutDef xmlns:dgm="http://schemas.openxmlformats.org/drawingml/2006/diagram" xmlns:a="http://schemas.openxmlformats.org/drawingml/2006/main" uniqueId="urn:microsoft.com/office/officeart/2005/8/layout/chevron1">
   <dgm:title val=""/>
   <dgm:desc val=""/>
@@ -3563,6 +5842,1040 @@
 </dgm:styleDef>
 </file>
 
+<file path=ppt/diagrams/quickStyle2.xml><?xml version="1.0" encoding="utf-8"?>
+<dgm:styleDef xmlns:dgm="http://schemas.openxmlformats.org/drawingml/2006/diagram" xmlns:a="http://schemas.openxmlformats.org/drawingml/2006/main" uniqueId="urn:microsoft.com/office/officeart/2005/8/quickstyle/simple1">
+  <dgm:title val=""/>
+  <dgm:desc val=""/>
+  <dgm:catLst>
+    <dgm:cat type="simple" pri="10100"/>
+  </dgm:catLst>
+  <dgm:scene3d>
+    <a:camera prst="orthographicFront"/>
+    <a:lightRig rig="threePt" dir="t"/>
+  </dgm:scene3d>
+  <dgm:styleLbl name="node0">
+    <dgm:scene3d>
+      <a:camera prst="orthographicFront"/>
+      <a:lightRig rig="threePt" dir="t"/>
+    </dgm:scene3d>
+    <dgm:sp3d/>
+    <dgm:txPr/>
+    <dgm:style>
+      <a:lnRef idx="2">
+        <a:scrgbClr r="0" g="0" b="0"/>
+      </a:lnRef>
+      <a:fillRef idx="1">
+        <a:scrgbClr r="0" g="0" b="0"/>
+      </a:fillRef>
+      <a:effectRef idx="0">
+        <a:scrgbClr r="0" g="0" b="0"/>
+      </a:effectRef>
+      <a:fontRef idx="minor">
+        <a:schemeClr val="lt1"/>
+      </a:fontRef>
+    </dgm:style>
+  </dgm:styleLbl>
+  <dgm:styleLbl name="lnNode1">
+    <dgm:scene3d>
+      <a:camera prst="orthographicFront"/>
+      <a:lightRig rig="threePt" dir="t"/>
+    </dgm:scene3d>
+    <dgm:sp3d/>
+    <dgm:txPr/>
+    <dgm:style>
+      <a:lnRef idx="2">
+        <a:scrgbClr r="0" g="0" b="0"/>
+      </a:lnRef>
+      <a:fillRef idx="1">
+        <a:scrgbClr r="0" g="0" b="0"/>
+      </a:fillRef>
+      <a:effectRef idx="0">
+        <a:scrgbClr r="0" g="0" b="0"/>
+      </a:effectRef>
+      <a:fontRef idx="minor">
+        <a:schemeClr val="lt1"/>
+      </a:fontRef>
+    </dgm:style>
+  </dgm:styleLbl>
+  <dgm:styleLbl name="vennNode1">
+    <dgm:scene3d>
+      <a:camera prst="orthographicFront"/>
+      <a:lightRig rig="threePt" dir="t"/>
+    </dgm:scene3d>
+    <dgm:sp3d/>
+    <dgm:txPr/>
+    <dgm:style>
+      <a:lnRef idx="2">
+        <a:scrgbClr r="0" g="0" b="0"/>
+      </a:lnRef>
+      <a:fillRef idx="1">
+        <a:scrgbClr r="0" g="0" b="0"/>
+      </a:fillRef>
+      <a:effectRef idx="0">
+        <a:scrgbClr r="0" g="0" b="0"/>
+      </a:effectRef>
+      <a:fontRef idx="minor">
+        <a:schemeClr val="tx1"/>
+      </a:fontRef>
+    </dgm:style>
+  </dgm:styleLbl>
+  <dgm:styleLbl name="alignNode1">
+    <dgm:scene3d>
+      <a:camera prst="orthographicFront"/>
+      <a:lightRig rig="threePt" dir="t"/>
+    </dgm:scene3d>
+    <dgm:sp3d/>
+    <dgm:txPr/>
+    <dgm:style>
+      <a:lnRef idx="2">
+        <a:scrgbClr r="0" g="0" b="0"/>
+      </a:lnRef>
+      <a:fillRef idx="1">
+        <a:scrgbClr r="0" g="0" b="0"/>
+      </a:fillRef>
+      <a:effectRef idx="0">
+        <a:scrgbClr r="0" g="0" b="0"/>
+      </a:effectRef>
+      <a:fontRef idx="minor">
+        <a:schemeClr val="lt1"/>
+      </a:fontRef>
+    </dgm:style>
+  </dgm:styleLbl>
+  <dgm:styleLbl name="node1">
+    <dgm:scene3d>
+      <a:camera prst="orthographicFront"/>
+      <a:lightRig rig="threePt" dir="t"/>
+    </dgm:scene3d>
+    <dgm:sp3d/>
+    <dgm:txPr/>
+    <dgm:style>
+      <a:lnRef idx="2">
+        <a:scrgbClr r="0" g="0" b="0"/>
+      </a:lnRef>
+      <a:fillRef idx="1">
+        <a:scrgbClr r="0" g="0" b="0"/>
+      </a:fillRef>
+      <a:effectRef idx="0">
+        <a:scrgbClr r="0" g="0" b="0"/>
+      </a:effectRef>
+      <a:fontRef idx="minor">
+        <a:schemeClr val="lt1"/>
+      </a:fontRef>
+    </dgm:style>
+  </dgm:styleLbl>
+  <dgm:styleLbl name="node2">
+    <dgm:scene3d>
+      <a:camera prst="orthographicFront"/>
+      <a:lightRig rig="threePt" dir="t"/>
+    </dgm:scene3d>
+    <dgm:sp3d/>
+    <dgm:txPr/>
+    <dgm:style>
+      <a:lnRef idx="2">
+        <a:scrgbClr r="0" g="0" b="0"/>
+      </a:lnRef>
+      <a:fillRef idx="1">
+        <a:scrgbClr r="0" g="0" b="0"/>
+      </a:fillRef>
+      <a:effectRef idx="0">
+        <a:scrgbClr r="0" g="0" b="0"/>
+      </a:effectRef>
+      <a:fontRef idx="minor">
+        <a:schemeClr val="lt1"/>
+      </a:fontRef>
+    </dgm:style>
+  </dgm:styleLbl>
+  <dgm:styleLbl name="node3">
+    <dgm:scene3d>
+      <a:camera prst="orthographicFront"/>
+      <a:lightRig rig="threePt" dir="t"/>
+    </dgm:scene3d>
+    <dgm:sp3d/>
+    <dgm:txPr/>
+    <dgm:style>
+      <a:lnRef idx="2">
+        <a:scrgbClr r="0" g="0" b="0"/>
+      </a:lnRef>
+      <a:fillRef idx="1">
+        <a:scrgbClr r="0" g="0" b="0"/>
+      </a:fillRef>
+      <a:effectRef idx="0">
+        <a:scrgbClr r="0" g="0" b="0"/>
+      </a:effectRef>
+      <a:fontRef idx="minor">
+        <a:schemeClr val="lt1"/>
+      </a:fontRef>
+    </dgm:style>
+  </dgm:styleLbl>
+  <dgm:styleLbl name="node4">
+    <dgm:scene3d>
+      <a:camera prst="orthographicFront"/>
+      <a:lightRig rig="threePt" dir="t"/>
+    </dgm:scene3d>
+    <dgm:sp3d/>
+    <dgm:txPr/>
+    <dgm:style>
+      <a:lnRef idx="2">
+        <a:scrgbClr r="0" g="0" b="0"/>
+      </a:lnRef>
+      <a:fillRef idx="1">
+        <a:scrgbClr r="0" g="0" b="0"/>
+      </a:fillRef>
+      <a:effectRef idx="0">
+        <a:scrgbClr r="0" g="0" b="0"/>
+      </a:effectRef>
+      <a:fontRef idx="minor">
+        <a:schemeClr val="lt1"/>
+      </a:fontRef>
+    </dgm:style>
+  </dgm:styleLbl>
+  <dgm:styleLbl name="fgImgPlace1">
+    <dgm:scene3d>
+      <a:camera prst="orthographicFront"/>
+      <a:lightRig rig="threePt" dir="t"/>
+    </dgm:scene3d>
+    <dgm:sp3d/>
+    <dgm:txPr/>
+    <dgm:style>
+      <a:lnRef idx="2">
+        <a:scrgbClr r="0" g="0" b="0"/>
+      </a:lnRef>
+      <a:fillRef idx="1">
+        <a:scrgbClr r="0" g="0" b="0"/>
+      </a:fillRef>
+      <a:effectRef idx="0">
+        <a:scrgbClr r="0" g="0" b="0"/>
+      </a:effectRef>
+      <a:fontRef idx="minor"/>
+    </dgm:style>
+  </dgm:styleLbl>
+  <dgm:styleLbl name="alignImgPlace1">
+    <dgm:scene3d>
+      <a:camera prst="orthographicFront"/>
+      <a:lightRig rig="threePt" dir="t"/>
+    </dgm:scene3d>
+    <dgm:sp3d/>
+    <dgm:txPr/>
+    <dgm:style>
+      <a:lnRef idx="2">
+        <a:scrgbClr r="0" g="0" b="0"/>
+      </a:lnRef>
+      <a:fillRef idx="1">
+        <a:scrgbClr r="0" g="0" b="0"/>
+      </a:fillRef>
+      <a:effectRef idx="0">
+        <a:scrgbClr r="0" g="0" b="0"/>
+      </a:effectRef>
+      <a:fontRef idx="minor"/>
+    </dgm:style>
+  </dgm:styleLbl>
+  <dgm:styleLbl name="bgImgPlace1">
+    <dgm:scene3d>
+      <a:camera prst="orthographicFront"/>
+      <a:lightRig rig="threePt" dir="t"/>
+    </dgm:scene3d>
+    <dgm:sp3d/>
+    <dgm:txPr/>
+    <dgm:style>
+      <a:lnRef idx="2">
+        <a:scrgbClr r="0" g="0" b="0"/>
+      </a:lnRef>
+      <a:fillRef idx="1">
+        <a:scrgbClr r="0" g="0" b="0"/>
+      </a:fillRef>
+      <a:effectRef idx="0">
+        <a:scrgbClr r="0" g="0" b="0"/>
+      </a:effectRef>
+      <a:fontRef idx="minor"/>
+    </dgm:style>
+  </dgm:styleLbl>
+  <dgm:styleLbl name="sibTrans2D1">
+    <dgm:scene3d>
+      <a:camera prst="orthographicFront"/>
+      <a:lightRig rig="threePt" dir="t"/>
+    </dgm:scene3d>
+    <dgm:sp3d/>
+    <dgm:txPr/>
+    <dgm:style>
+      <a:lnRef idx="0">
+        <a:scrgbClr r="0" g="0" b="0"/>
+      </a:lnRef>
+      <a:fillRef idx="1">
+        <a:scrgbClr r="0" g="0" b="0"/>
+      </a:fillRef>
+      <a:effectRef idx="0">
+        <a:scrgbClr r="0" g="0" b="0"/>
+      </a:effectRef>
+      <a:fontRef idx="minor">
+        <a:schemeClr val="lt1"/>
+      </a:fontRef>
+    </dgm:style>
+  </dgm:styleLbl>
+  <dgm:styleLbl name="fgSibTrans2D1">
+    <dgm:scene3d>
+      <a:camera prst="orthographicFront"/>
+      <a:lightRig rig="threePt" dir="t"/>
+    </dgm:scene3d>
+    <dgm:sp3d/>
+    <dgm:txPr/>
+    <dgm:style>
+      <a:lnRef idx="0">
+        <a:scrgbClr r="0" g="0" b="0"/>
+      </a:lnRef>
+      <a:fillRef idx="1">
+        <a:scrgbClr r="0" g="0" b="0"/>
+      </a:fillRef>
+      <a:effectRef idx="0">
+        <a:scrgbClr r="0" g="0" b="0"/>
+      </a:effectRef>
+      <a:fontRef idx="minor">
+        <a:schemeClr val="lt1"/>
+      </a:fontRef>
+    </dgm:style>
+  </dgm:styleLbl>
+  <dgm:styleLbl name="bgSibTrans2D1">
+    <dgm:scene3d>
+      <a:camera prst="orthographicFront"/>
+      <a:lightRig rig="threePt" dir="t"/>
+    </dgm:scene3d>
+    <dgm:sp3d/>
+    <dgm:txPr/>
+    <dgm:style>
+      <a:lnRef idx="0">
+        <a:scrgbClr r="0" g="0" b="0"/>
+      </a:lnRef>
+      <a:fillRef idx="1">
+        <a:scrgbClr r="0" g="0" b="0"/>
+      </a:fillRef>
+      <a:effectRef idx="0">
+        <a:scrgbClr r="0" g="0" b="0"/>
+      </a:effectRef>
+      <a:fontRef idx="minor">
+        <a:schemeClr val="lt1"/>
+      </a:fontRef>
+    </dgm:style>
+  </dgm:styleLbl>
+  <dgm:styleLbl name="sibTrans1D1">
+    <dgm:scene3d>
+      <a:camera prst="orthographicFront"/>
+      <a:lightRig rig="threePt" dir="t"/>
+    </dgm:scene3d>
+    <dgm:sp3d/>
+    <dgm:txPr/>
+    <dgm:style>
+      <a:lnRef idx="1">
+        <a:scrgbClr r="0" g="0" b="0"/>
+      </a:lnRef>
+      <a:fillRef idx="0">
+        <a:scrgbClr r="0" g="0" b="0"/>
+      </a:fillRef>
+      <a:effectRef idx="0">
+        <a:scrgbClr r="0" g="0" b="0"/>
+      </a:effectRef>
+      <a:fontRef idx="minor"/>
+    </dgm:style>
+  </dgm:styleLbl>
+  <dgm:styleLbl name="callout">
+    <dgm:scene3d>
+      <a:camera prst="orthographicFront"/>
+      <a:lightRig rig="threePt" dir="t"/>
+    </dgm:scene3d>
+    <dgm:sp3d/>
+    <dgm:txPr/>
+    <dgm:style>
+      <a:lnRef idx="2">
+        <a:scrgbClr r="0" g="0" b="0"/>
+      </a:lnRef>
+      <a:fillRef idx="1">
+        <a:scrgbClr r="0" g="0" b="0"/>
+      </a:fillRef>
+      <a:effectRef idx="0">
+        <a:scrgbClr r="0" g="0" b="0"/>
+      </a:effectRef>
+      <a:fontRef idx="minor"/>
+    </dgm:style>
+  </dgm:styleLbl>
+  <dgm:styleLbl name="asst0">
+    <dgm:scene3d>
+      <a:camera prst="orthographicFront"/>
+      <a:lightRig rig="threePt" dir="t"/>
+    </dgm:scene3d>
+    <dgm:sp3d/>
+    <dgm:txPr/>
+    <dgm:style>
+      <a:lnRef idx="2">
+        <a:scrgbClr r="0" g="0" b="0"/>
+      </a:lnRef>
+      <a:fillRef idx="1">
+        <a:scrgbClr r="0" g="0" b="0"/>
+      </a:fillRef>
+      <a:effectRef idx="0">
+        <a:scrgbClr r="0" g="0" b="0"/>
+      </a:effectRef>
+      <a:fontRef idx="minor">
+        <a:schemeClr val="lt1"/>
+      </a:fontRef>
+    </dgm:style>
+  </dgm:styleLbl>
+  <dgm:styleLbl name="asst1">
+    <dgm:scene3d>
+      <a:camera prst="orthographicFront"/>
+      <a:lightRig rig="threePt" dir="t"/>
+    </dgm:scene3d>
+    <dgm:sp3d/>
+    <dgm:txPr/>
+    <dgm:style>
+      <a:lnRef idx="2">
+        <a:scrgbClr r="0" g="0" b="0"/>
+      </a:lnRef>
+      <a:fillRef idx="1">
+        <a:scrgbClr r="0" g="0" b="0"/>
+      </a:fillRef>
+      <a:effectRef idx="0">
+        <a:scrgbClr r="0" g="0" b="0"/>
+      </a:effectRef>
+      <a:fontRef idx="minor">
+        <a:schemeClr val="lt1"/>
+      </a:fontRef>
+    </dgm:style>
+  </dgm:styleLbl>
+  <dgm:styleLbl name="asst2">
+    <dgm:scene3d>
+      <a:camera prst="orthographicFront"/>
+      <a:lightRig rig="threePt" dir="t"/>
+    </dgm:scene3d>
+    <dgm:sp3d/>
+    <dgm:txPr/>
+    <dgm:style>
+      <a:lnRef idx="2">
+        <a:scrgbClr r="0" g="0" b="0"/>
+      </a:lnRef>
+      <a:fillRef idx="1">
+        <a:scrgbClr r="0" g="0" b="0"/>
+      </a:fillRef>
+      <a:effectRef idx="0">
+        <a:scrgbClr r="0" g="0" b="0"/>
+      </a:effectRef>
+      <a:fontRef idx="minor">
+        <a:schemeClr val="lt1"/>
+      </a:fontRef>
+    </dgm:style>
+  </dgm:styleLbl>
+  <dgm:styleLbl name="asst3">
+    <dgm:scene3d>
+      <a:camera prst="orthographicFront"/>
+      <a:lightRig rig="threePt" dir="t"/>
+    </dgm:scene3d>
+    <dgm:sp3d/>
+    <dgm:txPr/>
+    <dgm:style>
+      <a:lnRef idx="2">
+        <a:scrgbClr r="0" g="0" b="0"/>
+      </a:lnRef>
+      <a:fillRef idx="1">
+        <a:scrgbClr r="0" g="0" b="0"/>
+      </a:fillRef>
+      <a:effectRef idx="0">
+        <a:scrgbClr r="0" g="0" b="0"/>
+      </a:effectRef>
+      <a:fontRef idx="minor">
+        <a:schemeClr val="lt1"/>
+      </a:fontRef>
+    </dgm:style>
+  </dgm:styleLbl>
+  <dgm:styleLbl name="asst4">
+    <dgm:scene3d>
+      <a:camera prst="orthographicFront"/>
+      <a:lightRig rig="threePt" dir="t"/>
+    </dgm:scene3d>
+    <dgm:sp3d/>
+    <dgm:txPr/>
+    <dgm:style>
+      <a:lnRef idx="2">
+        <a:scrgbClr r="0" g="0" b="0"/>
+      </a:lnRef>
+      <a:fillRef idx="1">
+        <a:scrgbClr r="0" g="0" b="0"/>
+      </a:fillRef>
+      <a:effectRef idx="0">
+        <a:scrgbClr r="0" g="0" b="0"/>
+      </a:effectRef>
+      <a:fontRef idx="minor">
+        <a:schemeClr val="lt1"/>
+      </a:fontRef>
+    </dgm:style>
+  </dgm:styleLbl>
+  <dgm:styleLbl name="parChTrans2D1">
+    <dgm:scene3d>
+      <a:camera prst="orthographicFront"/>
+      <a:lightRig rig="threePt" dir="t"/>
+    </dgm:scene3d>
+    <dgm:sp3d/>
+    <dgm:txPr/>
+    <dgm:style>
+      <a:lnRef idx="2">
+        <a:scrgbClr r="0" g="0" b="0"/>
+      </a:lnRef>
+      <a:fillRef idx="1">
+        <a:scrgbClr r="0" g="0" b="0"/>
+      </a:fillRef>
+      <a:effectRef idx="0">
+        <a:scrgbClr r="0" g="0" b="0"/>
+      </a:effectRef>
+      <a:fontRef idx="minor">
+        <a:schemeClr val="lt1"/>
+      </a:fontRef>
+    </dgm:style>
+  </dgm:styleLbl>
+  <dgm:styleLbl name="parChTrans2D2">
+    <dgm:scene3d>
+      <a:camera prst="orthographicFront"/>
+      <a:lightRig rig="threePt" dir="t"/>
+    </dgm:scene3d>
+    <dgm:sp3d/>
+    <dgm:txPr/>
+    <dgm:style>
+      <a:lnRef idx="2">
+        <a:scrgbClr r="0" g="0" b="0"/>
+      </a:lnRef>
+      <a:fillRef idx="1">
+        <a:scrgbClr r="0" g="0" b="0"/>
+      </a:fillRef>
+      <a:effectRef idx="0">
+        <a:scrgbClr r="0" g="0" b="0"/>
+      </a:effectRef>
+      <a:fontRef idx="minor">
+        <a:schemeClr val="lt1"/>
+      </a:fontRef>
+    </dgm:style>
+  </dgm:styleLbl>
+  <dgm:styleLbl name="parChTrans2D3">
+    <dgm:scene3d>
+      <a:camera prst="orthographicFront"/>
+      <a:lightRig rig="threePt" dir="t"/>
+    </dgm:scene3d>
+    <dgm:sp3d/>
+    <dgm:txPr/>
+    <dgm:style>
+      <a:lnRef idx="2">
+        <a:scrgbClr r="0" g="0" b="0"/>
+      </a:lnRef>
+      <a:fillRef idx="1">
+        <a:scrgbClr r="0" g="0" b="0"/>
+      </a:fillRef>
+      <a:effectRef idx="0">
+        <a:scrgbClr r="0" g="0" b="0"/>
+      </a:effectRef>
+      <a:fontRef idx="minor">
+        <a:schemeClr val="lt1"/>
+      </a:fontRef>
+    </dgm:style>
+  </dgm:styleLbl>
+  <dgm:styleLbl name="parChTrans2D4">
+    <dgm:scene3d>
+      <a:camera prst="orthographicFront"/>
+      <a:lightRig rig="threePt" dir="t"/>
+    </dgm:scene3d>
+    <dgm:sp3d/>
+    <dgm:txPr/>
+    <dgm:style>
+      <a:lnRef idx="2">
+        <a:scrgbClr r="0" g="0" b="0"/>
+      </a:lnRef>
+      <a:fillRef idx="1">
+        <a:scrgbClr r="0" g="0" b="0"/>
+      </a:fillRef>
+      <a:effectRef idx="0">
+        <a:scrgbClr r="0" g="0" b="0"/>
+      </a:effectRef>
+      <a:fontRef idx="minor">
+        <a:schemeClr val="lt1"/>
+      </a:fontRef>
+    </dgm:style>
+  </dgm:styleLbl>
+  <dgm:styleLbl name="parChTrans1D1">
+    <dgm:scene3d>
+      <a:camera prst="orthographicFront"/>
+      <a:lightRig rig="threePt" dir="t"/>
+    </dgm:scene3d>
+    <dgm:sp3d/>
+    <dgm:txPr/>
+    <dgm:style>
+      <a:lnRef idx="2">
+        <a:scrgbClr r="0" g="0" b="0"/>
+      </a:lnRef>
+      <a:fillRef idx="0">
+        <a:scrgbClr r="0" g="0" b="0"/>
+      </a:fillRef>
+      <a:effectRef idx="0">
+        <a:scrgbClr r="0" g="0" b="0"/>
+      </a:effectRef>
+      <a:fontRef idx="minor"/>
+    </dgm:style>
+  </dgm:styleLbl>
+  <dgm:styleLbl name="parChTrans1D2">
+    <dgm:scene3d>
+      <a:camera prst="orthographicFront"/>
+      <a:lightRig rig="threePt" dir="t"/>
+    </dgm:scene3d>
+    <dgm:sp3d/>
+    <dgm:txPr/>
+    <dgm:style>
+      <a:lnRef idx="2">
+        <a:scrgbClr r="0" g="0" b="0"/>
+      </a:lnRef>
+      <a:fillRef idx="0">
+        <a:scrgbClr r="0" g="0" b="0"/>
+      </a:fillRef>
+      <a:effectRef idx="0">
+        <a:scrgbClr r="0" g="0" b="0"/>
+      </a:effectRef>
+      <a:fontRef idx="minor"/>
+    </dgm:style>
+  </dgm:styleLbl>
+  <dgm:styleLbl name="parChTrans1D3">
+    <dgm:scene3d>
+      <a:camera prst="orthographicFront"/>
+      <a:lightRig rig="threePt" dir="t"/>
+    </dgm:scene3d>
+    <dgm:sp3d/>
+    <dgm:txPr/>
+    <dgm:style>
+      <a:lnRef idx="2">
+        <a:scrgbClr r="0" g="0" b="0"/>
+      </a:lnRef>
+      <a:fillRef idx="0">
+        <a:scrgbClr r="0" g="0" b="0"/>
+      </a:fillRef>
+      <a:effectRef idx="0">
+        <a:scrgbClr r="0" g="0" b="0"/>
+      </a:effectRef>
+      <a:fontRef idx="minor"/>
+    </dgm:style>
+  </dgm:styleLbl>
+  <dgm:styleLbl name="parChTrans1D4">
+    <dgm:scene3d>
+      <a:camera prst="orthographicFront"/>
+      <a:lightRig rig="threePt" dir="t"/>
+    </dgm:scene3d>
+    <dgm:sp3d/>
+    <dgm:txPr/>
+    <dgm:style>
+      <a:lnRef idx="2">
+        <a:scrgbClr r="0" g="0" b="0"/>
+      </a:lnRef>
+      <a:fillRef idx="0">
+        <a:scrgbClr r="0" g="0" b="0"/>
+      </a:fillRef>
+      <a:effectRef idx="0">
+        <a:scrgbClr r="0" g="0" b="0"/>
+      </a:effectRef>
+      <a:fontRef idx="minor"/>
+    </dgm:style>
+  </dgm:styleLbl>
+  <dgm:styleLbl name="fgAcc1">
+    <dgm:scene3d>
+      <a:camera prst="orthographicFront"/>
+      <a:lightRig rig="threePt" dir="t"/>
+    </dgm:scene3d>
+    <dgm:sp3d/>
+    <dgm:txPr/>
+    <dgm:style>
+      <a:lnRef idx="2">
+        <a:scrgbClr r="0" g="0" b="0"/>
+      </a:lnRef>
+      <a:fillRef idx="1">
+        <a:scrgbClr r="0" g="0" b="0"/>
+      </a:fillRef>
+      <a:effectRef idx="0">
+        <a:scrgbClr r="0" g="0" b="0"/>
+      </a:effectRef>
+      <a:fontRef idx="minor"/>
+    </dgm:style>
+  </dgm:styleLbl>
+  <dgm:styleLbl name="conFgAcc1">
+    <dgm:scene3d>
+      <a:camera prst="orthographicFront"/>
+      <a:lightRig rig="threePt" dir="t"/>
+    </dgm:scene3d>
+    <dgm:sp3d/>
+    <dgm:txPr/>
+    <dgm:style>
+      <a:lnRef idx="2">
+        <a:scrgbClr r="0" g="0" b="0"/>
+      </a:lnRef>
+      <a:fillRef idx="1">
+        <a:scrgbClr r="0" g="0" b="0"/>
+      </a:fillRef>
+      <a:effectRef idx="0">
+        <a:scrgbClr r="0" g="0" b="0"/>
+      </a:effectRef>
+      <a:fontRef idx="minor"/>
+    </dgm:style>
+  </dgm:styleLbl>
+  <dgm:styleLbl name="alignAcc1">
+    <dgm:scene3d>
+      <a:camera prst="orthographicFront"/>
+      <a:lightRig rig="threePt" dir="t"/>
+    </dgm:scene3d>
+    <dgm:sp3d/>
+    <dgm:txPr/>
+    <dgm:style>
+      <a:lnRef idx="2">
+        <a:scrgbClr r="0" g="0" b="0"/>
+      </a:lnRef>
+      <a:fillRef idx="1">
+        <a:scrgbClr r="0" g="0" b="0"/>
+      </a:fillRef>
+      <a:effectRef idx="0">
+        <a:scrgbClr r="0" g="0" b="0"/>
+      </a:effectRef>
+      <a:fontRef idx="minor"/>
+    </dgm:style>
+  </dgm:styleLbl>
+  <dgm:styleLbl name="trAlignAcc1">
+    <dgm:scene3d>
+      <a:camera prst="orthographicFront"/>
+      <a:lightRig rig="threePt" dir="t"/>
+    </dgm:scene3d>
+    <dgm:sp3d/>
+    <dgm:txPr/>
+    <dgm:style>
+      <a:lnRef idx="1">
+        <a:scrgbClr r="0" g="0" b="0"/>
+      </a:lnRef>
+      <a:fillRef idx="1">
+        <a:scrgbClr r="0" g="0" b="0"/>
+      </a:fillRef>
+      <a:effectRef idx="0">
+        <a:scrgbClr r="0" g="0" b="0"/>
+      </a:effectRef>
+      <a:fontRef idx="minor"/>
+    </dgm:style>
+  </dgm:styleLbl>
+  <dgm:styleLbl name="bgAcc1">
+    <dgm:scene3d>
+      <a:camera prst="orthographicFront"/>
+      <a:lightRig rig="threePt" dir="t"/>
+    </dgm:scene3d>
+    <dgm:sp3d/>
+    <dgm:txPr/>
+    <dgm:style>
+      <a:lnRef idx="2">
+        <a:scrgbClr r="0" g="0" b="0"/>
+      </a:lnRef>
+      <a:fillRef idx="1">
+        <a:scrgbClr r="0" g="0" b="0"/>
+      </a:fillRef>
+      <a:effectRef idx="0">
+        <a:scrgbClr r="0" g="0" b="0"/>
+      </a:effectRef>
+      <a:fontRef idx="minor"/>
+    </dgm:style>
+  </dgm:styleLbl>
+  <dgm:styleLbl name="solidFgAcc1">
+    <dgm:scene3d>
+      <a:camera prst="orthographicFront"/>
+      <a:lightRig rig="threePt" dir="t"/>
+    </dgm:scene3d>
+    <dgm:sp3d/>
+    <dgm:txPr/>
+    <dgm:style>
+      <a:lnRef idx="2">
+        <a:scrgbClr r="0" g="0" b="0"/>
+      </a:lnRef>
+      <a:fillRef idx="1">
+        <a:scrgbClr r="0" g="0" b="0"/>
+      </a:fillRef>
+      <a:effectRef idx="0">
+        <a:scrgbClr r="0" g="0" b="0"/>
+      </a:effectRef>
+      <a:fontRef idx="minor"/>
+    </dgm:style>
+  </dgm:styleLbl>
+  <dgm:styleLbl name="solidAlignAcc1">
+    <dgm:scene3d>
+      <a:camera prst="orthographicFront"/>
+      <a:lightRig rig="threePt" dir="t"/>
+    </dgm:scene3d>
+    <dgm:sp3d/>
+    <dgm:txPr/>
+    <dgm:style>
+      <a:lnRef idx="2">
+        <a:scrgbClr r="0" g="0" b="0"/>
+      </a:lnRef>
+      <a:fillRef idx="1">
+        <a:scrgbClr r="0" g="0" b="0"/>
+      </a:fillRef>
+      <a:effectRef idx="0">
+        <a:scrgbClr r="0" g="0" b="0"/>
+      </a:effectRef>
+      <a:fontRef idx="minor"/>
+    </dgm:style>
+  </dgm:styleLbl>
+  <dgm:styleLbl name="solidBgAcc1">
+    <dgm:scene3d>
+      <a:camera prst="orthographicFront"/>
+      <a:lightRig rig="threePt" dir="t"/>
+    </dgm:scene3d>
+    <dgm:sp3d/>
+    <dgm:txPr/>
+    <dgm:style>
+      <a:lnRef idx="2">
+        <a:scrgbClr r="0" g="0" b="0"/>
+      </a:lnRef>
+      <a:fillRef idx="1">
+        <a:scrgbClr r="0" g="0" b="0"/>
+      </a:fillRef>
+      <a:effectRef idx="0">
+        <a:scrgbClr r="0" g="0" b="0"/>
+      </a:effectRef>
+      <a:fontRef idx="minor"/>
+    </dgm:style>
+  </dgm:styleLbl>
+  <dgm:styleLbl name="fgAccFollowNode1">
+    <dgm:scene3d>
+      <a:camera prst="orthographicFront"/>
+      <a:lightRig rig="threePt" dir="t"/>
+    </dgm:scene3d>
+    <dgm:sp3d/>
+    <dgm:txPr/>
+    <dgm:style>
+      <a:lnRef idx="2">
+        <a:scrgbClr r="0" g="0" b="0"/>
+      </a:lnRef>
+      <a:fillRef idx="1">
+        <a:scrgbClr r="0" g="0" b="0"/>
+      </a:fillRef>
+      <a:effectRef idx="0">
+        <a:scrgbClr r="0" g="0" b="0"/>
+      </a:effectRef>
+      <a:fontRef idx="minor"/>
+    </dgm:style>
+  </dgm:styleLbl>
+  <dgm:styleLbl name="alignAccFollowNode1">
+    <dgm:scene3d>
+      <a:camera prst="orthographicFront"/>
+      <a:lightRig rig="threePt" dir="t"/>
+    </dgm:scene3d>
+    <dgm:sp3d/>
+    <dgm:txPr/>
+    <dgm:style>
+      <a:lnRef idx="2">
+        <a:scrgbClr r="0" g="0" b="0"/>
+      </a:lnRef>
+      <a:fillRef idx="1">
+        <a:scrgbClr r="0" g="0" b="0"/>
+      </a:fillRef>
+      <a:effectRef idx="0">
+        <a:scrgbClr r="0" g="0" b="0"/>
+      </a:effectRef>
+      <a:fontRef idx="minor"/>
+    </dgm:style>
+  </dgm:styleLbl>
+  <dgm:styleLbl name="bgAccFollowNode1">
+    <dgm:scene3d>
+      <a:camera prst="orthographicFront"/>
+      <a:lightRig rig="threePt" dir="t"/>
+    </dgm:scene3d>
+    <dgm:sp3d/>
+    <dgm:txPr/>
+    <dgm:style>
+      <a:lnRef idx="2">
+        <a:scrgbClr r="0" g="0" b="0"/>
+      </a:lnRef>
+      <a:fillRef idx="1">
+        <a:scrgbClr r="0" g="0" b="0"/>
+      </a:fillRef>
+      <a:effectRef idx="0">
+        <a:scrgbClr r="0" g="0" b="0"/>
+      </a:effectRef>
+      <a:fontRef idx="minor"/>
+    </dgm:style>
+  </dgm:styleLbl>
+  <dgm:styleLbl name="fgAcc0">
+    <dgm:scene3d>
+      <a:camera prst="orthographicFront"/>
+      <a:lightRig rig="threePt" dir="t"/>
+    </dgm:scene3d>
+    <dgm:sp3d/>
+    <dgm:txPr/>
+    <dgm:style>
+      <a:lnRef idx="2">
+        <a:scrgbClr r="0" g="0" b="0"/>
+      </a:lnRef>
+      <a:fillRef idx="1">
+        <a:scrgbClr r="0" g="0" b="0"/>
+      </a:fillRef>
+      <a:effectRef idx="0">
+        <a:scrgbClr r="0" g="0" b="0"/>
+      </a:effectRef>
+      <a:fontRef idx="minor"/>
+    </dgm:style>
+  </dgm:styleLbl>
+  <dgm:styleLbl name="fgAcc2">
+    <dgm:scene3d>
+      <a:camera prst="orthographicFront"/>
+      <a:lightRig rig="threePt" dir="t"/>
+    </dgm:scene3d>
+    <dgm:sp3d/>
+    <dgm:txPr/>
+    <dgm:style>
+      <a:lnRef idx="2">
+        <a:scrgbClr r="0" g="0" b="0"/>
+      </a:lnRef>
+      <a:fillRef idx="1">
+        <a:scrgbClr r="0" g="0" b="0"/>
+      </a:fillRef>
+      <a:effectRef idx="0">
+        <a:scrgbClr r="0" g="0" b="0"/>
+      </a:effectRef>
+      <a:fontRef idx="minor"/>
+    </dgm:style>
+  </dgm:styleLbl>
+  <dgm:styleLbl name="fgAcc3">
+    <dgm:scene3d>
+      <a:camera prst="orthographicFront"/>
+      <a:lightRig rig="threePt" dir="t"/>
+    </dgm:scene3d>
+    <dgm:sp3d/>
+    <dgm:txPr/>
+    <dgm:style>
+      <a:lnRef idx="2">
+        <a:scrgbClr r="0" g="0" b="0"/>
+      </a:lnRef>
+      <a:fillRef idx="1">
+        <a:scrgbClr r="0" g="0" b="0"/>
+      </a:fillRef>
+      <a:effectRef idx="0">
+        <a:scrgbClr r="0" g="0" b="0"/>
+      </a:effectRef>
+      <a:fontRef idx="minor"/>
+    </dgm:style>
+  </dgm:styleLbl>
+  <dgm:styleLbl name="fgAcc4">
+    <dgm:scene3d>
+      <a:camera prst="orthographicFront"/>
+      <a:lightRig rig="threePt" dir="t"/>
+    </dgm:scene3d>
+    <dgm:sp3d/>
+    <dgm:txPr/>
+    <dgm:style>
+      <a:lnRef idx="2">
+        <a:scrgbClr r="0" g="0" b="0"/>
+      </a:lnRef>
+      <a:fillRef idx="1">
+        <a:scrgbClr r="0" g="0" b="0"/>
+      </a:fillRef>
+      <a:effectRef idx="0">
+        <a:scrgbClr r="0" g="0" b="0"/>
+      </a:effectRef>
+      <a:fontRef idx="minor"/>
+    </dgm:style>
+  </dgm:styleLbl>
+  <dgm:styleLbl name="bgShp">
+    <dgm:scene3d>
+      <a:camera prst="orthographicFront"/>
+      <a:lightRig rig="threePt" dir="t"/>
+    </dgm:scene3d>
+    <dgm:sp3d/>
+    <dgm:txPr/>
+    <dgm:style>
+      <a:lnRef idx="0">
+        <a:scrgbClr r="0" g="0" b="0"/>
+      </a:lnRef>
+      <a:fillRef idx="1">
+        <a:scrgbClr r="0" g="0" b="0"/>
+      </a:fillRef>
+      <a:effectRef idx="0">
+        <a:scrgbClr r="0" g="0" b="0"/>
+      </a:effectRef>
+      <a:fontRef idx="minor"/>
+    </dgm:style>
+  </dgm:styleLbl>
+  <dgm:styleLbl name="dkBgShp">
+    <dgm:scene3d>
+      <a:camera prst="orthographicFront"/>
+      <a:lightRig rig="threePt" dir="t"/>
+    </dgm:scene3d>
+    <dgm:sp3d/>
+    <dgm:txPr/>
+    <dgm:style>
+      <a:lnRef idx="0">
+        <a:scrgbClr r="0" g="0" b="0"/>
+      </a:lnRef>
+      <a:fillRef idx="1">
+        <a:scrgbClr r="0" g="0" b="0"/>
+      </a:fillRef>
+      <a:effectRef idx="0">
+        <a:scrgbClr r="0" g="0" b="0"/>
+      </a:effectRef>
+      <a:fontRef idx="minor"/>
+    </dgm:style>
+  </dgm:styleLbl>
+  <dgm:styleLbl name="trBgShp">
+    <dgm:scene3d>
+      <a:camera prst="orthographicFront"/>
+      <a:lightRig rig="threePt" dir="t"/>
+    </dgm:scene3d>
+    <dgm:sp3d/>
+    <dgm:txPr/>
+    <dgm:style>
+      <a:lnRef idx="0">
+        <a:scrgbClr r="0" g="0" b="0"/>
+      </a:lnRef>
+      <a:fillRef idx="1">
+        <a:scrgbClr r="0" g="0" b="0"/>
+      </a:fillRef>
+      <a:effectRef idx="0">
+        <a:scrgbClr r="0" g="0" b="0"/>
+      </a:effectRef>
+      <a:fontRef idx="minor"/>
+    </dgm:style>
+  </dgm:styleLbl>
+  <dgm:styleLbl name="fgShp">
+    <dgm:scene3d>
+      <a:camera prst="orthographicFront"/>
+      <a:lightRig rig="threePt" dir="t"/>
+    </dgm:scene3d>
+    <dgm:sp3d/>
+    <dgm:txPr/>
+    <dgm:style>
+      <a:lnRef idx="2">
+        <a:scrgbClr r="0" g="0" b="0"/>
+      </a:lnRef>
+      <a:fillRef idx="1">
+        <a:scrgbClr r="0" g="0" b="0"/>
+      </a:fillRef>
+      <a:effectRef idx="0">
+        <a:scrgbClr r="0" g="0" b="0"/>
+      </a:effectRef>
+      <a:fontRef idx="minor"/>
+    </dgm:style>
+  </dgm:styleLbl>
+  <dgm:styleLbl name="revTx">
+    <dgm:scene3d>
+      <a:camera prst="orthographicFront"/>
+      <a:lightRig rig="threePt" dir="t"/>
+    </dgm:scene3d>
+    <dgm:sp3d/>
+    <dgm:txPr/>
+    <dgm:style>
+      <a:lnRef idx="0">
+        <a:scrgbClr r="0" g="0" b="0"/>
+      </a:lnRef>
+      <a:fillRef idx="0">
+        <a:scrgbClr r="0" g="0" b="0"/>
+      </a:fillRef>
+      <a:effectRef idx="0">
+        <a:scrgbClr r="0" g="0" b="0"/>
+      </a:effectRef>
+      <a:fontRef idx="minor"/>
+    </dgm:style>
+  </dgm:styleLbl>
+</dgm:styleDef>
+</file>
+
 <file path=ppt/slideLayouts/slideLayout1.xml><?xml version="1.0" encoding="utf-8"?>
 <p:sldLayout xmlns:a="http://schemas.openxmlformats.org/drawingml/2006/main" xmlns:r="http://schemas.openxmlformats.org/officeDocument/2006/relationships" xmlns:p="http://schemas.openxmlformats.org/presentationml/2006/main" type="title" preserve="1">
   <p:cSld name="标题幻灯片">
@@ -3708,7 +7021,7 @@
           <a:p>
             <a:fld id="{760FBDFE-C587-4B4C-A407-44438C67B59E}" type="datetimeFigureOut">
               <a:rPr lang="zh-CN" altLang="en-US" smtClean="0"/>
-              <a:t>2022/9/17</a:t>
+              <a:t>2022/9/18</a:t>
             </a:fld>
             <a:endParaRPr lang="zh-CN" altLang="en-US"/>
           </a:p>
@@ -3807,7 +7120,7 @@
           <a:p>
             <a:fld id="{760FBDFE-C587-4B4C-A407-44438C67B59E}" type="datetimeFigureOut">
               <a:rPr lang="zh-CN" altLang="en-US" smtClean="0"/>
-              <a:t>2022/9/17</a:t>
+              <a:t>2022/9/18</a:t>
             </a:fld>
             <a:endParaRPr lang="zh-CN" altLang="en-US"/>
           </a:p>
@@ -3965,7 +7278,7 @@
           <a:p>
             <a:fld id="{760FBDFE-C587-4B4C-A407-44438C67B59E}" type="datetimeFigureOut">
               <a:rPr lang="zh-CN" altLang="en-US" smtClean="0"/>
-              <a:t>2022/9/17</a:t>
+              <a:t>2022/9/18</a:t>
             </a:fld>
             <a:endParaRPr lang="zh-CN" altLang="en-US"/>
           </a:p>
@@ -4236,7 +7549,7 @@
           <a:p>
             <a:fld id="{760FBDFE-C587-4B4C-A407-44438C67B59E}" type="datetimeFigureOut">
               <a:rPr lang="zh-CN" altLang="en-US" smtClean="0"/>
-              <a:t>2022/9/17</a:t>
+              <a:t>2022/9/18</a:t>
             </a:fld>
             <a:endParaRPr lang="zh-CN" altLang="en-US"/>
           </a:p>
@@ -4496,7 +7809,7 @@
           <a:p>
             <a:fld id="{760FBDFE-C587-4B4C-A407-44438C67B59E}" type="datetimeFigureOut">
               <a:rPr lang="zh-CN" altLang="en-US" smtClean="0"/>
-              <a:t>2022/9/17</a:t>
+              <a:t>2022/9/18</a:t>
             </a:fld>
             <a:endParaRPr lang="zh-CN" altLang="en-US"/>
           </a:p>
@@ -4750,7 +8063,7 @@
           <a:p>
             <a:fld id="{760FBDFE-C587-4B4C-A407-44438C67B59E}" type="datetimeFigureOut">
               <a:rPr lang="zh-CN" altLang="en-US" smtClean="0"/>
-              <a:t>2022/9/17</a:t>
+              <a:t>2022/9/18</a:t>
             </a:fld>
             <a:endParaRPr lang="zh-CN" altLang="en-US"/>
           </a:p>
@@ -5164,7 +8477,7 @@
           <a:p>
             <a:fld id="{760FBDFE-C587-4B4C-A407-44438C67B59E}" type="datetimeFigureOut">
               <a:rPr lang="zh-CN" altLang="en-US" smtClean="0"/>
-              <a:t>2022/9/17</a:t>
+              <a:t>2022/9/18</a:t>
             </a:fld>
             <a:endParaRPr lang="zh-CN" altLang="en-US"/>
           </a:p>
@@ -5296,7 +8609,7 @@
           <a:p>
             <a:fld id="{760FBDFE-C587-4B4C-A407-44438C67B59E}" type="datetimeFigureOut">
               <a:rPr lang="zh-CN" altLang="en-US" smtClean="0"/>
-              <a:t>2022/9/17</a:t>
+              <a:t>2022/9/18</a:t>
             </a:fld>
             <a:endParaRPr lang="zh-CN" altLang="en-US"/>
           </a:p>
@@ -5395,7 +8708,7 @@
           <a:p>
             <a:fld id="{760FBDFE-C587-4B4C-A407-44438C67B59E}" type="datetimeFigureOut">
               <a:rPr lang="zh-CN" altLang="en-US" smtClean="0"/>
-              <a:t>2022/9/17</a:t>
+              <a:t>2022/9/18</a:t>
             </a:fld>
             <a:endParaRPr lang="zh-CN" altLang="en-US"/>
           </a:p>
@@ -5567,7 +8880,7 @@
           <a:p>
             <a:fld id="{9EFD9D74-47D9-4702-A33C-335B63B48DBF}" type="datetimeFigureOut">
               <a:rPr lang="zh-CN" altLang="en-US" smtClean="0"/>
-              <a:t>2022/9/17</a:t>
+              <a:t>2022/9/18</a:t>
             </a:fld>
             <a:endParaRPr lang="zh-CN" altLang="en-US" dirty="0"/>
           </a:p>
@@ -5807,7 +9120,7 @@
           <a:p>
             <a:fld id="{760FBDFE-C587-4B4C-A407-44438C67B59E}" type="datetimeFigureOut">
               <a:rPr lang="zh-CN" altLang="en-US" smtClean="0"/>
-              <a:t>2022/9/17</a:t>
+              <a:t>2022/9/18</a:t>
             </a:fld>
             <a:endParaRPr lang="zh-CN" altLang="en-US"/>
           </a:p>
@@ -6030,7 +9343,7 @@
           <a:p>
             <a:fld id="{760FBDFE-C587-4B4C-A407-44438C67B59E}" type="datetimeFigureOut">
               <a:rPr lang="zh-CN" altLang="en-US" smtClean="0"/>
-              <a:t>2022/9/17</a:t>
+              <a:t>2022/9/18</a:t>
             </a:fld>
             <a:endParaRPr lang="zh-CN" altLang="en-US"/>
           </a:p>
@@ -8050,7 +11363,7 @@
           <p:nvPr>
             <p:extLst>
               <p:ext uri="{D42A27DB-BD31-4B8C-83A1-F6EECF244321}">
-                <p14:modId xmlns:p14="http://schemas.microsoft.com/office/powerpoint/2010/main" val="3263836807"/>
+                <p14:modId xmlns:p14="http://schemas.microsoft.com/office/powerpoint/2010/main" val="4278748368"/>
               </p:ext>
             </p:extLst>
           </p:nvPr>
@@ -8062,6 +11375,34 @@
         <a:graphic>
           <a:graphicData uri="http://schemas.openxmlformats.org/drawingml/2006/diagram">
             <dgm:relIds xmlns:dgm="http://schemas.openxmlformats.org/drawingml/2006/diagram" xmlns:r="http://schemas.openxmlformats.org/officeDocument/2006/relationships" r:dm="rId2" r:lo="rId3" r:qs="rId4" r:cs="rId5"/>
+          </a:graphicData>
+        </a:graphic>
+      </p:graphicFrame>
+      <p:graphicFrame>
+        <p:nvGraphicFramePr>
+          <p:cNvPr id="2" name="图示 1">
+            <a:extLst>
+              <a:ext uri="{FF2B5EF4-FFF2-40B4-BE49-F238E27FC236}">
+                <a16:creationId xmlns:a16="http://schemas.microsoft.com/office/drawing/2014/main" id="{1757929D-D2DF-3B99-CA60-3D54E5359A2C}"/>
+              </a:ext>
+            </a:extLst>
+          </p:cNvPr>
+          <p:cNvGraphicFramePr/>
+          <p:nvPr>
+            <p:extLst>
+              <p:ext uri="{D42A27DB-BD31-4B8C-83A1-F6EECF244321}">
+                <p14:modId xmlns:p14="http://schemas.microsoft.com/office/powerpoint/2010/main" val="3957101903"/>
+              </p:ext>
+            </p:extLst>
+          </p:nvPr>
+        </p:nvGraphicFramePr>
+        <p:xfrm>
+          <a:off x="1123189" y="3373581"/>
+          <a:ext cx="7166636" cy="698501"/>
+        </p:xfrm>
+        <a:graphic>
+          <a:graphicData uri="http://schemas.openxmlformats.org/drawingml/2006/diagram">
+            <dgm:relIds xmlns:dgm="http://schemas.openxmlformats.org/drawingml/2006/diagram" xmlns:r="http://schemas.openxmlformats.org/officeDocument/2006/relationships" r:dm="rId7" r:lo="rId8" r:qs="rId9" r:cs="rId10"/>
           </a:graphicData>
         </a:graphic>
       </p:graphicFrame>
@@ -9004,6 +12345,366 @@
     <p:extLst>
       <p:ext uri="{BB962C8B-B14F-4D97-AF65-F5344CB8AC3E}">
         <p14:creationId xmlns:p14="http://schemas.microsoft.com/office/powerpoint/2010/main" val="3309902523"/>
+      </p:ext>
+    </p:extLst>
+  </p:cSld>
+  <p:clrMapOvr>
+    <a:masterClrMapping/>
+  </p:clrMapOvr>
+</p:sld>
+</file>
+
+<file path=ppt/slides/slide5.xml><?xml version="1.0" encoding="utf-8"?>
+<p:sld xmlns:a="http://schemas.openxmlformats.org/drawingml/2006/main" xmlns:r="http://schemas.openxmlformats.org/officeDocument/2006/relationships" xmlns:p="http://schemas.openxmlformats.org/presentationml/2006/main">
+  <p:cSld>
+    <p:spTree>
+      <p:nvGrpSpPr>
+        <p:cNvPr id="1" name=""/>
+        <p:cNvGrpSpPr/>
+        <p:nvPr/>
+      </p:nvGrpSpPr>
+      <p:grpSpPr>
+        <a:xfrm>
+          <a:off x="0" y="0"/>
+          <a:ext cx="0" cy="0"/>
+          <a:chOff x="0" y="0"/>
+          <a:chExt cx="0" cy="0"/>
+        </a:xfrm>
+      </p:grpSpPr>
+      <p:pic>
+        <p:nvPicPr>
+          <p:cNvPr id="5" name="图片 4">
+            <a:extLst>
+              <a:ext uri="{FF2B5EF4-FFF2-40B4-BE49-F238E27FC236}">
+                <a16:creationId xmlns:a16="http://schemas.microsoft.com/office/drawing/2014/main" id="{7F2BD185-6D85-8FD8-F9C4-831EA3C2192D}"/>
+              </a:ext>
+            </a:extLst>
+          </p:cNvPr>
+          <p:cNvPicPr>
+            <a:picLocks noChangeAspect="1"/>
+          </p:cNvPicPr>
+          <p:nvPr/>
+        </p:nvPicPr>
+        <p:blipFill>
+          <a:blip r:embed="rId2">
+            <a:extLst>
+              <a:ext uri="{28A0092B-C50C-407E-A947-70E740481C1C}">
+                <a14:useLocalDpi xmlns:a14="http://schemas.microsoft.com/office/drawing/2010/main" val="0"/>
+              </a:ext>
+            </a:extLst>
+          </a:blip>
+          <a:stretch>
+            <a:fillRect/>
+          </a:stretch>
+        </p:blipFill>
+        <p:spPr>
+          <a:xfrm>
+            <a:off x="4820996" y="-83534"/>
+            <a:ext cx="5485714" cy="3657143"/>
+          </a:xfrm>
+          <a:prstGeom prst="rect">
+            <a:avLst/>
+          </a:prstGeom>
+        </p:spPr>
+      </p:pic>
+      <p:pic>
+        <p:nvPicPr>
+          <p:cNvPr id="7" name="图片 6">
+            <a:extLst>
+              <a:ext uri="{FF2B5EF4-FFF2-40B4-BE49-F238E27FC236}">
+                <a16:creationId xmlns:a16="http://schemas.microsoft.com/office/drawing/2014/main" id="{8FC44979-6B6A-0F78-6DE9-9C999024EB2B}"/>
+              </a:ext>
+            </a:extLst>
+          </p:cNvPr>
+          <p:cNvPicPr>
+            <a:picLocks noChangeAspect="1"/>
+          </p:cNvPicPr>
+          <p:nvPr/>
+        </p:nvPicPr>
+        <p:blipFill>
+          <a:blip r:embed="rId3">
+            <a:extLst>
+              <a:ext uri="{28A0092B-C50C-407E-A947-70E740481C1C}">
+                <a14:useLocalDpi xmlns:a14="http://schemas.microsoft.com/office/drawing/2010/main" val="0"/>
+              </a:ext>
+            </a:extLst>
+          </a:blip>
+          <a:stretch>
+            <a:fillRect/>
+          </a:stretch>
+        </p:blipFill>
+        <p:spPr>
+          <a:xfrm>
+            <a:off x="220792" y="84450"/>
+            <a:ext cx="5485714" cy="3657143"/>
+          </a:xfrm>
+          <a:prstGeom prst="rect">
+            <a:avLst/>
+          </a:prstGeom>
+        </p:spPr>
+      </p:pic>
+      <p:pic>
+        <p:nvPicPr>
+          <p:cNvPr id="9" name="图片 8">
+            <a:extLst>
+              <a:ext uri="{FF2B5EF4-FFF2-40B4-BE49-F238E27FC236}">
+                <a16:creationId xmlns:a16="http://schemas.microsoft.com/office/drawing/2014/main" id="{CA5ED7AF-C73C-E132-E727-82D9684FDBEE}"/>
+              </a:ext>
+            </a:extLst>
+          </p:cNvPr>
+          <p:cNvPicPr>
+            <a:picLocks noChangeAspect="1"/>
+          </p:cNvPicPr>
+          <p:nvPr/>
+        </p:nvPicPr>
+        <p:blipFill>
+          <a:blip r:embed="rId4">
+            <a:extLst>
+              <a:ext uri="{28A0092B-C50C-407E-A947-70E740481C1C}">
+                <a14:useLocalDpi xmlns:a14="http://schemas.microsoft.com/office/drawing/2010/main" val="0"/>
+              </a:ext>
+            </a:extLst>
+          </a:blip>
+          <a:stretch>
+            <a:fillRect/>
+          </a:stretch>
+        </p:blipFill>
+        <p:spPr>
+          <a:xfrm>
+            <a:off x="5506796" y="3116407"/>
+            <a:ext cx="5485714" cy="3657143"/>
+          </a:xfrm>
+          <a:prstGeom prst="rect">
+            <a:avLst/>
+          </a:prstGeom>
+        </p:spPr>
+      </p:pic>
+      <p:pic>
+        <p:nvPicPr>
+          <p:cNvPr id="11" name="图片 10">
+            <a:extLst>
+              <a:ext uri="{FF2B5EF4-FFF2-40B4-BE49-F238E27FC236}">
+                <a16:creationId xmlns:a16="http://schemas.microsoft.com/office/drawing/2014/main" id="{7C4A51F9-1ACC-9AE0-9D3F-9E342BCB9A8A}"/>
+              </a:ext>
+            </a:extLst>
+          </p:cNvPr>
+          <p:cNvPicPr>
+            <a:picLocks noChangeAspect="1"/>
+          </p:cNvPicPr>
+          <p:nvPr/>
+        </p:nvPicPr>
+        <p:blipFill>
+          <a:blip r:embed="rId5">
+            <a:extLst>
+              <a:ext uri="{28A0092B-C50C-407E-A947-70E740481C1C}">
+                <a14:useLocalDpi xmlns:a14="http://schemas.microsoft.com/office/drawing/2010/main" val="0"/>
+              </a:ext>
+            </a:extLst>
+          </a:blip>
+          <a:stretch>
+            <a:fillRect/>
+          </a:stretch>
+        </p:blipFill>
+        <p:spPr>
+          <a:xfrm>
+            <a:off x="0" y="3898232"/>
+            <a:ext cx="5485714" cy="3657143"/>
+          </a:xfrm>
+          <a:prstGeom prst="rect">
+            <a:avLst/>
+          </a:prstGeom>
+        </p:spPr>
+      </p:pic>
+      <p:cxnSp>
+        <p:nvCxnSpPr>
+          <p:cNvPr id="13" name="直接连接符 12">
+            <a:extLst>
+              <a:ext uri="{FF2B5EF4-FFF2-40B4-BE49-F238E27FC236}">
+                <a16:creationId xmlns:a16="http://schemas.microsoft.com/office/drawing/2014/main" id="{EC1F4D5B-45B2-C712-8808-8330D0E4E262}"/>
+              </a:ext>
+            </a:extLst>
+          </p:cNvPr>
+          <p:cNvCxnSpPr>
+            <a:cxnSpLocks/>
+          </p:cNvCxnSpPr>
+          <p:nvPr/>
+        </p:nvCxnSpPr>
+        <p:spPr>
+          <a:xfrm>
+            <a:off x="3681663" y="529389"/>
+            <a:ext cx="0" cy="2737185"/>
+          </a:xfrm>
+          <a:prstGeom prst="line">
+            <a:avLst/>
+          </a:prstGeom>
+          <a:ln w="19050">
+            <a:solidFill>
+              <a:schemeClr val="accent6">
+                <a:lumMod val="75000"/>
+              </a:schemeClr>
+            </a:solidFill>
+            <a:prstDash val="sysDash"/>
+          </a:ln>
+        </p:spPr>
+        <p:style>
+          <a:lnRef idx="1">
+            <a:schemeClr val="accent1"/>
+          </a:lnRef>
+          <a:fillRef idx="0">
+            <a:schemeClr val="accent1"/>
+          </a:fillRef>
+          <a:effectRef idx="0">
+            <a:schemeClr val="accent1"/>
+          </a:effectRef>
+          <a:fontRef idx="minor">
+            <a:schemeClr val="tx1"/>
+          </a:fontRef>
+        </p:style>
+      </p:cxnSp>
+      <p:cxnSp>
+        <p:nvCxnSpPr>
+          <p:cNvPr id="16" name="直接连接符 15">
+            <a:extLst>
+              <a:ext uri="{FF2B5EF4-FFF2-40B4-BE49-F238E27FC236}">
+                <a16:creationId xmlns:a16="http://schemas.microsoft.com/office/drawing/2014/main" id="{D0EF625A-473A-347F-3A9C-E8AE8E58BCF1}"/>
+              </a:ext>
+            </a:extLst>
+          </p:cNvPr>
+          <p:cNvCxnSpPr>
+            <a:cxnSpLocks/>
+          </p:cNvCxnSpPr>
+          <p:nvPr/>
+        </p:nvCxnSpPr>
+        <p:spPr>
+          <a:xfrm>
+            <a:off x="7676147" y="3573609"/>
+            <a:ext cx="0" cy="2749215"/>
+          </a:xfrm>
+          <a:prstGeom prst="line">
+            <a:avLst/>
+          </a:prstGeom>
+          <a:ln w="19050">
+            <a:solidFill>
+              <a:schemeClr val="accent6">
+                <a:lumMod val="75000"/>
+              </a:schemeClr>
+            </a:solidFill>
+            <a:prstDash val="sysDash"/>
+          </a:ln>
+        </p:spPr>
+        <p:style>
+          <a:lnRef idx="1">
+            <a:schemeClr val="accent1"/>
+          </a:lnRef>
+          <a:fillRef idx="0">
+            <a:schemeClr val="accent1"/>
+          </a:fillRef>
+          <a:effectRef idx="0">
+            <a:schemeClr val="accent1"/>
+          </a:effectRef>
+          <a:fontRef idx="minor">
+            <a:schemeClr val="tx1"/>
+          </a:fontRef>
+        </p:style>
+      </p:cxnSp>
+      <p:cxnSp>
+        <p:nvCxnSpPr>
+          <p:cNvPr id="18" name="直接连接符 17">
+            <a:extLst>
+              <a:ext uri="{FF2B5EF4-FFF2-40B4-BE49-F238E27FC236}">
+                <a16:creationId xmlns:a16="http://schemas.microsoft.com/office/drawing/2014/main" id="{39BEF8ED-BCC3-6F8B-287E-D2683F11BC66}"/>
+              </a:ext>
+            </a:extLst>
+          </p:cNvPr>
+          <p:cNvCxnSpPr>
+            <a:cxnSpLocks/>
+          </p:cNvCxnSpPr>
+          <p:nvPr/>
+        </p:nvCxnSpPr>
+        <p:spPr>
+          <a:xfrm flipH="1">
+            <a:off x="906592" y="637674"/>
+            <a:ext cx="4236908" cy="0"/>
+          </a:xfrm>
+          <a:prstGeom prst="line">
+            <a:avLst/>
+          </a:prstGeom>
+          <a:ln w="19050">
+            <a:solidFill>
+              <a:schemeClr val="accent6">
+                <a:lumMod val="40000"/>
+                <a:lumOff val="60000"/>
+              </a:schemeClr>
+            </a:solidFill>
+            <a:prstDash val="sysDash"/>
+          </a:ln>
+        </p:spPr>
+        <p:style>
+          <a:lnRef idx="1">
+            <a:schemeClr val="accent1"/>
+          </a:lnRef>
+          <a:fillRef idx="0">
+            <a:schemeClr val="accent1"/>
+          </a:fillRef>
+          <a:effectRef idx="0">
+            <a:schemeClr val="accent1"/>
+          </a:effectRef>
+          <a:fontRef idx="minor">
+            <a:schemeClr val="tx1"/>
+          </a:fontRef>
+        </p:style>
+      </p:cxnSp>
+      <p:cxnSp>
+        <p:nvCxnSpPr>
+          <p:cNvPr id="21" name="直接连接符 20">
+            <a:extLst>
+              <a:ext uri="{FF2B5EF4-FFF2-40B4-BE49-F238E27FC236}">
+                <a16:creationId xmlns:a16="http://schemas.microsoft.com/office/drawing/2014/main" id="{1136BCFD-CB40-CCF8-B042-ED1EC0F1FF88}"/>
+              </a:ext>
+            </a:extLst>
+          </p:cNvPr>
+          <p:cNvCxnSpPr>
+            <a:cxnSpLocks/>
+          </p:cNvCxnSpPr>
+          <p:nvPr/>
+        </p:nvCxnSpPr>
+        <p:spPr>
+          <a:xfrm flipH="1">
+            <a:off x="6176424" y="3651585"/>
+            <a:ext cx="4236908" cy="0"/>
+          </a:xfrm>
+          <a:prstGeom prst="line">
+            <a:avLst/>
+          </a:prstGeom>
+          <a:ln w="19050">
+            <a:solidFill>
+              <a:schemeClr val="accent6">
+                <a:lumMod val="40000"/>
+                <a:lumOff val="60000"/>
+              </a:schemeClr>
+            </a:solidFill>
+            <a:prstDash val="sysDash"/>
+          </a:ln>
+        </p:spPr>
+        <p:style>
+          <a:lnRef idx="1">
+            <a:schemeClr val="accent1"/>
+          </a:lnRef>
+          <a:fillRef idx="0">
+            <a:schemeClr val="accent1"/>
+          </a:fillRef>
+          <a:effectRef idx="0">
+            <a:schemeClr val="accent1"/>
+          </a:effectRef>
+          <a:fontRef idx="minor">
+            <a:schemeClr val="tx1"/>
+          </a:fontRef>
+        </p:style>
+      </p:cxnSp>
+    </p:spTree>
+    <p:extLst>
+      <p:ext uri="{BB962C8B-B14F-4D97-AF65-F5344CB8AC3E}">
+        <p14:creationId xmlns:p14="http://schemas.microsoft.com/office/powerpoint/2010/main" val="3133091056"/>
       </p:ext>
     </p:extLst>
   </p:cSld>
